--- a/Whiteboard design session/resources/Diagrams.pptx
+++ b/Whiteboard design session/resources/Diagrams.pptx
@@ -200,7 +200,7 @@
           <a:p>
             <a:fld id="{877E2508-B5E2-4D40-8ED0-8E8E41B00F04}" type="datetimeFigureOut">
               <a:rPr lang="en-US" smtClean="0"/>
-              <a:t>6/20/2018</a:t>
+              <a:t>1/15/19</a:t>
             </a:fld>
             <a:endParaRPr lang="en-US"/>
           </a:p>
@@ -842,7 +842,7 @@
           <a:p>
             <a:fld id="{6F32BA24-77A6-4699-9B9E-D0B6E743AD6F}" type="datetimeFigureOut">
               <a:rPr lang="en-US" smtClean="0"/>
-              <a:t>6/20/2018</a:t>
+              <a:t>1/15/19</a:t>
             </a:fld>
             <a:endParaRPr lang="en-US"/>
           </a:p>
@@ -1040,7 +1040,7 @@
           <a:p>
             <a:fld id="{6F32BA24-77A6-4699-9B9E-D0B6E743AD6F}" type="datetimeFigureOut">
               <a:rPr lang="en-US" smtClean="0"/>
-              <a:t>6/20/2018</a:t>
+              <a:t>1/15/19</a:t>
             </a:fld>
             <a:endParaRPr lang="en-US"/>
           </a:p>
@@ -1248,7 +1248,7 @@
           <a:p>
             <a:fld id="{6F32BA24-77A6-4699-9B9E-D0B6E743AD6F}" type="datetimeFigureOut">
               <a:rPr lang="en-US" smtClean="0"/>
-              <a:t>6/20/2018</a:t>
+              <a:t>1/15/19</a:t>
             </a:fld>
             <a:endParaRPr lang="en-US"/>
           </a:p>
@@ -6448,7 +6448,7 @@
           <a:p>
             <a:fld id="{6F32BA24-77A6-4699-9B9E-D0B6E743AD6F}" type="datetimeFigureOut">
               <a:rPr lang="en-US" smtClean="0"/>
-              <a:t>6/20/2018</a:t>
+              <a:t>1/15/19</a:t>
             </a:fld>
             <a:endParaRPr lang="en-US"/>
           </a:p>
@@ -9401,7 +9401,7 @@
           <a:p>
             <a:fld id="{6F32BA24-77A6-4699-9B9E-D0B6E743AD6F}" type="datetimeFigureOut">
               <a:rPr lang="en-US" smtClean="0"/>
-              <a:t>6/20/2018</a:t>
+              <a:t>1/15/19</a:t>
             </a:fld>
             <a:endParaRPr lang="en-US"/>
           </a:p>
@@ -9666,7 +9666,7 @@
           <a:p>
             <a:fld id="{6F32BA24-77A6-4699-9B9E-D0B6E743AD6F}" type="datetimeFigureOut">
               <a:rPr lang="en-US" smtClean="0"/>
-              <a:t>6/20/2018</a:t>
+              <a:t>1/15/19</a:t>
             </a:fld>
             <a:endParaRPr lang="en-US"/>
           </a:p>
@@ -10078,7 +10078,7 @@
           <a:p>
             <a:fld id="{6F32BA24-77A6-4699-9B9E-D0B6E743AD6F}" type="datetimeFigureOut">
               <a:rPr lang="en-US" smtClean="0"/>
-              <a:t>6/20/2018</a:t>
+              <a:t>1/15/19</a:t>
             </a:fld>
             <a:endParaRPr lang="en-US"/>
           </a:p>
@@ -10219,7 +10219,7 @@
           <a:p>
             <a:fld id="{6F32BA24-77A6-4699-9B9E-D0B6E743AD6F}" type="datetimeFigureOut">
               <a:rPr lang="en-US" smtClean="0"/>
-              <a:t>6/20/2018</a:t>
+              <a:t>1/15/19</a:t>
             </a:fld>
             <a:endParaRPr lang="en-US"/>
           </a:p>
@@ -10332,7 +10332,7 @@
           <a:p>
             <a:fld id="{6F32BA24-77A6-4699-9B9E-D0B6E743AD6F}" type="datetimeFigureOut">
               <a:rPr lang="en-US" smtClean="0"/>
-              <a:t>6/20/2018</a:t>
+              <a:t>1/15/19</a:t>
             </a:fld>
             <a:endParaRPr lang="en-US"/>
           </a:p>
@@ -10643,7 +10643,7 @@
           <a:p>
             <a:fld id="{6F32BA24-77A6-4699-9B9E-D0B6E743AD6F}" type="datetimeFigureOut">
               <a:rPr lang="en-US" smtClean="0"/>
-              <a:t>6/20/2018</a:t>
+              <a:t>1/15/19</a:t>
             </a:fld>
             <a:endParaRPr lang="en-US"/>
           </a:p>
@@ -10931,7 +10931,7 @@
           <a:p>
             <a:fld id="{6F32BA24-77A6-4699-9B9E-D0B6E743AD6F}" type="datetimeFigureOut">
               <a:rPr lang="en-US" smtClean="0"/>
-              <a:t>6/20/2018</a:t>
+              <a:t>1/15/19</a:t>
             </a:fld>
             <a:endParaRPr lang="en-US"/>
           </a:p>
@@ -11172,7 +11172,7 @@
           <a:p>
             <a:fld id="{6F32BA24-77A6-4699-9B9E-D0B6E743AD6F}" type="datetimeFigureOut">
               <a:rPr lang="en-US" smtClean="0"/>
-              <a:t>6/20/2018</a:t>
+              <a:t>1/15/19</a:t>
             </a:fld>
             <a:endParaRPr lang="en-US"/>
           </a:p>
@@ -12224,1118 +12224,1127 @@
           <a:chExt cx="0" cy="0"/>
         </a:xfrm>
       </p:grpSpPr>
-      <p:pic>
-        <p:nvPicPr>
-          <p:cNvPr id="7" name="Picture 6">
+      <p:grpSp>
+        <p:nvGrpSpPr>
+          <p:cNvPr id="4" name="Group 3">
             <a:extLst>
               <a:ext uri="{FF2B5EF4-FFF2-40B4-BE49-F238E27FC236}">
-                <a16:creationId xmlns:a16="http://schemas.microsoft.com/office/drawing/2014/main" id="{524F06D8-05ED-4CFF-9675-C7B7362D4604}"/>
+                <a16:creationId xmlns:a16="http://schemas.microsoft.com/office/drawing/2014/main" id="{9FB07C8F-5037-034A-930B-982036C62038}"/>
               </a:ext>
             </a:extLst>
           </p:cNvPr>
-          <p:cNvPicPr>
-            <a:picLocks noChangeAspect="1"/>
-          </p:cNvPicPr>
+          <p:cNvGrpSpPr/>
           <p:nvPr/>
-        </p:nvPicPr>
-        <p:blipFill>
-          <a:blip r:embed="rId2">
-            <a:extLst>
-              <a:ext uri="{28A0092B-C50C-407E-A947-70E740481C1C}">
-                <a14:useLocalDpi xmlns:a14="http://schemas.microsoft.com/office/drawing/2010/main" val="0"/>
-              </a:ext>
-            </a:extLst>
-          </a:blip>
-          <a:stretch>
-            <a:fillRect/>
-          </a:stretch>
-        </p:blipFill>
-        <p:spPr>
+        </p:nvGrpSpPr>
+        <p:grpSpPr>
           <a:xfrm>
-            <a:off x="426262" y="2398327"/>
-            <a:ext cx="481585" cy="481585"/>
+            <a:off x="426262" y="1747556"/>
+            <a:ext cx="11996998" cy="3110851"/>
+            <a:chOff x="426262" y="1747556"/>
+            <a:chExt cx="11996998" cy="3110851"/>
           </a:xfrm>
-          <a:prstGeom prst="rect">
-            <a:avLst/>
-          </a:prstGeom>
-        </p:spPr>
-      </p:pic>
-      <p:pic>
-        <p:nvPicPr>
-          <p:cNvPr id="9" name="Picture 8">
-            <a:extLst>
-              <a:ext uri="{FF2B5EF4-FFF2-40B4-BE49-F238E27FC236}">
-                <a16:creationId xmlns:a16="http://schemas.microsoft.com/office/drawing/2014/main" id="{7EC5C32A-65A5-447C-A2D9-EC63A992B055}"/>
-              </a:ext>
-            </a:extLst>
-          </p:cNvPr>
-          <p:cNvPicPr>
-            <a:picLocks noChangeAspect="1"/>
-          </p:cNvPicPr>
-          <p:nvPr/>
-        </p:nvPicPr>
-        <p:blipFill>
-          <a:blip r:embed="rId3">
-            <a:extLst>
-              <a:ext uri="{28A0092B-C50C-407E-A947-70E740481C1C}">
-                <a14:useLocalDpi xmlns:a14="http://schemas.microsoft.com/office/drawing/2010/main" val="0"/>
-              </a:ext>
-            </a:extLst>
-          </a:blip>
-          <a:stretch>
-            <a:fillRect/>
-          </a:stretch>
-        </p:blipFill>
-        <p:spPr>
-          <a:xfrm>
-            <a:off x="426262" y="3067997"/>
-            <a:ext cx="481585" cy="481585"/>
-          </a:xfrm>
-          <a:prstGeom prst="rect">
-            <a:avLst/>
-          </a:prstGeom>
-        </p:spPr>
-      </p:pic>
-      <p:pic>
-        <p:nvPicPr>
-          <p:cNvPr id="11" name="Picture 10">
-            <a:extLst>
-              <a:ext uri="{FF2B5EF4-FFF2-40B4-BE49-F238E27FC236}">
-                <a16:creationId xmlns:a16="http://schemas.microsoft.com/office/drawing/2014/main" id="{808535D6-7772-4799-B022-B78B187B7466}"/>
-              </a:ext>
-            </a:extLst>
-          </p:cNvPr>
-          <p:cNvPicPr>
-            <a:picLocks noChangeAspect="1"/>
-          </p:cNvPicPr>
-          <p:nvPr/>
-        </p:nvPicPr>
-        <p:blipFill>
-          <a:blip r:embed="rId4">
-            <a:extLst>
-              <a:ext uri="{28A0092B-C50C-407E-A947-70E740481C1C}">
-                <a14:useLocalDpi xmlns:a14="http://schemas.microsoft.com/office/drawing/2010/main" val="0"/>
-              </a:ext>
-            </a:extLst>
-          </a:blip>
-          <a:stretch>
-            <a:fillRect/>
-          </a:stretch>
-        </p:blipFill>
-        <p:spPr>
-          <a:xfrm>
-            <a:off x="441086" y="1802247"/>
-            <a:ext cx="481585" cy="481585"/>
-          </a:xfrm>
-          <a:prstGeom prst="rect">
-            <a:avLst/>
-          </a:prstGeom>
-        </p:spPr>
-      </p:pic>
-      <p:sp>
-        <p:nvSpPr>
-          <p:cNvPr id="12" name="TextBox 11">
-            <a:extLst>
-              <a:ext uri="{FF2B5EF4-FFF2-40B4-BE49-F238E27FC236}">
-                <a16:creationId xmlns:a16="http://schemas.microsoft.com/office/drawing/2014/main" id="{48603229-FB9A-4C63-B6B7-4C61CF771A42}"/>
-              </a:ext>
-            </a:extLst>
-          </p:cNvPr>
-          <p:cNvSpPr txBox="1"/>
-          <p:nvPr/>
-        </p:nvSpPr>
-        <p:spPr>
-          <a:xfrm>
-            <a:off x="1069991" y="1820401"/>
-            <a:ext cx="4363720" cy="400110"/>
-          </a:xfrm>
-          <a:prstGeom prst="rect">
-            <a:avLst/>
-          </a:prstGeom>
-          <a:noFill/>
-        </p:spPr>
-        <p:txBody>
-          <a:bodyPr wrap="square" rtlCol="0">
-            <a:spAutoFit/>
-          </a:bodyPr>
-          <a:lstStyle/>
-          <a:p>
-            <a:r>
-              <a:rPr lang="en-US" sz="2000" dirty="0"/>
-              <a:t>Visual Studio Team Services </a:t>
-            </a:r>
-          </a:p>
-        </p:txBody>
-      </p:sp>
-      <p:sp>
-        <p:nvSpPr>
-          <p:cNvPr id="13" name="TextBox 12">
-            <a:extLst>
-              <a:ext uri="{FF2B5EF4-FFF2-40B4-BE49-F238E27FC236}">
-                <a16:creationId xmlns:a16="http://schemas.microsoft.com/office/drawing/2014/main" id="{525A4DF5-84F1-476E-985D-F9F8FB2EB9E9}"/>
-              </a:ext>
-            </a:extLst>
-          </p:cNvPr>
-          <p:cNvSpPr txBox="1"/>
-          <p:nvPr/>
-        </p:nvSpPr>
-        <p:spPr>
-          <a:xfrm>
-            <a:off x="1090311" y="2479299"/>
-            <a:ext cx="5725280" cy="400110"/>
-          </a:xfrm>
-          <a:prstGeom prst="rect">
-            <a:avLst/>
-          </a:prstGeom>
-          <a:noFill/>
-        </p:spPr>
-        <p:txBody>
-          <a:bodyPr wrap="square" rtlCol="0">
-            <a:spAutoFit/>
-          </a:bodyPr>
-          <a:lstStyle/>
-          <a:p>
-            <a:r>
-              <a:rPr lang="en-US" sz="2000" dirty="0"/>
-              <a:t>Visual Studio Team Services Git Repo</a:t>
-            </a:r>
-          </a:p>
-        </p:txBody>
-      </p:sp>
-      <p:sp>
-        <p:nvSpPr>
-          <p:cNvPr id="14" name="TextBox 13">
-            <a:extLst>
-              <a:ext uri="{FF2B5EF4-FFF2-40B4-BE49-F238E27FC236}">
-                <a16:creationId xmlns:a16="http://schemas.microsoft.com/office/drawing/2014/main" id="{DC20782D-8845-4BA4-BC5F-303EDB1500A8}"/>
-              </a:ext>
-            </a:extLst>
-          </p:cNvPr>
-          <p:cNvSpPr txBox="1"/>
-          <p:nvPr/>
-        </p:nvSpPr>
-        <p:spPr>
-          <a:xfrm>
-            <a:off x="1090311" y="3150181"/>
-            <a:ext cx="5725280" cy="400110"/>
-          </a:xfrm>
-          <a:prstGeom prst="rect">
-            <a:avLst/>
-          </a:prstGeom>
-          <a:noFill/>
-        </p:spPr>
-        <p:txBody>
-          <a:bodyPr wrap="square" rtlCol="0">
-            <a:spAutoFit/>
-          </a:bodyPr>
-          <a:lstStyle/>
-          <a:p>
-            <a:r>
-              <a:rPr lang="en-US" sz="2000" dirty="0"/>
-              <a:t>Visual Studio Team Services with GitHub</a:t>
-            </a:r>
-          </a:p>
-        </p:txBody>
-      </p:sp>
-      <p:pic>
-        <p:nvPicPr>
-          <p:cNvPr id="35" name="Picture 34">
-            <a:extLst>
-              <a:ext uri="{FF2B5EF4-FFF2-40B4-BE49-F238E27FC236}">
-                <a16:creationId xmlns:a16="http://schemas.microsoft.com/office/drawing/2014/main" id="{F8B0D756-2251-4861-845C-68E900B5303A}"/>
-              </a:ext>
-            </a:extLst>
-          </p:cNvPr>
-          <p:cNvPicPr>
-            <a:picLocks noChangeAspect="1"/>
-          </p:cNvPicPr>
-          <p:nvPr/>
-        </p:nvPicPr>
-        <p:blipFill>
-          <a:blip r:embed="rId5">
-            <a:extLst>
-              <a:ext uri="{28A0092B-C50C-407E-A947-70E740481C1C}">
-                <a14:useLocalDpi xmlns:a14="http://schemas.microsoft.com/office/drawing/2010/main" val="0"/>
-              </a:ext>
-            </a:extLst>
-          </a:blip>
-          <a:stretch>
-            <a:fillRect/>
-          </a:stretch>
-        </p:blipFill>
-        <p:spPr>
-          <a:xfrm>
-            <a:off x="5990335" y="1815367"/>
-            <a:ext cx="481585" cy="481585"/>
-          </a:xfrm>
-          <a:prstGeom prst="rect">
-            <a:avLst/>
-          </a:prstGeom>
-        </p:spPr>
-      </p:pic>
-      <p:sp>
-        <p:nvSpPr>
-          <p:cNvPr id="36" name="TextBox 35">
-            <a:extLst>
-              <a:ext uri="{FF2B5EF4-FFF2-40B4-BE49-F238E27FC236}">
-                <a16:creationId xmlns:a16="http://schemas.microsoft.com/office/drawing/2014/main" id="{F6900F80-BC0E-41D1-A53B-3414B98E6FBC}"/>
-              </a:ext>
-            </a:extLst>
-          </p:cNvPr>
-          <p:cNvSpPr txBox="1"/>
-          <p:nvPr/>
-        </p:nvSpPr>
-        <p:spPr>
-          <a:xfrm>
-            <a:off x="6680200" y="1814155"/>
-            <a:ext cx="5725280" cy="400110"/>
-          </a:xfrm>
-          <a:prstGeom prst="rect">
-            <a:avLst/>
-          </a:prstGeom>
-          <a:noFill/>
-        </p:spPr>
-        <p:txBody>
-          <a:bodyPr wrap="square" rtlCol="0">
-            <a:spAutoFit/>
-          </a:bodyPr>
-          <a:lstStyle/>
-          <a:p>
-            <a:r>
-              <a:rPr lang="en-US" sz="2000" dirty="0"/>
-              <a:t>Application Insights</a:t>
-            </a:r>
-          </a:p>
-        </p:txBody>
-      </p:sp>
-      <p:pic>
-        <p:nvPicPr>
-          <p:cNvPr id="38" name="Picture 37">
-            <a:extLst>
-              <a:ext uri="{FF2B5EF4-FFF2-40B4-BE49-F238E27FC236}">
-                <a16:creationId xmlns:a16="http://schemas.microsoft.com/office/drawing/2014/main" id="{10EEF79E-301D-4D32-92A3-50AC81A2D8D9}"/>
-              </a:ext>
-            </a:extLst>
-          </p:cNvPr>
-          <p:cNvPicPr>
-            <a:picLocks noChangeAspect="1"/>
-          </p:cNvPicPr>
-          <p:nvPr/>
-        </p:nvPicPr>
-        <p:blipFill>
-          <a:blip r:embed="rId6">
-            <a:extLst>
-              <a:ext uri="{28A0092B-C50C-407E-A947-70E740481C1C}">
-                <a14:useLocalDpi xmlns:a14="http://schemas.microsoft.com/office/drawing/2010/main" val="0"/>
-              </a:ext>
-            </a:extLst>
-          </a:blip>
-          <a:stretch>
-            <a:fillRect/>
-          </a:stretch>
-        </p:blipFill>
-        <p:spPr>
-          <a:xfrm>
-            <a:off x="6033931" y="2496905"/>
-            <a:ext cx="414427" cy="414427"/>
-          </a:xfrm>
-          <a:prstGeom prst="rect">
-            <a:avLst/>
-          </a:prstGeom>
-        </p:spPr>
-      </p:pic>
-      <p:pic>
-        <p:nvPicPr>
-          <p:cNvPr id="40" name="Picture 39">
-            <a:extLst>
-              <a:ext uri="{FF2B5EF4-FFF2-40B4-BE49-F238E27FC236}">
-                <a16:creationId xmlns:a16="http://schemas.microsoft.com/office/drawing/2014/main" id="{EC492639-5C26-4703-9909-F9189549B146}"/>
-              </a:ext>
-            </a:extLst>
-          </p:cNvPr>
-          <p:cNvPicPr>
-            <a:picLocks noChangeAspect="1"/>
-          </p:cNvPicPr>
-          <p:nvPr/>
-        </p:nvPicPr>
-        <p:blipFill>
-          <a:blip r:embed="rId7">
-            <a:extLst>
-              <a:ext uri="{28A0092B-C50C-407E-A947-70E740481C1C}">
-                <a14:useLocalDpi xmlns:a14="http://schemas.microsoft.com/office/drawing/2010/main" val="0"/>
-              </a:ext>
-            </a:extLst>
-          </a:blip>
-          <a:stretch>
-            <a:fillRect/>
-          </a:stretch>
-        </p:blipFill>
-        <p:spPr>
-          <a:xfrm>
-            <a:off x="6061871" y="3183727"/>
-            <a:ext cx="476505" cy="476505"/>
-          </a:xfrm>
-          <a:prstGeom prst="rect">
-            <a:avLst/>
-          </a:prstGeom>
-        </p:spPr>
-      </p:pic>
-      <p:sp>
-        <p:nvSpPr>
-          <p:cNvPr id="43" name="TextBox 42">
-            <a:extLst>
-              <a:ext uri="{FF2B5EF4-FFF2-40B4-BE49-F238E27FC236}">
-                <a16:creationId xmlns:a16="http://schemas.microsoft.com/office/drawing/2014/main" id="{B131528D-1609-42A4-92F4-F8DD03F4F13D}"/>
-              </a:ext>
-            </a:extLst>
-          </p:cNvPr>
-          <p:cNvSpPr txBox="1"/>
-          <p:nvPr/>
-        </p:nvSpPr>
-        <p:spPr>
-          <a:xfrm>
-            <a:off x="6697980" y="2485037"/>
-            <a:ext cx="5725280" cy="400110"/>
-          </a:xfrm>
-          <a:prstGeom prst="rect">
-            <a:avLst/>
-          </a:prstGeom>
-          <a:noFill/>
-        </p:spPr>
-        <p:txBody>
-          <a:bodyPr wrap="square" rtlCol="0">
-            <a:spAutoFit/>
-          </a:bodyPr>
-          <a:lstStyle/>
-          <a:p>
-            <a:r>
-              <a:rPr lang="en-US" sz="2000" dirty="0"/>
-              <a:t>Azure Web Apps</a:t>
-            </a:r>
-          </a:p>
-        </p:txBody>
-      </p:sp>
-      <p:sp>
-        <p:nvSpPr>
-          <p:cNvPr id="44" name="TextBox 43">
-            <a:extLst>
-              <a:ext uri="{FF2B5EF4-FFF2-40B4-BE49-F238E27FC236}">
-                <a16:creationId xmlns:a16="http://schemas.microsoft.com/office/drawing/2014/main" id="{10D6032C-1C42-4842-9EB0-F2B3C7F722AD}"/>
-              </a:ext>
-            </a:extLst>
-          </p:cNvPr>
-          <p:cNvSpPr txBox="1"/>
-          <p:nvPr/>
-        </p:nvSpPr>
-        <p:spPr>
-          <a:xfrm>
-            <a:off x="6659880" y="3171859"/>
-            <a:ext cx="5725280" cy="400110"/>
-          </a:xfrm>
-          <a:prstGeom prst="rect">
-            <a:avLst/>
-          </a:prstGeom>
-          <a:noFill/>
-        </p:spPr>
-        <p:txBody>
-          <a:bodyPr wrap="square" rtlCol="0">
-            <a:spAutoFit/>
-          </a:bodyPr>
-          <a:lstStyle/>
-          <a:p>
-            <a:r>
-              <a:rPr lang="en-US" sz="2000" dirty="0"/>
-              <a:t>Azure SQL Database</a:t>
-            </a:r>
-          </a:p>
-        </p:txBody>
-      </p:sp>
-      <p:cxnSp>
-        <p:nvCxnSpPr>
-          <p:cNvPr id="45" name="Straight Arrow Connector 44">
-            <a:extLst>
-              <a:ext uri="{FF2B5EF4-FFF2-40B4-BE49-F238E27FC236}">
-                <a16:creationId xmlns:a16="http://schemas.microsoft.com/office/drawing/2014/main" id="{9BBB64F6-8E21-4297-B0B9-A728B531AE55}"/>
-              </a:ext>
-            </a:extLst>
-          </p:cNvPr>
-          <p:cNvCxnSpPr>
-            <a:cxnSpLocks/>
-            <a:stCxn id="49" idx="3"/>
-            <a:endCxn id="50" idx="1"/>
-          </p:cNvCxnSpPr>
-          <p:nvPr/>
-        </p:nvCxnSpPr>
-        <p:spPr>
-          <a:xfrm>
-            <a:off x="2825314" y="4464769"/>
-            <a:ext cx="465694" cy="0"/>
-          </a:xfrm>
-          <a:prstGeom prst="straightConnector1">
-            <a:avLst/>
-          </a:prstGeom>
-          <a:ln w="9525" cap="flat" cmpd="sng" algn="ctr">
+        </p:grpSpPr>
+        <p:pic>
+          <p:nvPicPr>
+            <p:cNvPr id="9" name="Picture 8">
+              <a:extLst>
+                <a:ext uri="{FF2B5EF4-FFF2-40B4-BE49-F238E27FC236}">
+                  <a16:creationId xmlns:a16="http://schemas.microsoft.com/office/drawing/2014/main" id="{7EC5C32A-65A5-447C-A2D9-EC63A992B055}"/>
+                </a:ext>
+              </a:extLst>
+            </p:cNvPr>
+            <p:cNvPicPr>
+              <a:picLocks noChangeAspect="1"/>
+            </p:cNvPicPr>
+            <p:nvPr/>
+          </p:nvPicPr>
+          <p:blipFill>
+            <a:blip r:embed="rId2">
+              <a:extLst>
+                <a:ext uri="{28A0092B-C50C-407E-A947-70E740481C1C}">
+                  <a14:useLocalDpi xmlns:a14="http://schemas.microsoft.com/office/drawing/2010/main" val="0"/>
+                </a:ext>
+              </a:extLst>
+            </a:blip>
+            <a:stretch>
+              <a:fillRect/>
+            </a:stretch>
+          </p:blipFill>
+          <p:spPr>
+            <a:xfrm>
+              <a:off x="426262" y="3067997"/>
+              <a:ext cx="481585" cy="481585"/>
+            </a:xfrm>
+            <a:prstGeom prst="rect">
+              <a:avLst/>
+            </a:prstGeom>
+          </p:spPr>
+        </p:pic>
+        <p:sp>
+          <p:nvSpPr>
+            <p:cNvPr id="12" name="TextBox 11">
+              <a:extLst>
+                <a:ext uri="{FF2B5EF4-FFF2-40B4-BE49-F238E27FC236}">
+                  <a16:creationId xmlns:a16="http://schemas.microsoft.com/office/drawing/2014/main" id="{48603229-FB9A-4C63-B6B7-4C61CF771A42}"/>
+                </a:ext>
+              </a:extLst>
+            </p:cNvPr>
+            <p:cNvSpPr txBox="1"/>
+            <p:nvPr/>
+          </p:nvSpPr>
+          <p:spPr>
+            <a:xfrm>
+              <a:off x="1069991" y="1820401"/>
+              <a:ext cx="4363720" cy="400110"/>
+            </a:xfrm>
+            <a:prstGeom prst="rect">
+              <a:avLst/>
+            </a:prstGeom>
+            <a:noFill/>
+          </p:spPr>
+          <p:txBody>
+            <a:bodyPr wrap="square" rtlCol="0">
+              <a:spAutoFit/>
+            </a:bodyPr>
+            <a:lstStyle/>
+            <a:p>
+              <a:r>
+                <a:rPr lang="en-US" sz="2000" dirty="0"/>
+                <a:t>Azure DevOps</a:t>
+              </a:r>
+            </a:p>
+          </p:txBody>
+        </p:sp>
+        <p:sp>
+          <p:nvSpPr>
+            <p:cNvPr id="13" name="TextBox 12">
+              <a:extLst>
+                <a:ext uri="{FF2B5EF4-FFF2-40B4-BE49-F238E27FC236}">
+                  <a16:creationId xmlns:a16="http://schemas.microsoft.com/office/drawing/2014/main" id="{525A4DF5-84F1-476E-985D-F9F8FB2EB9E9}"/>
+                </a:ext>
+              </a:extLst>
+            </p:cNvPr>
+            <p:cNvSpPr txBox="1"/>
+            <p:nvPr/>
+          </p:nvSpPr>
+          <p:spPr>
+            <a:xfrm>
+              <a:off x="1090311" y="2479299"/>
+              <a:ext cx="5725280" cy="400110"/>
+            </a:xfrm>
+            <a:prstGeom prst="rect">
+              <a:avLst/>
+            </a:prstGeom>
+            <a:noFill/>
+          </p:spPr>
+          <p:txBody>
+            <a:bodyPr wrap="square" rtlCol="0">
+              <a:spAutoFit/>
+            </a:bodyPr>
+            <a:lstStyle/>
+            <a:p>
+              <a:r>
+                <a:rPr lang="en-US" sz="2000" dirty="0"/>
+                <a:t>Azure Repos</a:t>
+              </a:r>
+            </a:p>
+          </p:txBody>
+        </p:sp>
+        <p:sp>
+          <p:nvSpPr>
+            <p:cNvPr id="14" name="TextBox 13">
+              <a:extLst>
+                <a:ext uri="{FF2B5EF4-FFF2-40B4-BE49-F238E27FC236}">
+                  <a16:creationId xmlns:a16="http://schemas.microsoft.com/office/drawing/2014/main" id="{DC20782D-8845-4BA4-BC5F-303EDB1500A8}"/>
+                </a:ext>
+              </a:extLst>
+            </p:cNvPr>
+            <p:cNvSpPr txBox="1"/>
+            <p:nvPr/>
+          </p:nvSpPr>
+          <p:spPr>
+            <a:xfrm>
+              <a:off x="1090311" y="3150181"/>
+              <a:ext cx="5725280" cy="400110"/>
+            </a:xfrm>
+            <a:prstGeom prst="rect">
+              <a:avLst/>
+            </a:prstGeom>
+            <a:noFill/>
+          </p:spPr>
+          <p:txBody>
+            <a:bodyPr wrap="square" rtlCol="0">
+              <a:spAutoFit/>
+            </a:bodyPr>
+            <a:lstStyle/>
+            <a:p>
+              <a:r>
+                <a:rPr lang="en-US" sz="2000" dirty="0"/>
+                <a:t>Azure DevOps with GitHub</a:t>
+              </a:r>
+            </a:p>
+          </p:txBody>
+        </p:sp>
+        <p:pic>
+          <p:nvPicPr>
+            <p:cNvPr id="35" name="Picture 34">
+              <a:extLst>
+                <a:ext uri="{FF2B5EF4-FFF2-40B4-BE49-F238E27FC236}">
+                  <a16:creationId xmlns:a16="http://schemas.microsoft.com/office/drawing/2014/main" id="{F8B0D756-2251-4861-845C-68E900B5303A}"/>
+                </a:ext>
+              </a:extLst>
+            </p:cNvPr>
+            <p:cNvPicPr>
+              <a:picLocks noChangeAspect="1"/>
+            </p:cNvPicPr>
+            <p:nvPr/>
+          </p:nvPicPr>
+          <p:blipFill>
+            <a:blip r:embed="rId3">
+              <a:extLst>
+                <a:ext uri="{28A0092B-C50C-407E-A947-70E740481C1C}">
+                  <a14:useLocalDpi xmlns:a14="http://schemas.microsoft.com/office/drawing/2010/main" val="0"/>
+                </a:ext>
+              </a:extLst>
+            </a:blip>
+            <a:stretch>
+              <a:fillRect/>
+            </a:stretch>
+          </p:blipFill>
+          <p:spPr>
+            <a:xfrm>
+              <a:off x="5990335" y="1815367"/>
+              <a:ext cx="481585" cy="481585"/>
+            </a:xfrm>
+            <a:prstGeom prst="rect">
+              <a:avLst/>
+            </a:prstGeom>
+          </p:spPr>
+        </p:pic>
+        <p:sp>
+          <p:nvSpPr>
+            <p:cNvPr id="36" name="TextBox 35">
+              <a:extLst>
+                <a:ext uri="{FF2B5EF4-FFF2-40B4-BE49-F238E27FC236}">
+                  <a16:creationId xmlns:a16="http://schemas.microsoft.com/office/drawing/2014/main" id="{F6900F80-BC0E-41D1-A53B-3414B98E6FBC}"/>
+                </a:ext>
+              </a:extLst>
+            </p:cNvPr>
+            <p:cNvSpPr txBox="1"/>
+            <p:nvPr/>
+          </p:nvSpPr>
+          <p:spPr>
+            <a:xfrm>
+              <a:off x="6680200" y="1814155"/>
+              <a:ext cx="5725280" cy="400110"/>
+            </a:xfrm>
+            <a:prstGeom prst="rect">
+              <a:avLst/>
+            </a:prstGeom>
+            <a:noFill/>
+          </p:spPr>
+          <p:txBody>
+            <a:bodyPr wrap="square" rtlCol="0">
+              <a:spAutoFit/>
+            </a:bodyPr>
+            <a:lstStyle/>
+            <a:p>
+              <a:r>
+                <a:rPr lang="en-US" sz="2000" dirty="0"/>
+                <a:t>Application Insights</a:t>
+              </a:r>
+            </a:p>
+          </p:txBody>
+        </p:sp>
+        <p:pic>
+          <p:nvPicPr>
+            <p:cNvPr id="38" name="Picture 37">
+              <a:extLst>
+                <a:ext uri="{FF2B5EF4-FFF2-40B4-BE49-F238E27FC236}">
+                  <a16:creationId xmlns:a16="http://schemas.microsoft.com/office/drawing/2014/main" id="{10EEF79E-301D-4D32-92A3-50AC81A2D8D9}"/>
+                </a:ext>
+              </a:extLst>
+            </p:cNvPr>
+            <p:cNvPicPr>
+              <a:picLocks noChangeAspect="1"/>
+            </p:cNvPicPr>
+            <p:nvPr/>
+          </p:nvPicPr>
+          <p:blipFill>
+            <a:blip r:embed="rId4">
+              <a:extLst>
+                <a:ext uri="{28A0092B-C50C-407E-A947-70E740481C1C}">
+                  <a14:useLocalDpi xmlns:a14="http://schemas.microsoft.com/office/drawing/2010/main" val="0"/>
+                </a:ext>
+              </a:extLst>
+            </a:blip>
+            <a:stretch>
+              <a:fillRect/>
+            </a:stretch>
+          </p:blipFill>
+          <p:spPr>
+            <a:xfrm>
+              <a:off x="6033931" y="2496905"/>
+              <a:ext cx="414427" cy="414427"/>
+            </a:xfrm>
+            <a:prstGeom prst="rect">
+              <a:avLst/>
+            </a:prstGeom>
+          </p:spPr>
+        </p:pic>
+        <p:pic>
+          <p:nvPicPr>
+            <p:cNvPr id="40" name="Picture 39">
+              <a:extLst>
+                <a:ext uri="{FF2B5EF4-FFF2-40B4-BE49-F238E27FC236}">
+                  <a16:creationId xmlns:a16="http://schemas.microsoft.com/office/drawing/2014/main" id="{EC492639-5C26-4703-9909-F9189549B146}"/>
+                </a:ext>
+              </a:extLst>
+            </p:cNvPr>
+            <p:cNvPicPr>
+              <a:picLocks noChangeAspect="1"/>
+            </p:cNvPicPr>
+            <p:nvPr/>
+          </p:nvPicPr>
+          <p:blipFill>
+            <a:blip r:embed="rId5">
+              <a:extLst>
+                <a:ext uri="{28A0092B-C50C-407E-A947-70E740481C1C}">
+                  <a14:useLocalDpi xmlns:a14="http://schemas.microsoft.com/office/drawing/2010/main" val="0"/>
+                </a:ext>
+              </a:extLst>
+            </a:blip>
+            <a:stretch>
+              <a:fillRect/>
+            </a:stretch>
+          </p:blipFill>
+          <p:spPr>
+            <a:xfrm>
+              <a:off x="6061871" y="3183727"/>
+              <a:ext cx="476505" cy="476505"/>
+            </a:xfrm>
+            <a:prstGeom prst="rect">
+              <a:avLst/>
+            </a:prstGeom>
+          </p:spPr>
+        </p:pic>
+        <p:sp>
+          <p:nvSpPr>
+            <p:cNvPr id="43" name="TextBox 42">
+              <a:extLst>
+                <a:ext uri="{FF2B5EF4-FFF2-40B4-BE49-F238E27FC236}">
+                  <a16:creationId xmlns:a16="http://schemas.microsoft.com/office/drawing/2014/main" id="{B131528D-1609-42A4-92F4-F8DD03F4F13D}"/>
+                </a:ext>
+              </a:extLst>
+            </p:cNvPr>
+            <p:cNvSpPr txBox="1"/>
+            <p:nvPr/>
+          </p:nvSpPr>
+          <p:spPr>
+            <a:xfrm>
+              <a:off x="6697980" y="2485037"/>
+              <a:ext cx="5725280" cy="400110"/>
+            </a:xfrm>
+            <a:prstGeom prst="rect">
+              <a:avLst/>
+            </a:prstGeom>
+            <a:noFill/>
+          </p:spPr>
+          <p:txBody>
+            <a:bodyPr wrap="square" rtlCol="0">
+              <a:spAutoFit/>
+            </a:bodyPr>
+            <a:lstStyle/>
+            <a:p>
+              <a:r>
+                <a:rPr lang="en-US" sz="2000" dirty="0"/>
+                <a:t>Azure Web Apps</a:t>
+              </a:r>
+            </a:p>
+          </p:txBody>
+        </p:sp>
+        <p:sp>
+          <p:nvSpPr>
+            <p:cNvPr id="44" name="TextBox 43">
+              <a:extLst>
+                <a:ext uri="{FF2B5EF4-FFF2-40B4-BE49-F238E27FC236}">
+                  <a16:creationId xmlns:a16="http://schemas.microsoft.com/office/drawing/2014/main" id="{10D6032C-1C42-4842-9EB0-F2B3C7F722AD}"/>
+                </a:ext>
+              </a:extLst>
+            </p:cNvPr>
+            <p:cNvSpPr txBox="1"/>
+            <p:nvPr/>
+          </p:nvSpPr>
+          <p:spPr>
+            <a:xfrm>
+              <a:off x="6659880" y="3171859"/>
+              <a:ext cx="5725280" cy="400110"/>
+            </a:xfrm>
+            <a:prstGeom prst="rect">
+              <a:avLst/>
+            </a:prstGeom>
+            <a:noFill/>
+          </p:spPr>
+          <p:txBody>
+            <a:bodyPr wrap="square" rtlCol="0">
+              <a:spAutoFit/>
+            </a:bodyPr>
+            <a:lstStyle/>
+            <a:p>
+              <a:r>
+                <a:rPr lang="en-US" sz="2000" dirty="0"/>
+                <a:t>Azure SQL Database</a:t>
+              </a:r>
+            </a:p>
+          </p:txBody>
+        </p:sp>
+        <p:cxnSp>
+          <p:nvCxnSpPr>
+            <p:cNvPr id="45" name="Straight Arrow Connector 44">
+              <a:extLst>
+                <a:ext uri="{FF2B5EF4-FFF2-40B4-BE49-F238E27FC236}">
+                  <a16:creationId xmlns:a16="http://schemas.microsoft.com/office/drawing/2014/main" id="{9BBB64F6-8E21-4297-B0B9-A728B531AE55}"/>
+                </a:ext>
+              </a:extLst>
+            </p:cNvPr>
+            <p:cNvCxnSpPr>
+              <a:cxnSpLocks/>
+              <a:stCxn id="49" idx="3"/>
+              <a:endCxn id="50" idx="1"/>
+            </p:cNvCxnSpPr>
+            <p:nvPr/>
+          </p:nvCxnSpPr>
+          <p:spPr>
+            <a:xfrm>
+              <a:off x="2825314" y="4464769"/>
+              <a:ext cx="465694" cy="0"/>
+            </a:xfrm>
+            <a:prstGeom prst="straightConnector1">
+              <a:avLst/>
+            </a:prstGeom>
+            <a:ln w="9525" cap="flat" cmpd="sng" algn="ctr">
+              <a:solidFill>
+                <a:schemeClr val="accent6"/>
+              </a:solidFill>
+              <a:prstDash val="solid"/>
+              <a:round/>
+              <a:headEnd type="none" w="med" len="med"/>
+              <a:tailEnd type="arrow" w="med" len="med"/>
+            </a:ln>
+          </p:spPr>
+          <p:style>
+            <a:lnRef idx="0">
+              <a:scrgbClr r="0" g="0" b="0"/>
+            </a:lnRef>
+            <a:fillRef idx="0">
+              <a:scrgbClr r="0" g="0" b="0"/>
+            </a:fillRef>
+            <a:effectRef idx="0">
+              <a:scrgbClr r="0" g="0" b="0"/>
+            </a:effectRef>
+            <a:fontRef idx="minor">
+              <a:schemeClr val="tx1"/>
+            </a:fontRef>
+          </p:style>
+        </p:cxnSp>
+        <p:cxnSp>
+          <p:nvCxnSpPr>
+            <p:cNvPr id="46" name="Straight Arrow Connector 45">
+              <a:extLst>
+                <a:ext uri="{FF2B5EF4-FFF2-40B4-BE49-F238E27FC236}">
+                  <a16:creationId xmlns:a16="http://schemas.microsoft.com/office/drawing/2014/main" id="{F597A581-BC72-49AF-B441-C3CF97B6AFCF}"/>
+                </a:ext>
+              </a:extLst>
+            </p:cNvPr>
+            <p:cNvCxnSpPr>
+              <a:cxnSpLocks/>
+              <a:stCxn id="50" idx="3"/>
+              <a:endCxn id="51" idx="1"/>
+            </p:cNvCxnSpPr>
+            <p:nvPr/>
+          </p:nvCxnSpPr>
+          <p:spPr>
+            <a:xfrm>
+              <a:off x="4971969" y="4464769"/>
+              <a:ext cx="465694" cy="0"/>
+            </a:xfrm>
+            <a:prstGeom prst="straightConnector1">
+              <a:avLst/>
+            </a:prstGeom>
+            <a:ln w="9525" cap="flat" cmpd="sng" algn="ctr">
+              <a:solidFill>
+                <a:schemeClr val="accent6"/>
+              </a:solidFill>
+              <a:prstDash val="solid"/>
+              <a:round/>
+              <a:headEnd type="none" w="med" len="med"/>
+              <a:tailEnd type="arrow" w="med" len="med"/>
+            </a:ln>
+          </p:spPr>
+          <p:style>
+            <a:lnRef idx="0">
+              <a:scrgbClr r="0" g="0" b="0"/>
+            </a:lnRef>
+            <a:fillRef idx="0">
+              <a:scrgbClr r="0" g="0" b="0"/>
+            </a:fillRef>
+            <a:effectRef idx="0">
+              <a:scrgbClr r="0" g="0" b="0"/>
+            </a:effectRef>
+            <a:fontRef idx="minor">
+              <a:schemeClr val="tx1"/>
+            </a:fontRef>
+          </p:style>
+        </p:cxnSp>
+        <p:cxnSp>
+          <p:nvCxnSpPr>
+            <p:cNvPr id="47" name="Straight Arrow Connector 46">
+              <a:extLst>
+                <a:ext uri="{FF2B5EF4-FFF2-40B4-BE49-F238E27FC236}">
+                  <a16:creationId xmlns:a16="http://schemas.microsoft.com/office/drawing/2014/main" id="{1A511FDE-C57D-4163-9D62-658DBC94B2B0}"/>
+                </a:ext>
+              </a:extLst>
+            </p:cNvPr>
+            <p:cNvCxnSpPr>
+              <a:cxnSpLocks/>
+              <a:stCxn id="51" idx="3"/>
+              <a:endCxn id="52" idx="1"/>
+            </p:cNvCxnSpPr>
+            <p:nvPr/>
+          </p:nvCxnSpPr>
+          <p:spPr>
+            <a:xfrm>
+              <a:off x="7118624" y="4464769"/>
+              <a:ext cx="465694" cy="0"/>
+            </a:xfrm>
+            <a:prstGeom prst="straightConnector1">
+              <a:avLst/>
+            </a:prstGeom>
+            <a:ln w="9525" cap="flat" cmpd="sng" algn="ctr">
+              <a:solidFill>
+                <a:schemeClr val="accent6"/>
+              </a:solidFill>
+              <a:prstDash val="solid"/>
+              <a:round/>
+              <a:headEnd type="none" w="med" len="med"/>
+              <a:tailEnd type="arrow" w="med" len="med"/>
+            </a:ln>
+          </p:spPr>
+          <p:style>
+            <a:lnRef idx="0">
+              <a:scrgbClr r="0" g="0" b="0"/>
+            </a:lnRef>
+            <a:fillRef idx="0">
+              <a:scrgbClr r="0" g="0" b="0"/>
+            </a:fillRef>
+            <a:effectRef idx="0">
+              <a:scrgbClr r="0" g="0" b="0"/>
+            </a:effectRef>
+            <a:fontRef idx="minor">
+              <a:schemeClr val="tx1"/>
+            </a:fontRef>
+          </p:style>
+        </p:cxnSp>
+        <p:cxnSp>
+          <p:nvCxnSpPr>
+            <p:cNvPr id="48" name="Straight Arrow Connector 47">
+              <a:extLst>
+                <a:ext uri="{FF2B5EF4-FFF2-40B4-BE49-F238E27FC236}">
+                  <a16:creationId xmlns:a16="http://schemas.microsoft.com/office/drawing/2014/main" id="{EB19E7A7-893B-4ABE-87F5-D10379AF3988}"/>
+                </a:ext>
+              </a:extLst>
+            </p:cNvPr>
+            <p:cNvCxnSpPr>
+              <a:cxnSpLocks/>
+              <a:stCxn id="52" idx="3"/>
+              <a:endCxn id="53" idx="1"/>
+            </p:cNvCxnSpPr>
+            <p:nvPr/>
+          </p:nvCxnSpPr>
+          <p:spPr>
+            <a:xfrm>
+              <a:off x="9265279" y="4464769"/>
+              <a:ext cx="465694" cy="0"/>
+            </a:xfrm>
+            <a:prstGeom prst="straightConnector1">
+              <a:avLst/>
+            </a:prstGeom>
+            <a:ln w="9525" cap="flat" cmpd="sng" algn="ctr">
+              <a:solidFill>
+                <a:schemeClr val="accent6"/>
+              </a:solidFill>
+              <a:prstDash val="solid"/>
+              <a:round/>
+              <a:headEnd type="none" w="med" len="med"/>
+              <a:tailEnd type="arrow" w="med" len="med"/>
+            </a:ln>
+          </p:spPr>
+          <p:style>
+            <a:lnRef idx="0">
+              <a:scrgbClr r="0" g="0" b="0"/>
+            </a:lnRef>
+            <a:fillRef idx="0">
+              <a:scrgbClr r="0" g="0" b="0"/>
+            </a:fillRef>
+            <a:effectRef idx="0">
+              <a:scrgbClr r="0" g="0" b="0"/>
+            </a:effectRef>
+            <a:fontRef idx="minor">
+              <a:schemeClr val="tx1"/>
+            </a:fontRef>
+          </p:style>
+        </p:cxnSp>
+        <p:sp>
+          <p:nvSpPr>
+            <p:cNvPr id="49" name="Rectangle 48">
+              <a:extLst>
+                <a:ext uri="{FF2B5EF4-FFF2-40B4-BE49-F238E27FC236}">
+                  <a16:creationId xmlns:a16="http://schemas.microsoft.com/office/drawing/2014/main" id="{734EE12B-E01D-4E53-941F-87B5191419CA}"/>
+                </a:ext>
+              </a:extLst>
+            </p:cNvPr>
+            <p:cNvSpPr/>
+            <p:nvPr/>
+          </p:nvSpPr>
+          <p:spPr bwMode="auto">
+            <a:xfrm>
+              <a:off x="441086" y="4071130"/>
+              <a:ext cx="2384228" cy="787277"/>
+            </a:xfrm>
+            <a:prstGeom prst="rect">
+              <a:avLst/>
+            </a:prstGeom>
             <a:solidFill>
-              <a:schemeClr val="accent6"/>
+              <a:srgbClr val="002060"/>
             </a:solidFill>
-            <a:prstDash val="solid"/>
-            <a:round/>
-            <a:headEnd type="none" w="med" len="med"/>
-            <a:tailEnd type="arrow" w="med" len="med"/>
-          </a:ln>
-        </p:spPr>
-        <p:style>
-          <a:lnRef idx="0">
-            <a:scrgbClr r="0" g="0" b="0"/>
-          </a:lnRef>
-          <a:fillRef idx="0">
-            <a:scrgbClr r="0" g="0" b="0"/>
-          </a:fillRef>
-          <a:effectRef idx="0">
-            <a:scrgbClr r="0" g="0" b="0"/>
-          </a:effectRef>
-          <a:fontRef idx="minor">
-            <a:schemeClr val="tx1"/>
-          </a:fontRef>
-        </p:style>
-      </p:cxnSp>
-      <p:cxnSp>
-        <p:nvCxnSpPr>
-          <p:cNvPr id="46" name="Straight Arrow Connector 45">
-            <a:extLst>
-              <a:ext uri="{FF2B5EF4-FFF2-40B4-BE49-F238E27FC236}">
-                <a16:creationId xmlns:a16="http://schemas.microsoft.com/office/drawing/2014/main" id="{F597A581-BC72-49AF-B441-C3CF97B6AFCF}"/>
-              </a:ext>
-            </a:extLst>
-          </p:cNvPr>
-          <p:cNvCxnSpPr>
-            <a:cxnSpLocks/>
-            <a:stCxn id="50" idx="3"/>
-            <a:endCxn id="51" idx="1"/>
-          </p:cNvCxnSpPr>
-          <p:nvPr/>
-        </p:nvCxnSpPr>
-        <p:spPr>
-          <a:xfrm>
-            <a:off x="4971969" y="4464769"/>
-            <a:ext cx="465694" cy="0"/>
-          </a:xfrm>
-          <a:prstGeom prst="straightConnector1">
-            <a:avLst/>
-          </a:prstGeom>
-          <a:ln w="9525" cap="flat" cmpd="sng" algn="ctr">
+            <a:ln>
+              <a:noFill/>
+              <a:headEnd type="none" w="med" len="med"/>
+              <a:tailEnd type="none" w="med" len="med"/>
+            </a:ln>
+            <a:effectLst/>
+          </p:spPr>
+          <p:style>
+            <a:lnRef idx="1">
+              <a:schemeClr val="accent2"/>
+            </a:lnRef>
+            <a:fillRef idx="3">
+              <a:schemeClr val="accent2"/>
+            </a:fillRef>
+            <a:effectRef idx="2">
+              <a:schemeClr val="accent2"/>
+            </a:effectRef>
+            <a:fontRef idx="minor">
+              <a:schemeClr val="lt1"/>
+            </a:fontRef>
+          </p:style>
+          <p:txBody>
+            <a:bodyPr rot="0" spcFirstLastPara="0" vertOverflow="overflow" horzOverflow="overflow" vert="horz" wrap="square" lIns="182857" tIns="146285" rIns="182857" bIns="146285" numCol="1" spcCol="0" rtlCol="0" fromWordArt="0" anchor="t" anchorCtr="0" forceAA="0" compatLnSpc="1">
+              <a:prstTxWarp prst="textNoShape">
+                <a:avLst/>
+              </a:prstTxWarp>
+              <a:noAutofit/>
+            </a:bodyPr>
+            <a:lstStyle/>
+            <a:p>
+              <a:pPr marL="0" marR="0" lvl="0" indent="0" algn="ctr" defTabSz="932021" rtl="0" eaLnBrk="1" fontAlgn="auto" latinLnBrk="0" hangingPunct="1">
+                <a:lnSpc>
+                  <a:spcPct val="90000"/>
+                </a:lnSpc>
+                <a:spcBef>
+                  <a:spcPts val="0"/>
+                </a:spcBef>
+                <a:spcAft>
+                  <a:spcPts val="0"/>
+                </a:spcAft>
+                <a:buClrTx/>
+                <a:buSzTx/>
+                <a:buFontTx/>
+                <a:buNone/>
+                <a:tabLst/>
+                <a:defRPr/>
+              </a:pPr>
+              <a:r>
+                <a:rPr kumimoji="0" lang="en-US" sz="1400" b="1" i="0" u="none" strike="noStrike" kern="0" cap="none" spc="0" normalizeH="0" baseline="0" noProof="0" dirty="0">
+                  <a:ln>
+                    <a:noFill/>
+                  </a:ln>
+                  <a:gradFill>
+                    <a:gsLst>
+                      <a:gs pos="0">
+                        <a:srgbClr val="FFFFFF"/>
+                      </a:gs>
+                      <a:gs pos="100000">
+                        <a:srgbClr val="FFFFFF"/>
+                      </a:gs>
+                    </a:gsLst>
+                    <a:lin ang="5400000" scaled="0"/>
+                  </a:gradFill>
+                  <a:effectLst/>
+                  <a:uLnTx/>
+                  <a:uFillTx/>
+                  <a:latin typeface="Segoe UI Light"/>
+                  <a:ea typeface="Segoe UI" pitchFamily="34" charset="0"/>
+                  <a:cs typeface="Segoe UI" pitchFamily="34" charset="0"/>
+                </a:rPr>
+                <a:t>SOURCE CONTROL</a:t>
+              </a:r>
+            </a:p>
+          </p:txBody>
+        </p:sp>
+        <p:sp>
+          <p:nvSpPr>
+            <p:cNvPr id="50" name="Rectangle 49">
+              <a:extLst>
+                <a:ext uri="{FF2B5EF4-FFF2-40B4-BE49-F238E27FC236}">
+                  <a16:creationId xmlns:a16="http://schemas.microsoft.com/office/drawing/2014/main" id="{01A68D93-47C1-463B-9BB1-7B7F8A36F9B6}"/>
+                </a:ext>
+              </a:extLst>
+            </p:cNvPr>
+            <p:cNvSpPr/>
+            <p:nvPr/>
+          </p:nvSpPr>
+          <p:spPr bwMode="auto">
+            <a:xfrm>
+              <a:off x="3291008" y="4071130"/>
+              <a:ext cx="1680961" cy="787277"/>
+            </a:xfrm>
+            <a:prstGeom prst="rect">
+              <a:avLst/>
+            </a:prstGeom>
             <a:solidFill>
-              <a:schemeClr val="accent6"/>
+              <a:srgbClr val="002060"/>
             </a:solidFill>
-            <a:prstDash val="solid"/>
-            <a:round/>
-            <a:headEnd type="none" w="med" len="med"/>
-            <a:tailEnd type="arrow" w="med" len="med"/>
-          </a:ln>
-        </p:spPr>
-        <p:style>
-          <a:lnRef idx="0">
-            <a:scrgbClr r="0" g="0" b="0"/>
-          </a:lnRef>
-          <a:fillRef idx="0">
-            <a:scrgbClr r="0" g="0" b="0"/>
-          </a:fillRef>
-          <a:effectRef idx="0">
-            <a:scrgbClr r="0" g="0" b="0"/>
-          </a:effectRef>
-          <a:fontRef idx="minor">
-            <a:schemeClr val="tx1"/>
-          </a:fontRef>
-        </p:style>
-      </p:cxnSp>
-      <p:cxnSp>
-        <p:nvCxnSpPr>
-          <p:cNvPr id="47" name="Straight Arrow Connector 46">
-            <a:extLst>
-              <a:ext uri="{FF2B5EF4-FFF2-40B4-BE49-F238E27FC236}">
-                <a16:creationId xmlns:a16="http://schemas.microsoft.com/office/drawing/2014/main" id="{1A511FDE-C57D-4163-9D62-658DBC94B2B0}"/>
-              </a:ext>
-            </a:extLst>
-          </p:cNvPr>
-          <p:cNvCxnSpPr>
-            <a:cxnSpLocks/>
-            <a:stCxn id="51" idx="3"/>
-            <a:endCxn id="52" idx="1"/>
-          </p:cNvCxnSpPr>
-          <p:nvPr/>
-        </p:nvCxnSpPr>
-        <p:spPr>
-          <a:xfrm>
-            <a:off x="7118624" y="4464769"/>
-            <a:ext cx="465694" cy="0"/>
-          </a:xfrm>
-          <a:prstGeom prst="straightConnector1">
-            <a:avLst/>
-          </a:prstGeom>
-          <a:ln w="9525" cap="flat" cmpd="sng" algn="ctr">
+            <a:ln>
+              <a:noFill/>
+              <a:headEnd type="none" w="med" len="med"/>
+              <a:tailEnd type="none" w="med" len="med"/>
+            </a:ln>
+            <a:effectLst/>
+          </p:spPr>
+          <p:style>
+            <a:lnRef idx="1">
+              <a:schemeClr val="accent2"/>
+            </a:lnRef>
+            <a:fillRef idx="3">
+              <a:schemeClr val="accent2"/>
+            </a:fillRef>
+            <a:effectRef idx="2">
+              <a:schemeClr val="accent2"/>
+            </a:effectRef>
+            <a:fontRef idx="minor">
+              <a:schemeClr val="lt1"/>
+            </a:fontRef>
+          </p:style>
+          <p:txBody>
+            <a:bodyPr rot="0" spcFirstLastPara="0" vertOverflow="overflow" horzOverflow="overflow" vert="horz" wrap="square" lIns="182857" tIns="146285" rIns="182857" bIns="146285" numCol="1" spcCol="0" rtlCol="0" fromWordArt="0" anchor="t" anchorCtr="0" forceAA="0" compatLnSpc="1">
+              <a:prstTxWarp prst="textNoShape">
+                <a:avLst/>
+              </a:prstTxWarp>
+              <a:noAutofit/>
+            </a:bodyPr>
+            <a:lstStyle/>
+            <a:p>
+              <a:pPr marL="0" marR="0" lvl="0" indent="0" algn="ctr" defTabSz="932021" rtl="0" eaLnBrk="1" fontAlgn="auto" latinLnBrk="0" hangingPunct="1">
+                <a:lnSpc>
+                  <a:spcPct val="90000"/>
+                </a:lnSpc>
+                <a:spcBef>
+                  <a:spcPts val="0"/>
+                </a:spcBef>
+                <a:spcAft>
+                  <a:spcPts val="0"/>
+                </a:spcAft>
+                <a:buClrTx/>
+                <a:buSzTx/>
+                <a:buFontTx/>
+                <a:buNone/>
+                <a:tabLst/>
+                <a:defRPr/>
+              </a:pPr>
+              <a:r>
+                <a:rPr kumimoji="0" lang="en-US" sz="1400" b="1" i="0" u="none" strike="noStrike" kern="0" cap="none" spc="0" normalizeH="0" baseline="0" noProof="0" dirty="0">
+                  <a:ln>
+                    <a:noFill/>
+                  </a:ln>
+                  <a:gradFill>
+                    <a:gsLst>
+                      <a:gs pos="0">
+                        <a:srgbClr val="FFFFFF"/>
+                      </a:gs>
+                      <a:gs pos="100000">
+                        <a:srgbClr val="FFFFFF"/>
+                      </a:gs>
+                    </a:gsLst>
+                    <a:lin ang="5400000" scaled="0"/>
+                  </a:gradFill>
+                  <a:effectLst/>
+                  <a:uLnTx/>
+                  <a:uFillTx/>
+                  <a:latin typeface="Segoe UI Light"/>
+                  <a:ea typeface="Segoe UI" pitchFamily="34" charset="0"/>
+                  <a:cs typeface="Segoe UI" pitchFamily="34" charset="0"/>
+                </a:rPr>
+                <a:t>CI</a:t>
+              </a:r>
+            </a:p>
+          </p:txBody>
+        </p:sp>
+        <p:sp>
+          <p:nvSpPr>
+            <p:cNvPr id="51" name="Rectangle 50">
+              <a:extLst>
+                <a:ext uri="{FF2B5EF4-FFF2-40B4-BE49-F238E27FC236}">
+                  <a16:creationId xmlns:a16="http://schemas.microsoft.com/office/drawing/2014/main" id="{0EB58BF5-4578-4BC8-8AD5-7B6A0FE4FECA}"/>
+                </a:ext>
+              </a:extLst>
+            </p:cNvPr>
+            <p:cNvSpPr/>
+            <p:nvPr/>
+          </p:nvSpPr>
+          <p:spPr bwMode="auto">
+            <a:xfrm>
+              <a:off x="5437663" y="4071130"/>
+              <a:ext cx="1680961" cy="787277"/>
+            </a:xfrm>
+            <a:prstGeom prst="rect">
+              <a:avLst/>
+            </a:prstGeom>
             <a:solidFill>
-              <a:schemeClr val="accent6"/>
+              <a:srgbClr val="002060"/>
             </a:solidFill>
-            <a:prstDash val="solid"/>
-            <a:round/>
-            <a:headEnd type="none" w="med" len="med"/>
-            <a:tailEnd type="arrow" w="med" len="med"/>
-          </a:ln>
-        </p:spPr>
-        <p:style>
-          <a:lnRef idx="0">
-            <a:scrgbClr r="0" g="0" b="0"/>
-          </a:lnRef>
-          <a:fillRef idx="0">
-            <a:scrgbClr r="0" g="0" b="0"/>
-          </a:fillRef>
-          <a:effectRef idx="0">
-            <a:scrgbClr r="0" g="0" b="0"/>
-          </a:effectRef>
-          <a:fontRef idx="minor">
-            <a:schemeClr val="tx1"/>
-          </a:fontRef>
-        </p:style>
-      </p:cxnSp>
-      <p:cxnSp>
-        <p:nvCxnSpPr>
-          <p:cNvPr id="48" name="Straight Arrow Connector 47">
-            <a:extLst>
-              <a:ext uri="{FF2B5EF4-FFF2-40B4-BE49-F238E27FC236}">
-                <a16:creationId xmlns:a16="http://schemas.microsoft.com/office/drawing/2014/main" id="{EB19E7A7-893B-4ABE-87F5-D10379AF3988}"/>
-              </a:ext>
-            </a:extLst>
-          </p:cNvPr>
-          <p:cNvCxnSpPr>
-            <a:cxnSpLocks/>
-            <a:stCxn id="52" idx="3"/>
-            <a:endCxn id="53" idx="1"/>
-          </p:cNvCxnSpPr>
-          <p:nvPr/>
-        </p:nvCxnSpPr>
-        <p:spPr>
-          <a:xfrm>
-            <a:off x="9265279" y="4464769"/>
-            <a:ext cx="465694" cy="0"/>
-          </a:xfrm>
-          <a:prstGeom prst="straightConnector1">
-            <a:avLst/>
-          </a:prstGeom>
-          <a:ln w="9525" cap="flat" cmpd="sng" algn="ctr">
+            <a:ln>
+              <a:noFill/>
+              <a:headEnd type="none" w="med" len="med"/>
+              <a:tailEnd type="none" w="med" len="med"/>
+            </a:ln>
+            <a:effectLst/>
+          </p:spPr>
+          <p:style>
+            <a:lnRef idx="1">
+              <a:schemeClr val="accent2"/>
+            </a:lnRef>
+            <a:fillRef idx="3">
+              <a:schemeClr val="accent2"/>
+            </a:fillRef>
+            <a:effectRef idx="2">
+              <a:schemeClr val="accent2"/>
+            </a:effectRef>
+            <a:fontRef idx="minor">
+              <a:schemeClr val="lt1"/>
+            </a:fontRef>
+          </p:style>
+          <p:txBody>
+            <a:bodyPr rot="0" spcFirstLastPara="0" vertOverflow="overflow" horzOverflow="overflow" vert="horz" wrap="square" lIns="182857" tIns="146285" rIns="182857" bIns="146285" numCol="1" spcCol="0" rtlCol="0" fromWordArt="0" anchor="t" anchorCtr="0" forceAA="0" compatLnSpc="1">
+              <a:prstTxWarp prst="textNoShape">
+                <a:avLst/>
+              </a:prstTxWarp>
+              <a:noAutofit/>
+            </a:bodyPr>
+            <a:lstStyle/>
+            <a:p>
+              <a:pPr marL="0" marR="0" lvl="0" indent="0" algn="ctr" defTabSz="932021" rtl="0" eaLnBrk="1" fontAlgn="auto" latinLnBrk="0" hangingPunct="1">
+                <a:lnSpc>
+                  <a:spcPct val="90000"/>
+                </a:lnSpc>
+                <a:spcBef>
+                  <a:spcPts val="0"/>
+                </a:spcBef>
+                <a:spcAft>
+                  <a:spcPts val="0"/>
+                </a:spcAft>
+                <a:buClrTx/>
+                <a:buSzTx/>
+                <a:buFontTx/>
+                <a:buNone/>
+                <a:tabLst/>
+                <a:defRPr/>
+              </a:pPr>
+              <a:r>
+                <a:rPr kumimoji="0" lang="en-US" sz="1400" b="1" i="0" u="none" strike="noStrike" kern="0" cap="none" spc="0" normalizeH="0" baseline="0" noProof="0" dirty="0">
+                  <a:ln>
+                    <a:noFill/>
+                  </a:ln>
+                  <a:gradFill>
+                    <a:gsLst>
+                      <a:gs pos="0">
+                        <a:srgbClr val="FFFFFF"/>
+                      </a:gs>
+                      <a:gs pos="100000">
+                        <a:srgbClr val="FFFFFF"/>
+                      </a:gs>
+                    </a:gsLst>
+                    <a:lin ang="5400000" scaled="0"/>
+                  </a:gradFill>
+                  <a:effectLst/>
+                  <a:uLnTx/>
+                  <a:uFillTx/>
+                  <a:latin typeface="Segoe UI Light"/>
+                  <a:ea typeface="Segoe UI" pitchFamily="34" charset="0"/>
+                  <a:cs typeface="Segoe UI" pitchFamily="34" charset="0"/>
+                </a:rPr>
+                <a:t>PACKAGE</a:t>
+              </a:r>
+            </a:p>
+          </p:txBody>
+        </p:sp>
+        <p:sp>
+          <p:nvSpPr>
+            <p:cNvPr id="52" name="Rectangle 51">
+              <a:extLst>
+                <a:ext uri="{FF2B5EF4-FFF2-40B4-BE49-F238E27FC236}">
+                  <a16:creationId xmlns:a16="http://schemas.microsoft.com/office/drawing/2014/main" id="{6CBE2C76-352E-4DCC-AAD6-61A50A4FEA11}"/>
+                </a:ext>
+              </a:extLst>
+            </p:cNvPr>
+            <p:cNvSpPr/>
+            <p:nvPr/>
+          </p:nvSpPr>
+          <p:spPr bwMode="auto">
+            <a:xfrm>
+              <a:off x="7584318" y="4071130"/>
+              <a:ext cx="1680961" cy="787277"/>
+            </a:xfrm>
+            <a:prstGeom prst="rect">
+              <a:avLst/>
+            </a:prstGeom>
             <a:solidFill>
-              <a:schemeClr val="accent6"/>
+              <a:srgbClr val="002060"/>
             </a:solidFill>
-            <a:prstDash val="solid"/>
-            <a:round/>
-            <a:headEnd type="none" w="med" len="med"/>
-            <a:tailEnd type="arrow" w="med" len="med"/>
-          </a:ln>
-        </p:spPr>
-        <p:style>
-          <a:lnRef idx="0">
-            <a:scrgbClr r="0" g="0" b="0"/>
-          </a:lnRef>
-          <a:fillRef idx="0">
-            <a:scrgbClr r="0" g="0" b="0"/>
-          </a:fillRef>
-          <a:effectRef idx="0">
-            <a:scrgbClr r="0" g="0" b="0"/>
-          </a:effectRef>
-          <a:fontRef idx="minor">
-            <a:schemeClr val="tx1"/>
-          </a:fontRef>
-        </p:style>
-      </p:cxnSp>
-      <p:sp>
-        <p:nvSpPr>
-          <p:cNvPr id="49" name="Rectangle 48">
-            <a:extLst>
-              <a:ext uri="{FF2B5EF4-FFF2-40B4-BE49-F238E27FC236}">
-                <a16:creationId xmlns:a16="http://schemas.microsoft.com/office/drawing/2014/main" id="{734EE12B-E01D-4E53-941F-87B5191419CA}"/>
-              </a:ext>
-            </a:extLst>
-          </p:cNvPr>
-          <p:cNvSpPr/>
-          <p:nvPr/>
-        </p:nvSpPr>
-        <p:spPr bwMode="auto">
-          <a:xfrm>
-            <a:off x="441086" y="4071130"/>
-            <a:ext cx="2384228" cy="787277"/>
-          </a:xfrm>
-          <a:prstGeom prst="rect">
-            <a:avLst/>
-          </a:prstGeom>
-          <a:solidFill>
-            <a:srgbClr val="002060"/>
-          </a:solidFill>
-          <a:ln>
-            <a:noFill/>
-            <a:headEnd type="none" w="med" len="med"/>
-            <a:tailEnd type="none" w="med" len="med"/>
-          </a:ln>
-          <a:effectLst/>
-        </p:spPr>
-        <p:style>
-          <a:lnRef idx="1">
-            <a:schemeClr val="accent2"/>
-          </a:lnRef>
-          <a:fillRef idx="3">
-            <a:schemeClr val="accent2"/>
-          </a:fillRef>
-          <a:effectRef idx="2">
-            <a:schemeClr val="accent2"/>
-          </a:effectRef>
-          <a:fontRef idx="minor">
-            <a:schemeClr val="lt1"/>
-          </a:fontRef>
-        </p:style>
-        <p:txBody>
-          <a:bodyPr rot="0" spcFirstLastPara="0" vertOverflow="overflow" horzOverflow="overflow" vert="horz" wrap="square" lIns="182857" tIns="146285" rIns="182857" bIns="146285" numCol="1" spcCol="0" rtlCol="0" fromWordArt="0" anchor="t" anchorCtr="0" forceAA="0" compatLnSpc="1">
-            <a:prstTxWarp prst="textNoShape">
+            <a:ln>
+              <a:noFill/>
+              <a:headEnd type="none" w="med" len="med"/>
+              <a:tailEnd type="none" w="med" len="med"/>
+            </a:ln>
+            <a:effectLst/>
+          </p:spPr>
+          <p:style>
+            <a:lnRef idx="1">
+              <a:schemeClr val="accent2"/>
+            </a:lnRef>
+            <a:fillRef idx="3">
+              <a:schemeClr val="accent2"/>
+            </a:fillRef>
+            <a:effectRef idx="2">
+              <a:schemeClr val="accent2"/>
+            </a:effectRef>
+            <a:fontRef idx="minor">
+              <a:schemeClr val="lt1"/>
+            </a:fontRef>
+          </p:style>
+          <p:txBody>
+            <a:bodyPr rot="0" spcFirstLastPara="0" vertOverflow="overflow" horzOverflow="overflow" vert="horz" wrap="square" lIns="182857" tIns="146285" rIns="182857" bIns="146285" numCol="1" spcCol="0" rtlCol="0" fromWordArt="0" anchor="t" anchorCtr="0" forceAA="0" compatLnSpc="1">
+              <a:prstTxWarp prst="textNoShape">
+                <a:avLst/>
+              </a:prstTxWarp>
+              <a:noAutofit/>
+            </a:bodyPr>
+            <a:lstStyle/>
+            <a:p>
+              <a:pPr marL="0" marR="0" lvl="0" indent="0" algn="ctr" defTabSz="932021" rtl="0" eaLnBrk="1" fontAlgn="auto" latinLnBrk="0" hangingPunct="1">
+                <a:lnSpc>
+                  <a:spcPct val="90000"/>
+                </a:lnSpc>
+                <a:spcBef>
+                  <a:spcPts val="0"/>
+                </a:spcBef>
+                <a:spcAft>
+                  <a:spcPts val="0"/>
+                </a:spcAft>
+                <a:buClrTx/>
+                <a:buSzTx/>
+                <a:buFontTx/>
+                <a:buNone/>
+                <a:tabLst/>
+                <a:defRPr/>
+              </a:pPr>
+              <a:r>
+                <a:rPr kumimoji="0" lang="en-US" sz="1400" b="1" i="0" u="none" strike="noStrike" kern="0" cap="none" spc="0" normalizeH="0" baseline="0" noProof="0" dirty="0">
+                  <a:ln>
+                    <a:noFill/>
+                  </a:ln>
+                  <a:gradFill>
+                    <a:gsLst>
+                      <a:gs pos="0">
+                        <a:srgbClr val="FFFFFF"/>
+                      </a:gs>
+                      <a:gs pos="100000">
+                        <a:srgbClr val="FFFFFF"/>
+                      </a:gs>
+                    </a:gsLst>
+                    <a:lin ang="5400000" scaled="0"/>
+                  </a:gradFill>
+                  <a:effectLst/>
+                  <a:uLnTx/>
+                  <a:uFillTx/>
+                  <a:latin typeface="Segoe UI Light"/>
+                  <a:ea typeface="Segoe UI" pitchFamily="34" charset="0"/>
+                  <a:cs typeface="Segoe UI" pitchFamily="34" charset="0"/>
+                </a:rPr>
+                <a:t>PIPELINE</a:t>
+              </a:r>
+            </a:p>
+          </p:txBody>
+        </p:sp>
+        <p:sp>
+          <p:nvSpPr>
+            <p:cNvPr id="53" name="Rectangle 52">
+              <a:extLst>
+                <a:ext uri="{FF2B5EF4-FFF2-40B4-BE49-F238E27FC236}">
+                  <a16:creationId xmlns:a16="http://schemas.microsoft.com/office/drawing/2014/main" id="{66783C26-9086-4B46-A184-7759A765F98D}"/>
+                </a:ext>
+              </a:extLst>
+            </p:cNvPr>
+            <p:cNvSpPr/>
+            <p:nvPr/>
+          </p:nvSpPr>
+          <p:spPr bwMode="auto">
+            <a:xfrm>
+              <a:off x="9730973" y="4071130"/>
+              <a:ext cx="1680961" cy="787277"/>
+            </a:xfrm>
+            <a:prstGeom prst="rect">
               <a:avLst/>
-            </a:prstTxWarp>
-            <a:noAutofit/>
-          </a:bodyPr>
-          <a:lstStyle/>
-          <a:p>
-            <a:pPr marL="0" marR="0" lvl="0" indent="0" algn="ctr" defTabSz="932021" rtl="0" eaLnBrk="1" fontAlgn="auto" latinLnBrk="0" hangingPunct="1">
-              <a:lnSpc>
-                <a:spcPct val="90000"/>
-              </a:lnSpc>
-              <a:spcBef>
-                <a:spcPts val="0"/>
-              </a:spcBef>
-              <a:spcAft>
-                <a:spcPts val="0"/>
-              </a:spcAft>
-              <a:buClrTx/>
-              <a:buSzTx/>
-              <a:buFontTx/>
-              <a:buNone/>
-              <a:tabLst/>
-              <a:defRPr/>
-            </a:pPr>
-            <a:r>
-              <a:rPr kumimoji="0" lang="en-US" sz="1400" b="1" i="0" u="none" strike="noStrike" kern="0" cap="none" spc="0" normalizeH="0" baseline="0" noProof="0" dirty="0">
-                <a:ln>
-                  <a:noFill/>
-                </a:ln>
-                <a:gradFill>
-                  <a:gsLst>
-                    <a:gs pos="0">
-                      <a:srgbClr val="FFFFFF"/>
-                    </a:gs>
-                    <a:gs pos="100000">
-                      <a:srgbClr val="FFFFFF"/>
-                    </a:gs>
-                  </a:gsLst>
-                  <a:lin ang="5400000" scaled="0"/>
-                </a:gradFill>
-                <a:effectLst/>
-                <a:uLnTx/>
-                <a:uFillTx/>
-                <a:latin typeface="Segoe UI Light"/>
-                <a:ea typeface="Segoe UI" pitchFamily="34" charset="0"/>
-                <a:cs typeface="Segoe UI" pitchFamily="34" charset="0"/>
-              </a:rPr>
-              <a:t>SOURCE CONTROL</a:t>
-            </a:r>
-          </a:p>
-        </p:txBody>
-      </p:sp>
-      <p:sp>
-        <p:nvSpPr>
-          <p:cNvPr id="50" name="Rectangle 49">
-            <a:extLst>
-              <a:ext uri="{FF2B5EF4-FFF2-40B4-BE49-F238E27FC236}">
-                <a16:creationId xmlns:a16="http://schemas.microsoft.com/office/drawing/2014/main" id="{01A68D93-47C1-463B-9BB1-7B7F8A36F9B6}"/>
-              </a:ext>
-            </a:extLst>
-          </p:cNvPr>
-          <p:cNvSpPr/>
-          <p:nvPr/>
-        </p:nvSpPr>
-        <p:spPr bwMode="auto">
-          <a:xfrm>
-            <a:off x="3291008" y="4071130"/>
-            <a:ext cx="1680961" cy="787277"/>
-          </a:xfrm>
-          <a:prstGeom prst="rect">
-            <a:avLst/>
-          </a:prstGeom>
-          <a:solidFill>
-            <a:srgbClr val="002060"/>
-          </a:solidFill>
-          <a:ln>
-            <a:noFill/>
-            <a:headEnd type="none" w="med" len="med"/>
-            <a:tailEnd type="none" w="med" len="med"/>
-          </a:ln>
-          <a:effectLst/>
-        </p:spPr>
-        <p:style>
-          <a:lnRef idx="1">
-            <a:schemeClr val="accent2"/>
-          </a:lnRef>
-          <a:fillRef idx="3">
-            <a:schemeClr val="accent2"/>
-          </a:fillRef>
-          <a:effectRef idx="2">
-            <a:schemeClr val="accent2"/>
-          </a:effectRef>
-          <a:fontRef idx="minor">
-            <a:schemeClr val="lt1"/>
-          </a:fontRef>
-        </p:style>
-        <p:txBody>
-          <a:bodyPr rot="0" spcFirstLastPara="0" vertOverflow="overflow" horzOverflow="overflow" vert="horz" wrap="square" lIns="182857" tIns="146285" rIns="182857" bIns="146285" numCol="1" spcCol="0" rtlCol="0" fromWordArt="0" anchor="t" anchorCtr="0" forceAA="0" compatLnSpc="1">
-            <a:prstTxWarp prst="textNoShape">
+            </a:prstGeom>
+            <a:solidFill>
+              <a:srgbClr val="002060"/>
+            </a:solidFill>
+            <a:ln>
+              <a:noFill/>
+              <a:headEnd type="none" w="med" len="med"/>
+              <a:tailEnd type="none" w="med" len="med"/>
+            </a:ln>
+            <a:effectLst/>
+          </p:spPr>
+          <p:style>
+            <a:lnRef idx="1">
+              <a:schemeClr val="accent2"/>
+            </a:lnRef>
+            <a:fillRef idx="3">
+              <a:schemeClr val="accent2"/>
+            </a:fillRef>
+            <a:effectRef idx="2">
+              <a:schemeClr val="accent2"/>
+            </a:effectRef>
+            <a:fontRef idx="minor">
+              <a:schemeClr val="lt1"/>
+            </a:fontRef>
+          </p:style>
+          <p:txBody>
+            <a:bodyPr rot="0" spcFirstLastPara="0" vertOverflow="overflow" horzOverflow="overflow" vert="horz" wrap="square" lIns="182857" tIns="146285" rIns="182857" bIns="146285" numCol="1" spcCol="0" rtlCol="0" fromWordArt="0" anchor="t" anchorCtr="0" forceAA="0" compatLnSpc="1">
+              <a:prstTxWarp prst="textNoShape">
+                <a:avLst/>
+              </a:prstTxWarp>
+              <a:noAutofit/>
+            </a:bodyPr>
+            <a:lstStyle/>
+            <a:p>
+              <a:pPr marL="0" marR="0" lvl="0" indent="0" algn="ctr" defTabSz="932021" rtl="0" eaLnBrk="1" fontAlgn="auto" latinLnBrk="0" hangingPunct="1">
+                <a:lnSpc>
+                  <a:spcPct val="90000"/>
+                </a:lnSpc>
+                <a:spcBef>
+                  <a:spcPts val="0"/>
+                </a:spcBef>
+                <a:spcAft>
+                  <a:spcPts val="0"/>
+                </a:spcAft>
+                <a:buClrTx/>
+                <a:buSzTx/>
+                <a:buFontTx/>
+                <a:buNone/>
+                <a:tabLst/>
+                <a:defRPr/>
+              </a:pPr>
+              <a:r>
+                <a:rPr kumimoji="0" lang="en-US" sz="1400" b="1" i="0" u="none" strike="noStrike" kern="0" cap="none" spc="0" normalizeH="0" baseline="0" noProof="0" dirty="0">
+                  <a:ln>
+                    <a:noFill/>
+                  </a:ln>
+                  <a:gradFill>
+                    <a:gsLst>
+                      <a:gs pos="0">
+                        <a:srgbClr val="FFFFFF"/>
+                      </a:gs>
+                      <a:gs pos="100000">
+                        <a:srgbClr val="FFFFFF"/>
+                      </a:gs>
+                    </a:gsLst>
+                    <a:lin ang="5400000" scaled="0"/>
+                  </a:gradFill>
+                  <a:effectLst/>
+                  <a:uLnTx/>
+                  <a:uFillTx/>
+                  <a:latin typeface="Segoe UI Light"/>
+                  <a:ea typeface="Segoe UI" pitchFamily="34" charset="0"/>
+                  <a:cs typeface="Segoe UI" pitchFamily="34" charset="0"/>
+                </a:rPr>
+                <a:t>DEPLOYMENT</a:t>
+              </a:r>
+            </a:p>
+          </p:txBody>
+        </p:sp>
+        <p:pic>
+          <p:nvPicPr>
+            <p:cNvPr id="2" name="Picture 1">
+              <a:extLst>
+                <a:ext uri="{FF2B5EF4-FFF2-40B4-BE49-F238E27FC236}">
+                  <a16:creationId xmlns:a16="http://schemas.microsoft.com/office/drawing/2014/main" id="{881EE785-0D74-424E-95FD-6BA44CFF4F5F}"/>
+                </a:ext>
+              </a:extLst>
+            </p:cNvPr>
+            <p:cNvPicPr>
+              <a:picLocks noChangeAspect="1"/>
+            </p:cNvPicPr>
+            <p:nvPr/>
+          </p:nvPicPr>
+          <p:blipFill>
+            <a:blip r:embed="rId6"/>
+            <a:stretch>
+              <a:fillRect/>
+            </a:stretch>
+          </p:blipFill>
+          <p:spPr>
+            <a:xfrm>
+              <a:off x="427878" y="2403332"/>
+              <a:ext cx="508000" cy="508000"/>
+            </a:xfrm>
+            <a:prstGeom prst="rect">
               <a:avLst/>
-            </a:prstTxWarp>
-            <a:noAutofit/>
-          </a:bodyPr>
-          <a:lstStyle/>
-          <a:p>
-            <a:pPr marL="0" marR="0" lvl="0" indent="0" algn="ctr" defTabSz="932021" rtl="0" eaLnBrk="1" fontAlgn="auto" latinLnBrk="0" hangingPunct="1">
-              <a:lnSpc>
-                <a:spcPct val="90000"/>
-              </a:lnSpc>
-              <a:spcBef>
-                <a:spcPts val="0"/>
-              </a:spcBef>
-              <a:spcAft>
-                <a:spcPts val="0"/>
-              </a:spcAft>
-              <a:buClrTx/>
-              <a:buSzTx/>
-              <a:buFontTx/>
-              <a:buNone/>
-              <a:tabLst/>
-              <a:defRPr/>
-            </a:pPr>
-            <a:r>
-              <a:rPr kumimoji="0" lang="en-US" sz="1400" b="1" i="0" u="none" strike="noStrike" kern="0" cap="none" spc="0" normalizeH="0" baseline="0" noProof="0" dirty="0">
-                <a:ln>
-                  <a:noFill/>
-                </a:ln>
-                <a:gradFill>
-                  <a:gsLst>
-                    <a:gs pos="0">
-                      <a:srgbClr val="FFFFFF"/>
-                    </a:gs>
-                    <a:gs pos="100000">
-                      <a:srgbClr val="FFFFFF"/>
-                    </a:gs>
-                  </a:gsLst>
-                  <a:lin ang="5400000" scaled="0"/>
-                </a:gradFill>
-                <a:effectLst/>
-                <a:uLnTx/>
-                <a:uFillTx/>
-                <a:latin typeface="Segoe UI Light"/>
-                <a:ea typeface="Segoe UI" pitchFamily="34" charset="0"/>
-                <a:cs typeface="Segoe UI" pitchFamily="34" charset="0"/>
-              </a:rPr>
-              <a:t>CI</a:t>
-            </a:r>
-          </a:p>
-        </p:txBody>
-      </p:sp>
-      <p:sp>
-        <p:nvSpPr>
-          <p:cNvPr id="51" name="Rectangle 50">
-            <a:extLst>
-              <a:ext uri="{FF2B5EF4-FFF2-40B4-BE49-F238E27FC236}">
-                <a16:creationId xmlns:a16="http://schemas.microsoft.com/office/drawing/2014/main" id="{0EB58BF5-4578-4BC8-8AD5-7B6A0FE4FECA}"/>
-              </a:ext>
-            </a:extLst>
-          </p:cNvPr>
-          <p:cNvSpPr/>
-          <p:nvPr/>
-        </p:nvSpPr>
-        <p:spPr bwMode="auto">
-          <a:xfrm>
-            <a:off x="5437663" y="4071130"/>
-            <a:ext cx="1680961" cy="787277"/>
-          </a:xfrm>
-          <a:prstGeom prst="rect">
-            <a:avLst/>
-          </a:prstGeom>
-          <a:solidFill>
-            <a:srgbClr val="002060"/>
-          </a:solidFill>
-          <a:ln>
-            <a:noFill/>
-            <a:headEnd type="none" w="med" len="med"/>
-            <a:tailEnd type="none" w="med" len="med"/>
-          </a:ln>
-          <a:effectLst/>
-        </p:spPr>
-        <p:style>
-          <a:lnRef idx="1">
-            <a:schemeClr val="accent2"/>
-          </a:lnRef>
-          <a:fillRef idx="3">
-            <a:schemeClr val="accent2"/>
-          </a:fillRef>
-          <a:effectRef idx="2">
-            <a:schemeClr val="accent2"/>
-          </a:effectRef>
-          <a:fontRef idx="minor">
-            <a:schemeClr val="lt1"/>
-          </a:fontRef>
-        </p:style>
-        <p:txBody>
-          <a:bodyPr rot="0" spcFirstLastPara="0" vertOverflow="overflow" horzOverflow="overflow" vert="horz" wrap="square" lIns="182857" tIns="146285" rIns="182857" bIns="146285" numCol="1" spcCol="0" rtlCol="0" fromWordArt="0" anchor="t" anchorCtr="0" forceAA="0" compatLnSpc="1">
-            <a:prstTxWarp prst="textNoShape">
+            </a:prstGeom>
+          </p:spPr>
+        </p:pic>
+        <p:pic>
+          <p:nvPicPr>
+            <p:cNvPr id="3" name="Picture 2">
+              <a:extLst>
+                <a:ext uri="{FF2B5EF4-FFF2-40B4-BE49-F238E27FC236}">
+                  <a16:creationId xmlns:a16="http://schemas.microsoft.com/office/drawing/2014/main" id="{0836D8F2-43BE-294A-9FB2-10AB35232D29}"/>
+                </a:ext>
+              </a:extLst>
+            </p:cNvPr>
+            <p:cNvPicPr>
+              <a:picLocks noChangeAspect="1"/>
+            </p:cNvPicPr>
+            <p:nvPr/>
+          </p:nvPicPr>
+          <p:blipFill>
+            <a:blip r:embed="rId7"/>
+            <a:stretch>
+              <a:fillRect/>
+            </a:stretch>
+          </p:blipFill>
+          <p:spPr>
+            <a:xfrm>
+              <a:off x="426262" y="1747556"/>
+              <a:ext cx="508000" cy="508000"/>
+            </a:xfrm>
+            <a:prstGeom prst="rect">
               <a:avLst/>
-            </a:prstTxWarp>
-            <a:noAutofit/>
-          </a:bodyPr>
-          <a:lstStyle/>
-          <a:p>
-            <a:pPr marL="0" marR="0" lvl="0" indent="0" algn="ctr" defTabSz="932021" rtl="0" eaLnBrk="1" fontAlgn="auto" latinLnBrk="0" hangingPunct="1">
-              <a:lnSpc>
-                <a:spcPct val="90000"/>
-              </a:lnSpc>
-              <a:spcBef>
-                <a:spcPts val="0"/>
-              </a:spcBef>
-              <a:spcAft>
-                <a:spcPts val="0"/>
-              </a:spcAft>
-              <a:buClrTx/>
-              <a:buSzTx/>
-              <a:buFontTx/>
-              <a:buNone/>
-              <a:tabLst/>
-              <a:defRPr/>
-            </a:pPr>
-            <a:r>
-              <a:rPr kumimoji="0" lang="en-US" sz="1400" b="1" i="0" u="none" strike="noStrike" kern="0" cap="none" spc="0" normalizeH="0" baseline="0" noProof="0" dirty="0">
-                <a:ln>
-                  <a:noFill/>
-                </a:ln>
-                <a:gradFill>
-                  <a:gsLst>
-                    <a:gs pos="0">
-                      <a:srgbClr val="FFFFFF"/>
-                    </a:gs>
-                    <a:gs pos="100000">
-                      <a:srgbClr val="FFFFFF"/>
-                    </a:gs>
-                  </a:gsLst>
-                  <a:lin ang="5400000" scaled="0"/>
-                </a:gradFill>
-                <a:effectLst/>
-                <a:uLnTx/>
-                <a:uFillTx/>
-                <a:latin typeface="Segoe UI Light"/>
-                <a:ea typeface="Segoe UI" pitchFamily="34" charset="0"/>
-                <a:cs typeface="Segoe UI" pitchFamily="34" charset="0"/>
-              </a:rPr>
-              <a:t>PACKAGE</a:t>
-            </a:r>
-          </a:p>
-        </p:txBody>
-      </p:sp>
-      <p:sp>
-        <p:nvSpPr>
-          <p:cNvPr id="52" name="Rectangle 51">
-            <a:extLst>
-              <a:ext uri="{FF2B5EF4-FFF2-40B4-BE49-F238E27FC236}">
-                <a16:creationId xmlns:a16="http://schemas.microsoft.com/office/drawing/2014/main" id="{6CBE2C76-352E-4DCC-AAD6-61A50A4FEA11}"/>
-              </a:ext>
-            </a:extLst>
-          </p:cNvPr>
-          <p:cNvSpPr/>
-          <p:nvPr/>
-        </p:nvSpPr>
-        <p:spPr bwMode="auto">
-          <a:xfrm>
-            <a:off x="7584318" y="4071130"/>
-            <a:ext cx="1680961" cy="787277"/>
-          </a:xfrm>
-          <a:prstGeom prst="rect">
-            <a:avLst/>
-          </a:prstGeom>
-          <a:solidFill>
-            <a:srgbClr val="002060"/>
-          </a:solidFill>
-          <a:ln>
-            <a:noFill/>
-            <a:headEnd type="none" w="med" len="med"/>
-            <a:tailEnd type="none" w="med" len="med"/>
-          </a:ln>
-          <a:effectLst/>
-        </p:spPr>
-        <p:style>
-          <a:lnRef idx="1">
-            <a:schemeClr val="accent2"/>
-          </a:lnRef>
-          <a:fillRef idx="3">
-            <a:schemeClr val="accent2"/>
-          </a:fillRef>
-          <a:effectRef idx="2">
-            <a:schemeClr val="accent2"/>
-          </a:effectRef>
-          <a:fontRef idx="minor">
-            <a:schemeClr val="lt1"/>
-          </a:fontRef>
-        </p:style>
-        <p:txBody>
-          <a:bodyPr rot="0" spcFirstLastPara="0" vertOverflow="overflow" horzOverflow="overflow" vert="horz" wrap="square" lIns="182857" tIns="146285" rIns="182857" bIns="146285" numCol="1" spcCol="0" rtlCol="0" fromWordArt="0" anchor="t" anchorCtr="0" forceAA="0" compatLnSpc="1">
-            <a:prstTxWarp prst="textNoShape">
-              <a:avLst/>
-            </a:prstTxWarp>
-            <a:noAutofit/>
-          </a:bodyPr>
-          <a:lstStyle/>
-          <a:p>
-            <a:pPr marL="0" marR="0" lvl="0" indent="0" algn="ctr" defTabSz="932021" rtl="0" eaLnBrk="1" fontAlgn="auto" latinLnBrk="0" hangingPunct="1">
-              <a:lnSpc>
-                <a:spcPct val="90000"/>
-              </a:lnSpc>
-              <a:spcBef>
-                <a:spcPts val="0"/>
-              </a:spcBef>
-              <a:spcAft>
-                <a:spcPts val="0"/>
-              </a:spcAft>
-              <a:buClrTx/>
-              <a:buSzTx/>
-              <a:buFontTx/>
-              <a:buNone/>
-              <a:tabLst/>
-              <a:defRPr/>
-            </a:pPr>
-            <a:r>
-              <a:rPr kumimoji="0" lang="en-US" sz="1400" b="1" i="0" u="none" strike="noStrike" kern="0" cap="none" spc="0" normalizeH="0" baseline="0" noProof="0" dirty="0">
-                <a:ln>
-                  <a:noFill/>
-                </a:ln>
-                <a:gradFill>
-                  <a:gsLst>
-                    <a:gs pos="0">
-                      <a:srgbClr val="FFFFFF"/>
-                    </a:gs>
-                    <a:gs pos="100000">
-                      <a:srgbClr val="FFFFFF"/>
-                    </a:gs>
-                  </a:gsLst>
-                  <a:lin ang="5400000" scaled="0"/>
-                </a:gradFill>
-                <a:effectLst/>
-                <a:uLnTx/>
-                <a:uFillTx/>
-                <a:latin typeface="Segoe UI Light"/>
-                <a:ea typeface="Segoe UI" pitchFamily="34" charset="0"/>
-                <a:cs typeface="Segoe UI" pitchFamily="34" charset="0"/>
-              </a:rPr>
-              <a:t>PIPELINE</a:t>
-            </a:r>
-          </a:p>
-        </p:txBody>
-      </p:sp>
-      <p:sp>
-        <p:nvSpPr>
-          <p:cNvPr id="53" name="Rectangle 52">
-            <a:extLst>
-              <a:ext uri="{FF2B5EF4-FFF2-40B4-BE49-F238E27FC236}">
-                <a16:creationId xmlns:a16="http://schemas.microsoft.com/office/drawing/2014/main" id="{66783C26-9086-4B46-A184-7759A765F98D}"/>
-              </a:ext>
-            </a:extLst>
-          </p:cNvPr>
-          <p:cNvSpPr/>
-          <p:nvPr/>
-        </p:nvSpPr>
-        <p:spPr bwMode="auto">
-          <a:xfrm>
-            <a:off x="9730973" y="4071130"/>
-            <a:ext cx="1680961" cy="787277"/>
-          </a:xfrm>
-          <a:prstGeom prst="rect">
-            <a:avLst/>
-          </a:prstGeom>
-          <a:solidFill>
-            <a:srgbClr val="002060"/>
-          </a:solidFill>
-          <a:ln>
-            <a:noFill/>
-            <a:headEnd type="none" w="med" len="med"/>
-            <a:tailEnd type="none" w="med" len="med"/>
-          </a:ln>
-          <a:effectLst/>
-        </p:spPr>
-        <p:style>
-          <a:lnRef idx="1">
-            <a:schemeClr val="accent2"/>
-          </a:lnRef>
-          <a:fillRef idx="3">
-            <a:schemeClr val="accent2"/>
-          </a:fillRef>
-          <a:effectRef idx="2">
-            <a:schemeClr val="accent2"/>
-          </a:effectRef>
-          <a:fontRef idx="minor">
-            <a:schemeClr val="lt1"/>
-          </a:fontRef>
-        </p:style>
-        <p:txBody>
-          <a:bodyPr rot="0" spcFirstLastPara="0" vertOverflow="overflow" horzOverflow="overflow" vert="horz" wrap="square" lIns="182857" tIns="146285" rIns="182857" bIns="146285" numCol="1" spcCol="0" rtlCol="0" fromWordArt="0" anchor="t" anchorCtr="0" forceAA="0" compatLnSpc="1">
-            <a:prstTxWarp prst="textNoShape">
-              <a:avLst/>
-            </a:prstTxWarp>
-            <a:noAutofit/>
-          </a:bodyPr>
-          <a:lstStyle/>
-          <a:p>
-            <a:pPr marL="0" marR="0" lvl="0" indent="0" algn="ctr" defTabSz="932021" rtl="0" eaLnBrk="1" fontAlgn="auto" latinLnBrk="0" hangingPunct="1">
-              <a:lnSpc>
-                <a:spcPct val="90000"/>
-              </a:lnSpc>
-              <a:spcBef>
-                <a:spcPts val="0"/>
-              </a:spcBef>
-              <a:spcAft>
-                <a:spcPts val="0"/>
-              </a:spcAft>
-              <a:buClrTx/>
-              <a:buSzTx/>
-              <a:buFontTx/>
-              <a:buNone/>
-              <a:tabLst/>
-              <a:defRPr/>
-            </a:pPr>
-            <a:r>
-              <a:rPr kumimoji="0" lang="en-US" sz="1400" b="1" i="0" u="none" strike="noStrike" kern="0" cap="none" spc="0" normalizeH="0" baseline="0" noProof="0" dirty="0">
-                <a:ln>
-                  <a:noFill/>
-                </a:ln>
-                <a:gradFill>
-                  <a:gsLst>
-                    <a:gs pos="0">
-                      <a:srgbClr val="FFFFFF"/>
-                    </a:gs>
-                    <a:gs pos="100000">
-                      <a:srgbClr val="FFFFFF"/>
-                    </a:gs>
-                  </a:gsLst>
-                  <a:lin ang="5400000" scaled="0"/>
-                </a:gradFill>
-                <a:effectLst/>
-                <a:uLnTx/>
-                <a:uFillTx/>
-                <a:latin typeface="Segoe UI Light"/>
-                <a:ea typeface="Segoe UI" pitchFamily="34" charset="0"/>
-                <a:cs typeface="Segoe UI" pitchFamily="34" charset="0"/>
-              </a:rPr>
-              <a:t>DEPLOYMENT</a:t>
-            </a:r>
-          </a:p>
-        </p:txBody>
-      </p:sp>
+            </a:prstGeom>
+          </p:spPr>
+        </p:pic>
+      </p:grpSp>
     </p:spTree>
     <p:extLst>
       <p:ext uri="{BB962C8B-B14F-4D97-AF65-F5344CB8AC3E}">
@@ -13346,224 +13355,6 @@
   <p:clrMapOvr>
     <a:masterClrMapping/>
   </p:clrMapOvr>
-  <p:timing>
-    <p:tnLst>
-      <p:par>
-        <p:cTn id="1" dur="indefinite" restart="never" nodeType="tmRoot">
-          <p:childTnLst>
-            <p:seq concurrent="1" nextAc="seek">
-              <p:cTn id="2" dur="indefinite" nodeType="mainSeq">
-                <p:childTnLst>
-                  <p:par>
-                    <p:cTn id="3" fill="hold">
-                      <p:stCondLst>
-                        <p:cond delay="indefinite"/>
-                        <p:cond evt="onBegin" delay="0">
-                          <p:tn val="2"/>
-                        </p:cond>
-                      </p:stCondLst>
-                      <p:childTnLst>
-                        <p:par>
-                          <p:cTn id="4" fill="hold">
-                            <p:stCondLst>
-                              <p:cond delay="0"/>
-                            </p:stCondLst>
-                            <p:childTnLst>
-                              <p:par>
-                                <p:cTn id="5" presetID="22" presetClass="entr" presetSubtype="8" fill="hold" nodeType="afterEffect">
-                                  <p:stCondLst>
-                                    <p:cond delay="0"/>
-                                  </p:stCondLst>
-                                  <p:childTnLst>
-                                    <p:set>
-                                      <p:cBhvr>
-                                        <p:cTn id="6" dur="1" fill="hold">
-                                          <p:stCondLst>
-                                            <p:cond delay="0"/>
-                                          </p:stCondLst>
-                                        </p:cTn>
-                                        <p:tgtEl>
-                                          <p:spTgt spid="45"/>
-                                        </p:tgtEl>
-                                        <p:attrNameLst>
-                                          <p:attrName>style.visibility</p:attrName>
-                                        </p:attrNameLst>
-                                      </p:cBhvr>
-                                      <p:to>
-                                        <p:strVal val="visible"/>
-                                      </p:to>
-                                    </p:set>
-                                    <p:animEffect transition="in" filter="wipe(left)">
-                                      <p:cBhvr>
-                                        <p:cTn id="7" dur="250"/>
-                                        <p:tgtEl>
-                                          <p:spTgt spid="45"/>
-                                        </p:tgtEl>
-                                      </p:cBhvr>
-                                    </p:animEffect>
-                                  </p:childTnLst>
-                                </p:cTn>
-                              </p:par>
-                            </p:childTnLst>
-                          </p:cTn>
-                        </p:par>
-                        <p:par>
-                          <p:cTn id="8" fill="hold">
-                            <p:stCondLst>
-                              <p:cond delay="250"/>
-                            </p:stCondLst>
-                            <p:childTnLst>
-                              <p:par>
-                                <p:cTn id="9" presetID="22" presetClass="entr" presetSubtype="8" fill="hold" nodeType="afterEffect">
-                                  <p:stCondLst>
-                                    <p:cond delay="0"/>
-                                  </p:stCondLst>
-                                  <p:childTnLst>
-                                    <p:set>
-                                      <p:cBhvr>
-                                        <p:cTn id="10" dur="1" fill="hold">
-                                          <p:stCondLst>
-                                            <p:cond delay="0"/>
-                                          </p:stCondLst>
-                                        </p:cTn>
-                                        <p:tgtEl>
-                                          <p:spTgt spid="46"/>
-                                        </p:tgtEl>
-                                        <p:attrNameLst>
-                                          <p:attrName>style.visibility</p:attrName>
-                                        </p:attrNameLst>
-                                      </p:cBhvr>
-                                      <p:to>
-                                        <p:strVal val="visible"/>
-                                      </p:to>
-                                    </p:set>
-                                    <p:animEffect transition="in" filter="wipe(left)">
-                                      <p:cBhvr>
-                                        <p:cTn id="11" dur="250"/>
-                                        <p:tgtEl>
-                                          <p:spTgt spid="46"/>
-                                        </p:tgtEl>
-                                      </p:cBhvr>
-                                    </p:animEffect>
-                                  </p:childTnLst>
-                                </p:cTn>
-                              </p:par>
-                            </p:childTnLst>
-                          </p:cTn>
-                        </p:par>
-                        <p:par>
-                          <p:cTn id="12" fill="hold">
-                            <p:stCondLst>
-                              <p:cond delay="500"/>
-                            </p:stCondLst>
-                            <p:childTnLst>
-                              <p:par>
-                                <p:cTn id="13" presetID="22" presetClass="entr" presetSubtype="8" fill="hold" nodeType="afterEffect">
-                                  <p:stCondLst>
-                                    <p:cond delay="0"/>
-                                  </p:stCondLst>
-                                  <p:childTnLst>
-                                    <p:set>
-                                      <p:cBhvr>
-                                        <p:cTn id="14" dur="1" fill="hold">
-                                          <p:stCondLst>
-                                            <p:cond delay="0"/>
-                                          </p:stCondLst>
-                                        </p:cTn>
-                                        <p:tgtEl>
-                                          <p:spTgt spid="47"/>
-                                        </p:tgtEl>
-                                        <p:attrNameLst>
-                                          <p:attrName>style.visibility</p:attrName>
-                                        </p:attrNameLst>
-                                      </p:cBhvr>
-                                      <p:to>
-                                        <p:strVal val="visible"/>
-                                      </p:to>
-                                    </p:set>
-                                    <p:animEffect transition="in" filter="wipe(left)">
-                                      <p:cBhvr>
-                                        <p:cTn id="15" dur="250"/>
-                                        <p:tgtEl>
-                                          <p:spTgt spid="47"/>
-                                        </p:tgtEl>
-                                      </p:cBhvr>
-                                    </p:animEffect>
-                                  </p:childTnLst>
-                                </p:cTn>
-                              </p:par>
-                            </p:childTnLst>
-                          </p:cTn>
-                        </p:par>
-                        <p:par>
-                          <p:cTn id="16" fill="hold">
-                            <p:stCondLst>
-                              <p:cond delay="750"/>
-                            </p:stCondLst>
-                            <p:childTnLst>
-                              <p:par>
-                                <p:cTn id="17" presetID="22" presetClass="entr" presetSubtype="8" fill="hold" nodeType="afterEffect">
-                                  <p:stCondLst>
-                                    <p:cond delay="0"/>
-                                  </p:stCondLst>
-                                  <p:childTnLst>
-                                    <p:set>
-                                      <p:cBhvr>
-                                        <p:cTn id="18" dur="1" fill="hold">
-                                          <p:stCondLst>
-                                            <p:cond delay="0"/>
-                                          </p:stCondLst>
-                                        </p:cTn>
-                                        <p:tgtEl>
-                                          <p:spTgt spid="48"/>
-                                        </p:tgtEl>
-                                        <p:attrNameLst>
-                                          <p:attrName>style.visibility</p:attrName>
-                                        </p:attrNameLst>
-                                      </p:cBhvr>
-                                      <p:to>
-                                        <p:strVal val="visible"/>
-                                      </p:to>
-                                    </p:set>
-                                    <p:animEffect transition="in" filter="wipe(left)">
-                                      <p:cBhvr>
-                                        <p:cTn id="19" dur="250"/>
-                                        <p:tgtEl>
-                                          <p:spTgt spid="48"/>
-                                        </p:tgtEl>
-                                      </p:cBhvr>
-                                    </p:animEffect>
-                                  </p:childTnLst>
-                                </p:cTn>
-                              </p:par>
-                            </p:childTnLst>
-                          </p:cTn>
-                        </p:par>
-                      </p:childTnLst>
-                    </p:cTn>
-                  </p:par>
-                </p:childTnLst>
-              </p:cTn>
-              <p:prevCondLst>
-                <p:cond evt="onPrev" delay="0">
-                  <p:tgtEl>
-                    <p:sldTgt/>
-                  </p:tgtEl>
-                </p:cond>
-              </p:prevCondLst>
-              <p:nextCondLst>
-                <p:cond evt="onNext" delay="0">
-                  <p:tgtEl>
-                    <p:sldTgt/>
-                  </p:tgtEl>
-                </p:cond>
-              </p:nextCondLst>
-            </p:seq>
-          </p:childTnLst>
-        </p:cTn>
-      </p:par>
-    </p:tnLst>
-  </p:timing>
 </p:sld>
 </file>
 
@@ -13694,10 +13485,10 @@
       </p:sp>
       <p:grpSp>
         <p:nvGrpSpPr>
-          <p:cNvPr id="62" name="Alt text group" descr="This is a diagram of Tailspin Toys' existing solution architecture. On the left is a Visual Studio icon and the words “development,” “test,” and “master,” which represents the development team hosting its source control in Visual Studio Team Services with branches set up for development, test, and master environments.&#10;&#10;Three arrows point from these environments to a server and monitor icon on the right labeled Manual internal code review &amp; QA on local developer machines.&#10;&#10;An arrow points from this icon to another Visual Studio icon on the right labeled Visual Studio/FTP, which represents developers manually deploying updates through Visual Studio or FTP.&#10;&#10;Two arrows point from this icon to two icons on the right: on the top, Azure App Service with Web App (S3 Instance), and on the bottom, Azure SQL Database (S1 Instance)." title="Existing solution architecture diagram">
+          <p:cNvPr id="3" name="Group 2">
             <a:extLst>
               <a:ext uri="{FF2B5EF4-FFF2-40B4-BE49-F238E27FC236}">
-                <a16:creationId xmlns:a16="http://schemas.microsoft.com/office/drawing/2014/main" id="{9FF7B1F0-4816-4E25-AF53-4F383551D663}"/>
+                <a16:creationId xmlns:a16="http://schemas.microsoft.com/office/drawing/2014/main" id="{8C99E4B3-CA1D-4B4E-B526-E6E8E985D963}"/>
               </a:ext>
             </a:extLst>
           </p:cNvPr>
@@ -13708,420 +13499,16 @@
           <a:xfrm>
             <a:off x="622299" y="2115254"/>
             <a:ext cx="10932448" cy="4284400"/>
-            <a:chOff x="831849" y="2115254"/>
+            <a:chOff x="622299" y="2115254"/>
             <a:chExt cx="10932448" cy="4284400"/>
           </a:xfrm>
         </p:grpSpPr>
-        <p:sp>
-          <p:nvSpPr>
-            <p:cNvPr id="4" name="Rectangle 3">
+        <p:grpSp>
+          <p:nvGrpSpPr>
+            <p:cNvPr id="62" name="Alt text group" descr="This is a diagram of Tailspin Toys' existing solution architecture. On the left is a Visual Studio icon and the words “development,” “test,” and “master,” which represents the development team hosting its source control in Visual Studio Team Services with branches set up for development, test, and master environments.&#10;&#10;Three arrows point from these environments to a server and monitor icon on the right labeled Manual internal code review &amp; QA on local developer machines.&#10;&#10;An arrow points from this icon to another Visual Studio icon on the right labeled Visual Studio/FTP, which represents developers manually deploying updates through Visual Studio or FTP.&#10;&#10;Two arrows point from this icon to two icons on the right: on the top, Azure App Service with Web App (S3 Instance), and on the bottom, Azure SQL Database (S1 Instance)." title="Existing solution architecture diagram">
               <a:extLst>
                 <a:ext uri="{FF2B5EF4-FFF2-40B4-BE49-F238E27FC236}">
-                  <a16:creationId xmlns:a16="http://schemas.microsoft.com/office/drawing/2014/main" id="{FBE81C97-60DA-43A9-9E36-E3BB513C08BE}"/>
-                </a:ext>
-              </a:extLst>
-            </p:cNvPr>
-            <p:cNvSpPr/>
-            <p:nvPr/>
-          </p:nvSpPr>
-          <p:spPr bwMode="auto">
-            <a:xfrm>
-              <a:off x="831849" y="2115254"/>
-              <a:ext cx="10932447" cy="4284400"/>
-            </a:xfrm>
-            <a:prstGeom prst="rect">
-              <a:avLst/>
-            </a:prstGeom>
-            <a:solidFill>
-              <a:schemeClr val="tx1"/>
-            </a:solidFill>
-            <a:ln>
-              <a:noFill/>
-              <a:headEnd type="none" w="med" len="med"/>
-              <a:tailEnd type="none" w="med" len="med"/>
-            </a:ln>
-            <a:effectLst/>
-          </p:spPr>
-          <p:style>
-            <a:lnRef idx="1">
-              <a:schemeClr val="accent2"/>
-            </a:lnRef>
-            <a:fillRef idx="3">
-              <a:schemeClr val="accent2"/>
-            </a:fillRef>
-            <a:effectRef idx="2">
-              <a:schemeClr val="accent2"/>
-            </a:effectRef>
-            <a:fontRef idx="minor">
-              <a:schemeClr val="lt1"/>
-            </a:fontRef>
-          </p:style>
-          <p:txBody>
-            <a:bodyPr rot="0" spcFirstLastPara="0" vertOverflow="overflow" horzOverflow="overflow" vert="horz" wrap="square" lIns="182880" tIns="146304" rIns="182880" bIns="146304" numCol="1" spcCol="0" rtlCol="0" fromWordArt="0" anchor="t" anchorCtr="0" forceAA="0" compatLnSpc="1">
-              <a:prstTxWarp prst="textNoShape">
-                <a:avLst/>
-              </a:prstTxWarp>
-              <a:noAutofit/>
-            </a:bodyPr>
-            <a:lstStyle/>
-            <a:p>
-              <a:pPr marL="0" marR="0" lvl="0" indent="0" algn="ctr" defTabSz="932472" rtl="0" eaLnBrk="1" fontAlgn="base" latinLnBrk="0" hangingPunct="1">
-                <a:lnSpc>
-                  <a:spcPct val="90000"/>
-                </a:lnSpc>
-                <a:spcBef>
-                  <a:spcPct val="0"/>
-                </a:spcBef>
-                <a:spcAft>
-                  <a:spcPct val="0"/>
-                </a:spcAft>
-                <a:buClrTx/>
-                <a:buSzTx/>
-                <a:buFontTx/>
-                <a:buNone/>
-                <a:tabLst/>
-                <a:defRPr/>
-              </a:pPr>
-              <a:endParaRPr kumimoji="0" lang="en-US" sz="2400" b="0" i="0" u="sng" strike="noStrike" kern="1200" cap="none" spc="0" normalizeH="0" baseline="0" noProof="0" dirty="0">
-                <a:ln>
-                  <a:noFill/>
-                </a:ln>
-                <a:solidFill>
-                  <a:srgbClr val="FFFFFF"/>
-                </a:solidFill>
-                <a:effectLst/>
-                <a:uLnTx/>
-                <a:uFillTx/>
-                <a:latin typeface="Segoe UI Semilight"/>
-                <a:ea typeface="Segoe UI" pitchFamily="34" charset="0"/>
-                <a:cs typeface="Segoe UI" pitchFamily="34" charset="0"/>
-              </a:endParaRPr>
-            </a:p>
-          </p:txBody>
-        </p:sp>
-        <p:pic>
-          <p:nvPicPr>
-            <p:cNvPr id="5" name="Picture 4">
-              <a:extLst>
-                <a:ext uri="{FF2B5EF4-FFF2-40B4-BE49-F238E27FC236}">
-                  <a16:creationId xmlns:a16="http://schemas.microsoft.com/office/drawing/2014/main" id="{99C9F7AE-362B-4DD4-9004-223EA1DDD41E}"/>
-                </a:ext>
-              </a:extLst>
-            </p:cNvPr>
-            <p:cNvPicPr>
-              <a:picLocks noChangeAspect="1"/>
-            </p:cNvPicPr>
-            <p:nvPr/>
-          </p:nvPicPr>
-          <p:blipFill>
-            <a:blip r:embed="rId3" cstate="print">
-              <a:extLst>
-                <a:ext uri="{28A0092B-C50C-407E-A947-70E740481C1C}">
-                  <a14:useLocalDpi xmlns:a14="http://schemas.microsoft.com/office/drawing/2010/main" val="0"/>
-                </a:ext>
-              </a:extLst>
-            </a:blip>
-            <a:stretch>
-              <a:fillRect/>
-            </a:stretch>
-          </p:blipFill>
-          <p:spPr>
-            <a:xfrm>
-              <a:off x="10666811" y="2592643"/>
-              <a:ext cx="412994" cy="412994"/>
-            </a:xfrm>
-            <a:prstGeom prst="rect">
-              <a:avLst/>
-            </a:prstGeom>
-          </p:spPr>
-        </p:pic>
-        <p:pic>
-          <p:nvPicPr>
-            <p:cNvPr id="11" name="Content Placeholder 12">
-              <a:extLst>
-                <a:ext uri="{FF2B5EF4-FFF2-40B4-BE49-F238E27FC236}">
-                  <a16:creationId xmlns:a16="http://schemas.microsoft.com/office/drawing/2014/main" id="{1D605CE1-3FCE-421C-8CFE-DEABF94ABFB5}"/>
-                </a:ext>
-              </a:extLst>
-            </p:cNvPr>
-            <p:cNvPicPr>
-              <a:picLocks noChangeAspect="1"/>
-            </p:cNvPicPr>
-            <p:nvPr/>
-          </p:nvPicPr>
-          <p:blipFill>
-            <a:blip r:embed="rId4" cstate="print">
-              <a:extLst>
-                <a:ext uri="{28A0092B-C50C-407E-A947-70E740481C1C}">
-                  <a14:useLocalDpi xmlns:a14="http://schemas.microsoft.com/office/drawing/2010/main" val="0"/>
-                </a:ext>
-              </a:extLst>
-            </a:blip>
-            <a:stretch>
-              <a:fillRect/>
-            </a:stretch>
-          </p:blipFill>
-          <p:spPr>
-            <a:xfrm>
-              <a:off x="10512114" y="4601497"/>
-              <a:ext cx="702724" cy="702724"/>
-            </a:xfrm>
-            <a:prstGeom prst="rect">
-              <a:avLst/>
-            </a:prstGeom>
-          </p:spPr>
-        </p:pic>
-        <p:sp>
-          <p:nvSpPr>
-            <p:cNvPr id="12" name="TextBox 11">
-              <a:extLst>
-                <a:ext uri="{FF2B5EF4-FFF2-40B4-BE49-F238E27FC236}">
-                  <a16:creationId xmlns:a16="http://schemas.microsoft.com/office/drawing/2014/main" id="{379928B8-4527-4D9E-9EE7-0A4028F33FFC}"/>
-                </a:ext>
-              </a:extLst>
-            </p:cNvPr>
-            <p:cNvSpPr txBox="1"/>
-            <p:nvPr/>
-          </p:nvSpPr>
-          <p:spPr>
-            <a:xfrm>
-              <a:off x="9982319" y="2967667"/>
-              <a:ext cx="1781978" cy="1258806"/>
-            </a:xfrm>
-            <a:prstGeom prst="rect">
-              <a:avLst/>
-            </a:prstGeom>
-            <a:noFill/>
-          </p:spPr>
-          <p:txBody>
-            <a:bodyPr wrap="square" lIns="182880" tIns="146304" rIns="182880" bIns="146304" rtlCol="0">
-              <a:spAutoFit/>
-            </a:bodyPr>
-            <a:lstStyle/>
-            <a:p>
-              <a:pPr marL="0" marR="0" lvl="0" indent="0" algn="ctr" defTabSz="914400" rtl="0" eaLnBrk="1" fontAlgn="auto" latinLnBrk="0" hangingPunct="1">
-                <a:lnSpc>
-                  <a:spcPct val="90000"/>
-                </a:lnSpc>
-                <a:spcBef>
-                  <a:spcPts val="0"/>
-                </a:spcBef>
-                <a:spcAft>
-                  <a:spcPts val="600"/>
-                </a:spcAft>
-                <a:buClrTx/>
-                <a:buSzTx/>
-                <a:buFontTx/>
-                <a:buNone/>
-                <a:tabLst/>
-                <a:defRPr/>
-              </a:pPr>
-              <a:r>
-                <a:rPr kumimoji="0" lang="en-US" sz="1600" b="1" i="0" u="sng" strike="noStrike" kern="1200" cap="none" spc="0" normalizeH="0" baseline="0" noProof="0" dirty="0">
-                  <a:ln>
-                    <a:noFill/>
-                  </a:ln>
-                  <a:solidFill>
-                    <a:srgbClr val="353535"/>
-                  </a:solidFill>
-                  <a:effectLst/>
-                  <a:uLnTx/>
-                  <a:uFillTx/>
-                  <a:latin typeface="Segoe UI Semilight"/>
-                  <a:ea typeface="+mn-ea"/>
-                  <a:cs typeface="+mn-cs"/>
-                </a:rPr>
-                <a:t>Azure App Service with Web App</a:t>
-              </a:r>
-            </a:p>
-            <a:p>
-              <a:pPr marL="0" marR="0" lvl="0" indent="0" algn="ctr" defTabSz="914400" rtl="0" eaLnBrk="1" fontAlgn="auto" latinLnBrk="0" hangingPunct="1">
-                <a:lnSpc>
-                  <a:spcPct val="90000"/>
-                </a:lnSpc>
-                <a:spcBef>
-                  <a:spcPts val="0"/>
-                </a:spcBef>
-                <a:spcAft>
-                  <a:spcPts val="600"/>
-                </a:spcAft>
-                <a:buClrTx/>
-                <a:buSzTx/>
-                <a:buFontTx/>
-                <a:buNone/>
-                <a:tabLst/>
-                <a:defRPr/>
-              </a:pPr>
-              <a:r>
-                <a:rPr kumimoji="0" lang="en-US" sz="1600" b="1" i="0" u="sng" strike="noStrike" kern="1200" cap="none" spc="0" normalizeH="0" baseline="0" noProof="0" dirty="0">
-                  <a:ln>
-                    <a:noFill/>
-                  </a:ln>
-                  <a:solidFill>
-                    <a:srgbClr val="353535"/>
-                  </a:solidFill>
-                  <a:effectLst/>
-                  <a:uLnTx/>
-                  <a:uFillTx/>
-                  <a:latin typeface="Segoe UI Semilight"/>
-                  <a:ea typeface="+mn-ea"/>
-                  <a:cs typeface="+mn-cs"/>
-                </a:rPr>
-                <a:t>(S3 Instance)</a:t>
-              </a:r>
-            </a:p>
-          </p:txBody>
-        </p:sp>
-        <p:sp>
-          <p:nvSpPr>
-            <p:cNvPr id="13" name="TextBox 12">
-              <a:extLst>
-                <a:ext uri="{FF2B5EF4-FFF2-40B4-BE49-F238E27FC236}">
-                  <a16:creationId xmlns:a16="http://schemas.microsoft.com/office/drawing/2014/main" id="{818BDF10-2FC3-4BE3-961A-4094F58844C2}"/>
-                </a:ext>
-              </a:extLst>
-            </p:cNvPr>
-            <p:cNvSpPr txBox="1"/>
-            <p:nvPr/>
-          </p:nvSpPr>
-          <p:spPr>
-            <a:xfrm>
-              <a:off x="9972487" y="5235488"/>
-              <a:ext cx="1781978" cy="1037207"/>
-            </a:xfrm>
-            <a:prstGeom prst="rect">
-              <a:avLst/>
-            </a:prstGeom>
-            <a:noFill/>
-          </p:spPr>
-          <p:txBody>
-            <a:bodyPr wrap="square" lIns="182880" tIns="146304" rIns="182880" bIns="146304" rtlCol="0">
-              <a:spAutoFit/>
-            </a:bodyPr>
-            <a:lstStyle/>
-            <a:p>
-              <a:pPr marL="0" marR="0" lvl="0" indent="0" algn="ctr" defTabSz="914400" rtl="0" eaLnBrk="1" fontAlgn="auto" latinLnBrk="0" hangingPunct="1">
-                <a:lnSpc>
-                  <a:spcPct val="90000"/>
-                </a:lnSpc>
-                <a:spcBef>
-                  <a:spcPts val="0"/>
-                </a:spcBef>
-                <a:spcAft>
-                  <a:spcPts val="600"/>
-                </a:spcAft>
-                <a:buClrTx/>
-                <a:buSzTx/>
-                <a:buFontTx/>
-                <a:buNone/>
-                <a:tabLst/>
-                <a:defRPr/>
-              </a:pPr>
-              <a:r>
-                <a:rPr kumimoji="0" lang="en-US" sz="1600" b="1" i="0" u="sng" strike="noStrike" kern="1200" cap="none" spc="0" normalizeH="0" baseline="0" noProof="0" dirty="0">
-                  <a:ln>
-                    <a:noFill/>
-                  </a:ln>
-                  <a:solidFill>
-                    <a:srgbClr val="353535"/>
-                  </a:solidFill>
-                  <a:effectLst/>
-                  <a:uLnTx/>
-                  <a:uFillTx/>
-                  <a:latin typeface="Segoe UI Semilight"/>
-                  <a:ea typeface="+mn-ea"/>
-                  <a:cs typeface="+mn-cs"/>
-                </a:rPr>
-                <a:t>Azure SQL Database</a:t>
-              </a:r>
-            </a:p>
-            <a:p>
-              <a:pPr marL="0" marR="0" lvl="0" indent="0" algn="ctr" defTabSz="914400" rtl="0" eaLnBrk="1" fontAlgn="auto" latinLnBrk="0" hangingPunct="1">
-                <a:lnSpc>
-                  <a:spcPct val="90000"/>
-                </a:lnSpc>
-                <a:spcBef>
-                  <a:spcPts val="0"/>
-                </a:spcBef>
-                <a:spcAft>
-                  <a:spcPts val="600"/>
-                </a:spcAft>
-                <a:buClrTx/>
-                <a:buSzTx/>
-                <a:buFontTx/>
-                <a:buNone/>
-                <a:tabLst/>
-                <a:defRPr/>
-              </a:pPr>
-              <a:r>
-                <a:rPr kumimoji="0" lang="en-US" sz="1600" b="1" i="0" u="sng" strike="noStrike" kern="1200" cap="none" spc="0" normalizeH="0" baseline="0" noProof="0" dirty="0">
-                  <a:ln>
-                    <a:noFill/>
-                  </a:ln>
-                  <a:solidFill>
-                    <a:srgbClr val="353535"/>
-                  </a:solidFill>
-                  <a:effectLst/>
-                  <a:uLnTx/>
-                  <a:uFillTx/>
-                  <a:latin typeface="Segoe UI Semilight"/>
-                  <a:ea typeface="+mn-ea"/>
-                  <a:cs typeface="+mn-cs"/>
-                </a:rPr>
-                <a:t>(S1 Instance)</a:t>
-              </a:r>
-            </a:p>
-          </p:txBody>
-        </p:sp>
-        <p:cxnSp>
-          <p:nvCxnSpPr>
-            <p:cNvPr id="19" name="Straight Connector 18">
-              <a:extLst>
-                <a:ext uri="{FF2B5EF4-FFF2-40B4-BE49-F238E27FC236}">
-                  <a16:creationId xmlns:a16="http://schemas.microsoft.com/office/drawing/2014/main" id="{CE79BFD8-A1AF-41C1-8025-2BC4EDDA18BB}"/>
-                </a:ext>
-              </a:extLst>
-            </p:cNvPr>
-            <p:cNvCxnSpPr/>
-            <p:nvPr/>
-          </p:nvCxnSpPr>
-          <p:spPr>
-            <a:xfrm>
-              <a:off x="4814866" y="3200400"/>
-              <a:ext cx="914400" cy="914400"/>
-            </a:xfrm>
-            <a:prstGeom prst="line">
-              <a:avLst/>
-            </a:prstGeom>
-            <a:ln>
-              <a:solidFill>
-                <a:schemeClr val="tx1"/>
-              </a:solidFill>
-              <a:headEnd type="none"/>
-              <a:tailEnd type="none"/>
-            </a:ln>
-          </p:spPr>
-          <p:style>
-            <a:lnRef idx="1">
-              <a:schemeClr val="accent1"/>
-            </a:lnRef>
-            <a:fillRef idx="0">
-              <a:schemeClr val="accent1"/>
-            </a:fillRef>
-            <a:effectRef idx="0">
-              <a:schemeClr val="accent1"/>
-            </a:effectRef>
-            <a:fontRef idx="minor">
-              <a:schemeClr val="tx1"/>
-            </a:fontRef>
-          </p:style>
-        </p:cxnSp>
-        <p:grpSp>
-          <p:nvGrpSpPr>
-            <p:cNvPr id="22" name="Group 21">
-              <a:extLst>
-                <a:ext uri="{FF2B5EF4-FFF2-40B4-BE49-F238E27FC236}">
-                  <a16:creationId xmlns:a16="http://schemas.microsoft.com/office/drawing/2014/main" id="{FAB42331-B0AE-4792-9EFA-8058224B6627}"/>
+                  <a16:creationId xmlns:a16="http://schemas.microsoft.com/office/drawing/2014/main" id="{9FF7B1F0-4816-4E25-AF53-4F383551D663}"/>
                 </a:ext>
               </a:extLst>
             </p:cNvPr>
@@ -14130,18 +13517,105 @@
           </p:nvGrpSpPr>
           <p:grpSpPr>
             <a:xfrm>
-              <a:off x="4099570" y="3551214"/>
-              <a:ext cx="2020528" cy="1888102"/>
-              <a:chOff x="4719002" y="3304326"/>
-              <a:chExt cx="2020528" cy="1888102"/>
+              <a:off x="622299" y="2115254"/>
+              <a:ext cx="10932448" cy="4284400"/>
+              <a:chOff x="831849" y="2115254"/>
+              <a:chExt cx="10932448" cy="4284400"/>
             </a:xfrm>
           </p:grpSpPr>
+          <p:sp>
+            <p:nvSpPr>
+              <p:cNvPr id="4" name="Rectangle 3">
+                <a:extLst>
+                  <a:ext uri="{FF2B5EF4-FFF2-40B4-BE49-F238E27FC236}">
+                    <a16:creationId xmlns:a16="http://schemas.microsoft.com/office/drawing/2014/main" id="{FBE81C97-60DA-43A9-9E36-E3BB513C08BE}"/>
+                  </a:ext>
+                </a:extLst>
+              </p:cNvPr>
+              <p:cNvSpPr/>
+              <p:nvPr/>
+            </p:nvSpPr>
+            <p:spPr bwMode="auto">
+              <a:xfrm>
+                <a:off x="831849" y="2115254"/>
+                <a:ext cx="10932447" cy="4284400"/>
+              </a:xfrm>
+              <a:prstGeom prst="rect">
+                <a:avLst/>
+              </a:prstGeom>
+              <a:solidFill>
+                <a:schemeClr val="tx1"/>
+              </a:solidFill>
+              <a:ln>
+                <a:noFill/>
+                <a:headEnd type="none" w="med" len="med"/>
+                <a:tailEnd type="none" w="med" len="med"/>
+              </a:ln>
+              <a:effectLst/>
+            </p:spPr>
+            <p:style>
+              <a:lnRef idx="1">
+                <a:schemeClr val="accent2"/>
+              </a:lnRef>
+              <a:fillRef idx="3">
+                <a:schemeClr val="accent2"/>
+              </a:fillRef>
+              <a:effectRef idx="2">
+                <a:schemeClr val="accent2"/>
+              </a:effectRef>
+              <a:fontRef idx="minor">
+                <a:schemeClr val="lt1"/>
+              </a:fontRef>
+            </p:style>
+            <p:txBody>
+              <a:bodyPr rot="0" spcFirstLastPara="0" vertOverflow="overflow" horzOverflow="overflow" vert="horz" wrap="square" lIns="182880" tIns="146304" rIns="182880" bIns="146304" numCol="1" spcCol="0" rtlCol="0" fromWordArt="0" anchor="t" anchorCtr="0" forceAA="0" compatLnSpc="1">
+                <a:prstTxWarp prst="textNoShape">
+                  <a:avLst/>
+                </a:prstTxWarp>
+                <a:noAutofit/>
+              </a:bodyPr>
+              <a:lstStyle/>
+              <a:p>
+                <a:pPr marL="0" marR="0" lvl="0" indent="0" algn="ctr" defTabSz="932472" rtl="0" eaLnBrk="1" fontAlgn="base" latinLnBrk="0" hangingPunct="1">
+                  <a:lnSpc>
+                    <a:spcPct val="90000"/>
+                  </a:lnSpc>
+                  <a:spcBef>
+                    <a:spcPct val="0"/>
+                  </a:spcBef>
+                  <a:spcAft>
+                    <a:spcPct val="0"/>
+                  </a:spcAft>
+                  <a:buClrTx/>
+                  <a:buSzTx/>
+                  <a:buFontTx/>
+                  <a:buNone/>
+                  <a:tabLst/>
+                  <a:defRPr/>
+                </a:pPr>
+                <a:endParaRPr kumimoji="0" lang="en-US" sz="2400" b="0" i="0" u="sng" strike="noStrike" kern="1200" cap="none" spc="0" normalizeH="0" baseline="0" noProof="0" dirty="0">
+                  <a:ln>
+                    <a:noFill/>
+                  </a:ln>
+                  <a:solidFill>
+                    <a:srgbClr val="FFFFFF"/>
+                  </a:solidFill>
+                  <a:effectLst/>
+                  <a:uLnTx/>
+                  <a:uFillTx/>
+                  <a:latin typeface="Segoe UI Semilight"/>
+                  <a:ea typeface="Segoe UI" pitchFamily="34" charset="0"/>
+                  <a:cs typeface="Segoe UI" pitchFamily="34" charset="0"/>
+                </a:endParaRPr>
+              </a:p>
+            </p:txBody>
+          </p:sp>
           <p:pic>
             <p:nvPicPr>
-              <p:cNvPr id="16" name="Picture 15">
+              <p:cNvPr id="5" name="Picture 4">
                 <a:extLst>
                   <a:ext uri="{FF2B5EF4-FFF2-40B4-BE49-F238E27FC236}">
-                    <a16:creationId xmlns:a16="http://schemas.microsoft.com/office/drawing/2014/main" id="{EFFA7D4E-2361-4D0E-8CC5-F8D2FC8A84BC}"/>
+                    <a16:creationId xmlns:a16="http://schemas.microsoft.com/office/drawing/2014/main" id="{99C9F7AE-362B-4DD4-9004-223EA1DDD41E}"/>
                   </a:ext>
                 </a:extLst>
               </p:cNvPr>
@@ -14151,7 +13625,7 @@
               <p:nvPr/>
             </p:nvPicPr>
             <p:blipFill>
-              <a:blip r:embed="rId5" cstate="print">
+              <a:blip r:embed="rId3" cstate="print">
                 <a:extLst>
                   <a:ext uri="{28A0092B-C50C-407E-A947-70E740481C1C}">
                     <a14:useLocalDpi xmlns:a14="http://schemas.microsoft.com/office/drawing/2010/main" val="0"/>
@@ -14164,8 +13638,44 @@
             </p:blipFill>
             <p:spPr>
               <a:xfrm>
-                <a:off x="5396139" y="3304326"/>
-                <a:ext cx="780290" cy="780290"/>
+                <a:off x="10666811" y="2592643"/>
+                <a:ext cx="412994" cy="412994"/>
+              </a:xfrm>
+              <a:prstGeom prst="rect">
+                <a:avLst/>
+              </a:prstGeom>
+            </p:spPr>
+          </p:pic>
+          <p:pic>
+            <p:nvPicPr>
+              <p:cNvPr id="11" name="Content Placeholder 12">
+                <a:extLst>
+                  <a:ext uri="{FF2B5EF4-FFF2-40B4-BE49-F238E27FC236}">
+                    <a16:creationId xmlns:a16="http://schemas.microsoft.com/office/drawing/2014/main" id="{1D605CE1-3FCE-421C-8CFE-DEABF94ABFB5}"/>
+                  </a:ext>
+                </a:extLst>
+              </p:cNvPr>
+              <p:cNvPicPr>
+                <a:picLocks noChangeAspect="1"/>
+              </p:cNvPicPr>
+              <p:nvPr/>
+            </p:nvPicPr>
+            <p:blipFill>
+              <a:blip r:embed="rId4" cstate="print">
+                <a:extLst>
+                  <a:ext uri="{28A0092B-C50C-407E-A947-70E740481C1C}">
+                    <a14:useLocalDpi xmlns:a14="http://schemas.microsoft.com/office/drawing/2010/main" val="0"/>
+                  </a:ext>
+                </a:extLst>
+              </a:blip>
+              <a:stretch>
+                <a:fillRect/>
+              </a:stretch>
+            </p:blipFill>
+            <p:spPr>
+              <a:xfrm>
+                <a:off x="10512114" y="4601497"/>
+                <a:ext cx="702724" cy="702724"/>
               </a:xfrm>
               <a:prstGeom prst="rect">
                 <a:avLst/>
@@ -14174,10 +13684,10 @@
           </p:pic>
           <p:sp>
             <p:nvSpPr>
-              <p:cNvPr id="21" name="TextBox 20">
+              <p:cNvPr id="12" name="TextBox 11">
                 <a:extLst>
                   <a:ext uri="{FF2B5EF4-FFF2-40B4-BE49-F238E27FC236}">
-                    <a16:creationId xmlns:a16="http://schemas.microsoft.com/office/drawing/2014/main" id="{2D79299A-4464-4FE2-A565-639FA864E695}"/>
+                    <a16:creationId xmlns:a16="http://schemas.microsoft.com/office/drawing/2014/main" id="{379928B8-4527-4D9E-9EE7-0A4028F33FFC}"/>
                   </a:ext>
                 </a:extLst>
               </p:cNvPr>
@@ -14186,8 +13696,8 @@
             </p:nvSpPr>
             <p:spPr>
               <a:xfrm>
-                <a:off x="4719002" y="4010566"/>
-                <a:ext cx="2020528" cy="1181862"/>
+                <a:off x="9982319" y="2967667"/>
+                <a:ext cx="1781978" cy="1258806"/>
               </a:xfrm>
               <a:prstGeom prst="rect">
                 <a:avLst/>
@@ -14232,74 +13742,53 @@
                     <a:ea typeface="+mn-ea"/>
                     <a:cs typeface="+mn-cs"/>
                   </a:rPr>
-                  <a:t>Manual internal code review &amp; QA on local developer machines</a:t>
+                  <a:t>Azure App Service with Web App</a:t>
+                </a:r>
+              </a:p>
+              <a:p>
+                <a:pPr marL="0" marR="0" lvl="0" indent="0" algn="ctr" defTabSz="914400" rtl="0" eaLnBrk="1" fontAlgn="auto" latinLnBrk="0" hangingPunct="1">
+                  <a:lnSpc>
+                    <a:spcPct val="90000"/>
+                  </a:lnSpc>
+                  <a:spcBef>
+                    <a:spcPts val="0"/>
+                  </a:spcBef>
+                  <a:spcAft>
+                    <a:spcPts val="600"/>
+                  </a:spcAft>
+                  <a:buClrTx/>
+                  <a:buSzTx/>
+                  <a:buFontTx/>
+                  <a:buNone/>
+                  <a:tabLst/>
+                  <a:defRPr/>
+                </a:pPr>
+                <a:r>
+                  <a:rPr kumimoji="0" lang="en-US" sz="1600" b="1" i="0" u="sng" strike="noStrike" kern="1200" cap="none" spc="0" normalizeH="0" baseline="0" noProof="0" dirty="0">
+                    <a:ln>
+                      <a:noFill/>
+                    </a:ln>
+                    <a:solidFill>
+                      <a:srgbClr val="353535"/>
+                    </a:solidFill>
+                    <a:effectLst/>
+                    <a:uLnTx/>
+                    <a:uFillTx/>
+                    <a:latin typeface="Segoe UI Semilight"/>
+                    <a:ea typeface="+mn-ea"/>
+                    <a:cs typeface="+mn-cs"/>
+                  </a:rPr>
+                  <a:t>(S3 Instance)</a:t>
                 </a:r>
               </a:p>
             </p:txBody>
           </p:sp>
-        </p:grpSp>
-        <p:grpSp>
-          <p:nvGrpSpPr>
-            <p:cNvPr id="26" name="Group 25">
-              <a:extLst>
-                <a:ext uri="{FF2B5EF4-FFF2-40B4-BE49-F238E27FC236}">
-                  <a16:creationId xmlns:a16="http://schemas.microsoft.com/office/drawing/2014/main" id="{6A155122-75A7-47B6-98DD-B3414DC9BEBB}"/>
-                </a:ext>
-              </a:extLst>
-            </p:cNvPr>
-            <p:cNvGrpSpPr/>
-            <p:nvPr/>
-          </p:nvGrpSpPr>
-          <p:grpSpPr>
-            <a:xfrm>
-              <a:off x="7163811" y="3408936"/>
-              <a:ext cx="1781978" cy="1347493"/>
-              <a:chOff x="7607550" y="3432153"/>
-              <a:chExt cx="1781978" cy="1347493"/>
-            </a:xfrm>
-          </p:grpSpPr>
-          <p:pic>
-            <p:nvPicPr>
-              <p:cNvPr id="24" name="Picture 23">
+          <p:sp>
+            <p:nvSpPr>
+              <p:cNvPr id="13" name="TextBox 12">
                 <a:extLst>
                   <a:ext uri="{FF2B5EF4-FFF2-40B4-BE49-F238E27FC236}">
-                    <a16:creationId xmlns:a16="http://schemas.microsoft.com/office/drawing/2014/main" id="{A981FA67-EAF7-492E-BE74-06F67D281616}"/>
-                  </a:ext>
-                </a:extLst>
-              </p:cNvPr>
-              <p:cNvPicPr>
-                <a:picLocks noChangeAspect="1"/>
-              </p:cNvPicPr>
-              <p:nvPr/>
-            </p:nvPicPr>
-            <p:blipFill>
-              <a:blip r:embed="rId6" cstate="print">
-                <a:extLst>
-                  <a:ext uri="{28A0092B-C50C-407E-A947-70E740481C1C}">
-                    <a14:useLocalDpi xmlns:a14="http://schemas.microsoft.com/office/drawing/2010/main" val="0"/>
-                  </a:ext>
-                </a:extLst>
-              </a:blip>
-              <a:stretch>
-                <a:fillRect/>
-              </a:stretch>
-            </p:blipFill>
-            <p:spPr>
-              <a:xfrm>
-                <a:off x="8108394" y="3999356"/>
-                <a:ext cx="780290" cy="780290"/>
-              </a:xfrm>
-              <a:prstGeom prst="rect">
-                <a:avLst/>
-              </a:prstGeom>
-            </p:spPr>
-          </p:pic>
-          <p:sp>
-            <p:nvSpPr>
-              <p:cNvPr id="25" name="TextBox 24">
-                <a:extLst>
-                  <a:ext uri="{FF2B5EF4-FFF2-40B4-BE49-F238E27FC236}">
-                    <a16:creationId xmlns:a16="http://schemas.microsoft.com/office/drawing/2014/main" id="{B7C0A930-D207-41F2-8BC4-EB1A2B6950EC}"/>
+                    <a16:creationId xmlns:a16="http://schemas.microsoft.com/office/drawing/2014/main" id="{818BDF10-2FC3-4BE3-961A-4094F58844C2}"/>
                   </a:ext>
                 </a:extLst>
               </p:cNvPr>
@@ -14308,8 +13797,8 @@
             </p:nvSpPr>
             <p:spPr>
               <a:xfrm>
-                <a:off x="7607550" y="3432153"/>
-                <a:ext cx="1781978" cy="738664"/>
+                <a:off x="9972487" y="5235488"/>
+                <a:ext cx="1781978" cy="1037207"/>
               </a:xfrm>
               <a:prstGeom prst="rect">
                 <a:avLst/>
@@ -14354,150 +13843,96 @@
                     <a:ea typeface="+mn-ea"/>
                     <a:cs typeface="+mn-cs"/>
                   </a:rPr>
-                  <a:t>Visual Studio / FTP</a:t>
+                  <a:t>Azure SQL Database</a:t>
+                </a:r>
+              </a:p>
+              <a:p>
+                <a:pPr marL="0" marR="0" lvl="0" indent="0" algn="ctr" defTabSz="914400" rtl="0" eaLnBrk="1" fontAlgn="auto" latinLnBrk="0" hangingPunct="1">
+                  <a:lnSpc>
+                    <a:spcPct val="90000"/>
+                  </a:lnSpc>
+                  <a:spcBef>
+                    <a:spcPts val="0"/>
+                  </a:spcBef>
+                  <a:spcAft>
+                    <a:spcPts val="600"/>
+                  </a:spcAft>
+                  <a:buClrTx/>
+                  <a:buSzTx/>
+                  <a:buFontTx/>
+                  <a:buNone/>
+                  <a:tabLst/>
+                  <a:defRPr/>
+                </a:pPr>
+                <a:r>
+                  <a:rPr kumimoji="0" lang="en-US" sz="1600" b="1" i="0" u="sng" strike="noStrike" kern="1200" cap="none" spc="0" normalizeH="0" baseline="0" noProof="0" dirty="0">
+                    <a:ln>
+                      <a:noFill/>
+                    </a:ln>
+                    <a:solidFill>
+                      <a:srgbClr val="353535"/>
+                    </a:solidFill>
+                    <a:effectLst/>
+                    <a:uLnTx/>
+                    <a:uFillTx/>
+                    <a:latin typeface="Segoe UI Semilight"/>
+                    <a:ea typeface="+mn-ea"/>
+                    <a:cs typeface="+mn-cs"/>
+                  </a:rPr>
+                  <a:t>(S1 Instance)</a:t>
                 </a:r>
               </a:p>
             </p:txBody>
           </p:sp>
-        </p:grpSp>
-        <p:cxnSp>
-          <p:nvCxnSpPr>
-            <p:cNvPr id="28" name="Straight Connector 27">
-              <a:extLst>
-                <a:ext uri="{FF2B5EF4-FFF2-40B4-BE49-F238E27FC236}">
-                  <a16:creationId xmlns:a16="http://schemas.microsoft.com/office/drawing/2014/main" id="{3E1AB382-BC5E-4EC8-9564-66DBCA755598}"/>
-                </a:ext>
-              </a:extLst>
-            </p:cNvPr>
-            <p:cNvCxnSpPr>
-              <a:cxnSpLocks/>
-            </p:cNvCxnSpPr>
-            <p:nvPr/>
-          </p:nvCxnSpPr>
-          <p:spPr>
-            <a:xfrm>
-              <a:off x="1516847" y="4644743"/>
-              <a:ext cx="0" cy="553807"/>
-            </a:xfrm>
-            <a:prstGeom prst="line">
-              <a:avLst/>
-            </a:prstGeom>
-            <a:ln>
-              <a:solidFill>
-                <a:schemeClr val="bg1">
-                  <a:lumMod val="50000"/>
-                </a:schemeClr>
-              </a:solidFill>
-              <a:headEnd type="none"/>
-              <a:tailEnd type="none"/>
-            </a:ln>
-          </p:spPr>
-          <p:style>
-            <a:lnRef idx="1">
-              <a:schemeClr val="accent1"/>
-            </a:lnRef>
-            <a:fillRef idx="0">
-              <a:schemeClr val="accent1"/>
-            </a:fillRef>
-            <a:effectRef idx="0">
-              <a:schemeClr val="accent1"/>
-            </a:effectRef>
-            <a:fontRef idx="minor">
-              <a:schemeClr val="tx1"/>
-            </a:fontRef>
-          </p:style>
-        </p:cxnSp>
-        <p:sp>
-          <p:nvSpPr>
-            <p:cNvPr id="29" name="TextBox 28">
-              <a:extLst>
-                <a:ext uri="{FF2B5EF4-FFF2-40B4-BE49-F238E27FC236}">
-                  <a16:creationId xmlns:a16="http://schemas.microsoft.com/office/drawing/2014/main" id="{2DE7C23F-41EF-4BBB-B466-8C52A4ED067C}"/>
-                </a:ext>
-              </a:extLst>
-            </p:cNvPr>
-            <p:cNvSpPr txBox="1"/>
-            <p:nvPr/>
-          </p:nvSpPr>
-          <p:spPr>
-            <a:xfrm>
-              <a:off x="1539336" y="4922251"/>
-              <a:ext cx="1582208" cy="517065"/>
-            </a:xfrm>
-            <a:prstGeom prst="rect">
-              <a:avLst/>
-            </a:prstGeom>
-            <a:noFill/>
-          </p:spPr>
-          <p:txBody>
-            <a:bodyPr wrap="square" lIns="182880" tIns="146304" rIns="182880" bIns="146304" rtlCol="0">
-              <a:spAutoFit/>
-            </a:bodyPr>
-            <a:lstStyle/>
-            <a:p>
-              <a:pPr marL="0" marR="0" lvl="0" indent="0" algn="l" defTabSz="914400" rtl="0" eaLnBrk="1" fontAlgn="auto" latinLnBrk="0" hangingPunct="1">
-                <a:lnSpc>
-                  <a:spcPct val="90000"/>
-                </a:lnSpc>
-                <a:spcBef>
-                  <a:spcPts val="0"/>
-                </a:spcBef>
-                <a:spcAft>
-                  <a:spcPts val="600"/>
-                </a:spcAft>
-                <a:buClrTx/>
-                <a:buSzTx/>
-                <a:buFontTx/>
-                <a:buNone/>
-                <a:tabLst/>
-                <a:defRPr/>
-              </a:pPr>
-              <a:r>
-                <a:rPr kumimoji="0" lang="en-US" sz="1600" b="1" i="0" u="sng" strike="noStrike" kern="1200" cap="none" spc="0" normalizeH="0" baseline="0" noProof="0" dirty="0">
-                  <a:ln>
-                    <a:noFill/>
-                  </a:ln>
-                  <a:solidFill>
-                    <a:srgbClr val="353535"/>
-                  </a:solidFill>
-                  <a:effectLst/>
-                  <a:uLnTx/>
-                  <a:uFillTx/>
-                  <a:latin typeface="Segoe UI Semilight"/>
-                  <a:ea typeface="+mn-ea"/>
-                  <a:cs typeface="+mn-cs"/>
-                </a:rPr>
-                <a:t>master</a:t>
-              </a:r>
-            </a:p>
-          </p:txBody>
-        </p:sp>
-        <p:grpSp>
-          <p:nvGrpSpPr>
-            <p:cNvPr id="41" name="Group 40">
-              <a:extLst>
-                <a:ext uri="{FF2B5EF4-FFF2-40B4-BE49-F238E27FC236}">
-                  <a16:creationId xmlns:a16="http://schemas.microsoft.com/office/drawing/2014/main" id="{BB7E9F7B-005E-4F38-99C4-5C402BE4DFBC}"/>
-                </a:ext>
-              </a:extLst>
-            </p:cNvPr>
-            <p:cNvGrpSpPr/>
-            <p:nvPr/>
-          </p:nvGrpSpPr>
-          <p:grpSpPr>
-            <a:xfrm>
-              <a:off x="883734" y="3141260"/>
-              <a:ext cx="2256543" cy="2066992"/>
-              <a:chOff x="883734" y="3597070"/>
-              <a:chExt cx="2256543" cy="2066992"/>
-            </a:xfrm>
-          </p:grpSpPr>
+          <p:cxnSp>
+            <p:nvCxnSpPr>
+              <p:cNvPr id="19" name="Straight Connector 18">
+                <a:extLst>
+                  <a:ext uri="{FF2B5EF4-FFF2-40B4-BE49-F238E27FC236}">
+                    <a16:creationId xmlns:a16="http://schemas.microsoft.com/office/drawing/2014/main" id="{CE79BFD8-A1AF-41C1-8025-2BC4EDDA18BB}"/>
+                  </a:ext>
+                </a:extLst>
+              </p:cNvPr>
+              <p:cNvCxnSpPr/>
+              <p:nvPr/>
+            </p:nvCxnSpPr>
+            <p:spPr>
+              <a:xfrm>
+                <a:off x="4814866" y="3200400"/>
+                <a:ext cx="914400" cy="914400"/>
+              </a:xfrm>
+              <a:prstGeom prst="line">
+                <a:avLst/>
+              </a:prstGeom>
+              <a:ln>
+                <a:solidFill>
+                  <a:schemeClr val="tx1"/>
+                </a:solidFill>
+                <a:headEnd type="none"/>
+                <a:tailEnd type="none"/>
+              </a:ln>
+            </p:spPr>
+            <p:style>
+              <a:lnRef idx="1">
+                <a:schemeClr val="accent1"/>
+              </a:lnRef>
+              <a:fillRef idx="0">
+                <a:schemeClr val="accent1"/>
+              </a:fillRef>
+              <a:effectRef idx="0">
+                <a:schemeClr val="accent1"/>
+              </a:effectRef>
+              <a:fontRef idx="minor">
+                <a:schemeClr val="tx1"/>
+              </a:fontRef>
+            </p:style>
+          </p:cxnSp>
           <p:grpSp>
             <p:nvGrpSpPr>
-              <p:cNvPr id="40" name="Group 39">
+              <p:cNvPr id="22" name="Group 21">
                 <a:extLst>
                   <a:ext uri="{FF2B5EF4-FFF2-40B4-BE49-F238E27FC236}">
-                    <a16:creationId xmlns:a16="http://schemas.microsoft.com/office/drawing/2014/main" id="{3A1E0ACC-CDE7-4889-9C66-ED5D901F01F1}"/>
+                    <a16:creationId xmlns:a16="http://schemas.microsoft.com/office/drawing/2014/main" id="{FAB42331-B0AE-4792-9EFA-8058224B6627}"/>
                   </a:ext>
                 </a:extLst>
               </p:cNvPr>
@@ -14506,18 +13941,374 @@
             </p:nvGrpSpPr>
             <p:grpSpPr>
               <a:xfrm>
-                <a:off x="883734" y="3597070"/>
-                <a:ext cx="2256543" cy="2066992"/>
-                <a:chOff x="883734" y="3597070"/>
-                <a:chExt cx="2256543" cy="2066992"/>
+                <a:off x="4099570" y="3551214"/>
+                <a:ext cx="2020528" cy="1888102"/>
+                <a:chOff x="4719002" y="3304326"/>
+                <a:chExt cx="2020528" cy="1888102"/>
+              </a:xfrm>
+            </p:grpSpPr>
+            <p:pic>
+              <p:nvPicPr>
+                <p:cNvPr id="16" name="Picture 15">
+                  <a:extLst>
+                    <a:ext uri="{FF2B5EF4-FFF2-40B4-BE49-F238E27FC236}">
+                      <a16:creationId xmlns:a16="http://schemas.microsoft.com/office/drawing/2014/main" id="{EFFA7D4E-2361-4D0E-8CC5-F8D2FC8A84BC}"/>
+                    </a:ext>
+                  </a:extLst>
+                </p:cNvPr>
+                <p:cNvPicPr>
+                  <a:picLocks noChangeAspect="1"/>
+                </p:cNvPicPr>
+                <p:nvPr/>
+              </p:nvPicPr>
+              <p:blipFill>
+                <a:blip r:embed="rId5" cstate="print">
+                  <a:extLst>
+                    <a:ext uri="{28A0092B-C50C-407E-A947-70E740481C1C}">
+                      <a14:useLocalDpi xmlns:a14="http://schemas.microsoft.com/office/drawing/2010/main" val="0"/>
+                    </a:ext>
+                  </a:extLst>
+                </a:blip>
+                <a:stretch>
+                  <a:fillRect/>
+                </a:stretch>
+              </p:blipFill>
+              <p:spPr>
+                <a:xfrm>
+                  <a:off x="5396139" y="3304326"/>
+                  <a:ext cx="780290" cy="780290"/>
+                </a:xfrm>
+                <a:prstGeom prst="rect">
+                  <a:avLst/>
+                </a:prstGeom>
+              </p:spPr>
+            </p:pic>
+            <p:sp>
+              <p:nvSpPr>
+                <p:cNvPr id="21" name="TextBox 20">
+                  <a:extLst>
+                    <a:ext uri="{FF2B5EF4-FFF2-40B4-BE49-F238E27FC236}">
+                      <a16:creationId xmlns:a16="http://schemas.microsoft.com/office/drawing/2014/main" id="{2D79299A-4464-4FE2-A565-639FA864E695}"/>
+                    </a:ext>
+                  </a:extLst>
+                </p:cNvPr>
+                <p:cNvSpPr txBox="1"/>
+                <p:nvPr/>
+              </p:nvSpPr>
+              <p:spPr>
+                <a:xfrm>
+                  <a:off x="4719002" y="4010566"/>
+                  <a:ext cx="2020528" cy="1181862"/>
+                </a:xfrm>
+                <a:prstGeom prst="rect">
+                  <a:avLst/>
+                </a:prstGeom>
+                <a:noFill/>
+              </p:spPr>
+              <p:txBody>
+                <a:bodyPr wrap="square" lIns="182880" tIns="146304" rIns="182880" bIns="146304" rtlCol="0">
+                  <a:spAutoFit/>
+                </a:bodyPr>
+                <a:lstStyle/>
+                <a:p>
+                  <a:pPr marL="0" marR="0" lvl="0" indent="0" algn="ctr" defTabSz="914400" rtl="0" eaLnBrk="1" fontAlgn="auto" latinLnBrk="0" hangingPunct="1">
+                    <a:lnSpc>
+                      <a:spcPct val="90000"/>
+                    </a:lnSpc>
+                    <a:spcBef>
+                      <a:spcPts val="0"/>
+                    </a:spcBef>
+                    <a:spcAft>
+                      <a:spcPts val="600"/>
+                    </a:spcAft>
+                    <a:buClrTx/>
+                    <a:buSzTx/>
+                    <a:buFontTx/>
+                    <a:buNone/>
+                    <a:tabLst/>
+                    <a:defRPr/>
+                  </a:pPr>
+                  <a:r>
+                    <a:rPr kumimoji="0" lang="en-US" sz="1600" b="1" i="0" u="sng" strike="noStrike" kern="1200" cap="none" spc="0" normalizeH="0" baseline="0" noProof="0" dirty="0">
+                      <a:ln>
+                        <a:noFill/>
+                      </a:ln>
+                      <a:solidFill>
+                        <a:srgbClr val="353535"/>
+                      </a:solidFill>
+                      <a:effectLst/>
+                      <a:uLnTx/>
+                      <a:uFillTx/>
+                      <a:latin typeface="Segoe UI Semilight"/>
+                      <a:ea typeface="+mn-ea"/>
+                      <a:cs typeface="+mn-cs"/>
+                    </a:rPr>
+                    <a:t>Manual internal code review &amp; QA on local developer machines</a:t>
+                  </a:r>
+                </a:p>
+              </p:txBody>
+            </p:sp>
+          </p:grpSp>
+          <p:grpSp>
+            <p:nvGrpSpPr>
+              <p:cNvPr id="26" name="Group 25">
+                <a:extLst>
+                  <a:ext uri="{FF2B5EF4-FFF2-40B4-BE49-F238E27FC236}">
+                    <a16:creationId xmlns:a16="http://schemas.microsoft.com/office/drawing/2014/main" id="{6A155122-75A7-47B6-98DD-B3414DC9BEBB}"/>
+                  </a:ext>
+                </a:extLst>
+              </p:cNvPr>
+              <p:cNvGrpSpPr/>
+              <p:nvPr/>
+            </p:nvGrpSpPr>
+            <p:grpSpPr>
+              <a:xfrm>
+                <a:off x="7163811" y="3408936"/>
+                <a:ext cx="1781978" cy="1347493"/>
+                <a:chOff x="7607550" y="3432153"/>
+                <a:chExt cx="1781978" cy="1347493"/>
+              </a:xfrm>
+            </p:grpSpPr>
+            <p:pic>
+              <p:nvPicPr>
+                <p:cNvPr id="24" name="Picture 23">
+                  <a:extLst>
+                    <a:ext uri="{FF2B5EF4-FFF2-40B4-BE49-F238E27FC236}">
+                      <a16:creationId xmlns:a16="http://schemas.microsoft.com/office/drawing/2014/main" id="{A981FA67-EAF7-492E-BE74-06F67D281616}"/>
+                    </a:ext>
+                  </a:extLst>
+                </p:cNvPr>
+                <p:cNvPicPr>
+                  <a:picLocks noChangeAspect="1"/>
+                </p:cNvPicPr>
+                <p:nvPr/>
+              </p:nvPicPr>
+              <p:blipFill>
+                <a:blip r:embed="rId6" cstate="print">
+                  <a:extLst>
+                    <a:ext uri="{28A0092B-C50C-407E-A947-70E740481C1C}">
+                      <a14:useLocalDpi xmlns:a14="http://schemas.microsoft.com/office/drawing/2010/main" val="0"/>
+                    </a:ext>
+                  </a:extLst>
+                </a:blip>
+                <a:stretch>
+                  <a:fillRect/>
+                </a:stretch>
+              </p:blipFill>
+              <p:spPr>
+                <a:xfrm>
+                  <a:off x="8108394" y="3999356"/>
+                  <a:ext cx="780290" cy="780290"/>
+                </a:xfrm>
+                <a:prstGeom prst="rect">
+                  <a:avLst/>
+                </a:prstGeom>
+              </p:spPr>
+            </p:pic>
+            <p:sp>
+              <p:nvSpPr>
+                <p:cNvPr id="25" name="TextBox 24">
+                  <a:extLst>
+                    <a:ext uri="{FF2B5EF4-FFF2-40B4-BE49-F238E27FC236}">
+                      <a16:creationId xmlns:a16="http://schemas.microsoft.com/office/drawing/2014/main" id="{B7C0A930-D207-41F2-8BC4-EB1A2B6950EC}"/>
+                    </a:ext>
+                  </a:extLst>
+                </p:cNvPr>
+                <p:cNvSpPr txBox="1"/>
+                <p:nvPr/>
+              </p:nvSpPr>
+              <p:spPr>
+                <a:xfrm>
+                  <a:off x="7607550" y="3432153"/>
+                  <a:ext cx="1781978" cy="738664"/>
+                </a:xfrm>
+                <a:prstGeom prst="rect">
+                  <a:avLst/>
+                </a:prstGeom>
+                <a:noFill/>
+              </p:spPr>
+              <p:txBody>
+                <a:bodyPr wrap="square" lIns="182880" tIns="146304" rIns="182880" bIns="146304" rtlCol="0">
+                  <a:spAutoFit/>
+                </a:bodyPr>
+                <a:lstStyle/>
+                <a:p>
+                  <a:pPr marL="0" marR="0" lvl="0" indent="0" algn="ctr" defTabSz="914400" rtl="0" eaLnBrk="1" fontAlgn="auto" latinLnBrk="0" hangingPunct="1">
+                    <a:lnSpc>
+                      <a:spcPct val="90000"/>
+                    </a:lnSpc>
+                    <a:spcBef>
+                      <a:spcPts val="0"/>
+                    </a:spcBef>
+                    <a:spcAft>
+                      <a:spcPts val="600"/>
+                    </a:spcAft>
+                    <a:buClrTx/>
+                    <a:buSzTx/>
+                    <a:buFontTx/>
+                    <a:buNone/>
+                    <a:tabLst/>
+                    <a:defRPr/>
+                  </a:pPr>
+                  <a:r>
+                    <a:rPr kumimoji="0" lang="en-US" sz="1600" b="1" i="0" u="sng" strike="noStrike" kern="1200" cap="none" spc="0" normalizeH="0" baseline="0" noProof="0" dirty="0">
+                      <a:ln>
+                        <a:noFill/>
+                      </a:ln>
+                      <a:solidFill>
+                        <a:srgbClr val="353535"/>
+                      </a:solidFill>
+                      <a:effectLst/>
+                      <a:uLnTx/>
+                      <a:uFillTx/>
+                      <a:latin typeface="Segoe UI Semilight"/>
+                      <a:ea typeface="+mn-ea"/>
+                      <a:cs typeface="+mn-cs"/>
+                    </a:rPr>
+                    <a:t>Visual Studio / FTP</a:t>
+                  </a:r>
+                </a:p>
+              </p:txBody>
+            </p:sp>
+          </p:grpSp>
+          <p:cxnSp>
+            <p:nvCxnSpPr>
+              <p:cNvPr id="28" name="Straight Connector 27">
+                <a:extLst>
+                  <a:ext uri="{FF2B5EF4-FFF2-40B4-BE49-F238E27FC236}">
+                    <a16:creationId xmlns:a16="http://schemas.microsoft.com/office/drawing/2014/main" id="{3E1AB382-BC5E-4EC8-9564-66DBCA755598}"/>
+                  </a:ext>
+                </a:extLst>
+              </p:cNvPr>
+              <p:cNvCxnSpPr>
+                <a:cxnSpLocks/>
+              </p:cNvCxnSpPr>
+              <p:nvPr/>
+            </p:nvCxnSpPr>
+            <p:spPr>
+              <a:xfrm>
+                <a:off x="1516847" y="4644743"/>
+                <a:ext cx="0" cy="553807"/>
+              </a:xfrm>
+              <a:prstGeom prst="line">
+                <a:avLst/>
+              </a:prstGeom>
+              <a:ln>
+                <a:solidFill>
+                  <a:schemeClr val="bg1">
+                    <a:lumMod val="50000"/>
+                  </a:schemeClr>
+                </a:solidFill>
+                <a:headEnd type="none"/>
+                <a:tailEnd type="none"/>
+              </a:ln>
+            </p:spPr>
+            <p:style>
+              <a:lnRef idx="1">
+                <a:schemeClr val="accent1"/>
+              </a:lnRef>
+              <a:fillRef idx="0">
+                <a:schemeClr val="accent1"/>
+              </a:fillRef>
+              <a:effectRef idx="0">
+                <a:schemeClr val="accent1"/>
+              </a:effectRef>
+              <a:fontRef idx="minor">
+                <a:schemeClr val="tx1"/>
+              </a:fontRef>
+            </p:style>
+          </p:cxnSp>
+          <p:sp>
+            <p:nvSpPr>
+              <p:cNvPr id="29" name="TextBox 28">
+                <a:extLst>
+                  <a:ext uri="{FF2B5EF4-FFF2-40B4-BE49-F238E27FC236}">
+                    <a16:creationId xmlns:a16="http://schemas.microsoft.com/office/drawing/2014/main" id="{2DE7C23F-41EF-4BBB-B466-8C52A4ED067C}"/>
+                  </a:ext>
+                </a:extLst>
+              </p:cNvPr>
+              <p:cNvSpPr txBox="1"/>
+              <p:nvPr/>
+            </p:nvSpPr>
+            <p:spPr>
+              <a:xfrm>
+                <a:off x="1539336" y="4922251"/>
+                <a:ext cx="1582208" cy="517065"/>
+              </a:xfrm>
+              <a:prstGeom prst="rect">
+                <a:avLst/>
+              </a:prstGeom>
+              <a:noFill/>
+            </p:spPr>
+            <p:txBody>
+              <a:bodyPr wrap="square" lIns="182880" tIns="146304" rIns="182880" bIns="146304" rtlCol="0">
+                <a:spAutoFit/>
+              </a:bodyPr>
+              <a:lstStyle/>
+              <a:p>
+                <a:pPr marL="0" marR="0" lvl="0" indent="0" algn="l" defTabSz="914400" rtl="0" eaLnBrk="1" fontAlgn="auto" latinLnBrk="0" hangingPunct="1">
+                  <a:lnSpc>
+                    <a:spcPct val="90000"/>
+                  </a:lnSpc>
+                  <a:spcBef>
+                    <a:spcPts val="0"/>
+                  </a:spcBef>
+                  <a:spcAft>
+                    <a:spcPts val="600"/>
+                  </a:spcAft>
+                  <a:buClrTx/>
+                  <a:buSzTx/>
+                  <a:buFontTx/>
+                  <a:buNone/>
+                  <a:tabLst/>
+                  <a:defRPr/>
+                </a:pPr>
+                <a:r>
+                  <a:rPr kumimoji="0" lang="en-US" sz="1600" b="1" i="0" u="sng" strike="noStrike" kern="1200" cap="none" spc="0" normalizeH="0" baseline="0" noProof="0" dirty="0">
+                    <a:ln>
+                      <a:noFill/>
+                    </a:ln>
+                    <a:solidFill>
+                      <a:srgbClr val="353535"/>
+                    </a:solidFill>
+                    <a:effectLst/>
+                    <a:uLnTx/>
+                    <a:uFillTx/>
+                    <a:latin typeface="Segoe UI Semilight"/>
+                    <a:ea typeface="+mn-ea"/>
+                    <a:cs typeface="+mn-cs"/>
+                  </a:rPr>
+                  <a:t>master</a:t>
+                </a:r>
+              </a:p>
+            </p:txBody>
+          </p:sp>
+          <p:grpSp>
+            <p:nvGrpSpPr>
+              <p:cNvPr id="41" name="Group 40">
+                <a:extLst>
+                  <a:ext uri="{FF2B5EF4-FFF2-40B4-BE49-F238E27FC236}">
+                    <a16:creationId xmlns:a16="http://schemas.microsoft.com/office/drawing/2014/main" id="{BB7E9F7B-005E-4F38-99C4-5C402BE4DFBC}"/>
+                  </a:ext>
+                </a:extLst>
+              </p:cNvPr>
+              <p:cNvGrpSpPr/>
+              <p:nvPr/>
+            </p:nvGrpSpPr>
+            <p:grpSpPr>
+              <a:xfrm>
+                <a:off x="883734" y="3296240"/>
+                <a:ext cx="2256543" cy="1912012"/>
+                <a:chOff x="883734" y="3752050"/>
+                <a:chExt cx="2256543" cy="1912012"/>
               </a:xfrm>
             </p:grpSpPr>
             <p:grpSp>
               <p:nvGrpSpPr>
-                <p:cNvPr id="39" name="Group 38">
+                <p:cNvPr id="40" name="Group 39">
                   <a:extLst>
                     <a:ext uri="{FF2B5EF4-FFF2-40B4-BE49-F238E27FC236}">
-                      <a16:creationId xmlns:a16="http://schemas.microsoft.com/office/drawing/2014/main" id="{0FABD9B0-022A-4A6F-9AFE-EE3E9D7E6706}"/>
+                      <a16:creationId xmlns:a16="http://schemas.microsoft.com/office/drawing/2014/main" id="{3A1E0ACC-CDE7-4889-9C66-ED5D901F01F1}"/>
                     </a:ext>
                   </a:extLst>
                 </p:cNvPr>
@@ -14526,18 +14317,18 @@
               </p:nvGrpSpPr>
               <p:grpSpPr>
                 <a:xfrm>
-                  <a:off x="883734" y="3597070"/>
-                  <a:ext cx="2256543" cy="2066992"/>
-                  <a:chOff x="883734" y="3597070"/>
-                  <a:chExt cx="2256543" cy="2066992"/>
+                  <a:off x="883734" y="3752050"/>
+                  <a:ext cx="2256543" cy="1912012"/>
+                  <a:chOff x="883734" y="3752050"/>
+                  <a:chExt cx="2256543" cy="1912012"/>
                 </a:xfrm>
               </p:grpSpPr>
               <p:grpSp>
                 <p:nvGrpSpPr>
-                  <p:cNvPr id="10" name="Group 9">
+                  <p:cNvPr id="39" name="Group 38">
                     <a:extLst>
                       <a:ext uri="{FF2B5EF4-FFF2-40B4-BE49-F238E27FC236}">
-                        <a16:creationId xmlns:a16="http://schemas.microsoft.com/office/drawing/2014/main" id="{93A13F4C-93BF-4E9C-8D8C-8DD2C1E4A984}"/>
+                        <a16:creationId xmlns:a16="http://schemas.microsoft.com/office/drawing/2014/main" id="{0FABD9B0-022A-4A6F-9AFE-EE3E9D7E6706}"/>
                       </a:ext>
                     </a:extLst>
                   </p:cNvPr>
@@ -14546,18 +14337,18 @@
                 </p:nvGrpSpPr>
                 <p:grpSpPr>
                   <a:xfrm>
-                    <a:off x="883734" y="3597070"/>
-                    <a:ext cx="1781978" cy="1499948"/>
-                    <a:chOff x="2653540" y="2225393"/>
-                    <a:chExt cx="1781978" cy="1499948"/>
+                    <a:off x="883734" y="3752050"/>
+                    <a:ext cx="2256543" cy="1912012"/>
+                    <a:chOff x="883734" y="3752050"/>
+                    <a:chExt cx="2256543" cy="1912012"/>
                   </a:xfrm>
                 </p:grpSpPr>
                 <p:grpSp>
                   <p:nvGrpSpPr>
-                    <p:cNvPr id="9" name="Group 8">
+                    <p:cNvPr id="10" name="Group 9">
                       <a:extLst>
                         <a:ext uri="{FF2B5EF4-FFF2-40B4-BE49-F238E27FC236}">
-                          <a16:creationId xmlns:a16="http://schemas.microsoft.com/office/drawing/2014/main" id="{7459CE1B-8C90-4278-8E3A-B557DB3A4FDD}"/>
+                          <a16:creationId xmlns:a16="http://schemas.microsoft.com/office/drawing/2014/main" id="{93A13F4C-93BF-4E9C-8D8C-8DD2C1E4A984}"/>
                         </a:ext>
                       </a:extLst>
                     </p:cNvPr>
@@ -14566,18 +14357,18 @@
                   </p:nvGrpSpPr>
                   <p:grpSpPr>
                     <a:xfrm>
-                      <a:off x="3144552" y="2799140"/>
-                      <a:ext cx="790122" cy="926201"/>
-                      <a:chOff x="5696023" y="3038855"/>
-                      <a:chExt cx="790122" cy="926201"/>
+                      <a:off x="883734" y="3752050"/>
+                      <a:ext cx="1781978" cy="1344968"/>
+                      <a:chOff x="2653540" y="2380373"/>
+                      <a:chExt cx="1781978" cy="1344968"/>
                     </a:xfrm>
                   </p:grpSpPr>
                   <p:pic>
                     <p:nvPicPr>
-                      <p:cNvPr id="6" name="Picture 5">
+                      <p:cNvPr id="8" name="Picture 7">
                         <a:extLst>
                           <a:ext uri="{FF2B5EF4-FFF2-40B4-BE49-F238E27FC236}">
-                            <a16:creationId xmlns:a16="http://schemas.microsoft.com/office/drawing/2014/main" id="{3F97D46D-B72C-4D88-975E-3460D43C50C9}"/>
+                            <a16:creationId xmlns:a16="http://schemas.microsoft.com/office/drawing/2014/main" id="{887DEB18-E89F-47AF-91AF-685B1A8499C7}"/>
                           </a:ext>
                         </a:extLst>
                       </p:cNvPr>
@@ -14600,43 +14391,7 @@
                     </p:blipFill>
                     <p:spPr>
                       <a:xfrm>
-                        <a:off x="5705855" y="3038855"/>
-                        <a:ext cx="780290" cy="780290"/>
-                      </a:xfrm>
-                      <a:prstGeom prst="rect">
-                        <a:avLst/>
-                      </a:prstGeom>
-                    </p:spPr>
-                  </p:pic>
-                  <p:pic>
-                    <p:nvPicPr>
-                      <p:cNvPr id="8" name="Picture 7">
-                        <a:extLst>
-                          <a:ext uri="{FF2B5EF4-FFF2-40B4-BE49-F238E27FC236}">
-                            <a16:creationId xmlns:a16="http://schemas.microsoft.com/office/drawing/2014/main" id="{887DEB18-E89F-47AF-91AF-685B1A8499C7}"/>
-                          </a:ext>
-                        </a:extLst>
-                      </p:cNvPr>
-                      <p:cNvPicPr>
-                        <a:picLocks noChangeAspect="1"/>
-                      </p:cNvPicPr>
-                      <p:nvPr/>
-                    </p:nvPicPr>
-                    <p:blipFill>
-                      <a:blip r:embed="rId8" cstate="print">
-                        <a:extLst>
-                          <a:ext uri="{28A0092B-C50C-407E-A947-70E740481C1C}">
-                            <a14:useLocalDpi xmlns:a14="http://schemas.microsoft.com/office/drawing/2010/main" val="0"/>
-                          </a:ext>
-                        </a:extLst>
-                      </a:blip>
-                      <a:stretch>
-                        <a:fillRect/>
-                      </a:stretch>
-                    </p:blipFill>
-                    <p:spPr>
-                      <a:xfrm>
-                        <a:off x="5696023" y="3673234"/>
+                        <a:off x="3144552" y="3433519"/>
                         <a:ext cx="291822" cy="291822"/>
                       </a:xfrm>
                       <a:prstGeom prst="rect">
@@ -14644,13 +14399,78 @@
                       </a:prstGeom>
                     </p:spPr>
                   </p:pic>
+                  <p:sp>
+                    <p:nvSpPr>
+                      <p:cNvPr id="15" name="TextBox 14">
+                        <a:extLst>
+                          <a:ext uri="{FF2B5EF4-FFF2-40B4-BE49-F238E27FC236}">
+                            <a16:creationId xmlns:a16="http://schemas.microsoft.com/office/drawing/2014/main" id="{9E33BAC1-87FE-47D1-9ED8-35A9BEE25DD9}"/>
+                          </a:ext>
+                        </a:extLst>
+                      </p:cNvPr>
+                      <p:cNvSpPr txBox="1"/>
+                      <p:nvPr/>
+                    </p:nvSpPr>
+                    <p:spPr>
+                      <a:xfrm>
+                        <a:off x="2653540" y="2380373"/>
+                        <a:ext cx="1781978" cy="517065"/>
+                      </a:xfrm>
+                      <a:prstGeom prst="rect">
+                        <a:avLst/>
+                      </a:prstGeom>
+                      <a:noFill/>
+                    </p:spPr>
+                    <p:txBody>
+                      <a:bodyPr wrap="square" lIns="182880" tIns="146304" rIns="182880" bIns="146304" rtlCol="0">
+                        <a:spAutoFit/>
+                      </a:bodyPr>
+                      <a:lstStyle/>
+                      <a:p>
+                        <a:pPr marL="0" marR="0" lvl="0" indent="0" algn="ctr" defTabSz="914400" rtl="0" eaLnBrk="1" fontAlgn="auto" latinLnBrk="0" hangingPunct="1">
+                          <a:lnSpc>
+                            <a:spcPct val="90000"/>
+                          </a:lnSpc>
+                          <a:spcBef>
+                            <a:spcPts val="0"/>
+                          </a:spcBef>
+                          <a:spcAft>
+                            <a:spcPts val="600"/>
+                          </a:spcAft>
+                          <a:buClrTx/>
+                          <a:buSzTx/>
+                          <a:buFontTx/>
+                          <a:buNone/>
+                          <a:tabLst/>
+                          <a:defRPr/>
+                        </a:pPr>
+                        <a:r>
+                          <a:rPr kumimoji="0" lang="en-US" sz="1600" b="1" i="0" u="sng" strike="noStrike" kern="1200" cap="none" spc="0" normalizeH="0" baseline="0" noProof="0" dirty="0">
+                            <a:ln>
+                              <a:noFill/>
+                            </a:ln>
+                            <a:solidFill>
+                              <a:srgbClr val="353535"/>
+                            </a:solidFill>
+                            <a:effectLst/>
+                            <a:uLnTx/>
+                            <a:uFillTx/>
+                            <a:latin typeface="Segoe UI Semilight"/>
+                            <a:ea typeface="+mn-ea"/>
+                            <a:cs typeface="+mn-cs"/>
+                          </a:rPr>
+                          <a:t>Azure DevOps</a:t>
+                        </a:r>
+                      </a:p>
+                    </p:txBody>
+                  </p:sp>
                 </p:grpSp>
                 <p:sp>
                   <p:nvSpPr>
-                    <p:cNvPr id="15" name="TextBox 14">
+                    <p:cNvPr id="30" name="TextBox 29">
                       <a:extLst>
                         <a:ext uri="{FF2B5EF4-FFF2-40B4-BE49-F238E27FC236}">
-                          <a16:creationId xmlns:a16="http://schemas.microsoft.com/office/drawing/2014/main" id="{9E33BAC1-87FE-47D1-9ED8-35A9BEE25DD9}"/>
+                          <a16:creationId xmlns:a16="http://schemas.microsoft.com/office/drawing/2014/main" id="{1FDF7D5F-A9D0-4918-BB2A-9F7923E25D61}"/>
                         </a:ext>
                       </a:extLst>
                     </p:cNvPr>
@@ -14659,8 +14479,8 @@
                   </p:nvSpPr>
                   <p:spPr>
                     <a:xfrm>
-                      <a:off x="2653540" y="2225393"/>
-                      <a:ext cx="1781978" cy="738664"/>
+                      <a:off x="1549168" y="5146997"/>
+                      <a:ext cx="1591109" cy="517065"/>
                     </a:xfrm>
                     <a:prstGeom prst="rect">
                       <a:avLst/>
@@ -14673,7 +14493,7 @@
                     </a:bodyPr>
                     <a:lstStyle/>
                     <a:p>
-                      <a:pPr marL="0" marR="0" lvl="0" indent="0" algn="ctr" defTabSz="914400" rtl="0" eaLnBrk="1" fontAlgn="auto" latinLnBrk="0" hangingPunct="1">
+                      <a:pPr marL="0" marR="0" lvl="0" indent="0" algn="l" defTabSz="914400" rtl="0" eaLnBrk="1" fontAlgn="auto" latinLnBrk="0" hangingPunct="1">
                         <a:lnSpc>
                           <a:spcPct val="90000"/>
                         </a:lnSpc>
@@ -14705,7 +14525,7 @@
                           <a:ea typeface="+mn-ea"/>
                           <a:cs typeface="+mn-cs"/>
                         </a:rPr>
-                        <a:t>Visual Studio Team Services</a:t>
+                        <a:t>test</a:t>
                       </a:r>
                     </a:p>
                   </p:txBody>
@@ -14713,10 +14533,10 @@
               </p:grpSp>
               <p:sp>
                 <p:nvSpPr>
-                  <p:cNvPr id="30" name="TextBox 29">
+                  <p:cNvPr id="31" name="TextBox 30">
                     <a:extLst>
                       <a:ext uri="{FF2B5EF4-FFF2-40B4-BE49-F238E27FC236}">
-                        <a16:creationId xmlns:a16="http://schemas.microsoft.com/office/drawing/2014/main" id="{1FDF7D5F-A9D0-4918-BB2A-9F7923E25D61}"/>
+                        <a16:creationId xmlns:a16="http://schemas.microsoft.com/office/drawing/2014/main" id="{97C325C1-3411-417C-A0EA-CDE647C38898}"/>
                       </a:ext>
                     </a:extLst>
                   </p:cNvPr>
@@ -14725,7 +14545,7 @@
                 </p:nvSpPr>
                 <p:spPr>
                   <a:xfrm>
-                    <a:off x="1549168" y="5146997"/>
+                    <a:off x="1541929" y="4909489"/>
                     <a:ext cx="1591109" cy="517065"/>
                   </a:xfrm>
                   <a:prstGeom prst="rect">
@@ -14771,84 +14591,160 @@
                         <a:ea typeface="+mn-ea"/>
                         <a:cs typeface="+mn-cs"/>
                       </a:rPr>
-                      <a:t>test</a:t>
+                      <a:t>development</a:t>
                     </a:r>
                   </a:p>
                 </p:txBody>
               </p:sp>
             </p:grpSp>
-            <p:sp>
-              <p:nvSpPr>
-                <p:cNvPr id="31" name="TextBox 30">
+            <p:cxnSp>
+              <p:nvCxnSpPr>
+                <p:cNvPr id="33" name="Straight Connector 32">
                   <a:extLst>
                     <a:ext uri="{FF2B5EF4-FFF2-40B4-BE49-F238E27FC236}">
-                      <a16:creationId xmlns:a16="http://schemas.microsoft.com/office/drawing/2014/main" id="{97C325C1-3411-417C-A0EA-CDE647C38898}"/>
+                      <a16:creationId xmlns:a16="http://schemas.microsoft.com/office/drawing/2014/main" id="{44A222D9-3361-4F50-9008-80E517E62892}"/>
                     </a:ext>
                   </a:extLst>
                 </p:cNvPr>
-                <p:cNvSpPr txBox="1"/>
+                <p:cNvCxnSpPr>
+                  <a:cxnSpLocks/>
+                </p:cNvCxnSpPr>
                 <p:nvPr/>
-              </p:nvSpPr>
+              </p:nvCxnSpPr>
               <p:spPr>
                 <a:xfrm>
-                  <a:off x="1541929" y="4909489"/>
-                  <a:ext cx="1591109" cy="517065"/>
+                  <a:off x="1512075" y="5180784"/>
+                  <a:ext cx="161216" cy="214"/>
                 </a:xfrm>
-                <a:prstGeom prst="rect">
+                <a:prstGeom prst="line">
                   <a:avLst/>
                 </a:prstGeom>
-                <a:noFill/>
+                <a:ln>
+                  <a:solidFill>
+                    <a:schemeClr val="bg1">
+                      <a:lumMod val="50000"/>
+                    </a:schemeClr>
+                  </a:solidFill>
+                  <a:headEnd type="none"/>
+                  <a:tailEnd type="none"/>
+                </a:ln>
               </p:spPr>
-              <p:txBody>
-                <a:bodyPr wrap="square" lIns="182880" tIns="146304" rIns="182880" bIns="146304" rtlCol="0">
-                  <a:spAutoFit/>
-                </a:bodyPr>
-                <a:lstStyle/>
-                <a:p>
-                  <a:pPr marL="0" marR="0" lvl="0" indent="0" algn="l" defTabSz="914400" rtl="0" eaLnBrk="1" fontAlgn="auto" latinLnBrk="0" hangingPunct="1">
-                    <a:lnSpc>
-                      <a:spcPct val="90000"/>
-                    </a:lnSpc>
-                    <a:spcBef>
-                      <a:spcPts val="0"/>
-                    </a:spcBef>
-                    <a:spcAft>
-                      <a:spcPts val="600"/>
-                    </a:spcAft>
-                    <a:buClrTx/>
-                    <a:buSzTx/>
-                    <a:buFontTx/>
-                    <a:buNone/>
-                    <a:tabLst/>
-                    <a:defRPr/>
-                  </a:pPr>
-                  <a:r>
-                    <a:rPr kumimoji="0" lang="en-US" sz="1600" b="1" i="0" u="sng" strike="noStrike" kern="1200" cap="none" spc="0" normalizeH="0" baseline="0" noProof="0" dirty="0">
-                      <a:ln>
-                        <a:noFill/>
-                      </a:ln>
-                      <a:solidFill>
-                        <a:srgbClr val="353535"/>
-                      </a:solidFill>
-                      <a:effectLst/>
-                      <a:uLnTx/>
-                      <a:uFillTx/>
-                      <a:latin typeface="Segoe UI Semilight"/>
-                      <a:ea typeface="+mn-ea"/>
-                      <a:cs typeface="+mn-cs"/>
-                    </a:rPr>
-                    <a:t>development</a:t>
-                  </a:r>
-                </a:p>
-              </p:txBody>
-            </p:sp>
+              <p:style>
+                <a:lnRef idx="1">
+                  <a:schemeClr val="accent1"/>
+                </a:lnRef>
+                <a:fillRef idx="0">
+                  <a:schemeClr val="accent1"/>
+                </a:fillRef>
+                <a:effectRef idx="0">
+                  <a:schemeClr val="accent1"/>
+                </a:effectRef>
+                <a:fontRef idx="minor">
+                  <a:schemeClr val="tx1"/>
+                </a:fontRef>
+              </p:style>
+            </p:cxnSp>
+            <p:cxnSp>
+              <p:nvCxnSpPr>
+                <p:cNvPr id="35" name="Straight Connector 34">
+                  <a:extLst>
+                    <a:ext uri="{FF2B5EF4-FFF2-40B4-BE49-F238E27FC236}">
+                      <a16:creationId xmlns:a16="http://schemas.microsoft.com/office/drawing/2014/main" id="{C8E346AC-B8A7-402F-8F08-57E5685F01D3}"/>
+                    </a:ext>
+                  </a:extLst>
+                </p:cNvPr>
+                <p:cNvCxnSpPr>
+                  <a:cxnSpLocks/>
+                </p:cNvCxnSpPr>
+                <p:nvPr/>
+              </p:nvCxnSpPr>
+              <p:spPr>
+                <a:xfrm>
+                  <a:off x="1512075" y="5414082"/>
+                  <a:ext cx="161216" cy="214"/>
+                </a:xfrm>
+                <a:prstGeom prst="line">
+                  <a:avLst/>
+                </a:prstGeom>
+                <a:ln>
+                  <a:solidFill>
+                    <a:schemeClr val="bg1">
+                      <a:lumMod val="50000"/>
+                    </a:schemeClr>
+                  </a:solidFill>
+                  <a:headEnd type="none"/>
+                  <a:tailEnd type="none"/>
+                </a:ln>
+              </p:spPr>
+              <p:style>
+                <a:lnRef idx="1">
+                  <a:schemeClr val="accent1"/>
+                </a:lnRef>
+                <a:fillRef idx="0">
+                  <a:schemeClr val="accent1"/>
+                </a:fillRef>
+                <a:effectRef idx="0">
+                  <a:schemeClr val="accent1"/>
+                </a:effectRef>
+                <a:fontRef idx="minor">
+                  <a:schemeClr val="tx1"/>
+                </a:fontRef>
+              </p:style>
+            </p:cxnSp>
+            <p:cxnSp>
+              <p:nvCxnSpPr>
+                <p:cNvPr id="36" name="Straight Connector 35">
+                  <a:extLst>
+                    <a:ext uri="{FF2B5EF4-FFF2-40B4-BE49-F238E27FC236}">
+                      <a16:creationId xmlns:a16="http://schemas.microsoft.com/office/drawing/2014/main" id="{9539FA49-B62F-47F8-BAB9-AE4DA6B56DE2}"/>
+                    </a:ext>
+                  </a:extLst>
+                </p:cNvPr>
+                <p:cNvCxnSpPr>
+                  <a:cxnSpLocks/>
+                </p:cNvCxnSpPr>
+                <p:nvPr/>
+              </p:nvCxnSpPr>
+              <p:spPr>
+                <a:xfrm>
+                  <a:off x="1520657" y="5650825"/>
+                  <a:ext cx="161216" cy="214"/>
+                </a:xfrm>
+                <a:prstGeom prst="line">
+                  <a:avLst/>
+                </a:prstGeom>
+                <a:ln>
+                  <a:solidFill>
+                    <a:schemeClr val="bg1">
+                      <a:lumMod val="50000"/>
+                    </a:schemeClr>
+                  </a:solidFill>
+                  <a:headEnd type="none"/>
+                  <a:tailEnd type="none"/>
+                </a:ln>
+              </p:spPr>
+              <p:style>
+                <a:lnRef idx="1">
+                  <a:schemeClr val="accent1"/>
+                </a:lnRef>
+                <a:fillRef idx="0">
+                  <a:schemeClr val="accent1"/>
+                </a:fillRef>
+                <a:effectRef idx="0">
+                  <a:schemeClr val="accent1"/>
+                </a:effectRef>
+                <a:fontRef idx="minor">
+                  <a:schemeClr val="tx1"/>
+                </a:fontRef>
+              </p:style>
+            </p:cxnSp>
           </p:grpSp>
           <p:cxnSp>
             <p:nvCxnSpPr>
-              <p:cNvPr id="33" name="Straight Connector 32">
+              <p:cNvPr id="51" name="Straight Arrow Connector 50">
                 <a:extLst>
                   <a:ext uri="{FF2B5EF4-FFF2-40B4-BE49-F238E27FC236}">
-                    <a16:creationId xmlns:a16="http://schemas.microsoft.com/office/drawing/2014/main" id="{44A222D9-3361-4F50-9008-80E517E62892}"/>
+                    <a16:creationId xmlns:a16="http://schemas.microsoft.com/office/drawing/2014/main" id="{77CD2061-C432-4FE7-BAD8-D73D69FC6E9B}"/>
                   </a:ext>
                 </a:extLst>
               </p:cNvPr>
@@ -14859,10 +14755,10 @@
             </p:nvCxnSpPr>
             <p:spPr>
               <a:xfrm>
-                <a:off x="1512075" y="5180784"/>
-                <a:ext cx="161216" cy="214"/>
+                <a:off x="3067065" y="4724974"/>
+                <a:ext cx="948891" cy="0"/>
               </a:xfrm>
-              <a:prstGeom prst="line">
+              <a:prstGeom prst="straightConnector1">
                 <a:avLst/>
               </a:prstGeom>
               <a:ln>
@@ -14872,7 +14768,7 @@
                   </a:schemeClr>
                 </a:solidFill>
                 <a:headEnd type="none"/>
-                <a:tailEnd type="none"/>
+                <a:tailEnd type="triangle"/>
               </a:ln>
             </p:spPr>
             <p:style>
@@ -14892,10 +14788,10 @@
           </p:cxnSp>
           <p:cxnSp>
             <p:nvCxnSpPr>
-              <p:cNvPr id="35" name="Straight Connector 34">
+              <p:cNvPr id="55" name="Straight Arrow Connector 54">
                 <a:extLst>
                   <a:ext uri="{FF2B5EF4-FFF2-40B4-BE49-F238E27FC236}">
-                    <a16:creationId xmlns:a16="http://schemas.microsoft.com/office/drawing/2014/main" id="{C8E346AC-B8A7-402F-8F08-57E5685F01D3}"/>
+                    <a16:creationId xmlns:a16="http://schemas.microsoft.com/office/drawing/2014/main" id="{B75395E3-E527-4B6F-B920-9C2E2A3133FF}"/>
                   </a:ext>
                 </a:extLst>
               </p:cNvPr>
@@ -14906,10 +14802,10 @@
             </p:nvCxnSpPr>
             <p:spPr>
               <a:xfrm>
-                <a:off x="1512075" y="5414082"/>
-                <a:ext cx="161216" cy="214"/>
+                <a:off x="6222984" y="4615873"/>
+                <a:ext cx="948891" cy="0"/>
               </a:xfrm>
-              <a:prstGeom prst="line">
+              <a:prstGeom prst="straightConnector1">
                 <a:avLst/>
               </a:prstGeom>
               <a:ln>
@@ -14919,7 +14815,7 @@
                   </a:schemeClr>
                 </a:solidFill>
                 <a:headEnd type="none"/>
-                <a:tailEnd type="none"/>
+                <a:tailEnd type="triangle"/>
               </a:ln>
             </p:spPr>
             <p:style>
@@ -14939,10 +14835,57 @@
           </p:cxnSp>
           <p:cxnSp>
             <p:nvCxnSpPr>
-              <p:cNvPr id="36" name="Straight Connector 35">
+              <p:cNvPr id="56" name="Straight Arrow Connector 55">
                 <a:extLst>
                   <a:ext uri="{FF2B5EF4-FFF2-40B4-BE49-F238E27FC236}">
-                    <a16:creationId xmlns:a16="http://schemas.microsoft.com/office/drawing/2014/main" id="{9539FA49-B62F-47F8-BAB9-AE4DA6B56DE2}"/>
+                    <a16:creationId xmlns:a16="http://schemas.microsoft.com/office/drawing/2014/main" id="{1212FB9E-3633-4C68-BC3B-C30A1BA53799}"/>
+                  </a:ext>
+                </a:extLst>
+              </p:cNvPr>
+              <p:cNvCxnSpPr>
+                <a:cxnSpLocks/>
+              </p:cNvCxnSpPr>
+              <p:nvPr/>
+            </p:nvCxnSpPr>
+            <p:spPr>
+              <a:xfrm flipV="1">
+                <a:off x="8809567" y="3966402"/>
+                <a:ext cx="1007533" cy="296825"/>
+              </a:xfrm>
+              <a:prstGeom prst="straightConnector1">
+                <a:avLst/>
+              </a:prstGeom>
+              <a:ln>
+                <a:solidFill>
+                  <a:schemeClr val="bg1">
+                    <a:lumMod val="50000"/>
+                  </a:schemeClr>
+                </a:solidFill>
+                <a:headEnd type="none"/>
+                <a:tailEnd type="triangle"/>
+              </a:ln>
+            </p:spPr>
+            <p:style>
+              <a:lnRef idx="1">
+                <a:schemeClr val="accent1"/>
+              </a:lnRef>
+              <a:fillRef idx="0">
+                <a:schemeClr val="accent1"/>
+              </a:fillRef>
+              <a:effectRef idx="0">
+                <a:schemeClr val="accent1"/>
+              </a:effectRef>
+              <a:fontRef idx="minor">
+                <a:schemeClr val="tx1"/>
+              </a:fontRef>
+            </p:style>
+          </p:cxnSp>
+          <p:cxnSp>
+            <p:nvCxnSpPr>
+              <p:cNvPr id="57" name="Straight Arrow Connector 56">
+                <a:extLst>
+                  <a:ext uri="{FF2B5EF4-FFF2-40B4-BE49-F238E27FC236}">
+                    <a16:creationId xmlns:a16="http://schemas.microsoft.com/office/drawing/2014/main" id="{0664FB98-8381-4BA7-8425-5FBDE7C3D48F}"/>
                   </a:ext>
                 </a:extLst>
               </p:cNvPr>
@@ -14953,10 +14896,10 @@
             </p:nvCxnSpPr>
             <p:spPr>
               <a:xfrm>
-                <a:off x="1520657" y="5650825"/>
-                <a:ext cx="161216" cy="214"/>
+                <a:off x="8809566" y="4590337"/>
+                <a:ext cx="1007534" cy="426163"/>
               </a:xfrm>
-              <a:prstGeom prst="line">
+              <a:prstGeom prst="straightConnector1">
                 <a:avLst/>
               </a:prstGeom>
               <a:ln>
@@ -14966,7 +14909,101 @@
                   </a:schemeClr>
                 </a:solidFill>
                 <a:headEnd type="none"/>
-                <a:tailEnd type="none"/>
+                <a:tailEnd type="triangle"/>
+              </a:ln>
+            </p:spPr>
+            <p:style>
+              <a:lnRef idx="1">
+                <a:schemeClr val="accent1"/>
+              </a:lnRef>
+              <a:fillRef idx="0">
+                <a:schemeClr val="accent1"/>
+              </a:fillRef>
+              <a:effectRef idx="0">
+                <a:schemeClr val="accent1"/>
+              </a:effectRef>
+              <a:fontRef idx="minor">
+                <a:schemeClr val="tx1"/>
+              </a:fontRef>
+            </p:style>
+          </p:cxnSp>
+          <p:cxnSp>
+            <p:nvCxnSpPr>
+              <p:cNvPr id="60" name="Straight Arrow Connector 59">
+                <a:extLst>
+                  <a:ext uri="{FF2B5EF4-FFF2-40B4-BE49-F238E27FC236}">
+                    <a16:creationId xmlns:a16="http://schemas.microsoft.com/office/drawing/2014/main" id="{C049AD7A-F2F9-4389-9F66-F527BB91EBC1}"/>
+                  </a:ext>
+                </a:extLst>
+              </p:cNvPr>
+              <p:cNvCxnSpPr>
+                <a:cxnSpLocks/>
+              </p:cNvCxnSpPr>
+              <p:nvPr/>
+            </p:nvCxnSpPr>
+            <p:spPr>
+              <a:xfrm>
+                <a:off x="3061625" y="4958272"/>
+                <a:ext cx="948891" cy="0"/>
+              </a:xfrm>
+              <a:prstGeom prst="straightConnector1">
+                <a:avLst/>
+              </a:prstGeom>
+              <a:ln>
+                <a:solidFill>
+                  <a:schemeClr val="bg1">
+                    <a:lumMod val="50000"/>
+                  </a:schemeClr>
+                </a:solidFill>
+                <a:headEnd type="none"/>
+                <a:tailEnd type="triangle"/>
+              </a:ln>
+            </p:spPr>
+            <p:style>
+              <a:lnRef idx="1">
+                <a:schemeClr val="accent1"/>
+              </a:lnRef>
+              <a:fillRef idx="0">
+                <a:schemeClr val="accent1"/>
+              </a:fillRef>
+              <a:effectRef idx="0">
+                <a:schemeClr val="accent1"/>
+              </a:effectRef>
+              <a:fontRef idx="minor">
+                <a:schemeClr val="tx1"/>
+              </a:fontRef>
+            </p:style>
+          </p:cxnSp>
+          <p:cxnSp>
+            <p:nvCxnSpPr>
+              <p:cNvPr id="61" name="Straight Arrow Connector 60">
+                <a:extLst>
+                  <a:ext uri="{FF2B5EF4-FFF2-40B4-BE49-F238E27FC236}">
+                    <a16:creationId xmlns:a16="http://schemas.microsoft.com/office/drawing/2014/main" id="{385C4E28-8977-4B1F-AA9D-64A196A2E1C2}"/>
+                  </a:ext>
+                </a:extLst>
+              </p:cNvPr>
+              <p:cNvCxnSpPr>
+                <a:cxnSpLocks/>
+              </p:cNvCxnSpPr>
+              <p:nvPr/>
+            </p:nvCxnSpPr>
+            <p:spPr>
+              <a:xfrm>
+                <a:off x="3067453" y="5195015"/>
+                <a:ext cx="948891" cy="0"/>
+              </a:xfrm>
+              <a:prstGeom prst="straightConnector1">
+                <a:avLst/>
+              </a:prstGeom>
+              <a:ln>
+                <a:solidFill>
+                  <a:schemeClr val="bg1">
+                    <a:lumMod val="50000"/>
+                  </a:schemeClr>
+                </a:solidFill>
+                <a:headEnd type="none"/>
+                <a:tailEnd type="triangle"/>
               </a:ln>
             </p:spPr>
             <p:style>
@@ -14985,288 +15022,36 @@
             </p:style>
           </p:cxnSp>
         </p:grpSp>
-        <p:cxnSp>
-          <p:nvCxnSpPr>
-            <p:cNvPr id="51" name="Straight Arrow Connector 50">
+        <p:pic>
+          <p:nvPicPr>
+            <p:cNvPr id="38" name="Picture 37">
               <a:extLst>
                 <a:ext uri="{FF2B5EF4-FFF2-40B4-BE49-F238E27FC236}">
-                  <a16:creationId xmlns:a16="http://schemas.microsoft.com/office/drawing/2014/main" id="{77CD2061-C432-4FE7-BAD8-D73D69FC6E9B}"/>
+                  <a16:creationId xmlns:a16="http://schemas.microsoft.com/office/drawing/2014/main" id="{C6DA6E5A-6E33-C541-BA30-EE98EB86F5A4}"/>
                 </a:ext>
               </a:extLst>
             </p:cNvPr>
-            <p:cNvCxnSpPr>
-              <a:cxnSpLocks/>
-            </p:cNvCxnSpPr>
+            <p:cNvPicPr>
+              <a:picLocks noChangeAspect="1"/>
+            </p:cNvPicPr>
             <p:nvPr/>
-          </p:nvCxnSpPr>
+          </p:nvPicPr>
+          <p:blipFill>
+            <a:blip r:embed="rId8"/>
+            <a:stretch>
+              <a:fillRect/>
+            </a:stretch>
+          </p:blipFill>
           <p:spPr>
             <a:xfrm>
-              <a:off x="3067065" y="4724974"/>
-              <a:ext cx="948891" cy="0"/>
+              <a:off x="1247806" y="3702759"/>
+              <a:ext cx="615218" cy="615218"/>
             </a:xfrm>
-            <a:prstGeom prst="straightConnector1">
+            <a:prstGeom prst="rect">
               <a:avLst/>
             </a:prstGeom>
-            <a:ln>
-              <a:solidFill>
-                <a:schemeClr val="bg1">
-                  <a:lumMod val="50000"/>
-                </a:schemeClr>
-              </a:solidFill>
-              <a:headEnd type="none"/>
-              <a:tailEnd type="triangle"/>
-            </a:ln>
           </p:spPr>
-          <p:style>
-            <a:lnRef idx="1">
-              <a:schemeClr val="accent1"/>
-            </a:lnRef>
-            <a:fillRef idx="0">
-              <a:schemeClr val="accent1"/>
-            </a:fillRef>
-            <a:effectRef idx="0">
-              <a:schemeClr val="accent1"/>
-            </a:effectRef>
-            <a:fontRef idx="minor">
-              <a:schemeClr val="tx1"/>
-            </a:fontRef>
-          </p:style>
-        </p:cxnSp>
-        <p:cxnSp>
-          <p:nvCxnSpPr>
-            <p:cNvPr id="55" name="Straight Arrow Connector 54">
-              <a:extLst>
-                <a:ext uri="{FF2B5EF4-FFF2-40B4-BE49-F238E27FC236}">
-                  <a16:creationId xmlns:a16="http://schemas.microsoft.com/office/drawing/2014/main" id="{B75395E3-E527-4B6F-B920-9C2E2A3133FF}"/>
-                </a:ext>
-              </a:extLst>
-            </p:cNvPr>
-            <p:cNvCxnSpPr>
-              <a:cxnSpLocks/>
-            </p:cNvCxnSpPr>
-            <p:nvPr/>
-          </p:nvCxnSpPr>
-          <p:spPr>
-            <a:xfrm>
-              <a:off x="6222984" y="4615873"/>
-              <a:ext cx="948891" cy="0"/>
-            </a:xfrm>
-            <a:prstGeom prst="straightConnector1">
-              <a:avLst/>
-            </a:prstGeom>
-            <a:ln>
-              <a:solidFill>
-                <a:schemeClr val="bg1">
-                  <a:lumMod val="50000"/>
-                </a:schemeClr>
-              </a:solidFill>
-              <a:headEnd type="none"/>
-              <a:tailEnd type="triangle"/>
-            </a:ln>
-          </p:spPr>
-          <p:style>
-            <a:lnRef idx="1">
-              <a:schemeClr val="accent1"/>
-            </a:lnRef>
-            <a:fillRef idx="0">
-              <a:schemeClr val="accent1"/>
-            </a:fillRef>
-            <a:effectRef idx="0">
-              <a:schemeClr val="accent1"/>
-            </a:effectRef>
-            <a:fontRef idx="minor">
-              <a:schemeClr val="tx1"/>
-            </a:fontRef>
-          </p:style>
-        </p:cxnSp>
-        <p:cxnSp>
-          <p:nvCxnSpPr>
-            <p:cNvPr id="56" name="Straight Arrow Connector 55">
-              <a:extLst>
-                <a:ext uri="{FF2B5EF4-FFF2-40B4-BE49-F238E27FC236}">
-                  <a16:creationId xmlns:a16="http://schemas.microsoft.com/office/drawing/2014/main" id="{1212FB9E-3633-4C68-BC3B-C30A1BA53799}"/>
-                </a:ext>
-              </a:extLst>
-            </p:cNvPr>
-            <p:cNvCxnSpPr>
-              <a:cxnSpLocks/>
-            </p:cNvCxnSpPr>
-            <p:nvPr/>
-          </p:nvCxnSpPr>
-          <p:spPr>
-            <a:xfrm flipV="1">
-              <a:off x="8809567" y="3966402"/>
-              <a:ext cx="1007533" cy="296825"/>
-            </a:xfrm>
-            <a:prstGeom prst="straightConnector1">
-              <a:avLst/>
-            </a:prstGeom>
-            <a:ln>
-              <a:solidFill>
-                <a:schemeClr val="bg1">
-                  <a:lumMod val="50000"/>
-                </a:schemeClr>
-              </a:solidFill>
-              <a:headEnd type="none"/>
-              <a:tailEnd type="triangle"/>
-            </a:ln>
-          </p:spPr>
-          <p:style>
-            <a:lnRef idx="1">
-              <a:schemeClr val="accent1"/>
-            </a:lnRef>
-            <a:fillRef idx="0">
-              <a:schemeClr val="accent1"/>
-            </a:fillRef>
-            <a:effectRef idx="0">
-              <a:schemeClr val="accent1"/>
-            </a:effectRef>
-            <a:fontRef idx="minor">
-              <a:schemeClr val="tx1"/>
-            </a:fontRef>
-          </p:style>
-        </p:cxnSp>
-        <p:cxnSp>
-          <p:nvCxnSpPr>
-            <p:cNvPr id="57" name="Straight Arrow Connector 56">
-              <a:extLst>
-                <a:ext uri="{FF2B5EF4-FFF2-40B4-BE49-F238E27FC236}">
-                  <a16:creationId xmlns:a16="http://schemas.microsoft.com/office/drawing/2014/main" id="{0664FB98-8381-4BA7-8425-5FBDE7C3D48F}"/>
-                </a:ext>
-              </a:extLst>
-            </p:cNvPr>
-            <p:cNvCxnSpPr>
-              <a:cxnSpLocks/>
-            </p:cNvCxnSpPr>
-            <p:nvPr/>
-          </p:nvCxnSpPr>
-          <p:spPr>
-            <a:xfrm>
-              <a:off x="8809566" y="4590337"/>
-              <a:ext cx="1007534" cy="426163"/>
-            </a:xfrm>
-            <a:prstGeom prst="straightConnector1">
-              <a:avLst/>
-            </a:prstGeom>
-            <a:ln>
-              <a:solidFill>
-                <a:schemeClr val="bg1">
-                  <a:lumMod val="50000"/>
-                </a:schemeClr>
-              </a:solidFill>
-              <a:headEnd type="none"/>
-              <a:tailEnd type="triangle"/>
-            </a:ln>
-          </p:spPr>
-          <p:style>
-            <a:lnRef idx="1">
-              <a:schemeClr val="accent1"/>
-            </a:lnRef>
-            <a:fillRef idx="0">
-              <a:schemeClr val="accent1"/>
-            </a:fillRef>
-            <a:effectRef idx="0">
-              <a:schemeClr val="accent1"/>
-            </a:effectRef>
-            <a:fontRef idx="minor">
-              <a:schemeClr val="tx1"/>
-            </a:fontRef>
-          </p:style>
-        </p:cxnSp>
-        <p:cxnSp>
-          <p:nvCxnSpPr>
-            <p:cNvPr id="60" name="Straight Arrow Connector 59">
-              <a:extLst>
-                <a:ext uri="{FF2B5EF4-FFF2-40B4-BE49-F238E27FC236}">
-                  <a16:creationId xmlns:a16="http://schemas.microsoft.com/office/drawing/2014/main" id="{C049AD7A-F2F9-4389-9F66-F527BB91EBC1}"/>
-                </a:ext>
-              </a:extLst>
-            </p:cNvPr>
-            <p:cNvCxnSpPr>
-              <a:cxnSpLocks/>
-            </p:cNvCxnSpPr>
-            <p:nvPr/>
-          </p:nvCxnSpPr>
-          <p:spPr>
-            <a:xfrm>
-              <a:off x="3061625" y="4958272"/>
-              <a:ext cx="948891" cy="0"/>
-            </a:xfrm>
-            <a:prstGeom prst="straightConnector1">
-              <a:avLst/>
-            </a:prstGeom>
-            <a:ln>
-              <a:solidFill>
-                <a:schemeClr val="bg1">
-                  <a:lumMod val="50000"/>
-                </a:schemeClr>
-              </a:solidFill>
-              <a:headEnd type="none"/>
-              <a:tailEnd type="triangle"/>
-            </a:ln>
-          </p:spPr>
-          <p:style>
-            <a:lnRef idx="1">
-              <a:schemeClr val="accent1"/>
-            </a:lnRef>
-            <a:fillRef idx="0">
-              <a:schemeClr val="accent1"/>
-            </a:fillRef>
-            <a:effectRef idx="0">
-              <a:schemeClr val="accent1"/>
-            </a:effectRef>
-            <a:fontRef idx="minor">
-              <a:schemeClr val="tx1"/>
-            </a:fontRef>
-          </p:style>
-        </p:cxnSp>
-        <p:cxnSp>
-          <p:nvCxnSpPr>
-            <p:cNvPr id="61" name="Straight Arrow Connector 60">
-              <a:extLst>
-                <a:ext uri="{FF2B5EF4-FFF2-40B4-BE49-F238E27FC236}">
-                  <a16:creationId xmlns:a16="http://schemas.microsoft.com/office/drawing/2014/main" id="{385C4E28-8977-4B1F-AA9D-64A196A2E1C2}"/>
-                </a:ext>
-              </a:extLst>
-            </p:cNvPr>
-            <p:cNvCxnSpPr>
-              <a:cxnSpLocks/>
-            </p:cNvCxnSpPr>
-            <p:nvPr/>
-          </p:nvCxnSpPr>
-          <p:spPr>
-            <a:xfrm>
-              <a:off x="3067453" y="5195015"/>
-              <a:ext cx="948891" cy="0"/>
-            </a:xfrm>
-            <a:prstGeom prst="straightConnector1">
-              <a:avLst/>
-            </a:prstGeom>
-            <a:ln>
-              <a:solidFill>
-                <a:schemeClr val="bg1">
-                  <a:lumMod val="50000"/>
-                </a:schemeClr>
-              </a:solidFill>
-              <a:headEnd type="none"/>
-              <a:tailEnd type="triangle"/>
-            </a:ln>
-          </p:spPr>
-          <p:style>
-            <a:lnRef idx="1">
-              <a:schemeClr val="accent1"/>
-            </a:lnRef>
-            <a:fillRef idx="0">
-              <a:schemeClr val="accent1"/>
-            </a:fillRef>
-            <a:effectRef idx="0">
-              <a:schemeClr val="accent1"/>
-            </a:effectRef>
-            <a:fontRef idx="minor">
-              <a:schemeClr val="tx1"/>
-            </a:fontRef>
-          </p:style>
-        </p:cxnSp>
+        </p:pic>
       </p:grpSp>
     </p:spTree>
     <p:extLst>
@@ -15338,10 +15123,10 @@
       </p:sp>
       <p:grpSp>
         <p:nvGrpSpPr>
-          <p:cNvPr id="3" name="Alt text group" descr="This diagram moves from left to right with arrows between icons that point in a straight line until the lines fork off to three icons in the Azure group at the far right.&#10;&#10;The Edit code (Visual Studio) icon points to an icon labeled Commit and push local branch to VSTS. This points to four icons that are collectively labeled Visual Studio Team Services. From left to right, they are Create a Pull Request for peer review, Merge to master, Continuous Integration (Build (+tests)), and Continuous Deployment (Release Management). &#10;&#10;The Continuous Deployment icon points at three groups of icons that are collectively labeled Azure and Application Insights. The three groups are development, test, and production, and each group includes App Service icons and Azure SQL icons." title="Preferred solution diagram">
+          <p:cNvPr id="5" name="Group 4">
             <a:extLst>
               <a:ext uri="{FF2B5EF4-FFF2-40B4-BE49-F238E27FC236}">
-                <a16:creationId xmlns:a16="http://schemas.microsoft.com/office/drawing/2014/main" id="{27F73796-7B26-4213-AA0C-FBB8216B6598}"/>
+                <a16:creationId xmlns:a16="http://schemas.microsoft.com/office/drawing/2014/main" id="{967F10F1-82F0-AB41-9104-EF5EEB89DDF0}"/>
               </a:ext>
             </a:extLst>
           </p:cNvPr>
@@ -15356,179 +15141,12 @@
             <a:chExt cx="11128289" cy="3164850"/>
           </a:xfrm>
         </p:grpSpPr>
-        <p:sp>
-          <p:nvSpPr>
-            <p:cNvPr id="4" name="Rectangle 3">
+        <p:grpSp>
+          <p:nvGrpSpPr>
+            <p:cNvPr id="3" name="Alt text group" descr="This diagram moves from left to right with arrows between icons that point in a straight line until the lines fork off to three icons in the Azure group at the far right.&#10;&#10;The Edit code (Visual Studio) icon points to an icon labeled Commit and push local branch to VSTS. This points to four icons that are collectively labeled Visual Studio Team Services. From left to right, they are Create a Pull Request for peer review, Merge to master, Continuous Integration (Build (+tests)), and Continuous Deployment (Release Management). &#10;&#10;The Continuous Deployment icon points at three groups of icons that are collectively labeled Azure and Application Insights. The three groups are development, test, and production, and each group includes App Service icons and Azure SQL icons." title="Preferred solution diagram">
               <a:extLst>
                 <a:ext uri="{FF2B5EF4-FFF2-40B4-BE49-F238E27FC236}">
-                  <a16:creationId xmlns:a16="http://schemas.microsoft.com/office/drawing/2014/main" id="{4B7FA1B5-482B-4AA2-AFEB-A5548A018FBC}"/>
-                </a:ext>
-              </a:extLst>
-            </p:cNvPr>
-            <p:cNvSpPr/>
-            <p:nvPr/>
-          </p:nvSpPr>
-          <p:spPr bwMode="auto">
-            <a:xfrm>
-              <a:off x="458786" y="1958796"/>
-              <a:ext cx="11010053" cy="3164850"/>
-            </a:xfrm>
-            <a:prstGeom prst="rect">
-              <a:avLst/>
-            </a:prstGeom>
-            <a:solidFill>
-              <a:schemeClr val="tx1"/>
-            </a:solidFill>
-            <a:ln>
-              <a:noFill/>
-              <a:headEnd type="none" w="med" len="med"/>
-              <a:tailEnd type="none" w="med" len="med"/>
-            </a:ln>
-            <a:effectLst/>
-          </p:spPr>
-          <p:style>
-            <a:lnRef idx="1">
-              <a:schemeClr val="accent2"/>
-            </a:lnRef>
-            <a:fillRef idx="3">
-              <a:schemeClr val="accent2"/>
-            </a:fillRef>
-            <a:effectRef idx="2">
-              <a:schemeClr val="accent2"/>
-            </a:effectRef>
-            <a:fontRef idx="minor">
-              <a:schemeClr val="lt1"/>
-            </a:fontRef>
-          </p:style>
-          <p:txBody>
-            <a:bodyPr rot="0" spcFirstLastPara="0" vertOverflow="overflow" horzOverflow="overflow" vert="horz" wrap="square" lIns="182880" tIns="146304" rIns="182880" bIns="146304" numCol="1" spcCol="0" rtlCol="0" fromWordArt="0" anchor="t" anchorCtr="0" forceAA="0" compatLnSpc="1">
-              <a:prstTxWarp prst="textNoShape">
-                <a:avLst/>
-              </a:prstTxWarp>
-              <a:noAutofit/>
-            </a:bodyPr>
-            <a:lstStyle/>
-            <a:p>
-              <a:pPr algn="ctr" defTabSz="932472" fontAlgn="base">
-                <a:lnSpc>
-                  <a:spcPct val="90000"/>
-                </a:lnSpc>
-                <a:spcBef>
-                  <a:spcPct val="0"/>
-                </a:spcBef>
-                <a:spcAft>
-                  <a:spcPct val="0"/>
-                </a:spcAft>
-              </a:pPr>
-              <a:endParaRPr lang="en-US" sz="2400" dirty="0" err="1">
-                <a:gradFill>
-                  <a:gsLst>
-                    <a:gs pos="0">
-                      <a:srgbClr val="FFFFFF"/>
-                    </a:gs>
-                    <a:gs pos="100000">
-                      <a:srgbClr val="FFFFFF"/>
-                    </a:gs>
-                  </a:gsLst>
-                  <a:lin ang="5400000" scaled="0"/>
-                </a:gradFill>
-                <a:ea typeface="Segoe UI" pitchFamily="34" charset="0"/>
-                <a:cs typeface="Segoe UI" pitchFamily="34" charset="0"/>
-              </a:endParaRPr>
-            </a:p>
-          </p:txBody>
-        </p:sp>
-        <p:sp>
-          <p:nvSpPr>
-            <p:cNvPr id="6" name="Rectangle 5">
-              <a:extLst>
-                <a:ext uri="{FF2B5EF4-FFF2-40B4-BE49-F238E27FC236}">
-                  <a16:creationId xmlns:a16="http://schemas.microsoft.com/office/drawing/2014/main" id="{F9730417-F1C8-4E98-B9E9-E307CF41CD77}"/>
-                </a:ext>
-              </a:extLst>
-            </p:cNvPr>
-            <p:cNvSpPr/>
-            <p:nvPr/>
-          </p:nvSpPr>
-          <p:spPr bwMode="auto">
-            <a:xfrm>
-              <a:off x="2485002" y="2260710"/>
-              <a:ext cx="5425958" cy="2480181"/>
-            </a:xfrm>
-            <a:prstGeom prst="rect">
-              <a:avLst/>
-            </a:prstGeom>
-            <a:solidFill>
-              <a:schemeClr val="bg1">
-                <a:lumMod val="20000"/>
-                <a:lumOff val="80000"/>
-              </a:schemeClr>
-            </a:solidFill>
-            <a:ln>
-              <a:noFill/>
-              <a:headEnd type="none" w="med" len="med"/>
-              <a:tailEnd type="none" w="med" len="med"/>
-            </a:ln>
-            <a:effectLst/>
-          </p:spPr>
-          <p:style>
-            <a:lnRef idx="1">
-              <a:schemeClr val="accent2"/>
-            </a:lnRef>
-            <a:fillRef idx="3">
-              <a:schemeClr val="accent2"/>
-            </a:fillRef>
-            <a:effectRef idx="2">
-              <a:schemeClr val="accent2"/>
-            </a:effectRef>
-            <a:fontRef idx="minor">
-              <a:schemeClr val="lt1"/>
-            </a:fontRef>
-          </p:style>
-          <p:txBody>
-            <a:bodyPr rot="0" spcFirstLastPara="0" vertOverflow="overflow" horzOverflow="overflow" vert="horz" wrap="square" lIns="182880" tIns="146304" rIns="182880" bIns="146304" numCol="1" spcCol="0" rtlCol="0" fromWordArt="0" anchor="t" anchorCtr="0" forceAA="0" compatLnSpc="1">
-              <a:prstTxWarp prst="textNoShape">
-                <a:avLst/>
-              </a:prstTxWarp>
-              <a:noAutofit/>
-            </a:bodyPr>
-            <a:lstStyle/>
-            <a:p>
-              <a:pPr algn="ctr" defTabSz="932472" fontAlgn="base">
-                <a:lnSpc>
-                  <a:spcPct val="90000"/>
-                </a:lnSpc>
-                <a:spcBef>
-                  <a:spcPct val="0"/>
-                </a:spcBef>
-                <a:spcAft>
-                  <a:spcPct val="0"/>
-                </a:spcAft>
-              </a:pPr>
-              <a:endParaRPr lang="en-US" sz="2400" dirty="0" err="1">
-                <a:gradFill>
-                  <a:gsLst>
-                    <a:gs pos="0">
-                      <a:srgbClr val="FFFFFF"/>
-                    </a:gs>
-                    <a:gs pos="100000">
-                      <a:srgbClr val="FFFFFF"/>
-                    </a:gs>
-                  </a:gsLst>
-                  <a:lin ang="5400000" scaled="0"/>
-                </a:gradFill>
-                <a:ea typeface="Segoe UI" pitchFamily="34" charset="0"/>
-                <a:cs typeface="Segoe UI" pitchFamily="34" charset="0"/>
-              </a:endParaRPr>
-            </a:p>
-          </p:txBody>
-        </p:sp>
-        <p:grpSp>
-          <p:nvGrpSpPr>
-            <p:cNvPr id="8" name="Group 7">
-              <a:extLst>
-                <a:ext uri="{FF2B5EF4-FFF2-40B4-BE49-F238E27FC236}">
-                  <a16:creationId xmlns:a16="http://schemas.microsoft.com/office/drawing/2014/main" id="{E849414E-5D59-4245-9A0A-53E6D006AECB}"/>
+                  <a16:creationId xmlns:a16="http://schemas.microsoft.com/office/drawing/2014/main" id="{27F73796-7B26-4213-AA0C-FBB8216B6598}"/>
                 </a:ext>
               </a:extLst>
             </p:cNvPr>
@@ -15537,328 +15155,77 @@
           </p:nvGrpSpPr>
           <p:grpSpPr>
             <a:xfrm>
-              <a:off x="2957951" y="2331311"/>
-              <a:ext cx="3367168" cy="517065"/>
-              <a:chOff x="2741772" y="241381"/>
-              <a:chExt cx="3367168" cy="517065"/>
+              <a:off x="340550" y="1958796"/>
+              <a:ext cx="11128289" cy="3164850"/>
+              <a:chOff x="340550" y="1958796"/>
+              <a:chExt cx="11128289" cy="3164850"/>
             </a:xfrm>
           </p:grpSpPr>
           <p:sp>
             <p:nvSpPr>
-              <p:cNvPr id="26" name="TextBox 25">
+              <p:cNvPr id="4" name="Rectangle 3">
                 <a:extLst>
                   <a:ext uri="{FF2B5EF4-FFF2-40B4-BE49-F238E27FC236}">
-                    <a16:creationId xmlns:a16="http://schemas.microsoft.com/office/drawing/2014/main" id="{725567A8-F563-4F2B-9AD7-225D0B2329A4}"/>
+                    <a16:creationId xmlns:a16="http://schemas.microsoft.com/office/drawing/2014/main" id="{4B7FA1B5-482B-4AA2-AFEB-A5548A018FBC}"/>
                   </a:ext>
                 </a:extLst>
               </p:cNvPr>
-              <p:cNvSpPr txBox="1"/>
+              <p:cNvSpPr/>
               <p:nvPr/>
             </p:nvSpPr>
-            <p:spPr>
+            <p:spPr bwMode="auto">
               <a:xfrm>
-                <a:off x="2741772" y="241381"/>
-                <a:ext cx="3367168" cy="517065"/>
+                <a:off x="458786" y="1958796"/>
+                <a:ext cx="11010053" cy="3164850"/>
               </a:xfrm>
               <a:prstGeom prst="rect">
                 <a:avLst/>
               </a:prstGeom>
-              <a:noFill/>
+              <a:solidFill>
+                <a:schemeClr val="tx1"/>
+              </a:solidFill>
+              <a:ln>
+                <a:noFill/>
+                <a:headEnd type="none" w="med" len="med"/>
+                <a:tailEnd type="none" w="med" len="med"/>
+              </a:ln>
+              <a:effectLst/>
             </p:spPr>
+            <p:style>
+              <a:lnRef idx="1">
+                <a:schemeClr val="accent2"/>
+              </a:lnRef>
+              <a:fillRef idx="3">
+                <a:schemeClr val="accent2"/>
+              </a:fillRef>
+              <a:effectRef idx="2">
+                <a:schemeClr val="accent2"/>
+              </a:effectRef>
+              <a:fontRef idx="minor">
+                <a:schemeClr val="lt1"/>
+              </a:fontRef>
+            </p:style>
             <p:txBody>
-              <a:bodyPr wrap="square" lIns="182880" tIns="146304" rIns="182880" bIns="146304" rtlCol="0">
-                <a:spAutoFit/>
+              <a:bodyPr rot="0" spcFirstLastPara="0" vertOverflow="overflow" horzOverflow="overflow" vert="horz" wrap="square" lIns="182880" tIns="146304" rIns="182880" bIns="146304" numCol="1" spcCol="0" rtlCol="0" fromWordArt="0" anchor="t" anchorCtr="0" forceAA="0" compatLnSpc="1">
+                <a:prstTxWarp prst="textNoShape">
+                  <a:avLst/>
+                </a:prstTxWarp>
+                <a:noAutofit/>
               </a:bodyPr>
               <a:lstStyle/>
               <a:p>
-                <a:pPr algn="ctr">
+                <a:pPr algn="ctr" defTabSz="932472" fontAlgn="base">
                   <a:lnSpc>
                     <a:spcPct val="90000"/>
                   </a:lnSpc>
+                  <a:spcBef>
+                    <a:spcPct val="0"/>
+                  </a:spcBef>
                   <a:spcAft>
-                    <a:spcPts val="600"/>
+                    <a:spcPct val="0"/>
                   </a:spcAft>
                 </a:pPr>
-                <a:r>
-                  <a:rPr lang="en-US" sz="1600" b="1" dirty="0">
-                    <a:solidFill>
-                      <a:schemeClr val="bg1"/>
-                    </a:solidFill>
-                  </a:rPr>
-                  <a:t>Visual Studio Team Services</a:t>
-                </a:r>
-              </a:p>
-            </p:txBody>
-          </p:sp>
-          <p:pic>
-            <p:nvPicPr>
-              <p:cNvPr id="25" name="Picture 24">
-                <a:extLst>
-                  <a:ext uri="{FF2B5EF4-FFF2-40B4-BE49-F238E27FC236}">
-                    <a16:creationId xmlns:a16="http://schemas.microsoft.com/office/drawing/2014/main" id="{6EA5A08A-35F7-44FE-BB77-42BC7FC3793B}"/>
-                  </a:ext>
-                </a:extLst>
-              </p:cNvPr>
-              <p:cNvPicPr>
-                <a:picLocks noChangeAspect="1"/>
-              </p:cNvPicPr>
-              <p:nvPr/>
-            </p:nvPicPr>
-            <p:blipFill>
-              <a:blip r:embed="rId3" cstate="print">
-                <a:extLst>
-                  <a:ext uri="{28A0092B-C50C-407E-A947-70E740481C1C}">
-                    <a14:useLocalDpi xmlns:a14="http://schemas.microsoft.com/office/drawing/2010/main" val="0"/>
-                  </a:ext>
-                </a:extLst>
-              </a:blip>
-              <a:stretch>
-                <a:fillRect/>
-              </a:stretch>
-            </p:blipFill>
-            <p:spPr>
-              <a:xfrm>
-                <a:off x="5726213" y="364873"/>
-                <a:ext cx="270909" cy="270909"/>
-              </a:xfrm>
-              <a:prstGeom prst="rect">
-                <a:avLst/>
-              </a:prstGeom>
-            </p:spPr>
-          </p:pic>
-        </p:grpSp>
-        <p:sp>
-          <p:nvSpPr>
-            <p:cNvPr id="10" name="TextBox 9">
-              <a:extLst>
-                <a:ext uri="{FF2B5EF4-FFF2-40B4-BE49-F238E27FC236}">
-                  <a16:creationId xmlns:a16="http://schemas.microsoft.com/office/drawing/2014/main" id="{07685012-BA67-4977-9F35-0BE1B447315C}"/>
-                </a:ext>
-              </a:extLst>
-            </p:cNvPr>
-            <p:cNvSpPr txBox="1"/>
-            <p:nvPr/>
-          </p:nvSpPr>
-          <p:spPr>
-            <a:xfrm>
-              <a:off x="1176624" y="3547434"/>
-              <a:ext cx="1317555" cy="960263"/>
-            </a:xfrm>
-            <a:prstGeom prst="rect">
-              <a:avLst/>
-            </a:prstGeom>
-            <a:noFill/>
-          </p:spPr>
-          <p:txBody>
-            <a:bodyPr wrap="square" lIns="182880" tIns="146304" rIns="182880" bIns="146304" rtlCol="0">
-              <a:spAutoFit/>
-            </a:bodyPr>
-            <a:lstStyle/>
-            <a:p>
-              <a:pPr algn="ctr">
-                <a:lnSpc>
-                  <a:spcPct val="90000"/>
-                </a:lnSpc>
-                <a:spcAft>
-                  <a:spcPts val="600"/>
-                </a:spcAft>
-              </a:pPr>
-              <a:r>
-                <a:rPr lang="en-US" sz="1200" b="1" dirty="0">
-                  <a:solidFill>
-                    <a:schemeClr val="bg1"/>
-                  </a:solidFill>
-                </a:rPr>
-                <a:t>Commit and push local branch to VSTS</a:t>
-              </a:r>
-            </a:p>
-          </p:txBody>
-        </p:sp>
-        <p:pic>
-          <p:nvPicPr>
-            <p:cNvPr id="11" name="Picture 10">
-              <a:extLst>
-                <a:ext uri="{FF2B5EF4-FFF2-40B4-BE49-F238E27FC236}">
-                  <a16:creationId xmlns:a16="http://schemas.microsoft.com/office/drawing/2014/main" id="{98B8BAFB-0995-400A-9405-49B401FFEBA8}"/>
-                </a:ext>
-              </a:extLst>
-            </p:cNvPr>
-            <p:cNvPicPr>
-              <a:picLocks noChangeAspect="1"/>
-            </p:cNvPicPr>
-            <p:nvPr/>
-          </p:nvPicPr>
-          <p:blipFill>
-            <a:blip r:embed="rId4" cstate="print">
-              <a:extLst>
-                <a:ext uri="{28A0092B-C50C-407E-A947-70E740481C1C}">
-                  <a14:useLocalDpi xmlns:a14="http://schemas.microsoft.com/office/drawing/2010/main" val="0"/>
-                </a:ext>
-              </a:extLst>
-            </a:blip>
-            <a:stretch>
-              <a:fillRect/>
-            </a:stretch>
-          </p:blipFill>
-          <p:spPr>
-            <a:xfrm>
-              <a:off x="1546180" y="3080444"/>
-              <a:ext cx="472161" cy="472161"/>
-            </a:xfrm>
-            <a:prstGeom prst="rect">
-              <a:avLst/>
-            </a:prstGeom>
-          </p:spPr>
-        </p:pic>
-        <p:pic>
-          <p:nvPicPr>
-            <p:cNvPr id="23" name="Picture 22">
-              <a:extLst>
-                <a:ext uri="{FF2B5EF4-FFF2-40B4-BE49-F238E27FC236}">
-                  <a16:creationId xmlns:a16="http://schemas.microsoft.com/office/drawing/2014/main" id="{E561831D-28E6-49CD-AFC3-7355DDBEC484}"/>
-                </a:ext>
-              </a:extLst>
-            </p:cNvPr>
-            <p:cNvPicPr>
-              <a:picLocks noChangeAspect="1"/>
-            </p:cNvPicPr>
-            <p:nvPr/>
-          </p:nvPicPr>
-          <p:blipFill>
-            <a:blip r:embed="rId5" cstate="print">
-              <a:extLst>
-                <a:ext uri="{28A0092B-C50C-407E-A947-70E740481C1C}">
-                  <a14:useLocalDpi xmlns:a14="http://schemas.microsoft.com/office/drawing/2010/main" val="0"/>
-                </a:ext>
-              </a:extLst>
-            </a:blip>
-            <a:stretch>
-              <a:fillRect/>
-            </a:stretch>
-          </p:blipFill>
-          <p:spPr>
-            <a:xfrm>
-              <a:off x="548867" y="3127600"/>
-              <a:ext cx="417499" cy="417499"/>
-            </a:xfrm>
-            <a:prstGeom prst="rect">
-              <a:avLst/>
-            </a:prstGeom>
-          </p:spPr>
-        </p:pic>
-        <p:sp>
-          <p:nvSpPr>
-            <p:cNvPr id="24" name="TextBox 23">
-              <a:extLst>
-                <a:ext uri="{FF2B5EF4-FFF2-40B4-BE49-F238E27FC236}">
-                  <a16:creationId xmlns:a16="http://schemas.microsoft.com/office/drawing/2014/main" id="{AD765E71-002C-4E8D-99D6-D2E6B0639F01}"/>
-                </a:ext>
-              </a:extLst>
-            </p:cNvPr>
-            <p:cNvSpPr txBox="1"/>
-            <p:nvPr/>
-          </p:nvSpPr>
-          <p:spPr>
-            <a:xfrm>
-              <a:off x="340550" y="3593674"/>
-              <a:ext cx="851333" cy="627864"/>
-            </a:xfrm>
-            <a:prstGeom prst="rect">
-              <a:avLst/>
-            </a:prstGeom>
-            <a:noFill/>
-          </p:spPr>
-          <p:txBody>
-            <a:bodyPr wrap="square" lIns="182880" tIns="146304" rIns="182880" bIns="146304" rtlCol="0">
-              <a:spAutoFit/>
-            </a:bodyPr>
-            <a:lstStyle/>
-            <a:p>
-              <a:pPr algn="ctr">
-                <a:lnSpc>
-                  <a:spcPct val="90000"/>
-                </a:lnSpc>
-                <a:spcAft>
-                  <a:spcPts val="600"/>
-                </a:spcAft>
-              </a:pPr>
-              <a:r>
-                <a:rPr lang="en-US" sz="1200" b="1" dirty="0">
-                  <a:solidFill>
-                    <a:schemeClr val="bg1"/>
-                  </a:solidFill>
-                </a:rPr>
-                <a:t>Edit code</a:t>
-              </a:r>
-            </a:p>
-          </p:txBody>
-        </p:sp>
-        <p:sp>
-          <p:nvSpPr>
-            <p:cNvPr id="14" name="Rectangle 13">
-              <a:extLst>
-                <a:ext uri="{FF2B5EF4-FFF2-40B4-BE49-F238E27FC236}">
-                  <a16:creationId xmlns:a16="http://schemas.microsoft.com/office/drawing/2014/main" id="{9A5C76BA-E1B4-48EC-9AC0-7397AA9E27D6}"/>
-                </a:ext>
-              </a:extLst>
-            </p:cNvPr>
-            <p:cNvSpPr/>
-            <p:nvPr/>
-          </p:nvSpPr>
-          <p:spPr bwMode="auto">
-            <a:xfrm>
-              <a:off x="5092862" y="3121001"/>
-              <a:ext cx="959283" cy="767928"/>
-            </a:xfrm>
-            <a:prstGeom prst="rect">
-              <a:avLst/>
-            </a:prstGeom>
-            <a:solidFill>
-              <a:schemeClr val="bg2"/>
-            </a:solidFill>
-            <a:ln>
-              <a:noFill/>
-              <a:headEnd type="none" w="med" len="med"/>
-              <a:tailEnd type="none" w="med" len="med"/>
-            </a:ln>
-            <a:effectLst/>
-          </p:spPr>
-          <p:style>
-            <a:lnRef idx="1">
-              <a:schemeClr val="accent2"/>
-            </a:lnRef>
-            <a:fillRef idx="3">
-              <a:schemeClr val="accent2"/>
-            </a:fillRef>
-            <a:effectRef idx="2">
-              <a:schemeClr val="accent2"/>
-            </a:effectRef>
-            <a:fontRef idx="minor">
-              <a:schemeClr val="lt1"/>
-            </a:fontRef>
-          </p:style>
-          <p:txBody>
-            <a:bodyPr rot="0" spcFirstLastPara="0" vertOverflow="overflow" horzOverflow="overflow" vert="horz" wrap="square" lIns="182880" tIns="146304" rIns="182880" bIns="146304" numCol="1" spcCol="0" rtlCol="0" fromWordArt="0" anchor="ctr" anchorCtr="0" forceAA="0" compatLnSpc="1">
-              <a:prstTxWarp prst="textNoShape">
-                <a:avLst/>
-              </a:prstTxWarp>
-              <a:noAutofit/>
-            </a:bodyPr>
-            <a:lstStyle/>
-            <a:p>
-              <a:pPr algn="ctr" defTabSz="932472" fontAlgn="base">
-                <a:lnSpc>
-                  <a:spcPct val="90000"/>
-                </a:lnSpc>
-                <a:spcBef>
-                  <a:spcPct val="0"/>
-                </a:spcBef>
-                <a:spcAft>
-                  <a:spcPct val="0"/>
-                </a:spcAft>
-              </a:pPr>
-              <a:r>
-                <a:rPr lang="en-US" sz="1200" dirty="0">
+                <a:endParaRPr lang="en-US" sz="2400" dirty="0" err="1">
                   <a:gradFill>
                     <a:gsLst>
                       <a:gs pos="0">
@@ -15872,415 +15239,16 @@
                   </a:gradFill>
                   <a:ea typeface="Segoe UI" pitchFamily="34" charset="0"/>
                   <a:cs typeface="Segoe UI" pitchFamily="34" charset="0"/>
-                </a:rPr>
-                <a:t>Build (+tests)</a:t>
-              </a:r>
-            </a:p>
-          </p:txBody>
-        </p:sp>
-        <p:sp>
-          <p:nvSpPr>
-            <p:cNvPr id="15" name="Rectangle 14">
-              <a:extLst>
-                <a:ext uri="{FF2B5EF4-FFF2-40B4-BE49-F238E27FC236}">
-                  <a16:creationId xmlns:a16="http://schemas.microsoft.com/office/drawing/2014/main" id="{FE49BECC-4E76-4951-A9E0-45FE83FBF47F}"/>
-                </a:ext>
-              </a:extLst>
-            </p:cNvPr>
-            <p:cNvSpPr/>
-            <p:nvPr/>
-          </p:nvSpPr>
-          <p:spPr bwMode="auto">
-            <a:xfrm>
-              <a:off x="6441822" y="3118401"/>
-              <a:ext cx="1288876" cy="767928"/>
-            </a:xfrm>
-            <a:prstGeom prst="rect">
-              <a:avLst/>
-            </a:prstGeom>
-            <a:solidFill>
-              <a:schemeClr val="bg2"/>
-            </a:solidFill>
-            <a:ln>
-              <a:noFill/>
-              <a:headEnd type="none" w="med" len="med"/>
-              <a:tailEnd type="none" w="med" len="med"/>
-            </a:ln>
-            <a:effectLst/>
-          </p:spPr>
-          <p:style>
-            <a:lnRef idx="1">
-              <a:schemeClr val="accent2"/>
-            </a:lnRef>
-            <a:fillRef idx="3">
-              <a:schemeClr val="accent2"/>
-            </a:fillRef>
-            <a:effectRef idx="2">
-              <a:schemeClr val="accent2"/>
-            </a:effectRef>
-            <a:fontRef idx="minor">
-              <a:schemeClr val="lt1"/>
-            </a:fontRef>
-          </p:style>
-          <p:txBody>
-            <a:bodyPr rot="0" spcFirstLastPara="0" vertOverflow="overflow" horzOverflow="overflow" vert="horz" wrap="square" lIns="182880" tIns="146304" rIns="182880" bIns="146304" numCol="1" spcCol="0" rtlCol="0" fromWordArt="0" anchor="ctr" anchorCtr="0" forceAA="0" compatLnSpc="1">
-              <a:prstTxWarp prst="textNoShape">
-                <a:avLst/>
-              </a:prstTxWarp>
-              <a:noAutofit/>
-            </a:bodyPr>
-            <a:lstStyle/>
-            <a:p>
-              <a:pPr algn="ctr" defTabSz="932472" fontAlgn="base">
-                <a:lnSpc>
-                  <a:spcPct val="90000"/>
-                </a:lnSpc>
-                <a:spcBef>
-                  <a:spcPct val="0"/>
-                </a:spcBef>
-                <a:spcAft>
-                  <a:spcPct val="0"/>
-                </a:spcAft>
-              </a:pPr>
-              <a:r>
-                <a:rPr lang="en-US" sz="1200" dirty="0">
-                  <a:gradFill>
-                    <a:gsLst>
-                      <a:gs pos="0">
-                        <a:srgbClr val="FFFFFF"/>
-                      </a:gs>
-                      <a:gs pos="100000">
-                        <a:srgbClr val="FFFFFF"/>
-                      </a:gs>
-                    </a:gsLst>
-                    <a:lin ang="5400000" scaled="0"/>
-                  </a:gradFill>
-                  <a:ea typeface="Segoe UI" pitchFamily="34" charset="0"/>
-                  <a:cs typeface="Segoe UI" pitchFamily="34" charset="0"/>
-                </a:rPr>
-                <a:t>Release Management</a:t>
-              </a:r>
-            </a:p>
-          </p:txBody>
-        </p:sp>
-        <p:sp>
-          <p:nvSpPr>
-            <p:cNvPr id="16" name="TextBox 15">
-              <a:extLst>
-                <a:ext uri="{FF2B5EF4-FFF2-40B4-BE49-F238E27FC236}">
-                  <a16:creationId xmlns:a16="http://schemas.microsoft.com/office/drawing/2014/main" id="{476C3060-630D-4444-82F6-B2AC00B824B8}"/>
-                </a:ext>
-              </a:extLst>
-            </p:cNvPr>
-            <p:cNvSpPr txBox="1"/>
-            <p:nvPr/>
-          </p:nvSpPr>
-          <p:spPr>
-            <a:xfrm>
-              <a:off x="5008146" y="3827099"/>
-              <a:ext cx="1128713" cy="627864"/>
-            </a:xfrm>
-            <a:prstGeom prst="rect">
-              <a:avLst/>
-            </a:prstGeom>
-            <a:noFill/>
-          </p:spPr>
-          <p:txBody>
-            <a:bodyPr wrap="square" lIns="182880" tIns="146304" rIns="182880" bIns="146304" rtlCol="0">
-              <a:spAutoFit/>
-            </a:bodyPr>
-            <a:lstStyle/>
-            <a:p>
-              <a:pPr algn="ctr">
-                <a:lnSpc>
-                  <a:spcPct val="90000"/>
-                </a:lnSpc>
-                <a:spcAft>
-                  <a:spcPts val="600"/>
-                </a:spcAft>
-              </a:pPr>
-              <a:r>
-                <a:rPr lang="en-US" sz="1200" b="1" dirty="0">
-                  <a:solidFill>
-                    <a:schemeClr val="bg1"/>
-                  </a:solidFill>
-                </a:rPr>
-                <a:t>Continuous Integration</a:t>
-              </a:r>
-            </a:p>
-          </p:txBody>
-        </p:sp>
-        <p:sp>
-          <p:nvSpPr>
-            <p:cNvPr id="17" name="TextBox 16">
-              <a:extLst>
-                <a:ext uri="{FF2B5EF4-FFF2-40B4-BE49-F238E27FC236}">
-                  <a16:creationId xmlns:a16="http://schemas.microsoft.com/office/drawing/2014/main" id="{F8F31F79-B846-4F92-8DAE-C22A5E8B59E0}"/>
-                </a:ext>
-              </a:extLst>
-            </p:cNvPr>
-            <p:cNvSpPr txBox="1"/>
-            <p:nvPr/>
-          </p:nvSpPr>
-          <p:spPr>
-            <a:xfrm>
-              <a:off x="6496972" y="3827099"/>
-              <a:ext cx="1185717" cy="627864"/>
-            </a:xfrm>
-            <a:prstGeom prst="rect">
-              <a:avLst/>
-            </a:prstGeom>
-            <a:noFill/>
-          </p:spPr>
-          <p:txBody>
-            <a:bodyPr wrap="square" lIns="182880" tIns="146304" rIns="182880" bIns="146304" rtlCol="0">
-              <a:spAutoFit/>
-            </a:bodyPr>
-            <a:lstStyle/>
-            <a:p>
-              <a:pPr algn="ctr">
-                <a:lnSpc>
-                  <a:spcPct val="90000"/>
-                </a:lnSpc>
-                <a:spcAft>
-                  <a:spcPts val="600"/>
-                </a:spcAft>
-              </a:pPr>
-              <a:r>
-                <a:rPr lang="en-US" sz="1200" b="1" dirty="0">
-                  <a:solidFill>
-                    <a:schemeClr val="bg1"/>
-                  </a:solidFill>
-                </a:rPr>
-                <a:t>Continuous Deployment</a:t>
-              </a:r>
-            </a:p>
-          </p:txBody>
-        </p:sp>
-        <p:cxnSp>
-          <p:nvCxnSpPr>
-            <p:cNvPr id="19" name="Straight Arrow Connector 18">
-              <a:extLst>
-                <a:ext uri="{FF2B5EF4-FFF2-40B4-BE49-F238E27FC236}">
-                  <a16:creationId xmlns:a16="http://schemas.microsoft.com/office/drawing/2014/main" id="{05DD6E2E-FEAF-48AC-9159-1126C6F352B9}"/>
-                </a:ext>
-              </a:extLst>
-            </p:cNvPr>
-            <p:cNvCxnSpPr>
-              <a:cxnSpLocks/>
-            </p:cNvCxnSpPr>
-            <p:nvPr/>
-          </p:nvCxnSpPr>
-          <p:spPr>
-            <a:xfrm>
-              <a:off x="6094260" y="3467581"/>
-              <a:ext cx="316506" cy="0"/>
-            </a:xfrm>
-            <a:prstGeom prst="straightConnector1">
-              <a:avLst/>
-            </a:prstGeom>
-            <a:ln>
-              <a:solidFill>
-                <a:schemeClr val="bg1">
-                  <a:lumMod val="50000"/>
-                </a:schemeClr>
-              </a:solidFill>
-              <a:headEnd type="none"/>
-              <a:tailEnd type="triangle"/>
-            </a:ln>
-          </p:spPr>
-          <p:style>
-            <a:lnRef idx="1">
-              <a:schemeClr val="accent1"/>
-            </a:lnRef>
-            <a:fillRef idx="0">
-              <a:schemeClr val="accent1"/>
-            </a:fillRef>
-            <a:effectRef idx="0">
-              <a:schemeClr val="accent1"/>
-            </a:effectRef>
-            <a:fontRef idx="minor">
-              <a:schemeClr val="tx1"/>
-            </a:fontRef>
-          </p:style>
-        </p:cxnSp>
-        <p:cxnSp>
-          <p:nvCxnSpPr>
-            <p:cNvPr id="20" name="Straight Arrow Connector 19">
-              <a:extLst>
-                <a:ext uri="{FF2B5EF4-FFF2-40B4-BE49-F238E27FC236}">
-                  <a16:creationId xmlns:a16="http://schemas.microsoft.com/office/drawing/2014/main" id="{1DA91AF7-C2BC-4A20-BA07-2DB20D9318A2}"/>
-                </a:ext>
-              </a:extLst>
-            </p:cNvPr>
-            <p:cNvCxnSpPr>
-              <a:cxnSpLocks/>
-            </p:cNvCxnSpPr>
-            <p:nvPr/>
-          </p:nvCxnSpPr>
-          <p:spPr>
-            <a:xfrm flipV="1">
-              <a:off x="7819102" y="3460726"/>
-              <a:ext cx="2197741" cy="1"/>
-            </a:xfrm>
-            <a:prstGeom prst="straightConnector1">
-              <a:avLst/>
-            </a:prstGeom>
-            <a:ln>
-              <a:solidFill>
-                <a:schemeClr val="bg1">
-                  <a:lumMod val="50000"/>
-                </a:schemeClr>
-              </a:solidFill>
-              <a:headEnd type="none"/>
-              <a:tailEnd type="triangle"/>
-            </a:ln>
-          </p:spPr>
-          <p:style>
-            <a:lnRef idx="1">
-              <a:schemeClr val="accent1"/>
-            </a:lnRef>
-            <a:fillRef idx="0">
-              <a:schemeClr val="accent1"/>
-            </a:fillRef>
-            <a:effectRef idx="0">
-              <a:schemeClr val="accent1"/>
-            </a:effectRef>
-            <a:fontRef idx="minor">
-              <a:schemeClr val="tx1"/>
-            </a:fontRef>
-          </p:style>
-        </p:cxnSp>
-        <p:grpSp>
-          <p:nvGrpSpPr>
-            <p:cNvPr id="34" name="Group 33">
-              <a:extLst>
-                <a:ext uri="{FF2B5EF4-FFF2-40B4-BE49-F238E27FC236}">
-                  <a16:creationId xmlns:a16="http://schemas.microsoft.com/office/drawing/2014/main" id="{815B6739-AFB4-469B-B065-6A8CE0FBC121}"/>
-                </a:ext>
-              </a:extLst>
-            </p:cNvPr>
-            <p:cNvGrpSpPr/>
-            <p:nvPr/>
-          </p:nvGrpSpPr>
-          <p:grpSpPr>
-            <a:xfrm>
-              <a:off x="8993508" y="1999561"/>
-              <a:ext cx="1591109" cy="517065"/>
-              <a:chOff x="9888112" y="2331311"/>
-              <a:chExt cx="1591109" cy="517065"/>
-            </a:xfrm>
-          </p:grpSpPr>
-          <p:sp>
-            <p:nvSpPr>
-              <p:cNvPr id="22" name="TextBox 21">
-                <a:extLst>
-                  <a:ext uri="{FF2B5EF4-FFF2-40B4-BE49-F238E27FC236}">
-                    <a16:creationId xmlns:a16="http://schemas.microsoft.com/office/drawing/2014/main" id="{C07EB4B1-90AC-46E7-BF9C-24520B28C8D2}"/>
-                  </a:ext>
-                </a:extLst>
-              </p:cNvPr>
-              <p:cNvSpPr txBox="1"/>
-              <p:nvPr/>
-            </p:nvSpPr>
-            <p:spPr>
-              <a:xfrm>
-                <a:off x="9888112" y="2331311"/>
-                <a:ext cx="1591109" cy="517065"/>
-              </a:xfrm>
-              <a:prstGeom prst="rect">
-                <a:avLst/>
-              </a:prstGeom>
-              <a:noFill/>
-            </p:spPr>
-            <p:txBody>
-              <a:bodyPr wrap="square" lIns="182880" tIns="146304" rIns="182880" bIns="146304" rtlCol="0">
-                <a:spAutoFit/>
-              </a:bodyPr>
-              <a:lstStyle/>
-              <a:p>
-                <a:pPr algn="ctr">
-                  <a:lnSpc>
-                    <a:spcPct val="90000"/>
-                  </a:lnSpc>
-                  <a:spcAft>
-                    <a:spcPts val="600"/>
-                  </a:spcAft>
-                </a:pPr>
-                <a:r>
-                  <a:rPr lang="en-US" sz="1600" b="1" dirty="0">
-                    <a:solidFill>
-                      <a:schemeClr val="bg1"/>
-                    </a:solidFill>
-                  </a:rPr>
-                  <a:t>Azure</a:t>
-                </a:r>
+                </a:endParaRPr>
               </a:p>
             </p:txBody>
           </p:sp>
-          <p:pic>
-            <p:nvPicPr>
-              <p:cNvPr id="21" name="Picture 20">
+          <p:sp>
+            <p:nvSpPr>
+              <p:cNvPr id="6" name="Rectangle 5">
                 <a:extLst>
                   <a:ext uri="{FF2B5EF4-FFF2-40B4-BE49-F238E27FC236}">
-                    <a16:creationId xmlns:a16="http://schemas.microsoft.com/office/drawing/2014/main" id="{63862F9B-C237-4E51-8F84-B7CEB3B08B80}"/>
-                  </a:ext>
-                </a:extLst>
-              </p:cNvPr>
-              <p:cNvPicPr>
-                <a:picLocks noChangeAspect="1"/>
-              </p:cNvPicPr>
-              <p:nvPr/>
-            </p:nvPicPr>
-            <p:blipFill>
-              <a:blip r:embed="rId6" cstate="print">
-                <a:extLst>
-                  <a:ext uri="{28A0092B-C50C-407E-A947-70E740481C1C}">
-                    <a14:useLocalDpi xmlns:a14="http://schemas.microsoft.com/office/drawing/2010/main" val="0"/>
-                  </a:ext>
-                </a:extLst>
-              </a:blip>
-              <a:stretch>
-                <a:fillRect/>
-              </a:stretch>
-            </p:blipFill>
-            <p:spPr>
-              <a:xfrm>
-                <a:off x="10994412" y="2381342"/>
-                <a:ext cx="382470" cy="382470"/>
-              </a:xfrm>
-              <a:prstGeom prst="rect">
-                <a:avLst/>
-              </a:prstGeom>
-            </p:spPr>
-          </p:pic>
-        </p:grpSp>
-        <p:grpSp>
-          <p:nvGrpSpPr>
-            <p:cNvPr id="47" name="Group 46">
-              <a:extLst>
-                <a:ext uri="{FF2B5EF4-FFF2-40B4-BE49-F238E27FC236}">
-                  <a16:creationId xmlns:a16="http://schemas.microsoft.com/office/drawing/2014/main" id="{00895157-05E9-4E8B-90D7-1EA910665D90}"/>
-                </a:ext>
-              </a:extLst>
-            </p:cNvPr>
-            <p:cNvGrpSpPr/>
-            <p:nvPr/>
-          </p:nvGrpSpPr>
-          <p:grpSpPr>
-            <a:xfrm>
-              <a:off x="8577324" y="2486976"/>
-              <a:ext cx="1206390" cy="998405"/>
-              <a:chOff x="8577324" y="2506028"/>
-              <a:chExt cx="1206390" cy="998405"/>
-            </a:xfrm>
-          </p:grpSpPr>
-          <p:sp>
-            <p:nvSpPr>
-              <p:cNvPr id="35" name="Rectangle 34">
-                <a:extLst>
-                  <a:ext uri="{FF2B5EF4-FFF2-40B4-BE49-F238E27FC236}">
-                    <a16:creationId xmlns:a16="http://schemas.microsoft.com/office/drawing/2014/main" id="{FBA9D8B8-5971-44A5-81C2-DE4192A49A19}"/>
+                    <a16:creationId xmlns:a16="http://schemas.microsoft.com/office/drawing/2014/main" id="{F9730417-F1C8-4E98-B9E9-E307CF41CD77}"/>
                   </a:ext>
                 </a:extLst>
               </p:cNvPr>
@@ -16289,16 +15257,16 @@
             </p:nvSpPr>
             <p:spPr bwMode="auto">
               <a:xfrm>
-                <a:off x="8640135" y="2506028"/>
-                <a:ext cx="1076276" cy="858017"/>
+                <a:off x="2485002" y="2260710"/>
+                <a:ext cx="5425958" cy="2480181"/>
               </a:xfrm>
               <a:prstGeom prst="rect">
                 <a:avLst/>
               </a:prstGeom>
               <a:solidFill>
-                <a:schemeClr val="bg2">
-                  <a:lumMod val="60000"/>
-                  <a:lumOff val="40000"/>
+                <a:schemeClr val="bg1">
+                  <a:lumMod val="20000"/>
+                  <a:lumOff val="80000"/>
                 </a:schemeClr>
               </a:solidFill>
               <a:ln>
@@ -16342,33 +15310,30 @@
                     <a:spcPct val="0"/>
                   </a:spcAft>
                 </a:pPr>
-                <a:r>
-                  <a:rPr lang="en-US" sz="900" b="1" dirty="0">
-                    <a:gradFill>
-                      <a:gsLst>
-                        <a:gs pos="0">
-                          <a:srgbClr val="FFFFFF"/>
-                        </a:gs>
-                        <a:gs pos="100000">
-                          <a:srgbClr val="FFFFFF"/>
-                        </a:gs>
-                      </a:gsLst>
-                      <a:lin ang="5400000" scaled="0"/>
-                    </a:gradFill>
-                    <a:ea typeface="Segoe UI" pitchFamily="34" charset="0"/>
-                    <a:cs typeface="Segoe UI" pitchFamily="34" charset="0"/>
-                  </a:rPr>
-                  <a:t>development</a:t>
-                </a:r>
+                <a:endParaRPr lang="en-US" sz="2400" dirty="0" err="1">
+                  <a:gradFill>
+                    <a:gsLst>
+                      <a:gs pos="0">
+                        <a:srgbClr val="FFFFFF"/>
+                      </a:gs>
+                      <a:gs pos="100000">
+                        <a:srgbClr val="FFFFFF"/>
+                      </a:gs>
+                    </a:gsLst>
+                    <a:lin ang="5400000" scaled="0"/>
+                  </a:gradFill>
+                  <a:ea typeface="Segoe UI" pitchFamily="34" charset="0"/>
+                  <a:cs typeface="Segoe UI" pitchFamily="34" charset="0"/>
+                </a:endParaRPr>
               </a:p>
             </p:txBody>
           </p:sp>
           <p:sp>
             <p:nvSpPr>
-              <p:cNvPr id="43" name="TextBox 42">
+              <p:cNvPr id="26" name="TextBox 25">
                 <a:extLst>
                   <a:ext uri="{FF2B5EF4-FFF2-40B4-BE49-F238E27FC236}">
-                    <a16:creationId xmlns:a16="http://schemas.microsoft.com/office/drawing/2014/main" id="{C6A64E70-6ADC-4293-A24E-238A877A01F1}"/>
+                    <a16:creationId xmlns:a16="http://schemas.microsoft.com/office/drawing/2014/main" id="{725567A8-F563-4F2B-9AD7-225D0B2329A4}"/>
                   </a:ext>
                 </a:extLst>
               </p:cNvPr>
@@ -16377,8 +15342,8 @@
             </p:nvSpPr>
             <p:spPr>
               <a:xfrm>
-                <a:off x="8577324" y="2959668"/>
-                <a:ext cx="739729" cy="544765"/>
+                <a:off x="2957951" y="2331311"/>
+                <a:ext cx="3367168" cy="517065"/>
               </a:xfrm>
               <a:prstGeom prst="rect">
                 <a:avLst/>
@@ -16400,58 +15365,22 @@
                   </a:spcAft>
                 </a:pPr>
                 <a:r>
-                  <a:rPr lang="en-US" sz="900" b="1" dirty="0">
+                  <a:rPr lang="en-US" sz="1600" b="1" dirty="0">
                     <a:solidFill>
                       <a:schemeClr val="bg1"/>
                     </a:solidFill>
                   </a:rPr>
-                  <a:t>App Service</a:t>
+                  <a:t>Azure DevOps</a:t>
                 </a:r>
               </a:p>
             </p:txBody>
           </p:sp>
-          <p:pic>
-            <p:nvPicPr>
-              <p:cNvPr id="42" name="Picture 41">
+          <p:sp>
+            <p:nvSpPr>
+              <p:cNvPr id="10" name="TextBox 9">
                 <a:extLst>
                   <a:ext uri="{FF2B5EF4-FFF2-40B4-BE49-F238E27FC236}">
-                    <a16:creationId xmlns:a16="http://schemas.microsoft.com/office/drawing/2014/main" id="{600FB7AC-575F-484D-9CEB-2613731043DA}"/>
-                  </a:ext>
-                </a:extLst>
-              </p:cNvPr>
-              <p:cNvPicPr>
-                <a:picLocks noChangeAspect="1"/>
-              </p:cNvPicPr>
-              <p:nvPr/>
-            </p:nvPicPr>
-            <p:blipFill>
-              <a:blip r:embed="rId7" cstate="print">
-                <a:extLst>
-                  <a:ext uri="{28A0092B-C50C-407E-A947-70E740481C1C}">
-                    <a14:useLocalDpi xmlns:a14="http://schemas.microsoft.com/office/drawing/2010/main" val="0"/>
-                  </a:ext>
-                </a:extLst>
-              </a:blip>
-              <a:stretch>
-                <a:fillRect/>
-              </a:stretch>
-            </p:blipFill>
-            <p:spPr>
-              <a:xfrm>
-                <a:off x="8850393" y="2892169"/>
-                <a:ext cx="193592" cy="193592"/>
-              </a:xfrm>
-              <a:prstGeom prst="rect">
-                <a:avLst/>
-              </a:prstGeom>
-            </p:spPr>
-          </p:pic>
-          <p:sp>
-            <p:nvSpPr>
-              <p:cNvPr id="46" name="TextBox 45">
-                <a:extLst>
-                  <a:ext uri="{FF2B5EF4-FFF2-40B4-BE49-F238E27FC236}">
-                    <a16:creationId xmlns:a16="http://schemas.microsoft.com/office/drawing/2014/main" id="{B642C9D8-B998-488D-AD57-219D2041E304}"/>
+                    <a16:creationId xmlns:a16="http://schemas.microsoft.com/office/drawing/2014/main" id="{07685012-BA67-4977-9F35-0BE1B447315C}"/>
                   </a:ext>
                 </a:extLst>
               </p:cNvPr>
@@ -16460,8 +15389,8 @@
             </p:nvSpPr>
             <p:spPr>
               <a:xfrm>
-                <a:off x="9043985" y="2953869"/>
-                <a:ext cx="739729" cy="544765"/>
+                <a:off x="1176624" y="3547434"/>
+                <a:ext cx="1317555" cy="960263"/>
               </a:xfrm>
               <a:prstGeom prst="rect">
                 <a:avLst/>
@@ -16483,22 +15412,22 @@
                   </a:spcAft>
                 </a:pPr>
                 <a:r>
-                  <a:rPr lang="en-US" sz="900" b="1" dirty="0">
+                  <a:rPr lang="en-US" sz="1200" b="1" dirty="0">
                     <a:solidFill>
                       <a:schemeClr val="bg1"/>
                     </a:solidFill>
                   </a:rPr>
-                  <a:t>Azure SQL</a:t>
+                  <a:t>Commit and push local branch to Azure DevOps</a:t>
                 </a:r>
               </a:p>
             </p:txBody>
           </p:sp>
           <p:pic>
             <p:nvPicPr>
-              <p:cNvPr id="45" name="Picture 44">
+              <p:cNvPr id="11" name="Picture 10">
                 <a:extLst>
                   <a:ext uri="{FF2B5EF4-FFF2-40B4-BE49-F238E27FC236}">
-                    <a16:creationId xmlns:a16="http://schemas.microsoft.com/office/drawing/2014/main" id="{5B230F2E-7C64-4CD1-9774-21FBBFA92B41}"/>
+                    <a16:creationId xmlns:a16="http://schemas.microsoft.com/office/drawing/2014/main" id="{98B8BAFB-0995-400A-9405-49B401FFEBA8}"/>
                   </a:ext>
                 </a:extLst>
               </p:cNvPr>
@@ -16508,7 +15437,7 @@
               <p:nvPr/>
             </p:nvPicPr>
             <p:blipFill>
-              <a:blip r:embed="rId8" cstate="print">
+              <a:blip r:embed="rId3" cstate="print">
                 <a:extLst>
                   <a:ext uri="{28A0092B-C50C-407E-A947-70E740481C1C}">
                     <a14:useLocalDpi xmlns:a14="http://schemas.microsoft.com/office/drawing/2010/main" val="0"/>
@@ -16521,41 +15450,103 @@
             </p:blipFill>
             <p:spPr>
               <a:xfrm>
-                <a:off x="9322911" y="2881361"/>
-                <a:ext cx="204400" cy="204400"/>
+                <a:off x="1546180" y="3080444"/>
+                <a:ext cx="472161" cy="472161"/>
               </a:xfrm>
               <a:prstGeom prst="rect">
                 <a:avLst/>
               </a:prstGeom>
             </p:spPr>
           </p:pic>
-        </p:grpSp>
-        <p:grpSp>
-          <p:nvGrpSpPr>
-            <p:cNvPr id="48" name="Group 47">
-              <a:extLst>
-                <a:ext uri="{FF2B5EF4-FFF2-40B4-BE49-F238E27FC236}">
-                  <a16:creationId xmlns:a16="http://schemas.microsoft.com/office/drawing/2014/main" id="{03BAEAB4-E307-4B8E-BE70-CFC98CBD6A51}"/>
-                </a:ext>
-              </a:extLst>
-            </p:cNvPr>
-            <p:cNvGrpSpPr/>
-            <p:nvPr/>
-          </p:nvGrpSpPr>
-          <p:grpSpPr>
-            <a:xfrm>
-              <a:off x="10016843" y="3013941"/>
-              <a:ext cx="1206390" cy="998405"/>
-              <a:chOff x="8577324" y="2506028"/>
-              <a:chExt cx="1206390" cy="998405"/>
-            </a:xfrm>
-          </p:grpSpPr>
+          <p:pic>
+            <p:nvPicPr>
+              <p:cNvPr id="23" name="Picture 22">
+                <a:extLst>
+                  <a:ext uri="{FF2B5EF4-FFF2-40B4-BE49-F238E27FC236}">
+                    <a16:creationId xmlns:a16="http://schemas.microsoft.com/office/drawing/2014/main" id="{E561831D-28E6-49CD-AFC3-7355DDBEC484}"/>
+                  </a:ext>
+                </a:extLst>
+              </p:cNvPr>
+              <p:cNvPicPr>
+                <a:picLocks noChangeAspect="1"/>
+              </p:cNvPicPr>
+              <p:nvPr/>
+            </p:nvPicPr>
+            <p:blipFill>
+              <a:blip r:embed="rId4" cstate="print">
+                <a:extLst>
+                  <a:ext uri="{28A0092B-C50C-407E-A947-70E740481C1C}">
+                    <a14:useLocalDpi xmlns:a14="http://schemas.microsoft.com/office/drawing/2010/main" val="0"/>
+                  </a:ext>
+                </a:extLst>
+              </a:blip>
+              <a:stretch>
+                <a:fillRect/>
+              </a:stretch>
+            </p:blipFill>
+            <p:spPr>
+              <a:xfrm>
+                <a:off x="548867" y="3127600"/>
+                <a:ext cx="417499" cy="417499"/>
+              </a:xfrm>
+              <a:prstGeom prst="rect">
+                <a:avLst/>
+              </a:prstGeom>
+            </p:spPr>
+          </p:pic>
           <p:sp>
             <p:nvSpPr>
-              <p:cNvPr id="49" name="Rectangle 48">
+              <p:cNvPr id="24" name="TextBox 23">
                 <a:extLst>
                   <a:ext uri="{FF2B5EF4-FFF2-40B4-BE49-F238E27FC236}">
-                    <a16:creationId xmlns:a16="http://schemas.microsoft.com/office/drawing/2014/main" id="{52175594-3261-47D1-958F-4083807501AD}"/>
+                    <a16:creationId xmlns:a16="http://schemas.microsoft.com/office/drawing/2014/main" id="{AD765E71-002C-4E8D-99D6-D2E6B0639F01}"/>
+                  </a:ext>
+                </a:extLst>
+              </p:cNvPr>
+              <p:cNvSpPr txBox="1"/>
+              <p:nvPr/>
+            </p:nvSpPr>
+            <p:spPr>
+              <a:xfrm>
+                <a:off x="340550" y="3593674"/>
+                <a:ext cx="851333" cy="627864"/>
+              </a:xfrm>
+              <a:prstGeom prst="rect">
+                <a:avLst/>
+              </a:prstGeom>
+              <a:noFill/>
+            </p:spPr>
+            <p:txBody>
+              <a:bodyPr wrap="square" lIns="182880" tIns="146304" rIns="182880" bIns="146304" rtlCol="0">
+                <a:spAutoFit/>
+              </a:bodyPr>
+              <a:lstStyle/>
+              <a:p>
+                <a:pPr algn="ctr">
+                  <a:lnSpc>
+                    <a:spcPct val="90000"/>
+                  </a:lnSpc>
+                  <a:spcAft>
+                    <a:spcPts val="600"/>
+                  </a:spcAft>
+                </a:pPr>
+                <a:r>
+                  <a:rPr lang="en-US" sz="1200" b="1" dirty="0">
+                    <a:solidFill>
+                      <a:schemeClr val="bg1"/>
+                    </a:solidFill>
+                  </a:rPr>
+                  <a:t>Edit code</a:t>
+                </a:r>
+              </a:p>
+            </p:txBody>
+          </p:sp>
+          <p:sp>
+            <p:nvSpPr>
+              <p:cNvPr id="14" name="Rectangle 13">
+                <a:extLst>
+                  <a:ext uri="{FF2B5EF4-FFF2-40B4-BE49-F238E27FC236}">
+                    <a16:creationId xmlns:a16="http://schemas.microsoft.com/office/drawing/2014/main" id="{9A5C76BA-E1B4-48EC-9AC0-7397AA9E27D6}"/>
                   </a:ext>
                 </a:extLst>
               </p:cNvPr>
@@ -16564,17 +15555,14 @@
             </p:nvSpPr>
             <p:spPr bwMode="auto">
               <a:xfrm>
-                <a:off x="8640135" y="2506028"/>
-                <a:ext cx="1076276" cy="858017"/>
+                <a:off x="5092862" y="3121001"/>
+                <a:ext cx="959283" cy="767928"/>
               </a:xfrm>
               <a:prstGeom prst="rect">
                 <a:avLst/>
               </a:prstGeom>
               <a:solidFill>
-                <a:schemeClr val="bg2">
-                  <a:lumMod val="60000"/>
-                  <a:lumOff val="40000"/>
-                </a:schemeClr>
+                <a:schemeClr val="bg2"/>
               </a:solidFill>
               <a:ln>
                 <a:noFill/>
@@ -16598,7 +15586,7 @@
               </a:fontRef>
             </p:style>
             <p:txBody>
-              <a:bodyPr rot="0" spcFirstLastPara="0" vertOverflow="overflow" horzOverflow="overflow" vert="horz" wrap="square" lIns="182880" tIns="146304" rIns="182880" bIns="146304" numCol="1" spcCol="0" rtlCol="0" fromWordArt="0" anchor="t" anchorCtr="0" forceAA="0" compatLnSpc="1">
+              <a:bodyPr rot="0" spcFirstLastPara="0" vertOverflow="overflow" horzOverflow="overflow" vert="horz" wrap="square" lIns="182880" tIns="146304" rIns="182880" bIns="146304" numCol="1" spcCol="0" rtlCol="0" fromWordArt="0" anchor="ctr" anchorCtr="0" forceAA="0" compatLnSpc="1">
                 <a:prstTxWarp prst="textNoShape">
                   <a:avLst/>
                 </a:prstTxWarp>
@@ -16618,7 +15606,7 @@
                   </a:spcAft>
                 </a:pPr>
                 <a:r>
-                  <a:rPr lang="en-US" sz="900" b="1" dirty="0">
+                  <a:rPr lang="en-US" sz="1200" dirty="0">
                     <a:gradFill>
                       <a:gsLst>
                         <a:gs pos="0">
@@ -16633,204 +15621,17 @@
                     <a:ea typeface="Segoe UI" pitchFamily="34" charset="0"/>
                     <a:cs typeface="Segoe UI" pitchFamily="34" charset="0"/>
                   </a:rPr>
-                  <a:t>test</a:t>
+                  <a:t>Build (+tests)</a:t>
                 </a:r>
               </a:p>
             </p:txBody>
           </p:sp>
           <p:sp>
             <p:nvSpPr>
-              <p:cNvPr id="50" name="TextBox 49">
+              <p:cNvPr id="15" name="Rectangle 14">
                 <a:extLst>
                   <a:ext uri="{FF2B5EF4-FFF2-40B4-BE49-F238E27FC236}">
-                    <a16:creationId xmlns:a16="http://schemas.microsoft.com/office/drawing/2014/main" id="{979418CD-134F-463A-908E-A98F70EC88F6}"/>
-                  </a:ext>
-                </a:extLst>
-              </p:cNvPr>
-              <p:cNvSpPr txBox="1"/>
-              <p:nvPr/>
-            </p:nvSpPr>
-            <p:spPr>
-              <a:xfrm>
-                <a:off x="8577324" y="2959668"/>
-                <a:ext cx="739729" cy="544765"/>
-              </a:xfrm>
-              <a:prstGeom prst="rect">
-                <a:avLst/>
-              </a:prstGeom>
-              <a:noFill/>
-            </p:spPr>
-            <p:txBody>
-              <a:bodyPr wrap="square" lIns="182880" tIns="146304" rIns="182880" bIns="146304" rtlCol="0">
-                <a:spAutoFit/>
-              </a:bodyPr>
-              <a:lstStyle/>
-              <a:p>
-                <a:pPr algn="ctr">
-                  <a:lnSpc>
-                    <a:spcPct val="90000"/>
-                  </a:lnSpc>
-                  <a:spcAft>
-                    <a:spcPts val="600"/>
-                  </a:spcAft>
-                </a:pPr>
-                <a:r>
-                  <a:rPr lang="en-US" sz="900" b="1" dirty="0">
-                    <a:solidFill>
-                      <a:schemeClr val="bg1"/>
-                    </a:solidFill>
-                  </a:rPr>
-                  <a:t>App Service</a:t>
-                </a:r>
-              </a:p>
-            </p:txBody>
-          </p:sp>
-          <p:pic>
-            <p:nvPicPr>
-              <p:cNvPr id="51" name="Picture 50">
-                <a:extLst>
-                  <a:ext uri="{FF2B5EF4-FFF2-40B4-BE49-F238E27FC236}">
-                    <a16:creationId xmlns:a16="http://schemas.microsoft.com/office/drawing/2014/main" id="{6DAEE564-F3A9-4642-8F85-557348495503}"/>
-                  </a:ext>
-                </a:extLst>
-              </p:cNvPr>
-              <p:cNvPicPr>
-                <a:picLocks noChangeAspect="1"/>
-              </p:cNvPicPr>
-              <p:nvPr/>
-            </p:nvPicPr>
-            <p:blipFill>
-              <a:blip r:embed="rId7" cstate="print">
-                <a:extLst>
-                  <a:ext uri="{28A0092B-C50C-407E-A947-70E740481C1C}">
-                    <a14:useLocalDpi xmlns:a14="http://schemas.microsoft.com/office/drawing/2010/main" val="0"/>
-                  </a:ext>
-                </a:extLst>
-              </a:blip>
-              <a:stretch>
-                <a:fillRect/>
-              </a:stretch>
-            </p:blipFill>
-            <p:spPr>
-              <a:xfrm>
-                <a:off x="8850393" y="2892169"/>
-                <a:ext cx="193592" cy="193592"/>
-              </a:xfrm>
-              <a:prstGeom prst="rect">
-                <a:avLst/>
-              </a:prstGeom>
-            </p:spPr>
-          </p:pic>
-          <p:sp>
-            <p:nvSpPr>
-              <p:cNvPr id="52" name="TextBox 51">
-                <a:extLst>
-                  <a:ext uri="{FF2B5EF4-FFF2-40B4-BE49-F238E27FC236}">
-                    <a16:creationId xmlns:a16="http://schemas.microsoft.com/office/drawing/2014/main" id="{C37D9D57-F7B7-4EED-A901-102D99D33BF7}"/>
-                  </a:ext>
-                </a:extLst>
-              </p:cNvPr>
-              <p:cNvSpPr txBox="1"/>
-              <p:nvPr/>
-            </p:nvSpPr>
-            <p:spPr>
-              <a:xfrm>
-                <a:off x="9043985" y="2953869"/>
-                <a:ext cx="739729" cy="544765"/>
-              </a:xfrm>
-              <a:prstGeom prst="rect">
-                <a:avLst/>
-              </a:prstGeom>
-              <a:noFill/>
-            </p:spPr>
-            <p:txBody>
-              <a:bodyPr wrap="square" lIns="182880" tIns="146304" rIns="182880" bIns="146304" rtlCol="0">
-                <a:spAutoFit/>
-              </a:bodyPr>
-              <a:lstStyle/>
-              <a:p>
-                <a:pPr algn="ctr">
-                  <a:lnSpc>
-                    <a:spcPct val="90000"/>
-                  </a:lnSpc>
-                  <a:spcAft>
-                    <a:spcPts val="600"/>
-                  </a:spcAft>
-                </a:pPr>
-                <a:r>
-                  <a:rPr lang="en-US" sz="900" b="1" dirty="0">
-                    <a:solidFill>
-                      <a:schemeClr val="bg1"/>
-                    </a:solidFill>
-                  </a:rPr>
-                  <a:t>Azure SQL</a:t>
-                </a:r>
-              </a:p>
-            </p:txBody>
-          </p:sp>
-          <p:pic>
-            <p:nvPicPr>
-              <p:cNvPr id="53" name="Picture 52">
-                <a:extLst>
-                  <a:ext uri="{FF2B5EF4-FFF2-40B4-BE49-F238E27FC236}">
-                    <a16:creationId xmlns:a16="http://schemas.microsoft.com/office/drawing/2014/main" id="{E93CAF00-41CC-4F84-942F-801428782204}"/>
-                  </a:ext>
-                </a:extLst>
-              </p:cNvPr>
-              <p:cNvPicPr>
-                <a:picLocks noChangeAspect="1"/>
-              </p:cNvPicPr>
-              <p:nvPr/>
-            </p:nvPicPr>
-            <p:blipFill>
-              <a:blip r:embed="rId8" cstate="print">
-                <a:extLst>
-                  <a:ext uri="{28A0092B-C50C-407E-A947-70E740481C1C}">
-                    <a14:useLocalDpi xmlns:a14="http://schemas.microsoft.com/office/drawing/2010/main" val="0"/>
-                  </a:ext>
-                </a:extLst>
-              </a:blip>
-              <a:stretch>
-                <a:fillRect/>
-              </a:stretch>
-            </p:blipFill>
-            <p:spPr>
-              <a:xfrm>
-                <a:off x="9322911" y="2881361"/>
-                <a:ext cx="204400" cy="204400"/>
-              </a:xfrm>
-              <a:prstGeom prst="rect">
-                <a:avLst/>
-              </a:prstGeom>
-            </p:spPr>
-          </p:pic>
-        </p:grpSp>
-        <p:grpSp>
-          <p:nvGrpSpPr>
-            <p:cNvPr id="54" name="Group 53">
-              <a:extLst>
-                <a:ext uri="{FF2B5EF4-FFF2-40B4-BE49-F238E27FC236}">
-                  <a16:creationId xmlns:a16="http://schemas.microsoft.com/office/drawing/2014/main" id="{0F40A586-9316-41ED-84A3-F336109DAD9C}"/>
-                </a:ext>
-              </a:extLst>
-            </p:cNvPr>
-            <p:cNvGrpSpPr/>
-            <p:nvPr/>
-          </p:nvGrpSpPr>
-          <p:grpSpPr>
-            <a:xfrm>
-              <a:off x="8580705" y="3561298"/>
-              <a:ext cx="1206390" cy="998405"/>
-              <a:chOff x="8577324" y="2506028"/>
-              <a:chExt cx="1206390" cy="998405"/>
-            </a:xfrm>
-          </p:grpSpPr>
-          <p:sp>
-            <p:nvSpPr>
-              <p:cNvPr id="55" name="Rectangle 54">
-                <a:extLst>
-                  <a:ext uri="{FF2B5EF4-FFF2-40B4-BE49-F238E27FC236}">
-                    <a16:creationId xmlns:a16="http://schemas.microsoft.com/office/drawing/2014/main" id="{79282ECA-E157-4DEF-959C-0569137B2A82}"/>
+                    <a16:creationId xmlns:a16="http://schemas.microsoft.com/office/drawing/2014/main" id="{FE49BECC-4E76-4951-A9E0-45FE83FBF47F}"/>
                   </a:ext>
                 </a:extLst>
               </p:cNvPr>
@@ -16839,17 +15640,14 @@
             </p:nvSpPr>
             <p:spPr bwMode="auto">
               <a:xfrm>
-                <a:off x="8640135" y="2506028"/>
-                <a:ext cx="1076276" cy="858017"/>
+                <a:off x="6441822" y="3118401"/>
+                <a:ext cx="1288876" cy="767928"/>
               </a:xfrm>
               <a:prstGeom prst="rect">
                 <a:avLst/>
               </a:prstGeom>
               <a:solidFill>
-                <a:schemeClr val="bg2">
-                  <a:lumMod val="60000"/>
-                  <a:lumOff val="40000"/>
-                </a:schemeClr>
+                <a:schemeClr val="bg2"/>
               </a:solidFill>
               <a:ln>
                 <a:noFill/>
@@ -16873,7 +15671,7 @@
               </a:fontRef>
             </p:style>
             <p:txBody>
-              <a:bodyPr rot="0" spcFirstLastPara="0" vertOverflow="overflow" horzOverflow="overflow" vert="horz" wrap="square" lIns="182880" tIns="146304" rIns="182880" bIns="146304" numCol="1" spcCol="0" rtlCol="0" fromWordArt="0" anchor="t" anchorCtr="0" forceAA="0" compatLnSpc="1">
+              <a:bodyPr rot="0" spcFirstLastPara="0" vertOverflow="overflow" horzOverflow="overflow" vert="horz" wrap="square" lIns="182880" tIns="146304" rIns="182880" bIns="146304" numCol="1" spcCol="0" rtlCol="0" fromWordArt="0" anchor="ctr" anchorCtr="0" forceAA="0" compatLnSpc="1">
                 <a:prstTxWarp prst="textNoShape">
                   <a:avLst/>
                 </a:prstTxWarp>
@@ -16893,7 +15691,7 @@
                   </a:spcAft>
                 </a:pPr>
                 <a:r>
-                  <a:rPr lang="en-US" sz="900" b="1" dirty="0">
+                  <a:rPr lang="en-US" sz="1200" dirty="0">
                     <a:gradFill>
                       <a:gsLst>
                         <a:gs pos="0">
@@ -16908,17 +15706,17 @@
                     <a:ea typeface="Segoe UI" pitchFamily="34" charset="0"/>
                     <a:cs typeface="Segoe UI" pitchFamily="34" charset="0"/>
                   </a:rPr>
-                  <a:t>production</a:t>
+                  <a:t>Release Management</a:t>
                 </a:r>
               </a:p>
             </p:txBody>
           </p:sp>
           <p:sp>
             <p:nvSpPr>
-              <p:cNvPr id="56" name="TextBox 55">
+              <p:cNvPr id="16" name="TextBox 15">
                 <a:extLst>
                   <a:ext uri="{FF2B5EF4-FFF2-40B4-BE49-F238E27FC236}">
-                    <a16:creationId xmlns:a16="http://schemas.microsoft.com/office/drawing/2014/main" id="{5E67D748-6871-4959-A18F-05FAB1F9D8BB}"/>
+                    <a16:creationId xmlns:a16="http://schemas.microsoft.com/office/drawing/2014/main" id="{476C3060-630D-4444-82F6-B2AC00B824B8}"/>
                   </a:ext>
                 </a:extLst>
               </p:cNvPr>
@@ -16927,8 +15725,8 @@
             </p:nvSpPr>
             <p:spPr>
               <a:xfrm>
-                <a:off x="8577324" y="2959668"/>
-                <a:ext cx="739729" cy="544765"/>
+                <a:off x="5008146" y="3827099"/>
+                <a:ext cx="1128713" cy="627864"/>
               </a:xfrm>
               <a:prstGeom prst="rect">
                 <a:avLst/>
@@ -16950,58 +15748,22 @@
                   </a:spcAft>
                 </a:pPr>
                 <a:r>
-                  <a:rPr lang="en-US" sz="900" b="1" dirty="0">
+                  <a:rPr lang="en-US" sz="1200" b="1" dirty="0">
                     <a:solidFill>
                       <a:schemeClr val="bg1"/>
                     </a:solidFill>
                   </a:rPr>
-                  <a:t>App Service</a:t>
+                  <a:t>Continuous Integration</a:t>
                 </a:r>
               </a:p>
             </p:txBody>
           </p:sp>
-          <p:pic>
-            <p:nvPicPr>
-              <p:cNvPr id="57" name="Picture 56">
+          <p:sp>
+            <p:nvSpPr>
+              <p:cNvPr id="17" name="TextBox 16">
                 <a:extLst>
                   <a:ext uri="{FF2B5EF4-FFF2-40B4-BE49-F238E27FC236}">
-                    <a16:creationId xmlns:a16="http://schemas.microsoft.com/office/drawing/2014/main" id="{C38A4DA4-34AF-4BB3-B7EE-E22517106D23}"/>
-                  </a:ext>
-                </a:extLst>
-              </p:cNvPr>
-              <p:cNvPicPr>
-                <a:picLocks noChangeAspect="1"/>
-              </p:cNvPicPr>
-              <p:nvPr/>
-            </p:nvPicPr>
-            <p:blipFill>
-              <a:blip r:embed="rId7" cstate="print">
-                <a:extLst>
-                  <a:ext uri="{28A0092B-C50C-407E-A947-70E740481C1C}">
-                    <a14:useLocalDpi xmlns:a14="http://schemas.microsoft.com/office/drawing/2010/main" val="0"/>
-                  </a:ext>
-                </a:extLst>
-              </a:blip>
-              <a:stretch>
-                <a:fillRect/>
-              </a:stretch>
-            </p:blipFill>
-            <p:spPr>
-              <a:xfrm>
-                <a:off x="8850393" y="2892169"/>
-                <a:ext cx="193592" cy="193592"/>
-              </a:xfrm>
-              <a:prstGeom prst="rect">
-                <a:avLst/>
-              </a:prstGeom>
-            </p:spPr>
-          </p:pic>
-          <p:sp>
-            <p:nvSpPr>
-              <p:cNvPr id="58" name="TextBox 57">
-                <a:extLst>
-                  <a:ext uri="{FF2B5EF4-FFF2-40B4-BE49-F238E27FC236}">
-                    <a16:creationId xmlns:a16="http://schemas.microsoft.com/office/drawing/2014/main" id="{8D9399A2-681E-4B4D-9373-2F2675FADE8A}"/>
+                    <a16:creationId xmlns:a16="http://schemas.microsoft.com/office/drawing/2014/main" id="{F8F31F79-B846-4F92-8DAE-C22A5E8B59E0}"/>
                   </a:ext>
                 </a:extLst>
               </p:cNvPr>
@@ -17010,8 +15772,8 @@
             </p:nvSpPr>
             <p:spPr>
               <a:xfrm>
-                <a:off x="9043985" y="2953869"/>
-                <a:ext cx="739729" cy="544765"/>
+                <a:off x="6496972" y="3827099"/>
+                <a:ext cx="1185717" cy="627864"/>
               </a:xfrm>
               <a:prstGeom prst="rect">
                 <a:avLst/>
@@ -17033,79 +15795,1446 @@
                   </a:spcAft>
                 </a:pPr>
                 <a:r>
-                  <a:rPr lang="en-US" sz="900" b="1" dirty="0">
+                  <a:rPr lang="en-US" sz="1200" b="1" dirty="0">
                     <a:solidFill>
                       <a:schemeClr val="bg1"/>
                     </a:solidFill>
                   </a:rPr>
-                  <a:t>Azure SQL</a:t>
+                  <a:t>Continuous Deployment</a:t>
                 </a:r>
               </a:p>
             </p:txBody>
           </p:sp>
-          <p:pic>
-            <p:nvPicPr>
-              <p:cNvPr id="59" name="Picture 58">
+          <p:cxnSp>
+            <p:nvCxnSpPr>
+              <p:cNvPr id="19" name="Straight Arrow Connector 18">
                 <a:extLst>
                   <a:ext uri="{FF2B5EF4-FFF2-40B4-BE49-F238E27FC236}">
-                    <a16:creationId xmlns:a16="http://schemas.microsoft.com/office/drawing/2014/main" id="{95C3DE0E-A204-41D0-B8EA-6107F481651E}"/>
+                    <a16:creationId xmlns:a16="http://schemas.microsoft.com/office/drawing/2014/main" id="{05DD6E2E-FEAF-48AC-9159-1126C6F352B9}"/>
                   </a:ext>
                 </a:extLst>
               </p:cNvPr>
-              <p:cNvPicPr>
-                <a:picLocks noChangeAspect="1"/>
-              </p:cNvPicPr>
+              <p:cNvCxnSpPr>
+                <a:cxnSpLocks/>
+              </p:cNvCxnSpPr>
               <p:nvPr/>
-            </p:nvPicPr>
-            <p:blipFill>
-              <a:blip r:embed="rId8" cstate="print">
+            </p:nvCxnSpPr>
+            <p:spPr>
+              <a:xfrm>
+                <a:off x="6094260" y="3467581"/>
+                <a:ext cx="316506" cy="0"/>
+              </a:xfrm>
+              <a:prstGeom prst="straightConnector1">
+                <a:avLst/>
+              </a:prstGeom>
+              <a:ln>
+                <a:solidFill>
+                  <a:schemeClr val="bg1">
+                    <a:lumMod val="50000"/>
+                  </a:schemeClr>
+                </a:solidFill>
+                <a:headEnd type="none"/>
+                <a:tailEnd type="triangle"/>
+              </a:ln>
+            </p:spPr>
+            <p:style>
+              <a:lnRef idx="1">
+                <a:schemeClr val="accent1"/>
+              </a:lnRef>
+              <a:fillRef idx="0">
+                <a:schemeClr val="accent1"/>
+              </a:fillRef>
+              <a:effectRef idx="0">
+                <a:schemeClr val="accent1"/>
+              </a:effectRef>
+              <a:fontRef idx="minor">
+                <a:schemeClr val="tx1"/>
+              </a:fontRef>
+            </p:style>
+          </p:cxnSp>
+          <p:cxnSp>
+            <p:nvCxnSpPr>
+              <p:cNvPr id="20" name="Straight Arrow Connector 19">
                 <a:extLst>
-                  <a:ext uri="{28A0092B-C50C-407E-A947-70E740481C1C}">
-                    <a14:useLocalDpi xmlns:a14="http://schemas.microsoft.com/office/drawing/2010/main" val="0"/>
+                  <a:ext uri="{FF2B5EF4-FFF2-40B4-BE49-F238E27FC236}">
+                    <a16:creationId xmlns:a16="http://schemas.microsoft.com/office/drawing/2014/main" id="{1DA91AF7-C2BC-4A20-BA07-2DB20D9318A2}"/>
                   </a:ext>
                 </a:extLst>
-              </a:blip>
-              <a:stretch>
-                <a:fillRect/>
-              </a:stretch>
-            </p:blipFill>
+              </p:cNvPr>
+              <p:cNvCxnSpPr>
+                <a:cxnSpLocks/>
+              </p:cNvCxnSpPr>
+              <p:nvPr/>
+            </p:nvCxnSpPr>
+            <p:spPr>
+              <a:xfrm flipV="1">
+                <a:off x="7819102" y="3460726"/>
+                <a:ext cx="2197741" cy="1"/>
+              </a:xfrm>
+              <a:prstGeom prst="straightConnector1">
+                <a:avLst/>
+              </a:prstGeom>
+              <a:ln>
+                <a:solidFill>
+                  <a:schemeClr val="bg1">
+                    <a:lumMod val="50000"/>
+                  </a:schemeClr>
+                </a:solidFill>
+                <a:headEnd type="none"/>
+                <a:tailEnd type="triangle"/>
+              </a:ln>
+            </p:spPr>
+            <p:style>
+              <a:lnRef idx="1">
+                <a:schemeClr val="accent1"/>
+              </a:lnRef>
+              <a:fillRef idx="0">
+                <a:schemeClr val="accent1"/>
+              </a:fillRef>
+              <a:effectRef idx="0">
+                <a:schemeClr val="accent1"/>
+              </a:effectRef>
+              <a:fontRef idx="minor">
+                <a:schemeClr val="tx1"/>
+              </a:fontRef>
+            </p:style>
+          </p:cxnSp>
+          <p:grpSp>
+            <p:nvGrpSpPr>
+              <p:cNvPr id="34" name="Group 33">
+                <a:extLst>
+                  <a:ext uri="{FF2B5EF4-FFF2-40B4-BE49-F238E27FC236}">
+                    <a16:creationId xmlns:a16="http://schemas.microsoft.com/office/drawing/2014/main" id="{815B6739-AFB4-469B-B065-6A8CE0FBC121}"/>
+                  </a:ext>
+                </a:extLst>
+              </p:cNvPr>
+              <p:cNvGrpSpPr/>
+              <p:nvPr/>
+            </p:nvGrpSpPr>
+            <p:grpSpPr>
+              <a:xfrm>
+                <a:off x="8993508" y="1999561"/>
+                <a:ext cx="1591109" cy="517065"/>
+                <a:chOff x="9888112" y="2331311"/>
+                <a:chExt cx="1591109" cy="517065"/>
+              </a:xfrm>
+            </p:grpSpPr>
+            <p:sp>
+              <p:nvSpPr>
+                <p:cNvPr id="22" name="TextBox 21">
+                  <a:extLst>
+                    <a:ext uri="{FF2B5EF4-FFF2-40B4-BE49-F238E27FC236}">
+                      <a16:creationId xmlns:a16="http://schemas.microsoft.com/office/drawing/2014/main" id="{C07EB4B1-90AC-46E7-BF9C-24520B28C8D2}"/>
+                    </a:ext>
+                  </a:extLst>
+                </p:cNvPr>
+                <p:cNvSpPr txBox="1"/>
+                <p:nvPr/>
+              </p:nvSpPr>
+              <p:spPr>
+                <a:xfrm>
+                  <a:off x="9888112" y="2331311"/>
+                  <a:ext cx="1591109" cy="517065"/>
+                </a:xfrm>
+                <a:prstGeom prst="rect">
+                  <a:avLst/>
+                </a:prstGeom>
+                <a:noFill/>
+              </p:spPr>
+              <p:txBody>
+                <a:bodyPr wrap="square" lIns="182880" tIns="146304" rIns="182880" bIns="146304" rtlCol="0">
+                  <a:spAutoFit/>
+                </a:bodyPr>
+                <a:lstStyle/>
+                <a:p>
+                  <a:pPr algn="ctr">
+                    <a:lnSpc>
+                      <a:spcPct val="90000"/>
+                    </a:lnSpc>
+                    <a:spcAft>
+                      <a:spcPts val="600"/>
+                    </a:spcAft>
+                  </a:pPr>
+                  <a:r>
+                    <a:rPr lang="en-US" sz="1600" b="1" dirty="0">
+                      <a:solidFill>
+                        <a:schemeClr val="bg1"/>
+                      </a:solidFill>
+                    </a:rPr>
+                    <a:t>Azure</a:t>
+                  </a:r>
+                </a:p>
+              </p:txBody>
+            </p:sp>
+            <p:pic>
+              <p:nvPicPr>
+                <p:cNvPr id="21" name="Picture 20">
+                  <a:extLst>
+                    <a:ext uri="{FF2B5EF4-FFF2-40B4-BE49-F238E27FC236}">
+                      <a16:creationId xmlns:a16="http://schemas.microsoft.com/office/drawing/2014/main" id="{63862F9B-C237-4E51-8F84-B7CEB3B08B80}"/>
+                    </a:ext>
+                  </a:extLst>
+                </p:cNvPr>
+                <p:cNvPicPr>
+                  <a:picLocks noChangeAspect="1"/>
+                </p:cNvPicPr>
+                <p:nvPr/>
+              </p:nvPicPr>
+              <p:blipFill>
+                <a:blip r:embed="rId5" cstate="print">
+                  <a:extLst>
+                    <a:ext uri="{28A0092B-C50C-407E-A947-70E740481C1C}">
+                      <a14:useLocalDpi xmlns:a14="http://schemas.microsoft.com/office/drawing/2010/main" val="0"/>
+                    </a:ext>
+                  </a:extLst>
+                </a:blip>
+                <a:stretch>
+                  <a:fillRect/>
+                </a:stretch>
+              </p:blipFill>
+              <p:spPr>
+                <a:xfrm>
+                  <a:off x="10994412" y="2381342"/>
+                  <a:ext cx="382470" cy="382470"/>
+                </a:xfrm>
+                <a:prstGeom prst="rect">
+                  <a:avLst/>
+                </a:prstGeom>
+              </p:spPr>
+            </p:pic>
+          </p:grpSp>
+          <p:grpSp>
+            <p:nvGrpSpPr>
+              <p:cNvPr id="47" name="Group 46">
+                <a:extLst>
+                  <a:ext uri="{FF2B5EF4-FFF2-40B4-BE49-F238E27FC236}">
+                    <a16:creationId xmlns:a16="http://schemas.microsoft.com/office/drawing/2014/main" id="{00895157-05E9-4E8B-90D7-1EA910665D90}"/>
+                  </a:ext>
+                </a:extLst>
+              </p:cNvPr>
+              <p:cNvGrpSpPr/>
+              <p:nvPr/>
+            </p:nvGrpSpPr>
+            <p:grpSpPr>
+              <a:xfrm>
+                <a:off x="8577324" y="2486976"/>
+                <a:ext cx="1206390" cy="998405"/>
+                <a:chOff x="8577324" y="2506028"/>
+                <a:chExt cx="1206390" cy="998405"/>
+              </a:xfrm>
+            </p:grpSpPr>
+            <p:sp>
+              <p:nvSpPr>
+                <p:cNvPr id="35" name="Rectangle 34">
+                  <a:extLst>
+                    <a:ext uri="{FF2B5EF4-FFF2-40B4-BE49-F238E27FC236}">
+                      <a16:creationId xmlns:a16="http://schemas.microsoft.com/office/drawing/2014/main" id="{FBA9D8B8-5971-44A5-81C2-DE4192A49A19}"/>
+                    </a:ext>
+                  </a:extLst>
+                </p:cNvPr>
+                <p:cNvSpPr/>
+                <p:nvPr/>
+              </p:nvSpPr>
+              <p:spPr bwMode="auto">
+                <a:xfrm>
+                  <a:off x="8640135" y="2506028"/>
+                  <a:ext cx="1076276" cy="858017"/>
+                </a:xfrm>
+                <a:prstGeom prst="rect">
+                  <a:avLst/>
+                </a:prstGeom>
+                <a:solidFill>
+                  <a:schemeClr val="bg2">
+                    <a:lumMod val="60000"/>
+                    <a:lumOff val="40000"/>
+                  </a:schemeClr>
+                </a:solidFill>
+                <a:ln>
+                  <a:noFill/>
+                  <a:headEnd type="none" w="med" len="med"/>
+                  <a:tailEnd type="none" w="med" len="med"/>
+                </a:ln>
+                <a:effectLst/>
+              </p:spPr>
+              <p:style>
+                <a:lnRef idx="1">
+                  <a:schemeClr val="accent2"/>
+                </a:lnRef>
+                <a:fillRef idx="3">
+                  <a:schemeClr val="accent2"/>
+                </a:fillRef>
+                <a:effectRef idx="2">
+                  <a:schemeClr val="accent2"/>
+                </a:effectRef>
+                <a:fontRef idx="minor">
+                  <a:schemeClr val="lt1"/>
+                </a:fontRef>
+              </p:style>
+              <p:txBody>
+                <a:bodyPr rot="0" spcFirstLastPara="0" vertOverflow="overflow" horzOverflow="overflow" vert="horz" wrap="square" lIns="182880" tIns="146304" rIns="182880" bIns="146304" numCol="1" spcCol="0" rtlCol="0" fromWordArt="0" anchor="t" anchorCtr="0" forceAA="0" compatLnSpc="1">
+                  <a:prstTxWarp prst="textNoShape">
+                    <a:avLst/>
+                  </a:prstTxWarp>
+                  <a:noAutofit/>
+                </a:bodyPr>
+                <a:lstStyle/>
+                <a:p>
+                  <a:pPr algn="ctr" defTabSz="932472" fontAlgn="base">
+                    <a:lnSpc>
+                      <a:spcPct val="90000"/>
+                    </a:lnSpc>
+                    <a:spcBef>
+                      <a:spcPct val="0"/>
+                    </a:spcBef>
+                    <a:spcAft>
+                      <a:spcPct val="0"/>
+                    </a:spcAft>
+                  </a:pPr>
+                  <a:r>
+                    <a:rPr lang="en-US" sz="900" b="1" dirty="0">
+                      <a:gradFill>
+                        <a:gsLst>
+                          <a:gs pos="0">
+                            <a:srgbClr val="FFFFFF"/>
+                          </a:gs>
+                          <a:gs pos="100000">
+                            <a:srgbClr val="FFFFFF"/>
+                          </a:gs>
+                        </a:gsLst>
+                        <a:lin ang="5400000" scaled="0"/>
+                      </a:gradFill>
+                      <a:ea typeface="Segoe UI" pitchFamily="34" charset="0"/>
+                      <a:cs typeface="Segoe UI" pitchFamily="34" charset="0"/>
+                    </a:rPr>
+                    <a:t>development</a:t>
+                  </a:r>
+                </a:p>
+              </p:txBody>
+            </p:sp>
+            <p:sp>
+              <p:nvSpPr>
+                <p:cNvPr id="43" name="TextBox 42">
+                  <a:extLst>
+                    <a:ext uri="{FF2B5EF4-FFF2-40B4-BE49-F238E27FC236}">
+                      <a16:creationId xmlns:a16="http://schemas.microsoft.com/office/drawing/2014/main" id="{C6A64E70-6ADC-4293-A24E-238A877A01F1}"/>
+                    </a:ext>
+                  </a:extLst>
+                </p:cNvPr>
+                <p:cNvSpPr txBox="1"/>
+                <p:nvPr/>
+              </p:nvSpPr>
+              <p:spPr>
+                <a:xfrm>
+                  <a:off x="8577324" y="2959668"/>
+                  <a:ext cx="739729" cy="544765"/>
+                </a:xfrm>
+                <a:prstGeom prst="rect">
+                  <a:avLst/>
+                </a:prstGeom>
+                <a:noFill/>
+              </p:spPr>
+              <p:txBody>
+                <a:bodyPr wrap="square" lIns="182880" tIns="146304" rIns="182880" bIns="146304" rtlCol="0">
+                  <a:spAutoFit/>
+                </a:bodyPr>
+                <a:lstStyle/>
+                <a:p>
+                  <a:pPr algn="ctr">
+                    <a:lnSpc>
+                      <a:spcPct val="90000"/>
+                    </a:lnSpc>
+                    <a:spcAft>
+                      <a:spcPts val="600"/>
+                    </a:spcAft>
+                  </a:pPr>
+                  <a:r>
+                    <a:rPr lang="en-US" sz="900" b="1" dirty="0">
+                      <a:solidFill>
+                        <a:schemeClr val="bg1"/>
+                      </a:solidFill>
+                    </a:rPr>
+                    <a:t>App Service</a:t>
+                  </a:r>
+                </a:p>
+              </p:txBody>
+            </p:sp>
+            <p:pic>
+              <p:nvPicPr>
+                <p:cNvPr id="42" name="Picture 41">
+                  <a:extLst>
+                    <a:ext uri="{FF2B5EF4-FFF2-40B4-BE49-F238E27FC236}">
+                      <a16:creationId xmlns:a16="http://schemas.microsoft.com/office/drawing/2014/main" id="{600FB7AC-575F-484D-9CEB-2613731043DA}"/>
+                    </a:ext>
+                  </a:extLst>
+                </p:cNvPr>
+                <p:cNvPicPr>
+                  <a:picLocks noChangeAspect="1"/>
+                </p:cNvPicPr>
+                <p:nvPr/>
+              </p:nvPicPr>
+              <p:blipFill>
+                <a:blip r:embed="rId6" cstate="print">
+                  <a:extLst>
+                    <a:ext uri="{28A0092B-C50C-407E-A947-70E740481C1C}">
+                      <a14:useLocalDpi xmlns:a14="http://schemas.microsoft.com/office/drawing/2010/main" val="0"/>
+                    </a:ext>
+                  </a:extLst>
+                </a:blip>
+                <a:stretch>
+                  <a:fillRect/>
+                </a:stretch>
+              </p:blipFill>
+              <p:spPr>
+                <a:xfrm>
+                  <a:off x="8850393" y="2892169"/>
+                  <a:ext cx="193592" cy="193592"/>
+                </a:xfrm>
+                <a:prstGeom prst="rect">
+                  <a:avLst/>
+                </a:prstGeom>
+              </p:spPr>
+            </p:pic>
+            <p:sp>
+              <p:nvSpPr>
+                <p:cNvPr id="46" name="TextBox 45">
+                  <a:extLst>
+                    <a:ext uri="{FF2B5EF4-FFF2-40B4-BE49-F238E27FC236}">
+                      <a16:creationId xmlns:a16="http://schemas.microsoft.com/office/drawing/2014/main" id="{B642C9D8-B998-488D-AD57-219D2041E304}"/>
+                    </a:ext>
+                  </a:extLst>
+                </p:cNvPr>
+                <p:cNvSpPr txBox="1"/>
+                <p:nvPr/>
+              </p:nvSpPr>
+              <p:spPr>
+                <a:xfrm>
+                  <a:off x="9043985" y="2953869"/>
+                  <a:ext cx="739729" cy="544765"/>
+                </a:xfrm>
+                <a:prstGeom prst="rect">
+                  <a:avLst/>
+                </a:prstGeom>
+                <a:noFill/>
+              </p:spPr>
+              <p:txBody>
+                <a:bodyPr wrap="square" lIns="182880" tIns="146304" rIns="182880" bIns="146304" rtlCol="0">
+                  <a:spAutoFit/>
+                </a:bodyPr>
+                <a:lstStyle/>
+                <a:p>
+                  <a:pPr algn="ctr">
+                    <a:lnSpc>
+                      <a:spcPct val="90000"/>
+                    </a:lnSpc>
+                    <a:spcAft>
+                      <a:spcPts val="600"/>
+                    </a:spcAft>
+                  </a:pPr>
+                  <a:r>
+                    <a:rPr lang="en-US" sz="900" b="1" dirty="0">
+                      <a:solidFill>
+                        <a:schemeClr val="bg1"/>
+                      </a:solidFill>
+                    </a:rPr>
+                    <a:t>Azure SQL</a:t>
+                  </a:r>
+                </a:p>
+              </p:txBody>
+            </p:sp>
+            <p:pic>
+              <p:nvPicPr>
+                <p:cNvPr id="45" name="Picture 44">
+                  <a:extLst>
+                    <a:ext uri="{FF2B5EF4-FFF2-40B4-BE49-F238E27FC236}">
+                      <a16:creationId xmlns:a16="http://schemas.microsoft.com/office/drawing/2014/main" id="{5B230F2E-7C64-4CD1-9774-21FBBFA92B41}"/>
+                    </a:ext>
+                  </a:extLst>
+                </p:cNvPr>
+                <p:cNvPicPr>
+                  <a:picLocks noChangeAspect="1"/>
+                </p:cNvPicPr>
+                <p:nvPr/>
+              </p:nvPicPr>
+              <p:blipFill>
+                <a:blip r:embed="rId7" cstate="print">
+                  <a:extLst>
+                    <a:ext uri="{28A0092B-C50C-407E-A947-70E740481C1C}">
+                      <a14:useLocalDpi xmlns:a14="http://schemas.microsoft.com/office/drawing/2010/main" val="0"/>
+                    </a:ext>
+                  </a:extLst>
+                </a:blip>
+                <a:stretch>
+                  <a:fillRect/>
+                </a:stretch>
+              </p:blipFill>
+              <p:spPr>
+                <a:xfrm>
+                  <a:off x="9322911" y="2881361"/>
+                  <a:ext cx="204400" cy="204400"/>
+                </a:xfrm>
+                <a:prstGeom prst="rect">
+                  <a:avLst/>
+                </a:prstGeom>
+              </p:spPr>
+            </p:pic>
+          </p:grpSp>
+          <p:grpSp>
+            <p:nvGrpSpPr>
+              <p:cNvPr id="48" name="Group 47">
+                <a:extLst>
+                  <a:ext uri="{FF2B5EF4-FFF2-40B4-BE49-F238E27FC236}">
+                    <a16:creationId xmlns:a16="http://schemas.microsoft.com/office/drawing/2014/main" id="{03BAEAB4-E307-4B8E-BE70-CFC98CBD6A51}"/>
+                  </a:ext>
+                </a:extLst>
+              </p:cNvPr>
+              <p:cNvGrpSpPr/>
+              <p:nvPr/>
+            </p:nvGrpSpPr>
+            <p:grpSpPr>
+              <a:xfrm>
+                <a:off x="10016843" y="3013941"/>
+                <a:ext cx="1206390" cy="998405"/>
+                <a:chOff x="8577324" y="2506028"/>
+                <a:chExt cx="1206390" cy="998405"/>
+              </a:xfrm>
+            </p:grpSpPr>
+            <p:sp>
+              <p:nvSpPr>
+                <p:cNvPr id="49" name="Rectangle 48">
+                  <a:extLst>
+                    <a:ext uri="{FF2B5EF4-FFF2-40B4-BE49-F238E27FC236}">
+                      <a16:creationId xmlns:a16="http://schemas.microsoft.com/office/drawing/2014/main" id="{52175594-3261-47D1-958F-4083807501AD}"/>
+                    </a:ext>
+                  </a:extLst>
+                </p:cNvPr>
+                <p:cNvSpPr/>
+                <p:nvPr/>
+              </p:nvSpPr>
+              <p:spPr bwMode="auto">
+                <a:xfrm>
+                  <a:off x="8640135" y="2506028"/>
+                  <a:ext cx="1076276" cy="858017"/>
+                </a:xfrm>
+                <a:prstGeom prst="rect">
+                  <a:avLst/>
+                </a:prstGeom>
+                <a:solidFill>
+                  <a:schemeClr val="bg2">
+                    <a:lumMod val="60000"/>
+                    <a:lumOff val="40000"/>
+                  </a:schemeClr>
+                </a:solidFill>
+                <a:ln>
+                  <a:noFill/>
+                  <a:headEnd type="none" w="med" len="med"/>
+                  <a:tailEnd type="none" w="med" len="med"/>
+                </a:ln>
+                <a:effectLst/>
+              </p:spPr>
+              <p:style>
+                <a:lnRef idx="1">
+                  <a:schemeClr val="accent2"/>
+                </a:lnRef>
+                <a:fillRef idx="3">
+                  <a:schemeClr val="accent2"/>
+                </a:fillRef>
+                <a:effectRef idx="2">
+                  <a:schemeClr val="accent2"/>
+                </a:effectRef>
+                <a:fontRef idx="minor">
+                  <a:schemeClr val="lt1"/>
+                </a:fontRef>
+              </p:style>
+              <p:txBody>
+                <a:bodyPr rot="0" spcFirstLastPara="0" vertOverflow="overflow" horzOverflow="overflow" vert="horz" wrap="square" lIns="182880" tIns="146304" rIns="182880" bIns="146304" numCol="1" spcCol="0" rtlCol="0" fromWordArt="0" anchor="t" anchorCtr="0" forceAA="0" compatLnSpc="1">
+                  <a:prstTxWarp prst="textNoShape">
+                    <a:avLst/>
+                  </a:prstTxWarp>
+                  <a:noAutofit/>
+                </a:bodyPr>
+                <a:lstStyle/>
+                <a:p>
+                  <a:pPr algn="ctr" defTabSz="932472" fontAlgn="base">
+                    <a:lnSpc>
+                      <a:spcPct val="90000"/>
+                    </a:lnSpc>
+                    <a:spcBef>
+                      <a:spcPct val="0"/>
+                    </a:spcBef>
+                    <a:spcAft>
+                      <a:spcPct val="0"/>
+                    </a:spcAft>
+                  </a:pPr>
+                  <a:r>
+                    <a:rPr lang="en-US" sz="900" b="1" dirty="0">
+                      <a:gradFill>
+                        <a:gsLst>
+                          <a:gs pos="0">
+                            <a:srgbClr val="FFFFFF"/>
+                          </a:gs>
+                          <a:gs pos="100000">
+                            <a:srgbClr val="FFFFFF"/>
+                          </a:gs>
+                        </a:gsLst>
+                        <a:lin ang="5400000" scaled="0"/>
+                      </a:gradFill>
+                      <a:ea typeface="Segoe UI" pitchFamily="34" charset="0"/>
+                      <a:cs typeface="Segoe UI" pitchFamily="34" charset="0"/>
+                    </a:rPr>
+                    <a:t>test</a:t>
+                  </a:r>
+                </a:p>
+              </p:txBody>
+            </p:sp>
+            <p:sp>
+              <p:nvSpPr>
+                <p:cNvPr id="50" name="TextBox 49">
+                  <a:extLst>
+                    <a:ext uri="{FF2B5EF4-FFF2-40B4-BE49-F238E27FC236}">
+                      <a16:creationId xmlns:a16="http://schemas.microsoft.com/office/drawing/2014/main" id="{979418CD-134F-463A-908E-A98F70EC88F6}"/>
+                    </a:ext>
+                  </a:extLst>
+                </p:cNvPr>
+                <p:cNvSpPr txBox="1"/>
+                <p:nvPr/>
+              </p:nvSpPr>
+              <p:spPr>
+                <a:xfrm>
+                  <a:off x="8577324" y="2959668"/>
+                  <a:ext cx="739729" cy="544765"/>
+                </a:xfrm>
+                <a:prstGeom prst="rect">
+                  <a:avLst/>
+                </a:prstGeom>
+                <a:noFill/>
+              </p:spPr>
+              <p:txBody>
+                <a:bodyPr wrap="square" lIns="182880" tIns="146304" rIns="182880" bIns="146304" rtlCol="0">
+                  <a:spAutoFit/>
+                </a:bodyPr>
+                <a:lstStyle/>
+                <a:p>
+                  <a:pPr algn="ctr">
+                    <a:lnSpc>
+                      <a:spcPct val="90000"/>
+                    </a:lnSpc>
+                    <a:spcAft>
+                      <a:spcPts val="600"/>
+                    </a:spcAft>
+                  </a:pPr>
+                  <a:r>
+                    <a:rPr lang="en-US" sz="900" b="1" dirty="0">
+                      <a:solidFill>
+                        <a:schemeClr val="bg1"/>
+                      </a:solidFill>
+                    </a:rPr>
+                    <a:t>App Service</a:t>
+                  </a:r>
+                </a:p>
+              </p:txBody>
+            </p:sp>
+            <p:pic>
+              <p:nvPicPr>
+                <p:cNvPr id="51" name="Picture 50">
+                  <a:extLst>
+                    <a:ext uri="{FF2B5EF4-FFF2-40B4-BE49-F238E27FC236}">
+                      <a16:creationId xmlns:a16="http://schemas.microsoft.com/office/drawing/2014/main" id="{6DAEE564-F3A9-4642-8F85-557348495503}"/>
+                    </a:ext>
+                  </a:extLst>
+                </p:cNvPr>
+                <p:cNvPicPr>
+                  <a:picLocks noChangeAspect="1"/>
+                </p:cNvPicPr>
+                <p:nvPr/>
+              </p:nvPicPr>
+              <p:blipFill>
+                <a:blip r:embed="rId6" cstate="print">
+                  <a:extLst>
+                    <a:ext uri="{28A0092B-C50C-407E-A947-70E740481C1C}">
+                      <a14:useLocalDpi xmlns:a14="http://schemas.microsoft.com/office/drawing/2010/main" val="0"/>
+                    </a:ext>
+                  </a:extLst>
+                </a:blip>
+                <a:stretch>
+                  <a:fillRect/>
+                </a:stretch>
+              </p:blipFill>
+              <p:spPr>
+                <a:xfrm>
+                  <a:off x="8850393" y="2892169"/>
+                  <a:ext cx="193592" cy="193592"/>
+                </a:xfrm>
+                <a:prstGeom prst="rect">
+                  <a:avLst/>
+                </a:prstGeom>
+              </p:spPr>
+            </p:pic>
+            <p:sp>
+              <p:nvSpPr>
+                <p:cNvPr id="52" name="TextBox 51">
+                  <a:extLst>
+                    <a:ext uri="{FF2B5EF4-FFF2-40B4-BE49-F238E27FC236}">
+                      <a16:creationId xmlns:a16="http://schemas.microsoft.com/office/drawing/2014/main" id="{C37D9D57-F7B7-4EED-A901-102D99D33BF7}"/>
+                    </a:ext>
+                  </a:extLst>
+                </p:cNvPr>
+                <p:cNvSpPr txBox="1"/>
+                <p:nvPr/>
+              </p:nvSpPr>
+              <p:spPr>
+                <a:xfrm>
+                  <a:off x="9043985" y="2953869"/>
+                  <a:ext cx="739729" cy="544765"/>
+                </a:xfrm>
+                <a:prstGeom prst="rect">
+                  <a:avLst/>
+                </a:prstGeom>
+                <a:noFill/>
+              </p:spPr>
+              <p:txBody>
+                <a:bodyPr wrap="square" lIns="182880" tIns="146304" rIns="182880" bIns="146304" rtlCol="0">
+                  <a:spAutoFit/>
+                </a:bodyPr>
+                <a:lstStyle/>
+                <a:p>
+                  <a:pPr algn="ctr">
+                    <a:lnSpc>
+                      <a:spcPct val="90000"/>
+                    </a:lnSpc>
+                    <a:spcAft>
+                      <a:spcPts val="600"/>
+                    </a:spcAft>
+                  </a:pPr>
+                  <a:r>
+                    <a:rPr lang="en-US" sz="900" b="1" dirty="0">
+                      <a:solidFill>
+                        <a:schemeClr val="bg1"/>
+                      </a:solidFill>
+                    </a:rPr>
+                    <a:t>Azure SQL</a:t>
+                  </a:r>
+                </a:p>
+              </p:txBody>
+            </p:sp>
+            <p:pic>
+              <p:nvPicPr>
+                <p:cNvPr id="53" name="Picture 52">
+                  <a:extLst>
+                    <a:ext uri="{FF2B5EF4-FFF2-40B4-BE49-F238E27FC236}">
+                      <a16:creationId xmlns:a16="http://schemas.microsoft.com/office/drawing/2014/main" id="{E93CAF00-41CC-4F84-942F-801428782204}"/>
+                    </a:ext>
+                  </a:extLst>
+                </p:cNvPr>
+                <p:cNvPicPr>
+                  <a:picLocks noChangeAspect="1"/>
+                </p:cNvPicPr>
+                <p:nvPr/>
+              </p:nvPicPr>
+              <p:blipFill>
+                <a:blip r:embed="rId7" cstate="print">
+                  <a:extLst>
+                    <a:ext uri="{28A0092B-C50C-407E-A947-70E740481C1C}">
+                      <a14:useLocalDpi xmlns:a14="http://schemas.microsoft.com/office/drawing/2010/main" val="0"/>
+                    </a:ext>
+                  </a:extLst>
+                </a:blip>
+                <a:stretch>
+                  <a:fillRect/>
+                </a:stretch>
+              </p:blipFill>
+              <p:spPr>
+                <a:xfrm>
+                  <a:off x="9322911" y="2881361"/>
+                  <a:ext cx="204400" cy="204400"/>
+                </a:xfrm>
+                <a:prstGeom prst="rect">
+                  <a:avLst/>
+                </a:prstGeom>
+              </p:spPr>
+            </p:pic>
+          </p:grpSp>
+          <p:grpSp>
+            <p:nvGrpSpPr>
+              <p:cNvPr id="54" name="Group 53">
+                <a:extLst>
+                  <a:ext uri="{FF2B5EF4-FFF2-40B4-BE49-F238E27FC236}">
+                    <a16:creationId xmlns:a16="http://schemas.microsoft.com/office/drawing/2014/main" id="{0F40A586-9316-41ED-84A3-F336109DAD9C}"/>
+                  </a:ext>
+                </a:extLst>
+              </p:cNvPr>
+              <p:cNvGrpSpPr/>
+              <p:nvPr/>
+            </p:nvGrpSpPr>
+            <p:grpSpPr>
+              <a:xfrm>
+                <a:off x="8580705" y="3561298"/>
+                <a:ext cx="1206390" cy="998405"/>
+                <a:chOff x="8577324" y="2506028"/>
+                <a:chExt cx="1206390" cy="998405"/>
+              </a:xfrm>
+            </p:grpSpPr>
+            <p:sp>
+              <p:nvSpPr>
+                <p:cNvPr id="55" name="Rectangle 54">
+                  <a:extLst>
+                    <a:ext uri="{FF2B5EF4-FFF2-40B4-BE49-F238E27FC236}">
+                      <a16:creationId xmlns:a16="http://schemas.microsoft.com/office/drawing/2014/main" id="{79282ECA-E157-4DEF-959C-0569137B2A82}"/>
+                    </a:ext>
+                  </a:extLst>
+                </p:cNvPr>
+                <p:cNvSpPr/>
+                <p:nvPr/>
+              </p:nvSpPr>
+              <p:spPr bwMode="auto">
+                <a:xfrm>
+                  <a:off x="8640135" y="2506028"/>
+                  <a:ext cx="1076276" cy="858017"/>
+                </a:xfrm>
+                <a:prstGeom prst="rect">
+                  <a:avLst/>
+                </a:prstGeom>
+                <a:solidFill>
+                  <a:schemeClr val="bg2">
+                    <a:lumMod val="60000"/>
+                    <a:lumOff val="40000"/>
+                  </a:schemeClr>
+                </a:solidFill>
+                <a:ln>
+                  <a:noFill/>
+                  <a:headEnd type="none" w="med" len="med"/>
+                  <a:tailEnd type="none" w="med" len="med"/>
+                </a:ln>
+                <a:effectLst/>
+              </p:spPr>
+              <p:style>
+                <a:lnRef idx="1">
+                  <a:schemeClr val="accent2"/>
+                </a:lnRef>
+                <a:fillRef idx="3">
+                  <a:schemeClr val="accent2"/>
+                </a:fillRef>
+                <a:effectRef idx="2">
+                  <a:schemeClr val="accent2"/>
+                </a:effectRef>
+                <a:fontRef idx="minor">
+                  <a:schemeClr val="lt1"/>
+                </a:fontRef>
+              </p:style>
+              <p:txBody>
+                <a:bodyPr rot="0" spcFirstLastPara="0" vertOverflow="overflow" horzOverflow="overflow" vert="horz" wrap="square" lIns="182880" tIns="146304" rIns="182880" bIns="146304" numCol="1" spcCol="0" rtlCol="0" fromWordArt="0" anchor="t" anchorCtr="0" forceAA="0" compatLnSpc="1">
+                  <a:prstTxWarp prst="textNoShape">
+                    <a:avLst/>
+                  </a:prstTxWarp>
+                  <a:noAutofit/>
+                </a:bodyPr>
+                <a:lstStyle/>
+                <a:p>
+                  <a:pPr algn="ctr" defTabSz="932472" fontAlgn="base">
+                    <a:lnSpc>
+                      <a:spcPct val="90000"/>
+                    </a:lnSpc>
+                    <a:spcBef>
+                      <a:spcPct val="0"/>
+                    </a:spcBef>
+                    <a:spcAft>
+                      <a:spcPct val="0"/>
+                    </a:spcAft>
+                  </a:pPr>
+                  <a:r>
+                    <a:rPr lang="en-US" sz="900" b="1" dirty="0">
+                      <a:gradFill>
+                        <a:gsLst>
+                          <a:gs pos="0">
+                            <a:srgbClr val="FFFFFF"/>
+                          </a:gs>
+                          <a:gs pos="100000">
+                            <a:srgbClr val="FFFFFF"/>
+                          </a:gs>
+                        </a:gsLst>
+                        <a:lin ang="5400000" scaled="0"/>
+                      </a:gradFill>
+                      <a:ea typeface="Segoe UI" pitchFamily="34" charset="0"/>
+                      <a:cs typeface="Segoe UI" pitchFamily="34" charset="0"/>
+                    </a:rPr>
+                    <a:t>production</a:t>
+                  </a:r>
+                </a:p>
+              </p:txBody>
+            </p:sp>
+            <p:sp>
+              <p:nvSpPr>
+                <p:cNvPr id="56" name="TextBox 55">
+                  <a:extLst>
+                    <a:ext uri="{FF2B5EF4-FFF2-40B4-BE49-F238E27FC236}">
+                      <a16:creationId xmlns:a16="http://schemas.microsoft.com/office/drawing/2014/main" id="{5E67D748-6871-4959-A18F-05FAB1F9D8BB}"/>
+                    </a:ext>
+                  </a:extLst>
+                </p:cNvPr>
+                <p:cNvSpPr txBox="1"/>
+                <p:nvPr/>
+              </p:nvSpPr>
+              <p:spPr>
+                <a:xfrm>
+                  <a:off x="8577324" y="2959668"/>
+                  <a:ext cx="739729" cy="544765"/>
+                </a:xfrm>
+                <a:prstGeom prst="rect">
+                  <a:avLst/>
+                </a:prstGeom>
+                <a:noFill/>
+              </p:spPr>
+              <p:txBody>
+                <a:bodyPr wrap="square" lIns="182880" tIns="146304" rIns="182880" bIns="146304" rtlCol="0">
+                  <a:spAutoFit/>
+                </a:bodyPr>
+                <a:lstStyle/>
+                <a:p>
+                  <a:pPr algn="ctr">
+                    <a:lnSpc>
+                      <a:spcPct val="90000"/>
+                    </a:lnSpc>
+                    <a:spcAft>
+                      <a:spcPts val="600"/>
+                    </a:spcAft>
+                  </a:pPr>
+                  <a:r>
+                    <a:rPr lang="en-US" sz="900" b="1" dirty="0">
+                      <a:solidFill>
+                        <a:schemeClr val="bg1"/>
+                      </a:solidFill>
+                    </a:rPr>
+                    <a:t>App Service</a:t>
+                  </a:r>
+                </a:p>
+              </p:txBody>
+            </p:sp>
+            <p:pic>
+              <p:nvPicPr>
+                <p:cNvPr id="57" name="Picture 56">
+                  <a:extLst>
+                    <a:ext uri="{FF2B5EF4-FFF2-40B4-BE49-F238E27FC236}">
+                      <a16:creationId xmlns:a16="http://schemas.microsoft.com/office/drawing/2014/main" id="{C38A4DA4-34AF-4BB3-B7EE-E22517106D23}"/>
+                    </a:ext>
+                  </a:extLst>
+                </p:cNvPr>
+                <p:cNvPicPr>
+                  <a:picLocks noChangeAspect="1"/>
+                </p:cNvPicPr>
+                <p:nvPr/>
+              </p:nvPicPr>
+              <p:blipFill>
+                <a:blip r:embed="rId6" cstate="print">
+                  <a:extLst>
+                    <a:ext uri="{28A0092B-C50C-407E-A947-70E740481C1C}">
+                      <a14:useLocalDpi xmlns:a14="http://schemas.microsoft.com/office/drawing/2010/main" val="0"/>
+                    </a:ext>
+                  </a:extLst>
+                </a:blip>
+                <a:stretch>
+                  <a:fillRect/>
+                </a:stretch>
+              </p:blipFill>
+              <p:spPr>
+                <a:xfrm>
+                  <a:off x="8850393" y="2892169"/>
+                  <a:ext cx="193592" cy="193592"/>
+                </a:xfrm>
+                <a:prstGeom prst="rect">
+                  <a:avLst/>
+                </a:prstGeom>
+              </p:spPr>
+            </p:pic>
+            <p:sp>
+              <p:nvSpPr>
+                <p:cNvPr id="58" name="TextBox 57">
+                  <a:extLst>
+                    <a:ext uri="{FF2B5EF4-FFF2-40B4-BE49-F238E27FC236}">
+                      <a16:creationId xmlns:a16="http://schemas.microsoft.com/office/drawing/2014/main" id="{8D9399A2-681E-4B4D-9373-2F2675FADE8A}"/>
+                    </a:ext>
+                  </a:extLst>
+                </p:cNvPr>
+                <p:cNvSpPr txBox="1"/>
+                <p:nvPr/>
+              </p:nvSpPr>
+              <p:spPr>
+                <a:xfrm>
+                  <a:off x="9043985" y="2953869"/>
+                  <a:ext cx="739729" cy="544765"/>
+                </a:xfrm>
+                <a:prstGeom prst="rect">
+                  <a:avLst/>
+                </a:prstGeom>
+                <a:noFill/>
+              </p:spPr>
+              <p:txBody>
+                <a:bodyPr wrap="square" lIns="182880" tIns="146304" rIns="182880" bIns="146304" rtlCol="0">
+                  <a:spAutoFit/>
+                </a:bodyPr>
+                <a:lstStyle/>
+                <a:p>
+                  <a:pPr algn="ctr">
+                    <a:lnSpc>
+                      <a:spcPct val="90000"/>
+                    </a:lnSpc>
+                    <a:spcAft>
+                      <a:spcPts val="600"/>
+                    </a:spcAft>
+                  </a:pPr>
+                  <a:r>
+                    <a:rPr lang="en-US" sz="900" b="1" dirty="0">
+                      <a:solidFill>
+                        <a:schemeClr val="bg1"/>
+                      </a:solidFill>
+                    </a:rPr>
+                    <a:t>Azure SQL</a:t>
+                  </a:r>
+                </a:p>
+              </p:txBody>
+            </p:sp>
+            <p:pic>
+              <p:nvPicPr>
+                <p:cNvPr id="59" name="Picture 58">
+                  <a:extLst>
+                    <a:ext uri="{FF2B5EF4-FFF2-40B4-BE49-F238E27FC236}">
+                      <a16:creationId xmlns:a16="http://schemas.microsoft.com/office/drawing/2014/main" id="{95C3DE0E-A204-41D0-B8EA-6107F481651E}"/>
+                    </a:ext>
+                  </a:extLst>
+                </p:cNvPr>
+                <p:cNvPicPr>
+                  <a:picLocks noChangeAspect="1"/>
+                </p:cNvPicPr>
+                <p:nvPr/>
+              </p:nvPicPr>
+              <p:blipFill>
+                <a:blip r:embed="rId7" cstate="print">
+                  <a:extLst>
+                    <a:ext uri="{28A0092B-C50C-407E-A947-70E740481C1C}">
+                      <a14:useLocalDpi xmlns:a14="http://schemas.microsoft.com/office/drawing/2010/main" val="0"/>
+                    </a:ext>
+                  </a:extLst>
+                </a:blip>
+                <a:stretch>
+                  <a:fillRect/>
+                </a:stretch>
+              </p:blipFill>
+              <p:spPr>
+                <a:xfrm>
+                  <a:off x="9322911" y="2881361"/>
+                  <a:ext cx="204400" cy="204400"/>
+                </a:xfrm>
+                <a:prstGeom prst="rect">
+                  <a:avLst/>
+                </a:prstGeom>
+              </p:spPr>
+            </p:pic>
+          </p:grpSp>
+          <p:grpSp>
+            <p:nvGrpSpPr>
+              <p:cNvPr id="60" name="Group 59">
+                <a:extLst>
+                  <a:ext uri="{FF2B5EF4-FFF2-40B4-BE49-F238E27FC236}">
+                    <a16:creationId xmlns:a16="http://schemas.microsoft.com/office/drawing/2014/main" id="{AD9EE178-E2FA-467D-9FF9-06D256BB3CA7}"/>
+                  </a:ext>
+                </a:extLst>
+              </p:cNvPr>
+              <p:cNvGrpSpPr/>
+              <p:nvPr/>
+            </p:nvGrpSpPr>
+            <p:grpSpPr>
+              <a:xfrm>
+                <a:off x="8821295" y="4589707"/>
+                <a:ext cx="1924498" cy="461665"/>
+                <a:chOff x="9298735" y="4498682"/>
+                <a:chExt cx="1924498" cy="461665"/>
+              </a:xfrm>
+            </p:grpSpPr>
+            <p:sp>
+              <p:nvSpPr>
+                <p:cNvPr id="32" name="TextBox 31">
+                  <a:extLst>
+                    <a:ext uri="{FF2B5EF4-FFF2-40B4-BE49-F238E27FC236}">
+                      <a16:creationId xmlns:a16="http://schemas.microsoft.com/office/drawing/2014/main" id="{5B5BBC6E-0F61-48D3-A022-812C13620B05}"/>
+                    </a:ext>
+                  </a:extLst>
+                </p:cNvPr>
+                <p:cNvSpPr txBox="1"/>
+                <p:nvPr/>
+              </p:nvSpPr>
+              <p:spPr>
+                <a:xfrm>
+                  <a:off x="9298735" y="4498682"/>
+                  <a:ext cx="1924498" cy="461665"/>
+                </a:xfrm>
+                <a:prstGeom prst="rect">
+                  <a:avLst/>
+                </a:prstGeom>
+                <a:noFill/>
+              </p:spPr>
+              <p:txBody>
+                <a:bodyPr wrap="square" lIns="182880" tIns="146304" rIns="182880" bIns="146304" rtlCol="0">
+                  <a:spAutoFit/>
+                </a:bodyPr>
+                <a:lstStyle/>
+                <a:p>
+                  <a:pPr algn="ctr">
+                    <a:lnSpc>
+                      <a:spcPct val="90000"/>
+                    </a:lnSpc>
+                    <a:spcAft>
+                      <a:spcPts val="600"/>
+                    </a:spcAft>
+                  </a:pPr>
+                  <a:r>
+                    <a:rPr lang="en-US" sz="1100" b="1" dirty="0">
+                      <a:solidFill>
+                        <a:schemeClr val="bg1"/>
+                      </a:solidFill>
+                    </a:rPr>
+                    <a:t>Application Insights</a:t>
+                  </a:r>
+                </a:p>
+              </p:txBody>
+            </p:sp>
+            <p:pic>
+              <p:nvPicPr>
+                <p:cNvPr id="31" name="Picture 30">
+                  <a:extLst>
+                    <a:ext uri="{FF2B5EF4-FFF2-40B4-BE49-F238E27FC236}">
+                      <a16:creationId xmlns:a16="http://schemas.microsoft.com/office/drawing/2014/main" id="{E46132AA-E846-4081-A97D-337A6958527F}"/>
+                    </a:ext>
+                  </a:extLst>
+                </p:cNvPr>
+                <p:cNvPicPr>
+                  <a:picLocks noChangeAspect="1"/>
+                </p:cNvPicPr>
+                <p:nvPr/>
+              </p:nvPicPr>
+              <p:blipFill>
+                <a:blip r:embed="rId8" cstate="print">
+                  <a:extLst>
+                    <a:ext uri="{28A0092B-C50C-407E-A947-70E740481C1C}">
+                      <a14:useLocalDpi xmlns:a14="http://schemas.microsoft.com/office/drawing/2010/main" val="0"/>
+                    </a:ext>
+                  </a:extLst>
+                </a:blip>
+                <a:stretch>
+                  <a:fillRect/>
+                </a:stretch>
+              </p:blipFill>
+              <p:spPr>
+                <a:xfrm>
+                  <a:off x="10853368" y="4603762"/>
+                  <a:ext cx="251503" cy="251503"/>
+                </a:xfrm>
+                <a:prstGeom prst="rect">
+                  <a:avLst/>
+                </a:prstGeom>
+              </p:spPr>
+            </p:pic>
+          </p:grpSp>
+          <p:cxnSp>
+            <p:nvCxnSpPr>
+              <p:cNvPr id="62" name="Straight Arrow Connector 61">
+                <a:extLst>
+                  <a:ext uri="{FF2B5EF4-FFF2-40B4-BE49-F238E27FC236}">
+                    <a16:creationId xmlns:a16="http://schemas.microsoft.com/office/drawing/2014/main" id="{387A355A-79E9-4C9D-8259-99B3648BA00F}"/>
+                  </a:ext>
+                </a:extLst>
+              </p:cNvPr>
+              <p:cNvCxnSpPr>
+                <a:cxnSpLocks/>
+              </p:cNvCxnSpPr>
+              <p:nvPr/>
+            </p:nvCxnSpPr>
             <p:spPr>
               <a:xfrm>
-                <a:off x="9322911" y="2881361"/>
-                <a:ext cx="204400" cy="204400"/>
+                <a:off x="7819101" y="3500801"/>
+                <a:ext cx="794720" cy="534430"/>
               </a:xfrm>
-              <a:prstGeom prst="rect">
+              <a:prstGeom prst="straightConnector1">
                 <a:avLst/>
               </a:prstGeom>
+              <a:ln>
+                <a:solidFill>
+                  <a:schemeClr val="bg1">
+                    <a:lumMod val="50000"/>
+                  </a:schemeClr>
+                </a:solidFill>
+                <a:headEnd type="none"/>
+                <a:tailEnd type="triangle"/>
+              </a:ln>
             </p:spPr>
-          </p:pic>
-        </p:grpSp>
-        <p:grpSp>
-          <p:nvGrpSpPr>
-            <p:cNvPr id="60" name="Group 59">
-              <a:extLst>
-                <a:ext uri="{FF2B5EF4-FFF2-40B4-BE49-F238E27FC236}">
-                  <a16:creationId xmlns:a16="http://schemas.microsoft.com/office/drawing/2014/main" id="{AD9EE178-E2FA-467D-9FF9-06D256BB3CA7}"/>
-                </a:ext>
-              </a:extLst>
-            </p:cNvPr>
-            <p:cNvGrpSpPr/>
-            <p:nvPr/>
-          </p:nvGrpSpPr>
-          <p:grpSpPr>
-            <a:xfrm>
-              <a:off x="8821295" y="4589707"/>
-              <a:ext cx="1924498" cy="461665"/>
-              <a:chOff x="9298735" y="4498682"/>
-              <a:chExt cx="1924498" cy="461665"/>
-            </a:xfrm>
-          </p:grpSpPr>
+            <p:style>
+              <a:lnRef idx="1">
+                <a:schemeClr val="accent1"/>
+              </a:lnRef>
+              <a:fillRef idx="0">
+                <a:schemeClr val="accent1"/>
+              </a:fillRef>
+              <a:effectRef idx="0">
+                <a:schemeClr val="accent1"/>
+              </a:effectRef>
+              <a:fontRef idx="minor">
+                <a:schemeClr val="tx1"/>
+              </a:fontRef>
+            </p:style>
+          </p:cxnSp>
+          <p:cxnSp>
+            <p:nvCxnSpPr>
+              <p:cNvPr id="64" name="Straight Arrow Connector 63">
+                <a:extLst>
+                  <a:ext uri="{FF2B5EF4-FFF2-40B4-BE49-F238E27FC236}">
+                    <a16:creationId xmlns:a16="http://schemas.microsoft.com/office/drawing/2014/main" id="{03E8E8C4-01F8-478A-95E8-F8AFF54E6383}"/>
+                  </a:ext>
+                </a:extLst>
+              </p:cNvPr>
+              <p:cNvCxnSpPr>
+                <a:cxnSpLocks/>
+              </p:cNvCxnSpPr>
+              <p:nvPr/>
+            </p:nvCxnSpPr>
+            <p:spPr>
+              <a:xfrm flipV="1">
+                <a:off x="7821658" y="2925196"/>
+                <a:ext cx="765886" cy="476542"/>
+              </a:xfrm>
+              <a:prstGeom prst="straightConnector1">
+                <a:avLst/>
+              </a:prstGeom>
+              <a:ln>
+                <a:solidFill>
+                  <a:schemeClr val="bg1">
+                    <a:lumMod val="50000"/>
+                  </a:schemeClr>
+                </a:solidFill>
+                <a:headEnd type="none"/>
+                <a:tailEnd type="triangle"/>
+              </a:ln>
+            </p:spPr>
+            <p:style>
+              <a:lnRef idx="1">
+                <a:schemeClr val="accent1"/>
+              </a:lnRef>
+              <a:fillRef idx="0">
+                <a:schemeClr val="accent1"/>
+              </a:fillRef>
+              <a:effectRef idx="0">
+                <a:schemeClr val="accent1"/>
+              </a:effectRef>
+              <a:fontRef idx="minor">
+                <a:schemeClr val="tx1"/>
+              </a:fontRef>
+            </p:style>
+          </p:cxnSp>
+          <p:grpSp>
+            <p:nvGrpSpPr>
+              <p:cNvPr id="75" name="Group 74">
+                <a:extLst>
+                  <a:ext uri="{FF2B5EF4-FFF2-40B4-BE49-F238E27FC236}">
+                    <a16:creationId xmlns:a16="http://schemas.microsoft.com/office/drawing/2014/main" id="{1928E889-DF8F-4143-AC81-660B667C75CA}"/>
+                  </a:ext>
+                </a:extLst>
+              </p:cNvPr>
+              <p:cNvGrpSpPr/>
+              <p:nvPr/>
+            </p:nvGrpSpPr>
+            <p:grpSpPr>
+              <a:xfrm>
+                <a:off x="8587544" y="4525877"/>
+                <a:ext cx="2635689" cy="121755"/>
+                <a:chOff x="8587544" y="4373477"/>
+                <a:chExt cx="2635689" cy="121755"/>
+              </a:xfrm>
+            </p:grpSpPr>
+            <p:cxnSp>
+              <p:nvCxnSpPr>
+                <p:cNvPr id="69" name="Straight Connector 68">
+                  <a:extLst>
+                    <a:ext uri="{FF2B5EF4-FFF2-40B4-BE49-F238E27FC236}">
+                      <a16:creationId xmlns:a16="http://schemas.microsoft.com/office/drawing/2014/main" id="{1985135F-3DCB-4B86-93A7-8A16579DBA1B}"/>
+                    </a:ext>
+                  </a:extLst>
+                </p:cNvPr>
+                <p:cNvCxnSpPr>
+                  <a:cxnSpLocks/>
+                </p:cNvCxnSpPr>
+                <p:nvPr/>
+              </p:nvCxnSpPr>
+              <p:spPr>
+                <a:xfrm>
+                  <a:off x="8587544" y="4495232"/>
+                  <a:ext cx="2635689" cy="0"/>
+                </a:xfrm>
+                <a:prstGeom prst="line">
+                  <a:avLst/>
+                </a:prstGeom>
+                <a:ln w="19050">
+                  <a:solidFill>
+                    <a:schemeClr val="bg1"/>
+                  </a:solidFill>
+                  <a:headEnd type="none"/>
+                  <a:tailEnd type="none"/>
+                </a:ln>
+              </p:spPr>
+              <p:style>
+                <a:lnRef idx="1">
+                  <a:schemeClr val="accent1"/>
+                </a:lnRef>
+                <a:fillRef idx="0">
+                  <a:schemeClr val="accent1"/>
+                </a:fillRef>
+                <a:effectRef idx="0">
+                  <a:schemeClr val="accent1"/>
+                </a:effectRef>
+                <a:fontRef idx="minor">
+                  <a:schemeClr val="tx1"/>
+                </a:fontRef>
+              </p:style>
+            </p:cxnSp>
+            <p:cxnSp>
+              <p:nvCxnSpPr>
+                <p:cNvPr id="72" name="Straight Connector 71">
+                  <a:extLst>
+                    <a:ext uri="{FF2B5EF4-FFF2-40B4-BE49-F238E27FC236}">
+                      <a16:creationId xmlns:a16="http://schemas.microsoft.com/office/drawing/2014/main" id="{08943D53-8960-4522-9BA0-BC128737084E}"/>
+                    </a:ext>
+                  </a:extLst>
+                </p:cNvPr>
+                <p:cNvCxnSpPr>
+                  <a:cxnSpLocks/>
+                </p:cNvCxnSpPr>
+                <p:nvPr/>
+              </p:nvCxnSpPr>
+              <p:spPr>
+                <a:xfrm flipV="1">
+                  <a:off x="8588814" y="4373477"/>
+                  <a:ext cx="0" cy="117945"/>
+                </a:xfrm>
+                <a:prstGeom prst="line">
+                  <a:avLst/>
+                </a:prstGeom>
+                <a:ln w="19050">
+                  <a:solidFill>
+                    <a:schemeClr val="bg1"/>
+                  </a:solidFill>
+                  <a:headEnd type="none"/>
+                  <a:tailEnd type="none"/>
+                </a:ln>
+              </p:spPr>
+              <p:style>
+                <a:lnRef idx="1">
+                  <a:schemeClr val="accent1"/>
+                </a:lnRef>
+                <a:fillRef idx="0">
+                  <a:schemeClr val="accent1"/>
+                </a:fillRef>
+                <a:effectRef idx="0">
+                  <a:schemeClr val="accent1"/>
+                </a:effectRef>
+                <a:fontRef idx="minor">
+                  <a:schemeClr val="tx1"/>
+                </a:fontRef>
+              </p:style>
+            </p:cxnSp>
+            <p:cxnSp>
+              <p:nvCxnSpPr>
+                <p:cNvPr id="74" name="Straight Connector 73">
+                  <a:extLst>
+                    <a:ext uri="{FF2B5EF4-FFF2-40B4-BE49-F238E27FC236}">
+                      <a16:creationId xmlns:a16="http://schemas.microsoft.com/office/drawing/2014/main" id="{E5C80895-D361-4581-A12A-433F0B7B7370}"/>
+                    </a:ext>
+                  </a:extLst>
+                </p:cNvPr>
+                <p:cNvCxnSpPr>
+                  <a:cxnSpLocks/>
+                </p:cNvCxnSpPr>
+                <p:nvPr/>
+              </p:nvCxnSpPr>
+              <p:spPr>
+                <a:xfrm flipV="1">
+                  <a:off x="11215417" y="4377287"/>
+                  <a:ext cx="0" cy="117945"/>
+                </a:xfrm>
+                <a:prstGeom prst="line">
+                  <a:avLst/>
+                </a:prstGeom>
+                <a:ln w="19050">
+                  <a:solidFill>
+                    <a:schemeClr val="bg1"/>
+                  </a:solidFill>
+                  <a:headEnd type="none"/>
+                  <a:tailEnd type="none"/>
+                </a:ln>
+              </p:spPr>
+              <p:style>
+                <a:lnRef idx="1">
+                  <a:schemeClr val="accent1"/>
+                </a:lnRef>
+                <a:fillRef idx="0">
+                  <a:schemeClr val="accent1"/>
+                </a:fillRef>
+                <a:effectRef idx="0">
+                  <a:schemeClr val="accent1"/>
+                </a:effectRef>
+                <a:fontRef idx="minor">
+                  <a:schemeClr val="tx1"/>
+                </a:fontRef>
+              </p:style>
+            </p:cxnSp>
+          </p:grpSp>
+          <p:cxnSp>
+            <p:nvCxnSpPr>
+              <p:cNvPr id="65" name="Straight Arrow Connector 64">
+                <a:extLst>
+                  <a:ext uri="{FF2B5EF4-FFF2-40B4-BE49-F238E27FC236}">
+                    <a16:creationId xmlns:a16="http://schemas.microsoft.com/office/drawing/2014/main" id="{F9A19C74-9579-4F0F-BC11-9C66B9EB2835}"/>
+                  </a:ext>
+                </a:extLst>
+              </p:cNvPr>
+              <p:cNvCxnSpPr>
+                <a:cxnSpLocks/>
+              </p:cNvCxnSpPr>
+              <p:nvPr/>
+            </p:nvCxnSpPr>
+            <p:spPr>
+              <a:xfrm flipV="1">
+                <a:off x="4529418" y="3467199"/>
+                <a:ext cx="549631" cy="382"/>
+              </a:xfrm>
+              <a:prstGeom prst="straightConnector1">
+                <a:avLst/>
+              </a:prstGeom>
+              <a:ln>
+                <a:solidFill>
+                  <a:schemeClr val="bg1">
+                    <a:lumMod val="50000"/>
+                  </a:schemeClr>
+                </a:solidFill>
+                <a:headEnd type="none"/>
+                <a:tailEnd type="triangle"/>
+              </a:ln>
+            </p:spPr>
+            <p:style>
+              <a:lnRef idx="1">
+                <a:schemeClr val="accent1"/>
+              </a:lnRef>
+              <a:fillRef idx="0">
+                <a:schemeClr val="accent1"/>
+              </a:fillRef>
+              <a:effectRef idx="0">
+                <a:schemeClr val="accent1"/>
+              </a:effectRef>
+              <a:fontRef idx="minor">
+                <a:schemeClr val="tx1"/>
+              </a:fontRef>
+            </p:style>
+          </p:cxnSp>
           <p:sp>
             <p:nvSpPr>
-              <p:cNvPr id="32" name="TextBox 31">
+              <p:cNvPr id="66" name="TextBox 65">
                 <a:extLst>
                   <a:ext uri="{FF2B5EF4-FFF2-40B4-BE49-F238E27FC236}">
-                    <a16:creationId xmlns:a16="http://schemas.microsoft.com/office/drawing/2014/main" id="{5B5BBC6E-0F61-48D3-A022-812C13620B05}"/>
+                    <a16:creationId xmlns:a16="http://schemas.microsoft.com/office/drawing/2014/main" id="{A067B8A3-B08D-4C0B-964E-F3D174D62722}"/>
                   </a:ext>
                 </a:extLst>
               </p:cNvPr>
@@ -17114,8 +17243,8 @@
             </p:nvSpPr>
             <p:spPr>
               <a:xfrm>
-                <a:off x="9298735" y="4498682"/>
-                <a:ext cx="1924498" cy="461665"/>
+                <a:off x="2479144" y="3539599"/>
+                <a:ext cx="1320599" cy="794064"/>
               </a:xfrm>
               <a:prstGeom prst="rect">
                 <a:avLst/>
@@ -17137,22 +17266,22 @@
                   </a:spcAft>
                 </a:pPr>
                 <a:r>
-                  <a:rPr lang="en-US" sz="1100" b="1" dirty="0">
+                  <a:rPr lang="en-US" sz="1200" b="1" dirty="0">
                     <a:solidFill>
                       <a:schemeClr val="bg1"/>
                     </a:solidFill>
                   </a:rPr>
-                  <a:t>Application Insights</a:t>
+                  <a:t>Create a Pull Request for peer review</a:t>
                 </a:r>
               </a:p>
             </p:txBody>
           </p:sp>
           <p:pic>
             <p:nvPicPr>
-              <p:cNvPr id="31" name="Picture 30">
+              <p:cNvPr id="67" name="Picture 66">
                 <a:extLst>
                   <a:ext uri="{FF2B5EF4-FFF2-40B4-BE49-F238E27FC236}">
-                    <a16:creationId xmlns:a16="http://schemas.microsoft.com/office/drawing/2014/main" id="{E46132AA-E846-4081-A97D-337A6958527F}"/>
+                    <a16:creationId xmlns:a16="http://schemas.microsoft.com/office/drawing/2014/main" id="{A697DEE4-4FBB-4759-A227-BCAAC11CAC99}"/>
                   </a:ext>
                 </a:extLst>
               </p:cNvPr>
@@ -17162,7 +17291,7 @@
               <p:nvPr/>
             </p:nvPicPr>
             <p:blipFill>
-              <a:blip r:embed="rId9" cstate="print">
+              <a:blip r:embed="rId3" cstate="print">
                 <a:extLst>
                   <a:ext uri="{28A0092B-C50C-407E-A947-70E740481C1C}">
                     <a14:useLocalDpi xmlns:a14="http://schemas.microsoft.com/office/drawing/2010/main" val="0"/>
@@ -17175,135 +17304,103 @@
             </p:blipFill>
             <p:spPr>
               <a:xfrm>
-                <a:off x="10853368" y="4603762"/>
-                <a:ext cx="251503" cy="251503"/>
+                <a:off x="2883857" y="3072609"/>
+                <a:ext cx="472161" cy="472161"/>
               </a:xfrm>
               <a:prstGeom prst="rect">
                 <a:avLst/>
               </a:prstGeom>
             </p:spPr>
           </p:pic>
-        </p:grpSp>
-        <p:cxnSp>
-          <p:nvCxnSpPr>
-            <p:cNvPr id="62" name="Straight Arrow Connector 61">
-              <a:extLst>
-                <a:ext uri="{FF2B5EF4-FFF2-40B4-BE49-F238E27FC236}">
-                  <a16:creationId xmlns:a16="http://schemas.microsoft.com/office/drawing/2014/main" id="{387A355A-79E9-4C9D-8259-99B3648BA00F}"/>
-                </a:ext>
-              </a:extLst>
-            </p:cNvPr>
-            <p:cNvCxnSpPr>
-              <a:cxnSpLocks/>
-            </p:cNvCxnSpPr>
-            <p:nvPr/>
-          </p:nvCxnSpPr>
-          <p:spPr>
-            <a:xfrm>
-              <a:off x="7819101" y="3500801"/>
-              <a:ext cx="794720" cy="534430"/>
-            </a:xfrm>
-            <a:prstGeom prst="straightConnector1">
-              <a:avLst/>
-            </a:prstGeom>
-            <a:ln>
-              <a:solidFill>
-                <a:schemeClr val="bg1">
-                  <a:lumMod val="50000"/>
-                </a:schemeClr>
-              </a:solidFill>
-              <a:headEnd type="none"/>
-              <a:tailEnd type="triangle"/>
-            </a:ln>
-          </p:spPr>
-          <p:style>
-            <a:lnRef idx="1">
-              <a:schemeClr val="accent1"/>
-            </a:lnRef>
-            <a:fillRef idx="0">
-              <a:schemeClr val="accent1"/>
-            </a:fillRef>
-            <a:effectRef idx="0">
-              <a:schemeClr val="accent1"/>
-            </a:effectRef>
-            <a:fontRef idx="minor">
-              <a:schemeClr val="tx1"/>
-            </a:fontRef>
-          </p:style>
-        </p:cxnSp>
-        <p:cxnSp>
-          <p:nvCxnSpPr>
-            <p:cNvPr id="64" name="Straight Arrow Connector 63">
-              <a:extLst>
-                <a:ext uri="{FF2B5EF4-FFF2-40B4-BE49-F238E27FC236}">
-                  <a16:creationId xmlns:a16="http://schemas.microsoft.com/office/drawing/2014/main" id="{03E8E8C4-01F8-478A-95E8-F8AFF54E6383}"/>
-                </a:ext>
-              </a:extLst>
-            </p:cNvPr>
-            <p:cNvCxnSpPr>
-              <a:cxnSpLocks/>
-            </p:cNvCxnSpPr>
-            <p:nvPr/>
-          </p:nvCxnSpPr>
-          <p:spPr>
-            <a:xfrm flipV="1">
-              <a:off x="7821658" y="2925196"/>
-              <a:ext cx="765886" cy="476542"/>
-            </a:xfrm>
-            <a:prstGeom prst="straightConnector1">
-              <a:avLst/>
-            </a:prstGeom>
-            <a:ln>
-              <a:solidFill>
-                <a:schemeClr val="bg1">
-                  <a:lumMod val="50000"/>
-                </a:schemeClr>
-              </a:solidFill>
-              <a:headEnd type="none"/>
-              <a:tailEnd type="triangle"/>
-            </a:ln>
-          </p:spPr>
-          <p:style>
-            <a:lnRef idx="1">
-              <a:schemeClr val="accent1"/>
-            </a:lnRef>
-            <a:fillRef idx="0">
-              <a:schemeClr val="accent1"/>
-            </a:fillRef>
-            <a:effectRef idx="0">
-              <a:schemeClr val="accent1"/>
-            </a:effectRef>
-            <a:fontRef idx="minor">
-              <a:schemeClr val="tx1"/>
-            </a:fontRef>
-          </p:style>
-        </p:cxnSp>
-        <p:grpSp>
-          <p:nvGrpSpPr>
-            <p:cNvPr id="75" name="Group 74">
-              <a:extLst>
-                <a:ext uri="{FF2B5EF4-FFF2-40B4-BE49-F238E27FC236}">
-                  <a16:creationId xmlns:a16="http://schemas.microsoft.com/office/drawing/2014/main" id="{1928E889-DF8F-4143-AC81-660B667C75CA}"/>
-                </a:ext>
-              </a:extLst>
-            </p:cNvPr>
-            <p:cNvGrpSpPr/>
-            <p:nvPr/>
-          </p:nvGrpSpPr>
-          <p:grpSpPr>
-            <a:xfrm>
-              <a:off x="8587544" y="4525877"/>
-              <a:ext cx="2635689" cy="121755"/>
-              <a:chOff x="8587544" y="4373477"/>
-              <a:chExt cx="2635689" cy="121755"/>
-            </a:xfrm>
-          </p:grpSpPr>
+          <p:sp>
+            <p:nvSpPr>
+              <p:cNvPr id="71" name="TextBox 70">
+                <a:extLst>
+                  <a:ext uri="{FF2B5EF4-FFF2-40B4-BE49-F238E27FC236}">
+                    <a16:creationId xmlns:a16="http://schemas.microsoft.com/office/drawing/2014/main" id="{83D51CA5-FD4F-4DC9-97C3-8FB44C349CD2}"/>
+                  </a:ext>
+                </a:extLst>
+              </p:cNvPr>
+              <p:cNvSpPr txBox="1"/>
+              <p:nvPr/>
+            </p:nvSpPr>
+            <p:spPr>
+              <a:xfrm>
+                <a:off x="3564140" y="3550407"/>
+                <a:ext cx="1320599" cy="627864"/>
+              </a:xfrm>
+              <a:prstGeom prst="rect">
+                <a:avLst/>
+              </a:prstGeom>
+              <a:noFill/>
+            </p:spPr>
+            <p:txBody>
+              <a:bodyPr wrap="square" lIns="182880" tIns="146304" rIns="182880" bIns="146304" rtlCol="0">
+                <a:spAutoFit/>
+              </a:bodyPr>
+              <a:lstStyle/>
+              <a:p>
+                <a:pPr algn="ctr">
+                  <a:lnSpc>
+                    <a:spcPct val="90000"/>
+                  </a:lnSpc>
+                  <a:spcAft>
+                    <a:spcPts val="600"/>
+                  </a:spcAft>
+                </a:pPr>
+                <a:r>
+                  <a:rPr lang="en-US" sz="1200" b="1" dirty="0">
+                    <a:solidFill>
+                      <a:schemeClr val="bg1"/>
+                    </a:solidFill>
+                  </a:rPr>
+                  <a:t>Merge to master</a:t>
+                </a:r>
+              </a:p>
+            </p:txBody>
+          </p:sp>
+          <p:pic>
+            <p:nvPicPr>
+              <p:cNvPr id="73" name="Picture 72">
+                <a:extLst>
+                  <a:ext uri="{FF2B5EF4-FFF2-40B4-BE49-F238E27FC236}">
+                    <a16:creationId xmlns:a16="http://schemas.microsoft.com/office/drawing/2014/main" id="{B8D97F0B-468D-4104-8724-FEB134D4F5A1}"/>
+                  </a:ext>
+                </a:extLst>
+              </p:cNvPr>
+              <p:cNvPicPr>
+                <a:picLocks noChangeAspect="1"/>
+              </p:cNvPicPr>
+              <p:nvPr/>
+            </p:nvPicPr>
+            <p:blipFill>
+              <a:blip r:embed="rId3" cstate="print">
+                <a:extLst>
+                  <a:ext uri="{28A0092B-C50C-407E-A947-70E740481C1C}">
+                    <a14:useLocalDpi xmlns:a14="http://schemas.microsoft.com/office/drawing/2010/main" val="0"/>
+                  </a:ext>
+                </a:extLst>
+              </a:blip>
+              <a:stretch>
+                <a:fillRect/>
+              </a:stretch>
+            </p:blipFill>
+            <p:spPr>
+              <a:xfrm>
+                <a:off x="3968853" y="3083417"/>
+                <a:ext cx="472161" cy="472161"/>
+              </a:xfrm>
+              <a:prstGeom prst="rect">
+                <a:avLst/>
+              </a:prstGeom>
+            </p:spPr>
+          </p:pic>
           <p:cxnSp>
             <p:nvCxnSpPr>
-              <p:cNvPr id="69" name="Straight Connector 68">
+              <p:cNvPr id="76" name="Straight Arrow Connector 75">
                 <a:extLst>
                   <a:ext uri="{FF2B5EF4-FFF2-40B4-BE49-F238E27FC236}">
-                    <a16:creationId xmlns:a16="http://schemas.microsoft.com/office/drawing/2014/main" id="{1985135F-3DCB-4B86-93A7-8A16579DBA1B}"/>
+                    <a16:creationId xmlns:a16="http://schemas.microsoft.com/office/drawing/2014/main" id="{A3EAD52A-A358-48F8-9ECD-DE98470B2BCC}"/>
                   </a:ext>
                 </a:extLst>
               </p:cNvPr>
@@ -17313,19 +17410,21 @@
               <p:nvPr/>
             </p:nvCxnSpPr>
             <p:spPr>
-              <a:xfrm>
-                <a:off x="8587544" y="4495232"/>
-                <a:ext cx="2635689" cy="0"/>
+              <a:xfrm flipV="1">
+                <a:off x="3448050" y="3466817"/>
+                <a:ext cx="469576" cy="382"/>
               </a:xfrm>
-              <a:prstGeom prst="line">
+              <a:prstGeom prst="straightConnector1">
                 <a:avLst/>
               </a:prstGeom>
-              <a:ln w="19050">
+              <a:ln>
                 <a:solidFill>
-                  <a:schemeClr val="bg1"/>
+                  <a:schemeClr val="bg1">
+                    <a:lumMod val="50000"/>
+                  </a:schemeClr>
                 </a:solidFill>
                 <a:headEnd type="none"/>
-                <a:tailEnd type="none"/>
+                <a:tailEnd type="triangle"/>
               </a:ln>
             </p:spPr>
             <p:style>
@@ -17345,10 +17444,10 @@
           </p:cxnSp>
           <p:cxnSp>
             <p:nvCxnSpPr>
-              <p:cNvPr id="72" name="Straight Connector 71">
+              <p:cNvPr id="77" name="Straight Arrow Connector 76">
                 <a:extLst>
                   <a:ext uri="{FF2B5EF4-FFF2-40B4-BE49-F238E27FC236}">
-                    <a16:creationId xmlns:a16="http://schemas.microsoft.com/office/drawing/2014/main" id="{08943D53-8960-4522-9BA0-BC128737084E}"/>
+                    <a16:creationId xmlns:a16="http://schemas.microsoft.com/office/drawing/2014/main" id="{B5686A60-6BF8-421A-9BE1-A9AC299E4EF9}"/>
                   </a:ext>
                 </a:extLst>
               </p:cNvPr>
@@ -17358,19 +17457,21 @@
               <p:nvPr/>
             </p:nvCxnSpPr>
             <p:spPr>
-              <a:xfrm flipV="1">
-                <a:off x="8588814" y="4373477"/>
-                <a:ext cx="0" cy="117945"/>
+              <a:xfrm>
+                <a:off x="2264878" y="3467199"/>
+                <a:ext cx="468797" cy="0"/>
               </a:xfrm>
-              <a:prstGeom prst="line">
+              <a:prstGeom prst="straightConnector1">
                 <a:avLst/>
               </a:prstGeom>
-              <a:ln w="19050">
+              <a:ln>
                 <a:solidFill>
-                  <a:schemeClr val="bg1"/>
+                  <a:schemeClr val="bg1">
+                    <a:lumMod val="50000"/>
+                  </a:schemeClr>
                 </a:solidFill>
                 <a:headEnd type="none"/>
-                <a:tailEnd type="none"/>
+                <a:tailEnd type="triangle"/>
               </a:ln>
             </p:spPr>
             <p:style>
@@ -17390,10 +17491,10 @@
           </p:cxnSp>
           <p:cxnSp>
             <p:nvCxnSpPr>
-              <p:cNvPr id="74" name="Straight Connector 73">
+              <p:cNvPr id="78" name="Straight Arrow Connector 77">
                 <a:extLst>
                   <a:ext uri="{FF2B5EF4-FFF2-40B4-BE49-F238E27FC236}">
-                    <a16:creationId xmlns:a16="http://schemas.microsoft.com/office/drawing/2014/main" id="{E5C80895-D361-4581-A12A-433F0B7B7370}"/>
+                    <a16:creationId xmlns:a16="http://schemas.microsoft.com/office/drawing/2014/main" id="{8B2CF5C8-9349-495B-824E-DA85466383E0}"/>
                   </a:ext>
                 </a:extLst>
               </p:cNvPr>
@@ -17403,19 +17504,21 @@
               <p:nvPr/>
             </p:nvCxnSpPr>
             <p:spPr>
-              <a:xfrm flipV="1">
-                <a:off x="11215417" y="4377287"/>
-                <a:ext cx="0" cy="117945"/>
+              <a:xfrm>
+                <a:off x="1031385" y="3467199"/>
+                <a:ext cx="468797" cy="0"/>
               </a:xfrm>
-              <a:prstGeom prst="line">
+              <a:prstGeom prst="straightConnector1">
                 <a:avLst/>
               </a:prstGeom>
-              <a:ln w="19050">
+              <a:ln>
                 <a:solidFill>
-                  <a:schemeClr val="bg1"/>
+                  <a:schemeClr val="bg1">
+                    <a:lumMod val="50000"/>
+                  </a:schemeClr>
                 </a:solidFill>
                 <a:headEnd type="none"/>
-                <a:tailEnd type="none"/>
+                <a:tailEnd type="triangle"/>
               </a:ln>
             </p:spPr>
             <p:style>
@@ -17434,106 +17537,12 @@
             </p:style>
           </p:cxnSp>
         </p:grpSp>
-        <p:cxnSp>
-          <p:nvCxnSpPr>
-            <p:cNvPr id="65" name="Straight Arrow Connector 64">
+        <p:pic>
+          <p:nvPicPr>
+            <p:cNvPr id="61" name="Picture 60">
               <a:extLst>
                 <a:ext uri="{FF2B5EF4-FFF2-40B4-BE49-F238E27FC236}">
-                  <a16:creationId xmlns:a16="http://schemas.microsoft.com/office/drawing/2014/main" id="{F9A19C74-9579-4F0F-BC11-9C66B9EB2835}"/>
-                </a:ext>
-              </a:extLst>
-            </p:cNvPr>
-            <p:cNvCxnSpPr>
-              <a:cxnSpLocks/>
-            </p:cNvCxnSpPr>
-            <p:nvPr/>
-          </p:nvCxnSpPr>
-          <p:spPr>
-            <a:xfrm flipV="1">
-              <a:off x="4529418" y="3467199"/>
-              <a:ext cx="549631" cy="382"/>
-            </a:xfrm>
-            <a:prstGeom prst="straightConnector1">
-              <a:avLst/>
-            </a:prstGeom>
-            <a:ln>
-              <a:solidFill>
-                <a:schemeClr val="bg1">
-                  <a:lumMod val="50000"/>
-                </a:schemeClr>
-              </a:solidFill>
-              <a:headEnd type="none"/>
-              <a:tailEnd type="triangle"/>
-            </a:ln>
-          </p:spPr>
-          <p:style>
-            <a:lnRef idx="1">
-              <a:schemeClr val="accent1"/>
-            </a:lnRef>
-            <a:fillRef idx="0">
-              <a:schemeClr val="accent1"/>
-            </a:fillRef>
-            <a:effectRef idx="0">
-              <a:schemeClr val="accent1"/>
-            </a:effectRef>
-            <a:fontRef idx="minor">
-              <a:schemeClr val="tx1"/>
-            </a:fontRef>
-          </p:style>
-        </p:cxnSp>
-        <p:sp>
-          <p:nvSpPr>
-            <p:cNvPr id="66" name="TextBox 65">
-              <a:extLst>
-                <a:ext uri="{FF2B5EF4-FFF2-40B4-BE49-F238E27FC236}">
-                  <a16:creationId xmlns:a16="http://schemas.microsoft.com/office/drawing/2014/main" id="{A067B8A3-B08D-4C0B-964E-F3D174D62722}"/>
-                </a:ext>
-              </a:extLst>
-            </p:cNvPr>
-            <p:cNvSpPr txBox="1"/>
-            <p:nvPr/>
-          </p:nvSpPr>
-          <p:spPr>
-            <a:xfrm>
-              <a:off x="2479144" y="3539599"/>
-              <a:ext cx="1320599" cy="794064"/>
-            </a:xfrm>
-            <a:prstGeom prst="rect">
-              <a:avLst/>
-            </a:prstGeom>
-            <a:noFill/>
-          </p:spPr>
-          <p:txBody>
-            <a:bodyPr wrap="square" lIns="182880" tIns="146304" rIns="182880" bIns="146304" rtlCol="0">
-              <a:spAutoFit/>
-            </a:bodyPr>
-            <a:lstStyle/>
-            <a:p>
-              <a:pPr algn="ctr">
-                <a:lnSpc>
-                  <a:spcPct val="90000"/>
-                </a:lnSpc>
-                <a:spcAft>
-                  <a:spcPts val="600"/>
-                </a:spcAft>
-              </a:pPr>
-              <a:r>
-                <a:rPr lang="en-US" sz="1200" b="1" dirty="0">
-                  <a:solidFill>
-                    <a:schemeClr val="bg1"/>
-                  </a:solidFill>
-                </a:rPr>
-                <a:t>Create a Pull Request for peer review</a:t>
-              </a:r>
-            </a:p>
-          </p:txBody>
-        </p:sp>
-        <p:pic>
-          <p:nvPicPr>
-            <p:cNvPr id="67" name="Picture 66">
-              <a:extLst>
-                <a:ext uri="{FF2B5EF4-FFF2-40B4-BE49-F238E27FC236}">
-                  <a16:creationId xmlns:a16="http://schemas.microsoft.com/office/drawing/2014/main" id="{A697DEE4-4FBB-4759-A227-BCAAC11CAC99}"/>
+                  <a16:creationId xmlns:a16="http://schemas.microsoft.com/office/drawing/2014/main" id="{24ABE202-2FA8-B749-BF95-6CD7979E1BA3}"/>
                 </a:ext>
               </a:extLst>
             </p:cNvPr>
@@ -17543,251 +17552,21 @@
             <p:nvPr/>
           </p:nvPicPr>
           <p:blipFill>
-            <a:blip r:embed="rId4" cstate="print">
-              <a:extLst>
-                <a:ext uri="{28A0092B-C50C-407E-A947-70E740481C1C}">
-                  <a14:useLocalDpi xmlns:a14="http://schemas.microsoft.com/office/drawing/2010/main" val="0"/>
-                </a:ext>
-              </a:extLst>
-            </a:blip>
+            <a:blip r:embed="rId9"/>
             <a:stretch>
               <a:fillRect/>
             </a:stretch>
           </p:blipFill>
           <p:spPr>
             <a:xfrm>
-              <a:off x="2883857" y="3072609"/>
-              <a:ext cx="472161" cy="472161"/>
+              <a:off x="5413287" y="2449522"/>
+              <a:ext cx="318430" cy="318430"/>
             </a:xfrm>
             <a:prstGeom prst="rect">
               <a:avLst/>
             </a:prstGeom>
           </p:spPr>
         </p:pic>
-        <p:sp>
-          <p:nvSpPr>
-            <p:cNvPr id="71" name="TextBox 70">
-              <a:extLst>
-                <a:ext uri="{FF2B5EF4-FFF2-40B4-BE49-F238E27FC236}">
-                  <a16:creationId xmlns:a16="http://schemas.microsoft.com/office/drawing/2014/main" id="{83D51CA5-FD4F-4DC9-97C3-8FB44C349CD2}"/>
-                </a:ext>
-              </a:extLst>
-            </p:cNvPr>
-            <p:cNvSpPr txBox="1"/>
-            <p:nvPr/>
-          </p:nvSpPr>
-          <p:spPr>
-            <a:xfrm>
-              <a:off x="3564140" y="3550407"/>
-              <a:ext cx="1320599" cy="627864"/>
-            </a:xfrm>
-            <a:prstGeom prst="rect">
-              <a:avLst/>
-            </a:prstGeom>
-            <a:noFill/>
-          </p:spPr>
-          <p:txBody>
-            <a:bodyPr wrap="square" lIns="182880" tIns="146304" rIns="182880" bIns="146304" rtlCol="0">
-              <a:spAutoFit/>
-            </a:bodyPr>
-            <a:lstStyle/>
-            <a:p>
-              <a:pPr algn="ctr">
-                <a:lnSpc>
-                  <a:spcPct val="90000"/>
-                </a:lnSpc>
-                <a:spcAft>
-                  <a:spcPts val="600"/>
-                </a:spcAft>
-              </a:pPr>
-              <a:r>
-                <a:rPr lang="en-US" sz="1200" b="1" dirty="0">
-                  <a:solidFill>
-                    <a:schemeClr val="bg1"/>
-                  </a:solidFill>
-                </a:rPr>
-                <a:t>Merge to master</a:t>
-              </a:r>
-            </a:p>
-          </p:txBody>
-        </p:sp>
-        <p:pic>
-          <p:nvPicPr>
-            <p:cNvPr id="73" name="Picture 72">
-              <a:extLst>
-                <a:ext uri="{FF2B5EF4-FFF2-40B4-BE49-F238E27FC236}">
-                  <a16:creationId xmlns:a16="http://schemas.microsoft.com/office/drawing/2014/main" id="{B8D97F0B-468D-4104-8724-FEB134D4F5A1}"/>
-                </a:ext>
-              </a:extLst>
-            </p:cNvPr>
-            <p:cNvPicPr>
-              <a:picLocks noChangeAspect="1"/>
-            </p:cNvPicPr>
-            <p:nvPr/>
-          </p:nvPicPr>
-          <p:blipFill>
-            <a:blip r:embed="rId4" cstate="print">
-              <a:extLst>
-                <a:ext uri="{28A0092B-C50C-407E-A947-70E740481C1C}">
-                  <a14:useLocalDpi xmlns:a14="http://schemas.microsoft.com/office/drawing/2010/main" val="0"/>
-                </a:ext>
-              </a:extLst>
-            </a:blip>
-            <a:stretch>
-              <a:fillRect/>
-            </a:stretch>
-          </p:blipFill>
-          <p:spPr>
-            <a:xfrm>
-              <a:off x="3968853" y="3083417"/>
-              <a:ext cx="472161" cy="472161"/>
-            </a:xfrm>
-            <a:prstGeom prst="rect">
-              <a:avLst/>
-            </a:prstGeom>
-          </p:spPr>
-        </p:pic>
-        <p:cxnSp>
-          <p:nvCxnSpPr>
-            <p:cNvPr id="76" name="Straight Arrow Connector 75">
-              <a:extLst>
-                <a:ext uri="{FF2B5EF4-FFF2-40B4-BE49-F238E27FC236}">
-                  <a16:creationId xmlns:a16="http://schemas.microsoft.com/office/drawing/2014/main" id="{A3EAD52A-A358-48F8-9ECD-DE98470B2BCC}"/>
-                </a:ext>
-              </a:extLst>
-            </p:cNvPr>
-            <p:cNvCxnSpPr>
-              <a:cxnSpLocks/>
-            </p:cNvCxnSpPr>
-            <p:nvPr/>
-          </p:nvCxnSpPr>
-          <p:spPr>
-            <a:xfrm flipV="1">
-              <a:off x="3448050" y="3466817"/>
-              <a:ext cx="469576" cy="382"/>
-            </a:xfrm>
-            <a:prstGeom prst="straightConnector1">
-              <a:avLst/>
-            </a:prstGeom>
-            <a:ln>
-              <a:solidFill>
-                <a:schemeClr val="bg1">
-                  <a:lumMod val="50000"/>
-                </a:schemeClr>
-              </a:solidFill>
-              <a:headEnd type="none"/>
-              <a:tailEnd type="triangle"/>
-            </a:ln>
-          </p:spPr>
-          <p:style>
-            <a:lnRef idx="1">
-              <a:schemeClr val="accent1"/>
-            </a:lnRef>
-            <a:fillRef idx="0">
-              <a:schemeClr val="accent1"/>
-            </a:fillRef>
-            <a:effectRef idx="0">
-              <a:schemeClr val="accent1"/>
-            </a:effectRef>
-            <a:fontRef idx="minor">
-              <a:schemeClr val="tx1"/>
-            </a:fontRef>
-          </p:style>
-        </p:cxnSp>
-        <p:cxnSp>
-          <p:nvCxnSpPr>
-            <p:cNvPr id="77" name="Straight Arrow Connector 76">
-              <a:extLst>
-                <a:ext uri="{FF2B5EF4-FFF2-40B4-BE49-F238E27FC236}">
-                  <a16:creationId xmlns:a16="http://schemas.microsoft.com/office/drawing/2014/main" id="{B5686A60-6BF8-421A-9BE1-A9AC299E4EF9}"/>
-                </a:ext>
-              </a:extLst>
-            </p:cNvPr>
-            <p:cNvCxnSpPr>
-              <a:cxnSpLocks/>
-            </p:cNvCxnSpPr>
-            <p:nvPr/>
-          </p:nvCxnSpPr>
-          <p:spPr>
-            <a:xfrm>
-              <a:off x="2264878" y="3467199"/>
-              <a:ext cx="468797" cy="0"/>
-            </a:xfrm>
-            <a:prstGeom prst="straightConnector1">
-              <a:avLst/>
-            </a:prstGeom>
-            <a:ln>
-              <a:solidFill>
-                <a:schemeClr val="bg1">
-                  <a:lumMod val="50000"/>
-                </a:schemeClr>
-              </a:solidFill>
-              <a:headEnd type="none"/>
-              <a:tailEnd type="triangle"/>
-            </a:ln>
-          </p:spPr>
-          <p:style>
-            <a:lnRef idx="1">
-              <a:schemeClr val="accent1"/>
-            </a:lnRef>
-            <a:fillRef idx="0">
-              <a:schemeClr val="accent1"/>
-            </a:fillRef>
-            <a:effectRef idx="0">
-              <a:schemeClr val="accent1"/>
-            </a:effectRef>
-            <a:fontRef idx="minor">
-              <a:schemeClr val="tx1"/>
-            </a:fontRef>
-          </p:style>
-        </p:cxnSp>
-        <p:cxnSp>
-          <p:nvCxnSpPr>
-            <p:cNvPr id="78" name="Straight Arrow Connector 77">
-              <a:extLst>
-                <a:ext uri="{FF2B5EF4-FFF2-40B4-BE49-F238E27FC236}">
-                  <a16:creationId xmlns:a16="http://schemas.microsoft.com/office/drawing/2014/main" id="{8B2CF5C8-9349-495B-824E-DA85466383E0}"/>
-                </a:ext>
-              </a:extLst>
-            </p:cNvPr>
-            <p:cNvCxnSpPr>
-              <a:cxnSpLocks/>
-            </p:cNvCxnSpPr>
-            <p:nvPr/>
-          </p:nvCxnSpPr>
-          <p:spPr>
-            <a:xfrm>
-              <a:off x="1031385" y="3467199"/>
-              <a:ext cx="468797" cy="0"/>
-            </a:xfrm>
-            <a:prstGeom prst="straightConnector1">
-              <a:avLst/>
-            </a:prstGeom>
-            <a:ln>
-              <a:solidFill>
-                <a:schemeClr val="bg1">
-                  <a:lumMod val="50000"/>
-                </a:schemeClr>
-              </a:solidFill>
-              <a:headEnd type="none"/>
-              <a:tailEnd type="triangle"/>
-            </a:ln>
-          </p:spPr>
-          <p:style>
-            <a:lnRef idx="1">
-              <a:schemeClr val="accent1"/>
-            </a:lnRef>
-            <a:fillRef idx="0">
-              <a:schemeClr val="accent1"/>
-            </a:fillRef>
-            <a:effectRef idx="0">
-              <a:schemeClr val="accent1"/>
-            </a:effectRef>
-            <a:fontRef idx="minor">
-              <a:schemeClr val="tx1"/>
-            </a:fontRef>
-          </p:style>
-        </p:cxnSp>
       </p:grpSp>
     </p:spTree>
     <p:extLst>

--- a/Whiteboard design session/resources/Diagrams.pptx
+++ b/Whiteboard design session/resources/Diagrams.pptx
@@ -15123,10 +15123,10 @@
       </p:sp>
       <p:grpSp>
         <p:nvGrpSpPr>
-          <p:cNvPr id="5" name="Group 4">
+          <p:cNvPr id="7" name="Group 6">
             <a:extLst>
               <a:ext uri="{FF2B5EF4-FFF2-40B4-BE49-F238E27FC236}">
-                <a16:creationId xmlns:a16="http://schemas.microsoft.com/office/drawing/2014/main" id="{967F10F1-82F0-AB41-9104-EF5EEB89DDF0}"/>
+                <a16:creationId xmlns:a16="http://schemas.microsoft.com/office/drawing/2014/main" id="{96991C71-90DB-224B-B63B-67B1994FD601}"/>
               </a:ext>
             </a:extLst>
           </p:cNvPr>
@@ -15237,8 +15237,9 @@
                     </a:gsLst>
                     <a:lin ang="5400000" scaled="0"/>
                   </a:gradFill>
+                  <a:latin typeface="Arial" panose="020B0604020202020204" pitchFamily="34" charset="0"/>
                   <a:ea typeface="Segoe UI" pitchFamily="34" charset="0"/>
-                  <a:cs typeface="Segoe UI" pitchFamily="34" charset="0"/>
+                  <a:cs typeface="Arial" panose="020B0604020202020204" pitchFamily="34" charset="0"/>
                 </a:endParaRPr>
               </a:p>
             </p:txBody>
@@ -15322,8 +15323,9 @@
                     </a:gsLst>
                     <a:lin ang="5400000" scaled="0"/>
                   </a:gradFill>
+                  <a:latin typeface="Arial" panose="020B0604020202020204" pitchFamily="34" charset="0"/>
                   <a:ea typeface="Segoe UI" pitchFamily="34" charset="0"/>
-                  <a:cs typeface="Segoe UI" pitchFamily="34" charset="0"/>
+                  <a:cs typeface="Arial" panose="020B0604020202020204" pitchFamily="34" charset="0"/>
                 </a:endParaRPr>
               </a:p>
             </p:txBody>
@@ -15365,10 +15367,12 @@
                   </a:spcAft>
                 </a:pPr>
                 <a:r>
-                  <a:rPr lang="en-US" sz="1600" b="1" dirty="0">
+                  <a:rPr lang="en-US" sz="1600" dirty="0">
                     <a:solidFill>
                       <a:schemeClr val="bg1"/>
                     </a:solidFill>
+                    <a:latin typeface="Arial" panose="020B0604020202020204" pitchFamily="34" charset="0"/>
+                    <a:cs typeface="Arial" panose="020B0604020202020204" pitchFamily="34" charset="0"/>
                   </a:rPr>
                   <a:t>Azure DevOps</a:t>
                 </a:r>
@@ -15390,7 +15394,7 @@
             <p:spPr>
               <a:xfrm>
                 <a:off x="1176624" y="3547434"/>
-                <a:ext cx="1317555" cy="960263"/>
+                <a:ext cx="1317555" cy="904863"/>
               </a:xfrm>
               <a:prstGeom prst="rect">
                 <a:avLst/>
@@ -15412,10 +15416,12 @@
                   </a:spcAft>
                 </a:pPr>
                 <a:r>
-                  <a:rPr lang="en-US" sz="1200" b="1" dirty="0">
+                  <a:rPr lang="en-US" sz="1100" dirty="0">
                     <a:solidFill>
                       <a:schemeClr val="bg1"/>
                     </a:solidFill>
+                    <a:latin typeface="Arial" panose="020B0604020202020204" pitchFamily="34" charset="0"/>
+                    <a:cs typeface="Arial" panose="020B0604020202020204" pitchFamily="34" charset="0"/>
                   </a:rPr>
                   <a:t>Commit and push local branch to Azure DevOps</a:t>
                 </a:r>
@@ -15509,7 +15515,7 @@
             <p:spPr>
               <a:xfrm>
                 <a:off x="340550" y="3593674"/>
-                <a:ext cx="851333" cy="627864"/>
+                <a:ext cx="851333" cy="600164"/>
               </a:xfrm>
               <a:prstGeom prst="rect">
                 <a:avLst/>
@@ -15531,10 +15537,12 @@
                   </a:spcAft>
                 </a:pPr>
                 <a:r>
-                  <a:rPr lang="en-US" sz="1200" b="1" dirty="0">
+                  <a:rPr lang="en-US" sz="1100" dirty="0">
                     <a:solidFill>
                       <a:schemeClr val="bg1"/>
                     </a:solidFill>
+                    <a:latin typeface="Arial" panose="020B0604020202020204" pitchFamily="34" charset="0"/>
+                    <a:cs typeface="Arial" panose="020B0604020202020204" pitchFamily="34" charset="0"/>
                   </a:rPr>
                   <a:t>Edit code</a:t>
                 </a:r>
@@ -15618,8 +15626,9 @@
                       </a:gsLst>
                       <a:lin ang="5400000" scaled="0"/>
                     </a:gradFill>
+                    <a:latin typeface="Arial" panose="020B0604020202020204" pitchFamily="34" charset="0"/>
                     <a:ea typeface="Segoe UI" pitchFamily="34" charset="0"/>
-                    <a:cs typeface="Segoe UI" pitchFamily="34" charset="0"/>
+                    <a:cs typeface="Arial" panose="020B0604020202020204" pitchFamily="34" charset="0"/>
                   </a:rPr>
                   <a:t>Build (+tests)</a:t>
                 </a:r>
@@ -15703,8 +15712,9 @@
                       </a:gsLst>
                       <a:lin ang="5400000" scaled="0"/>
                     </a:gradFill>
+                    <a:latin typeface="Arial" panose="020B0604020202020204" pitchFamily="34" charset="0"/>
                     <a:ea typeface="Segoe UI" pitchFamily="34" charset="0"/>
-                    <a:cs typeface="Segoe UI" pitchFamily="34" charset="0"/>
+                    <a:cs typeface="Arial" panose="020B0604020202020204" pitchFamily="34" charset="0"/>
                   </a:rPr>
                   <a:t>Release Management</a:t>
                 </a:r>
@@ -15726,7 +15736,7 @@
             <p:spPr>
               <a:xfrm>
                 <a:off x="5008146" y="3827099"/>
-                <a:ext cx="1128713" cy="627864"/>
+                <a:ext cx="1128713" cy="600164"/>
               </a:xfrm>
               <a:prstGeom prst="rect">
                 <a:avLst/>
@@ -15748,10 +15758,12 @@
                   </a:spcAft>
                 </a:pPr>
                 <a:r>
-                  <a:rPr lang="en-US" sz="1200" b="1" dirty="0">
+                  <a:rPr lang="en-US" sz="1100" dirty="0">
                     <a:solidFill>
                       <a:schemeClr val="bg1"/>
                     </a:solidFill>
+                    <a:latin typeface="Arial" panose="020B0604020202020204" pitchFamily="34" charset="0"/>
+                    <a:cs typeface="Arial" panose="020B0604020202020204" pitchFamily="34" charset="0"/>
                   </a:rPr>
                   <a:t>Continuous Integration</a:t>
                 </a:r>
@@ -15773,7 +15785,7 @@
             <p:spPr>
               <a:xfrm>
                 <a:off x="6496972" y="3827099"/>
-                <a:ext cx="1185717" cy="627864"/>
+                <a:ext cx="1185717" cy="600164"/>
               </a:xfrm>
               <a:prstGeom prst="rect">
                 <a:avLst/>
@@ -15795,10 +15807,12 @@
                   </a:spcAft>
                 </a:pPr>
                 <a:r>
-                  <a:rPr lang="en-US" sz="1200" b="1" dirty="0">
+                  <a:rPr lang="en-US" sz="1100" dirty="0">
                     <a:solidFill>
                       <a:schemeClr val="bg1"/>
                     </a:solidFill>
+                    <a:latin typeface="Arial" panose="020B0604020202020204" pitchFamily="34" charset="0"/>
+                    <a:cs typeface="Arial" panose="020B0604020202020204" pitchFamily="34" charset="0"/>
                   </a:rPr>
                   <a:t>Continuous Deployment</a:t>
                 </a:r>
@@ -15956,10 +15970,12 @@
                     </a:spcAft>
                   </a:pPr>
                   <a:r>
-                    <a:rPr lang="en-US" sz="1600" b="1" dirty="0">
+                    <a:rPr lang="en-US" sz="1600" dirty="0">
                       <a:solidFill>
                         <a:schemeClr val="bg1"/>
                       </a:solidFill>
+                      <a:latin typeface="Arial" panose="020B0604020202020204" pitchFamily="34" charset="0"/>
+                      <a:cs typeface="Arial" panose="020B0604020202020204" pitchFamily="34" charset="0"/>
                     </a:rPr>
                     <a:t>Azure</a:t>
                   </a:r>
@@ -16018,9 +16034,9 @@
             <p:grpSpPr>
               <a:xfrm>
                 <a:off x="8577324" y="2486976"/>
-                <a:ext cx="1206390" cy="998405"/>
+                <a:ext cx="1206390" cy="970705"/>
                 <a:chOff x="8577324" y="2506028"/>
-                <a:chExt cx="1206390" cy="998405"/>
+                <a:chExt cx="1206390" cy="970705"/>
               </a:xfrm>
             </p:grpSpPr>
             <p:sp>
@@ -16091,7 +16107,7 @@
                     </a:spcAft>
                   </a:pPr>
                   <a:r>
-                    <a:rPr lang="en-US" sz="900" b="1" dirty="0">
+                    <a:rPr lang="en-US" sz="900" dirty="0">
                       <a:gradFill>
                         <a:gsLst>
                           <a:gs pos="0">
@@ -16103,8 +16119,9 @@
                         </a:gsLst>
                         <a:lin ang="5400000" scaled="0"/>
                       </a:gradFill>
+                      <a:latin typeface="Arial" panose="020B0604020202020204" pitchFamily="34" charset="0"/>
                       <a:ea typeface="Segoe UI" pitchFamily="34" charset="0"/>
-                      <a:cs typeface="Segoe UI" pitchFamily="34" charset="0"/>
+                      <a:cs typeface="Arial" panose="020B0604020202020204" pitchFamily="34" charset="0"/>
                     </a:rPr>
                     <a:t>development</a:t>
                   </a:r>
@@ -16126,7 +16143,7 @@
               <p:spPr>
                 <a:xfrm>
                   <a:off x="8577324" y="2959668"/>
-                  <a:ext cx="739729" cy="544765"/>
+                  <a:ext cx="739729" cy="517065"/>
                 </a:xfrm>
                 <a:prstGeom prst="rect">
                   <a:avLst/>
@@ -16148,10 +16165,12 @@
                     </a:spcAft>
                   </a:pPr>
                   <a:r>
-                    <a:rPr lang="en-US" sz="900" b="1" dirty="0">
+                    <a:rPr lang="en-US" sz="800" dirty="0">
                       <a:solidFill>
                         <a:schemeClr val="bg1"/>
                       </a:solidFill>
+                      <a:latin typeface="Arial" panose="020B0604020202020204" pitchFamily="34" charset="0"/>
+                      <a:cs typeface="Arial" panose="020B0604020202020204" pitchFamily="34" charset="0"/>
                     </a:rPr>
                     <a:t>App Service</a:t>
                   </a:r>
@@ -16209,7 +16228,7 @@
               <p:spPr>
                 <a:xfrm>
                   <a:off x="9043985" y="2953869"/>
-                  <a:ext cx="739729" cy="544765"/>
+                  <a:ext cx="739729" cy="517065"/>
                 </a:xfrm>
                 <a:prstGeom prst="rect">
                   <a:avLst/>
@@ -16231,10 +16250,12 @@
                     </a:spcAft>
                   </a:pPr>
                   <a:r>
-                    <a:rPr lang="en-US" sz="900" b="1" dirty="0">
+                    <a:rPr lang="en-US" sz="800" dirty="0">
                       <a:solidFill>
                         <a:schemeClr val="bg1"/>
                       </a:solidFill>
+                      <a:latin typeface="Arial" panose="020B0604020202020204" pitchFamily="34" charset="0"/>
+                      <a:cs typeface="Arial" panose="020B0604020202020204" pitchFamily="34" charset="0"/>
                     </a:rPr>
                     <a:t>Azure SQL</a:t>
                   </a:r>
@@ -16293,9 +16314,9 @@
             <p:grpSpPr>
               <a:xfrm>
                 <a:off x="10016843" y="3013941"/>
-                <a:ext cx="1206390" cy="998405"/>
+                <a:ext cx="1206390" cy="970705"/>
                 <a:chOff x="8577324" y="2506028"/>
-                <a:chExt cx="1206390" cy="998405"/>
+                <a:chExt cx="1206390" cy="970705"/>
               </a:xfrm>
             </p:grpSpPr>
             <p:sp>
@@ -16366,7 +16387,7 @@
                     </a:spcAft>
                   </a:pPr>
                   <a:r>
-                    <a:rPr lang="en-US" sz="900" b="1" dirty="0">
+                    <a:rPr lang="en-US" sz="900" dirty="0">
                       <a:gradFill>
                         <a:gsLst>
                           <a:gs pos="0">
@@ -16378,8 +16399,9 @@
                         </a:gsLst>
                         <a:lin ang="5400000" scaled="0"/>
                       </a:gradFill>
+                      <a:latin typeface="Arial" panose="020B0604020202020204" pitchFamily="34" charset="0"/>
                       <a:ea typeface="Segoe UI" pitchFamily="34" charset="0"/>
-                      <a:cs typeface="Segoe UI" pitchFamily="34" charset="0"/>
+                      <a:cs typeface="Arial" panose="020B0604020202020204" pitchFamily="34" charset="0"/>
                     </a:rPr>
                     <a:t>test</a:t>
                   </a:r>
@@ -16401,7 +16423,7 @@
               <p:spPr>
                 <a:xfrm>
                   <a:off x="8577324" y="2959668"/>
-                  <a:ext cx="739729" cy="544765"/>
+                  <a:ext cx="739729" cy="517065"/>
                 </a:xfrm>
                 <a:prstGeom prst="rect">
                   <a:avLst/>
@@ -16423,10 +16445,12 @@
                     </a:spcAft>
                   </a:pPr>
                   <a:r>
-                    <a:rPr lang="en-US" sz="900" b="1" dirty="0">
+                    <a:rPr lang="en-US" sz="800" dirty="0">
                       <a:solidFill>
                         <a:schemeClr val="bg1"/>
                       </a:solidFill>
+                      <a:latin typeface="Arial" panose="020B0604020202020204" pitchFamily="34" charset="0"/>
+                      <a:cs typeface="Arial" panose="020B0604020202020204" pitchFamily="34" charset="0"/>
                     </a:rPr>
                     <a:t>App Service</a:t>
                   </a:r>
@@ -16484,7 +16508,7 @@
               <p:spPr>
                 <a:xfrm>
                   <a:off x="9043985" y="2953869"/>
-                  <a:ext cx="739729" cy="544765"/>
+                  <a:ext cx="739729" cy="517065"/>
                 </a:xfrm>
                 <a:prstGeom prst="rect">
                   <a:avLst/>
@@ -16506,10 +16530,12 @@
                     </a:spcAft>
                   </a:pPr>
                   <a:r>
-                    <a:rPr lang="en-US" sz="900" b="1" dirty="0">
+                    <a:rPr lang="en-US" sz="800" dirty="0">
                       <a:solidFill>
                         <a:schemeClr val="bg1"/>
                       </a:solidFill>
+                      <a:latin typeface="Arial" panose="020B0604020202020204" pitchFamily="34" charset="0"/>
+                      <a:cs typeface="Arial" panose="020B0604020202020204" pitchFamily="34" charset="0"/>
                     </a:rPr>
                     <a:t>Azure SQL</a:t>
                   </a:r>
@@ -16568,9 +16594,9 @@
             <p:grpSpPr>
               <a:xfrm>
                 <a:off x="8580705" y="3561298"/>
-                <a:ext cx="1206390" cy="998405"/>
+                <a:ext cx="1206390" cy="970705"/>
                 <a:chOff x="8577324" y="2506028"/>
-                <a:chExt cx="1206390" cy="998405"/>
+                <a:chExt cx="1206390" cy="970705"/>
               </a:xfrm>
             </p:grpSpPr>
             <p:sp>
@@ -16641,7 +16667,7 @@
                     </a:spcAft>
                   </a:pPr>
                   <a:r>
-                    <a:rPr lang="en-US" sz="900" b="1" dirty="0">
+                    <a:rPr lang="en-US" sz="900" dirty="0">
                       <a:gradFill>
                         <a:gsLst>
                           <a:gs pos="0">
@@ -16653,8 +16679,9 @@
                         </a:gsLst>
                         <a:lin ang="5400000" scaled="0"/>
                       </a:gradFill>
+                      <a:latin typeface="Arial" panose="020B0604020202020204" pitchFamily="34" charset="0"/>
                       <a:ea typeface="Segoe UI" pitchFamily="34" charset="0"/>
-                      <a:cs typeface="Segoe UI" pitchFamily="34" charset="0"/>
+                      <a:cs typeface="Arial" panose="020B0604020202020204" pitchFamily="34" charset="0"/>
                     </a:rPr>
                     <a:t>production</a:t>
                   </a:r>
@@ -16676,7 +16703,7 @@
               <p:spPr>
                 <a:xfrm>
                   <a:off x="8577324" y="2959668"/>
-                  <a:ext cx="739729" cy="544765"/>
+                  <a:ext cx="739729" cy="517065"/>
                 </a:xfrm>
                 <a:prstGeom prst="rect">
                   <a:avLst/>
@@ -16698,10 +16725,12 @@
                     </a:spcAft>
                   </a:pPr>
                   <a:r>
-                    <a:rPr lang="en-US" sz="900" b="1" dirty="0">
+                    <a:rPr lang="en-US" sz="800" dirty="0">
                       <a:solidFill>
                         <a:schemeClr val="bg1"/>
                       </a:solidFill>
+                      <a:latin typeface="Arial" panose="020B0604020202020204" pitchFamily="34" charset="0"/>
+                      <a:cs typeface="Arial" panose="020B0604020202020204" pitchFamily="34" charset="0"/>
                     </a:rPr>
                     <a:t>App Service</a:t>
                   </a:r>
@@ -16759,7 +16788,7 @@
               <p:spPr>
                 <a:xfrm>
                   <a:off x="9043985" y="2953869"/>
-                  <a:ext cx="739729" cy="544765"/>
+                  <a:ext cx="739729" cy="517065"/>
                 </a:xfrm>
                 <a:prstGeom prst="rect">
                   <a:avLst/>
@@ -16781,10 +16810,12 @@
                     </a:spcAft>
                   </a:pPr>
                   <a:r>
-                    <a:rPr lang="en-US" sz="900" b="1" dirty="0">
+                    <a:rPr lang="en-US" sz="800" dirty="0">
                       <a:solidFill>
                         <a:schemeClr val="bg1"/>
                       </a:solidFill>
+                      <a:latin typeface="Arial" panose="020B0604020202020204" pitchFamily="34" charset="0"/>
+                      <a:cs typeface="Arial" panose="020B0604020202020204" pitchFamily="34" charset="0"/>
                     </a:rPr>
                     <a:t>Azure SQL</a:t>
                   </a:r>
@@ -16885,10 +16916,12 @@
                     </a:spcAft>
                   </a:pPr>
                   <a:r>
-                    <a:rPr lang="en-US" sz="1100" b="1" dirty="0">
+                    <a:rPr lang="en-US" sz="1100" dirty="0">
                       <a:solidFill>
                         <a:schemeClr val="bg1"/>
                       </a:solidFill>
+                      <a:latin typeface="Arial" panose="020B0604020202020204" pitchFamily="34" charset="0"/>
+                      <a:cs typeface="Arial" panose="020B0604020202020204" pitchFamily="34" charset="0"/>
                     </a:rPr>
                     <a:t>Application Insights</a:t>
                   </a:r>
@@ -17244,7 +17277,7 @@
             <p:spPr>
               <a:xfrm>
                 <a:off x="2479144" y="3539599"/>
-                <a:ext cx="1320599" cy="794064"/>
+                <a:ext cx="1320599" cy="752514"/>
               </a:xfrm>
               <a:prstGeom prst="rect">
                 <a:avLst/>
@@ -17266,10 +17299,12 @@
                   </a:spcAft>
                 </a:pPr>
                 <a:r>
-                  <a:rPr lang="en-US" sz="1200" b="1" dirty="0">
+                  <a:rPr lang="en-US" sz="1100" dirty="0">
                     <a:solidFill>
                       <a:schemeClr val="bg1"/>
                     </a:solidFill>
+                    <a:latin typeface="Arial" panose="020B0604020202020204" pitchFamily="34" charset="0"/>
+                    <a:cs typeface="Arial" panose="020B0604020202020204" pitchFamily="34" charset="0"/>
                   </a:rPr>
                   <a:t>Create a Pull Request for peer review</a:t>
                 </a:r>
@@ -17327,7 +17362,7 @@
             <p:spPr>
               <a:xfrm>
                 <a:off x="3564140" y="3550407"/>
-                <a:ext cx="1320599" cy="627864"/>
+                <a:ext cx="1320599" cy="600164"/>
               </a:xfrm>
               <a:prstGeom prst="rect">
                 <a:avLst/>
@@ -17349,10 +17384,12 @@
                   </a:spcAft>
                 </a:pPr>
                 <a:r>
-                  <a:rPr lang="en-US" sz="1200" b="1" dirty="0">
+                  <a:rPr lang="en-US" sz="1100" dirty="0">
                     <a:solidFill>
                       <a:schemeClr val="bg1"/>
                     </a:solidFill>
+                    <a:latin typeface="Arial" panose="020B0604020202020204" pitchFamily="34" charset="0"/>
+                    <a:cs typeface="Arial" panose="020B0604020202020204" pitchFamily="34" charset="0"/>
                   </a:rPr>
                   <a:t>Merge to master</a:t>
                 </a:r>

--- a/Whiteboard design session/resources/Diagrams.pptx
+++ b/Whiteboard design session/resources/Diagrams.pptx
@@ -200,7 +200,7 @@
           <a:p>
             <a:fld id="{877E2508-B5E2-4D40-8ED0-8E8E41B00F04}" type="datetimeFigureOut">
               <a:rPr lang="en-US" smtClean="0"/>
-              <a:t>1/15/19</a:t>
+              <a:t>8/8/19</a:t>
             </a:fld>
             <a:endParaRPr lang="en-US"/>
           </a:p>
@@ -842,7 +842,7 @@
           <a:p>
             <a:fld id="{6F32BA24-77A6-4699-9B9E-D0B6E743AD6F}" type="datetimeFigureOut">
               <a:rPr lang="en-US" smtClean="0"/>
-              <a:t>1/15/19</a:t>
+              <a:t>8/8/19</a:t>
             </a:fld>
             <a:endParaRPr lang="en-US"/>
           </a:p>
@@ -1040,7 +1040,7 @@
           <a:p>
             <a:fld id="{6F32BA24-77A6-4699-9B9E-D0B6E743AD6F}" type="datetimeFigureOut">
               <a:rPr lang="en-US" smtClean="0"/>
-              <a:t>1/15/19</a:t>
+              <a:t>8/8/19</a:t>
             </a:fld>
             <a:endParaRPr lang="en-US"/>
           </a:p>
@@ -1248,7 +1248,7 @@
           <a:p>
             <a:fld id="{6F32BA24-77A6-4699-9B9E-D0B6E743AD6F}" type="datetimeFigureOut">
               <a:rPr lang="en-US" smtClean="0"/>
-              <a:t>1/15/19</a:t>
+              <a:t>8/8/19</a:t>
             </a:fld>
             <a:endParaRPr lang="en-US"/>
           </a:p>
@@ -6448,7 +6448,7 @@
           <a:p>
             <a:fld id="{6F32BA24-77A6-4699-9B9E-D0B6E743AD6F}" type="datetimeFigureOut">
               <a:rPr lang="en-US" smtClean="0"/>
-              <a:t>1/15/19</a:t>
+              <a:t>8/8/19</a:t>
             </a:fld>
             <a:endParaRPr lang="en-US"/>
           </a:p>
@@ -9401,7 +9401,7 @@
           <a:p>
             <a:fld id="{6F32BA24-77A6-4699-9B9E-D0B6E743AD6F}" type="datetimeFigureOut">
               <a:rPr lang="en-US" smtClean="0"/>
-              <a:t>1/15/19</a:t>
+              <a:t>8/8/19</a:t>
             </a:fld>
             <a:endParaRPr lang="en-US"/>
           </a:p>
@@ -9666,7 +9666,7 @@
           <a:p>
             <a:fld id="{6F32BA24-77A6-4699-9B9E-D0B6E743AD6F}" type="datetimeFigureOut">
               <a:rPr lang="en-US" smtClean="0"/>
-              <a:t>1/15/19</a:t>
+              <a:t>8/8/19</a:t>
             </a:fld>
             <a:endParaRPr lang="en-US"/>
           </a:p>
@@ -10078,7 +10078,7 @@
           <a:p>
             <a:fld id="{6F32BA24-77A6-4699-9B9E-D0B6E743AD6F}" type="datetimeFigureOut">
               <a:rPr lang="en-US" smtClean="0"/>
-              <a:t>1/15/19</a:t>
+              <a:t>8/8/19</a:t>
             </a:fld>
             <a:endParaRPr lang="en-US"/>
           </a:p>
@@ -10219,7 +10219,7 @@
           <a:p>
             <a:fld id="{6F32BA24-77A6-4699-9B9E-D0B6E743AD6F}" type="datetimeFigureOut">
               <a:rPr lang="en-US" smtClean="0"/>
-              <a:t>1/15/19</a:t>
+              <a:t>8/8/19</a:t>
             </a:fld>
             <a:endParaRPr lang="en-US"/>
           </a:p>
@@ -10332,7 +10332,7 @@
           <a:p>
             <a:fld id="{6F32BA24-77A6-4699-9B9E-D0B6E743AD6F}" type="datetimeFigureOut">
               <a:rPr lang="en-US" smtClean="0"/>
-              <a:t>1/15/19</a:t>
+              <a:t>8/8/19</a:t>
             </a:fld>
             <a:endParaRPr lang="en-US"/>
           </a:p>
@@ -10643,7 +10643,7 @@
           <a:p>
             <a:fld id="{6F32BA24-77A6-4699-9B9E-D0B6E743AD6F}" type="datetimeFigureOut">
               <a:rPr lang="en-US" smtClean="0"/>
-              <a:t>1/15/19</a:t>
+              <a:t>8/8/19</a:t>
             </a:fld>
             <a:endParaRPr lang="en-US"/>
           </a:p>
@@ -10931,7 +10931,7 @@
           <a:p>
             <a:fld id="{6F32BA24-77A6-4699-9B9E-D0B6E743AD6F}" type="datetimeFigureOut">
               <a:rPr lang="en-US" smtClean="0"/>
-              <a:t>1/15/19</a:t>
+              <a:t>8/8/19</a:t>
             </a:fld>
             <a:endParaRPr lang="en-US"/>
           </a:p>
@@ -11172,7 +11172,7 @@
           <a:p>
             <a:fld id="{6F32BA24-77A6-4699-9B9E-D0B6E743AD6F}" type="datetimeFigureOut">
               <a:rPr lang="en-US" smtClean="0"/>
-              <a:t>1/15/19</a:t>
+              <a:t>8/8/19</a:t>
             </a:fld>
             <a:endParaRPr lang="en-US"/>
           </a:p>
@@ -12068,7 +12068,7 @@
       </a:lvl9pPr>
     </p:otherStyle>
   </p:txStyles>
-  <p:extLst mod="1">
+  <p:extLst>
     <p:ext uri="{27BBF7A9-308A-43DC-89C8-2F10F3537804}">
       <p15:sldGuideLst xmlns:p15="http://schemas.microsoft.com/office/powerpoint/2012/main">
         <p15:guide id="1" orient="horz" pos="187">
@@ -12387,10 +12387,10 @@
         </p:sp>
         <p:pic>
           <p:nvPicPr>
-            <p:cNvPr id="35" name="Picture 34">
+            <p:cNvPr id="38" name="Picture 37">
               <a:extLst>
                 <a:ext uri="{FF2B5EF4-FFF2-40B4-BE49-F238E27FC236}">
-                  <a16:creationId xmlns:a16="http://schemas.microsoft.com/office/drawing/2014/main" id="{F8B0D756-2251-4861-845C-68E900B5303A}"/>
+                  <a16:creationId xmlns:a16="http://schemas.microsoft.com/office/drawing/2014/main" id="{10EEF79E-301D-4D32-92A3-50AC81A2D8D9}"/>
                 </a:ext>
               </a:extLst>
             </p:cNvPr>
@@ -12413,115 +12413,8 @@
           </p:blipFill>
           <p:spPr>
             <a:xfrm>
-              <a:off x="5990335" y="1815367"/>
-              <a:ext cx="481585" cy="481585"/>
-            </a:xfrm>
-            <a:prstGeom prst="rect">
-              <a:avLst/>
-            </a:prstGeom>
-          </p:spPr>
-        </p:pic>
-        <p:sp>
-          <p:nvSpPr>
-            <p:cNvPr id="36" name="TextBox 35">
-              <a:extLst>
-                <a:ext uri="{FF2B5EF4-FFF2-40B4-BE49-F238E27FC236}">
-                  <a16:creationId xmlns:a16="http://schemas.microsoft.com/office/drawing/2014/main" id="{F6900F80-BC0E-41D1-A53B-3414B98E6FBC}"/>
-                </a:ext>
-              </a:extLst>
-            </p:cNvPr>
-            <p:cNvSpPr txBox="1"/>
-            <p:nvPr/>
-          </p:nvSpPr>
-          <p:spPr>
-            <a:xfrm>
-              <a:off x="6680200" y="1814155"/>
-              <a:ext cx="5725280" cy="400110"/>
-            </a:xfrm>
-            <a:prstGeom prst="rect">
-              <a:avLst/>
-            </a:prstGeom>
-            <a:noFill/>
-          </p:spPr>
-          <p:txBody>
-            <a:bodyPr wrap="square" rtlCol="0">
-              <a:spAutoFit/>
-            </a:bodyPr>
-            <a:lstStyle/>
-            <a:p>
-              <a:r>
-                <a:rPr lang="en-US" sz="2000" dirty="0"/>
-                <a:t>Application Insights</a:t>
-              </a:r>
-            </a:p>
-          </p:txBody>
-        </p:sp>
-        <p:pic>
-          <p:nvPicPr>
-            <p:cNvPr id="38" name="Picture 37">
-              <a:extLst>
-                <a:ext uri="{FF2B5EF4-FFF2-40B4-BE49-F238E27FC236}">
-                  <a16:creationId xmlns:a16="http://schemas.microsoft.com/office/drawing/2014/main" id="{10EEF79E-301D-4D32-92A3-50AC81A2D8D9}"/>
-                </a:ext>
-              </a:extLst>
-            </p:cNvPr>
-            <p:cNvPicPr>
-              <a:picLocks noChangeAspect="1"/>
-            </p:cNvPicPr>
-            <p:nvPr/>
-          </p:nvPicPr>
-          <p:blipFill>
-            <a:blip r:embed="rId4">
-              <a:extLst>
-                <a:ext uri="{28A0092B-C50C-407E-A947-70E740481C1C}">
-                  <a14:useLocalDpi xmlns:a14="http://schemas.microsoft.com/office/drawing/2010/main" val="0"/>
-                </a:ext>
-              </a:extLst>
-            </a:blip>
-            <a:stretch>
-              <a:fillRect/>
-            </a:stretch>
-          </p:blipFill>
-          <p:spPr>
-            <a:xfrm>
-              <a:off x="6033931" y="2496905"/>
+              <a:off x="6033931" y="2453363"/>
               <a:ext cx="414427" cy="414427"/>
-            </a:xfrm>
-            <a:prstGeom prst="rect">
-              <a:avLst/>
-            </a:prstGeom>
-          </p:spPr>
-        </p:pic>
-        <p:pic>
-          <p:nvPicPr>
-            <p:cNvPr id="40" name="Picture 39">
-              <a:extLst>
-                <a:ext uri="{FF2B5EF4-FFF2-40B4-BE49-F238E27FC236}">
-                  <a16:creationId xmlns:a16="http://schemas.microsoft.com/office/drawing/2014/main" id="{EC492639-5C26-4703-9909-F9189549B146}"/>
-                </a:ext>
-              </a:extLst>
-            </p:cNvPr>
-            <p:cNvPicPr>
-              <a:picLocks noChangeAspect="1"/>
-            </p:cNvPicPr>
-            <p:nvPr/>
-          </p:nvPicPr>
-          <p:blipFill>
-            <a:blip r:embed="rId5">
-              <a:extLst>
-                <a:ext uri="{28A0092B-C50C-407E-A947-70E740481C1C}">
-                  <a14:useLocalDpi xmlns:a14="http://schemas.microsoft.com/office/drawing/2010/main" val="0"/>
-                </a:ext>
-              </a:extLst>
-            </a:blip>
-            <a:stretch>
-              <a:fillRect/>
-            </a:stretch>
-          </p:blipFill>
-          <p:spPr>
-            <a:xfrm>
-              <a:off x="6061871" y="3183727"/>
-              <a:ext cx="476505" cy="476505"/>
             </a:xfrm>
             <a:prstGeom prst="rect">
               <a:avLst/>
@@ -12577,7 +12470,7 @@
           </p:nvSpPr>
           <p:spPr>
             <a:xfrm>
-              <a:off x="6659880" y="3171859"/>
+              <a:off x="6697980" y="3150181"/>
               <a:ext cx="5725280" cy="400110"/>
             </a:xfrm>
             <a:prstGeom prst="rect">
@@ -12593,7 +12486,7 @@
             <a:p>
               <a:r>
                 <a:rPr lang="en-US" sz="2000" dirty="0"/>
-                <a:t>Azure SQL Database</a:t>
+                <a:t>Azure PostreSQL Database</a:t>
               </a:r>
             </a:p>
           </p:txBody>
@@ -13299,7 +13192,7 @@
             <p:nvPr/>
           </p:nvPicPr>
           <p:blipFill>
-            <a:blip r:embed="rId6"/>
+            <a:blip r:embed="rId4"/>
             <a:stretch>
               <a:fillRect/>
             </a:stretch>
@@ -13329,7 +13222,7 @@
             <p:nvPr/>
           </p:nvPicPr>
           <p:blipFill>
-            <a:blip r:embed="rId7"/>
+            <a:blip r:embed="rId5"/>
             <a:stretch>
               <a:fillRect/>
             </a:stretch>
@@ -13345,6 +13238,45 @@
           </p:spPr>
         </p:pic>
       </p:grpSp>
+      <p:pic>
+        <p:nvPicPr>
+          <p:cNvPr id="6" name="Graphic 5">
+            <a:extLst>
+              <a:ext uri="{FF2B5EF4-FFF2-40B4-BE49-F238E27FC236}">
+                <a16:creationId xmlns:a16="http://schemas.microsoft.com/office/drawing/2014/main" id="{7D2342AE-A794-0748-B674-4787574B7FC0}"/>
+              </a:ext>
+            </a:extLst>
+          </p:cNvPr>
+          <p:cNvPicPr>
+            <a:picLocks noChangeAspect="1"/>
+          </p:cNvPicPr>
+          <p:nvPr/>
+        </p:nvPicPr>
+        <p:blipFill>
+          <a:blip r:embed="rId6">
+            <a:extLst>
+              <a:ext uri="{28A0092B-C50C-407E-A947-70E740481C1C}">
+                <a14:useLocalDpi xmlns:a14="http://schemas.microsoft.com/office/drawing/2010/main" val="0"/>
+              </a:ext>
+              <a:ext uri="{96DAC541-7B7A-43D3-8B79-37D633B846F1}">
+                <asvg:svgBlip xmlns:asvg="http://schemas.microsoft.com/office/drawing/2016/SVG/main" r:embed="rId7"/>
+              </a:ext>
+            </a:extLst>
+          </a:blip>
+          <a:stretch>
+            <a:fillRect/>
+          </a:stretch>
+        </p:blipFill>
+        <p:spPr>
+          <a:xfrm>
+            <a:off x="6033931" y="3011465"/>
+            <a:ext cx="414427" cy="560036"/>
+          </a:xfrm>
+          <a:prstGeom prst="rect">
+            <a:avLst/>
+          </a:prstGeom>
+        </p:spPr>
+      </p:pic>
     </p:spTree>
     <p:extLst>
       <p:ext uri="{BB962C8B-B14F-4D97-AF65-F5344CB8AC3E}">
@@ -13640,42 +13572,6 @@
               <a:xfrm>
                 <a:off x="10666811" y="2592643"/>
                 <a:ext cx="412994" cy="412994"/>
-              </a:xfrm>
-              <a:prstGeom prst="rect">
-                <a:avLst/>
-              </a:prstGeom>
-            </p:spPr>
-          </p:pic>
-          <p:pic>
-            <p:nvPicPr>
-              <p:cNvPr id="11" name="Content Placeholder 12">
-                <a:extLst>
-                  <a:ext uri="{FF2B5EF4-FFF2-40B4-BE49-F238E27FC236}">
-                    <a16:creationId xmlns:a16="http://schemas.microsoft.com/office/drawing/2014/main" id="{1D605CE1-3FCE-421C-8CFE-DEABF94ABFB5}"/>
-                  </a:ext>
-                </a:extLst>
-              </p:cNvPr>
-              <p:cNvPicPr>
-                <a:picLocks noChangeAspect="1"/>
-              </p:cNvPicPr>
-              <p:nvPr/>
-            </p:nvPicPr>
-            <p:blipFill>
-              <a:blip r:embed="rId4" cstate="print">
-                <a:extLst>
-                  <a:ext uri="{28A0092B-C50C-407E-A947-70E740481C1C}">
-                    <a14:useLocalDpi xmlns:a14="http://schemas.microsoft.com/office/drawing/2010/main" val="0"/>
-                  </a:ext>
-                </a:extLst>
-              </a:blip>
-              <a:stretch>
-                <a:fillRect/>
-              </a:stretch>
-            </p:blipFill>
-            <p:spPr>
-              <a:xfrm>
-                <a:off x="10512114" y="4601497"/>
-                <a:ext cx="702724" cy="702724"/>
               </a:xfrm>
               <a:prstGeom prst="rect">
                 <a:avLst/>
@@ -13962,7 +13858,7 @@
                 <p:nvPr/>
               </p:nvPicPr>
               <p:blipFill>
-                <a:blip r:embed="rId5" cstate="print">
+                <a:blip r:embed="rId4" cstate="print">
                   <a:extLst>
                     <a:ext uri="{28A0092B-C50C-407E-A947-70E740481C1C}">
                       <a14:useLocalDpi xmlns:a14="http://schemas.microsoft.com/office/drawing/2010/main" val="0"/>
@@ -14084,7 +13980,7 @@
                 <p:nvPr/>
               </p:nvPicPr>
               <p:blipFill>
-                <a:blip r:embed="rId6" cstate="print">
+                <a:blip r:embed="rId5" cstate="print">
                   <a:extLst>
                     <a:ext uri="{28A0092B-C50C-407E-A947-70E740481C1C}">
                       <a14:useLocalDpi xmlns:a14="http://schemas.microsoft.com/office/drawing/2010/main" val="0"/>
@@ -14378,7 +14274,7 @@
                       <p:nvPr/>
                     </p:nvPicPr>
                     <p:blipFill>
-                      <a:blip r:embed="rId7" cstate="print">
+                      <a:blip r:embed="rId6" cstate="print">
                         <a:extLst>
                           <a:ext uri="{28A0092B-C50C-407E-A947-70E740481C1C}">
                             <a14:useLocalDpi xmlns:a14="http://schemas.microsoft.com/office/drawing/2010/main" val="0"/>
@@ -15037,7 +14933,7 @@
             <p:nvPr/>
           </p:nvPicPr>
           <p:blipFill>
-            <a:blip r:embed="rId8"/>
+            <a:blip r:embed="rId7"/>
             <a:stretch>
               <a:fillRect/>
             </a:stretch>
@@ -15053,6 +14949,45 @@
           </p:spPr>
         </p:pic>
       </p:grpSp>
+      <p:pic>
+        <p:nvPicPr>
+          <p:cNvPr id="42" name="Graphic 41">
+            <a:extLst>
+              <a:ext uri="{FF2B5EF4-FFF2-40B4-BE49-F238E27FC236}">
+                <a16:creationId xmlns:a16="http://schemas.microsoft.com/office/drawing/2014/main" id="{5AD105B8-7589-5445-9FBB-D4E80C14DC01}"/>
+              </a:ext>
+            </a:extLst>
+          </p:cNvPr>
+          <p:cNvPicPr>
+            <a:picLocks noChangeAspect="1"/>
+          </p:cNvPicPr>
+          <p:nvPr/>
+        </p:nvPicPr>
+        <p:blipFill>
+          <a:blip r:embed="rId8">
+            <a:extLst>
+              <a:ext uri="{28A0092B-C50C-407E-A947-70E740481C1C}">
+                <a14:useLocalDpi xmlns:a14="http://schemas.microsoft.com/office/drawing/2010/main" val="0"/>
+              </a:ext>
+              <a:ext uri="{96DAC541-7B7A-43D3-8B79-37D633B846F1}">
+                <asvg:svgBlip xmlns:asvg="http://schemas.microsoft.com/office/drawing/2016/SVG/main" r:embed="rId9"/>
+              </a:ext>
+            </a:extLst>
+          </a:blip>
+          <a:stretch>
+            <a:fillRect/>
+          </a:stretch>
+        </p:blipFill>
+        <p:spPr>
+          <a:xfrm>
+            <a:off x="10447936" y="4675452"/>
+            <a:ext cx="414427" cy="560036"/>
+          </a:xfrm>
+          <a:prstGeom prst="rect">
+            <a:avLst/>
+          </a:prstGeom>
+        </p:spPr>
+      </p:pic>
     </p:spTree>
     <p:extLst>
       <p:ext uri="{BB962C8B-B14F-4D97-AF65-F5344CB8AC3E}">
@@ -16033,10 +15968,10 @@
             </p:nvGrpSpPr>
             <p:grpSpPr>
               <a:xfrm>
-                <a:off x="8577324" y="2486976"/>
-                <a:ext cx="1206390" cy="970705"/>
-                <a:chOff x="8577324" y="2506028"/>
-                <a:chExt cx="1206390" cy="970705"/>
+                <a:off x="8512008" y="2486976"/>
+                <a:ext cx="1387384" cy="970705"/>
+                <a:chOff x="8512008" y="2506028"/>
+                <a:chExt cx="1387384" cy="970705"/>
               </a:xfrm>
             </p:grpSpPr>
             <p:sp>
@@ -16142,7 +16077,7 @@
               </p:nvSpPr>
               <p:spPr>
                 <a:xfrm>
-                  <a:off x="8577324" y="2959668"/>
+                  <a:off x="8512008" y="2959668"/>
                   <a:ext cx="739729" cy="517065"/>
                 </a:xfrm>
                 <a:prstGeom prst="rect">
@@ -16205,7 +16140,7 @@
               </p:blipFill>
               <p:spPr>
                 <a:xfrm>
-                  <a:off x="8850393" y="2892169"/>
+                  <a:off x="8785077" y="2892169"/>
                   <a:ext cx="193592" cy="193592"/>
                 </a:xfrm>
                 <a:prstGeom prst="rect">
@@ -16227,8 +16162,8 @@
               </p:nvSpPr>
               <p:spPr>
                 <a:xfrm>
-                  <a:off x="9043985" y="2953869"/>
-                  <a:ext cx="739729" cy="517065"/>
+                  <a:off x="8931273" y="2953869"/>
+                  <a:ext cx="968119" cy="517065"/>
                 </a:xfrm>
                 <a:prstGeom prst="rect">
                   <a:avLst/>
@@ -16257,714 +16192,190 @@
                       <a:latin typeface="Arial" panose="020B0604020202020204" pitchFamily="34" charset="0"/>
                       <a:cs typeface="Arial" panose="020B0604020202020204" pitchFamily="34" charset="0"/>
                     </a:rPr>
-                    <a:t>Azure SQL</a:t>
+                    <a:t>Azure PostgreSQL</a:t>
                   </a:r>
                 </a:p>
               </p:txBody>
             </p:sp>
-            <p:pic>
-              <p:nvPicPr>
-                <p:cNvPr id="45" name="Picture 44">
-                  <a:extLst>
-                    <a:ext uri="{FF2B5EF4-FFF2-40B4-BE49-F238E27FC236}">
-                      <a16:creationId xmlns:a16="http://schemas.microsoft.com/office/drawing/2014/main" id="{5B230F2E-7C64-4CD1-9774-21FBBFA92B41}"/>
-                    </a:ext>
-                  </a:extLst>
-                </p:cNvPr>
-                <p:cNvPicPr>
-                  <a:picLocks noChangeAspect="1"/>
-                </p:cNvPicPr>
-                <p:nvPr/>
-              </p:nvPicPr>
-              <p:blipFill>
-                <a:blip r:embed="rId7" cstate="print">
-                  <a:extLst>
-                    <a:ext uri="{28A0092B-C50C-407E-A947-70E740481C1C}">
-                      <a14:useLocalDpi xmlns:a14="http://schemas.microsoft.com/office/drawing/2010/main" val="0"/>
-                    </a:ext>
-                  </a:extLst>
-                </a:blip>
-                <a:stretch>
-                  <a:fillRect/>
-                </a:stretch>
-              </p:blipFill>
-              <p:spPr>
-                <a:xfrm>
-                  <a:off x="9322911" y="2881361"/>
-                  <a:ext cx="204400" cy="204400"/>
-                </a:xfrm>
-                <a:prstGeom prst="rect">
-                  <a:avLst/>
-                </a:prstGeom>
-              </p:spPr>
-            </p:pic>
           </p:grpSp>
-          <p:grpSp>
-            <p:nvGrpSpPr>
-              <p:cNvPr id="48" name="Group 47">
+          <p:sp>
+            <p:nvSpPr>
+              <p:cNvPr id="49" name="Rectangle 48">
                 <a:extLst>
                   <a:ext uri="{FF2B5EF4-FFF2-40B4-BE49-F238E27FC236}">
-                    <a16:creationId xmlns:a16="http://schemas.microsoft.com/office/drawing/2014/main" id="{03BAEAB4-E307-4B8E-BE70-CFC98CBD6A51}"/>
+                    <a16:creationId xmlns:a16="http://schemas.microsoft.com/office/drawing/2014/main" id="{52175594-3261-47D1-958F-4083807501AD}"/>
                   </a:ext>
                 </a:extLst>
               </p:cNvPr>
-              <p:cNvGrpSpPr/>
+              <p:cNvSpPr/>
               <p:nvPr/>
-            </p:nvGrpSpPr>
-            <p:grpSpPr>
+            </p:nvSpPr>
+            <p:spPr bwMode="auto">
               <a:xfrm>
-                <a:off x="10016843" y="3013941"/>
-                <a:ext cx="1206390" cy="970705"/>
-                <a:chOff x="8577324" y="2506028"/>
-                <a:chExt cx="1206390" cy="970705"/>
+                <a:off x="10079654" y="3013941"/>
+                <a:ext cx="1076276" cy="858017"/>
               </a:xfrm>
-            </p:grpSpPr>
-            <p:sp>
-              <p:nvSpPr>
-                <p:cNvPr id="49" name="Rectangle 48">
-                  <a:extLst>
-                    <a:ext uri="{FF2B5EF4-FFF2-40B4-BE49-F238E27FC236}">
-                      <a16:creationId xmlns:a16="http://schemas.microsoft.com/office/drawing/2014/main" id="{52175594-3261-47D1-958F-4083807501AD}"/>
-                    </a:ext>
-                  </a:extLst>
-                </p:cNvPr>
-                <p:cNvSpPr/>
-                <p:nvPr/>
-              </p:nvSpPr>
-              <p:spPr bwMode="auto">
-                <a:xfrm>
-                  <a:off x="8640135" y="2506028"/>
-                  <a:ext cx="1076276" cy="858017"/>
-                </a:xfrm>
-                <a:prstGeom prst="rect">
+              <a:prstGeom prst="rect">
+                <a:avLst/>
+              </a:prstGeom>
+              <a:solidFill>
+                <a:schemeClr val="bg2">
+                  <a:lumMod val="60000"/>
+                  <a:lumOff val="40000"/>
+                </a:schemeClr>
+              </a:solidFill>
+              <a:ln>
+                <a:noFill/>
+                <a:headEnd type="none" w="med" len="med"/>
+                <a:tailEnd type="none" w="med" len="med"/>
+              </a:ln>
+              <a:effectLst/>
+            </p:spPr>
+            <p:style>
+              <a:lnRef idx="1">
+                <a:schemeClr val="accent2"/>
+              </a:lnRef>
+              <a:fillRef idx="3">
+                <a:schemeClr val="accent2"/>
+              </a:fillRef>
+              <a:effectRef idx="2">
+                <a:schemeClr val="accent2"/>
+              </a:effectRef>
+              <a:fontRef idx="minor">
+                <a:schemeClr val="lt1"/>
+              </a:fontRef>
+            </p:style>
+            <p:txBody>
+              <a:bodyPr rot="0" spcFirstLastPara="0" vertOverflow="overflow" horzOverflow="overflow" vert="horz" wrap="square" lIns="182880" tIns="146304" rIns="182880" bIns="146304" numCol="1" spcCol="0" rtlCol="0" fromWordArt="0" anchor="t" anchorCtr="0" forceAA="0" compatLnSpc="1">
+                <a:prstTxWarp prst="textNoShape">
                   <a:avLst/>
-                </a:prstGeom>
-                <a:solidFill>
-                  <a:schemeClr val="bg2">
-                    <a:lumMod val="60000"/>
-                    <a:lumOff val="40000"/>
-                  </a:schemeClr>
-                </a:solidFill>
-                <a:ln>
-                  <a:noFill/>
-                  <a:headEnd type="none" w="med" len="med"/>
-                  <a:tailEnd type="none" w="med" len="med"/>
-                </a:ln>
-                <a:effectLst/>
-              </p:spPr>
-              <p:style>
-                <a:lnRef idx="1">
-                  <a:schemeClr val="accent2"/>
-                </a:lnRef>
-                <a:fillRef idx="3">
-                  <a:schemeClr val="accent2"/>
-                </a:fillRef>
-                <a:effectRef idx="2">
-                  <a:schemeClr val="accent2"/>
-                </a:effectRef>
-                <a:fontRef idx="minor">
-                  <a:schemeClr val="lt1"/>
-                </a:fontRef>
-              </p:style>
-              <p:txBody>
-                <a:bodyPr rot="0" spcFirstLastPara="0" vertOverflow="overflow" horzOverflow="overflow" vert="horz" wrap="square" lIns="182880" tIns="146304" rIns="182880" bIns="146304" numCol="1" spcCol="0" rtlCol="0" fromWordArt="0" anchor="t" anchorCtr="0" forceAA="0" compatLnSpc="1">
-                  <a:prstTxWarp prst="textNoShape">
-                    <a:avLst/>
-                  </a:prstTxWarp>
-                  <a:noAutofit/>
-                </a:bodyPr>
-                <a:lstStyle/>
-                <a:p>
-                  <a:pPr algn="ctr" defTabSz="932472" fontAlgn="base">
-                    <a:lnSpc>
-                      <a:spcPct val="90000"/>
-                    </a:lnSpc>
-                    <a:spcBef>
-                      <a:spcPct val="0"/>
-                    </a:spcBef>
-                    <a:spcAft>
-                      <a:spcPct val="0"/>
-                    </a:spcAft>
-                  </a:pPr>
-                  <a:r>
-                    <a:rPr lang="en-US" sz="900" dirty="0">
-                      <a:gradFill>
-                        <a:gsLst>
-                          <a:gs pos="0">
-                            <a:srgbClr val="FFFFFF"/>
-                          </a:gs>
-                          <a:gs pos="100000">
-                            <a:srgbClr val="FFFFFF"/>
-                          </a:gs>
-                        </a:gsLst>
-                        <a:lin ang="5400000" scaled="0"/>
-                      </a:gradFill>
-                      <a:latin typeface="Arial" panose="020B0604020202020204" pitchFamily="34" charset="0"/>
-                      <a:ea typeface="Segoe UI" pitchFamily="34" charset="0"/>
-                      <a:cs typeface="Arial" panose="020B0604020202020204" pitchFamily="34" charset="0"/>
-                    </a:rPr>
-                    <a:t>test</a:t>
-                  </a:r>
-                </a:p>
-              </p:txBody>
-            </p:sp>
-            <p:sp>
-              <p:nvSpPr>
-                <p:cNvPr id="50" name="TextBox 49">
-                  <a:extLst>
-                    <a:ext uri="{FF2B5EF4-FFF2-40B4-BE49-F238E27FC236}">
-                      <a16:creationId xmlns:a16="http://schemas.microsoft.com/office/drawing/2014/main" id="{979418CD-134F-463A-908E-A98F70EC88F6}"/>
-                    </a:ext>
-                  </a:extLst>
-                </p:cNvPr>
-                <p:cNvSpPr txBox="1"/>
-                <p:nvPr/>
-              </p:nvSpPr>
-              <p:spPr>
-                <a:xfrm>
-                  <a:off x="8577324" y="2959668"/>
-                  <a:ext cx="739729" cy="517065"/>
-                </a:xfrm>
-                <a:prstGeom prst="rect">
-                  <a:avLst/>
-                </a:prstGeom>
-                <a:noFill/>
-              </p:spPr>
-              <p:txBody>
-                <a:bodyPr wrap="square" lIns="182880" tIns="146304" rIns="182880" bIns="146304" rtlCol="0">
-                  <a:spAutoFit/>
-                </a:bodyPr>
-                <a:lstStyle/>
-                <a:p>
-                  <a:pPr algn="ctr">
-                    <a:lnSpc>
-                      <a:spcPct val="90000"/>
-                    </a:lnSpc>
-                    <a:spcAft>
-                      <a:spcPts val="600"/>
-                    </a:spcAft>
-                  </a:pPr>
-                  <a:r>
-                    <a:rPr lang="en-US" sz="800" dirty="0">
-                      <a:solidFill>
-                        <a:schemeClr val="bg1"/>
-                      </a:solidFill>
-                      <a:latin typeface="Arial" panose="020B0604020202020204" pitchFamily="34" charset="0"/>
-                      <a:cs typeface="Arial" panose="020B0604020202020204" pitchFamily="34" charset="0"/>
-                    </a:rPr>
-                    <a:t>App Service</a:t>
-                  </a:r>
-                </a:p>
-              </p:txBody>
-            </p:sp>
-            <p:pic>
-              <p:nvPicPr>
-                <p:cNvPr id="51" name="Picture 50">
-                  <a:extLst>
-                    <a:ext uri="{FF2B5EF4-FFF2-40B4-BE49-F238E27FC236}">
-                      <a16:creationId xmlns:a16="http://schemas.microsoft.com/office/drawing/2014/main" id="{6DAEE564-F3A9-4642-8F85-557348495503}"/>
-                    </a:ext>
-                  </a:extLst>
-                </p:cNvPr>
-                <p:cNvPicPr>
-                  <a:picLocks noChangeAspect="1"/>
-                </p:cNvPicPr>
-                <p:nvPr/>
-              </p:nvPicPr>
-              <p:blipFill>
-                <a:blip r:embed="rId6" cstate="print">
-                  <a:extLst>
-                    <a:ext uri="{28A0092B-C50C-407E-A947-70E740481C1C}">
-                      <a14:useLocalDpi xmlns:a14="http://schemas.microsoft.com/office/drawing/2010/main" val="0"/>
-                    </a:ext>
-                  </a:extLst>
-                </a:blip>
-                <a:stretch>
-                  <a:fillRect/>
-                </a:stretch>
-              </p:blipFill>
-              <p:spPr>
-                <a:xfrm>
-                  <a:off x="8850393" y="2892169"/>
-                  <a:ext cx="193592" cy="193592"/>
-                </a:xfrm>
-                <a:prstGeom prst="rect">
-                  <a:avLst/>
-                </a:prstGeom>
-              </p:spPr>
-            </p:pic>
-            <p:sp>
-              <p:nvSpPr>
-                <p:cNvPr id="52" name="TextBox 51">
-                  <a:extLst>
-                    <a:ext uri="{FF2B5EF4-FFF2-40B4-BE49-F238E27FC236}">
-                      <a16:creationId xmlns:a16="http://schemas.microsoft.com/office/drawing/2014/main" id="{C37D9D57-F7B7-4EED-A901-102D99D33BF7}"/>
-                    </a:ext>
-                  </a:extLst>
-                </p:cNvPr>
-                <p:cNvSpPr txBox="1"/>
-                <p:nvPr/>
-              </p:nvSpPr>
-              <p:spPr>
-                <a:xfrm>
-                  <a:off x="9043985" y="2953869"/>
-                  <a:ext cx="739729" cy="517065"/>
-                </a:xfrm>
-                <a:prstGeom prst="rect">
-                  <a:avLst/>
-                </a:prstGeom>
-                <a:noFill/>
-              </p:spPr>
-              <p:txBody>
-                <a:bodyPr wrap="square" lIns="182880" tIns="146304" rIns="182880" bIns="146304" rtlCol="0">
-                  <a:spAutoFit/>
-                </a:bodyPr>
-                <a:lstStyle/>
-                <a:p>
-                  <a:pPr algn="ctr">
-                    <a:lnSpc>
-                      <a:spcPct val="90000"/>
-                    </a:lnSpc>
-                    <a:spcAft>
-                      <a:spcPts val="600"/>
-                    </a:spcAft>
-                  </a:pPr>
-                  <a:r>
-                    <a:rPr lang="en-US" sz="800" dirty="0">
-                      <a:solidFill>
-                        <a:schemeClr val="bg1"/>
-                      </a:solidFill>
-                      <a:latin typeface="Arial" panose="020B0604020202020204" pitchFamily="34" charset="0"/>
-                      <a:cs typeface="Arial" panose="020B0604020202020204" pitchFamily="34" charset="0"/>
-                    </a:rPr>
-                    <a:t>Azure SQL</a:t>
-                  </a:r>
-                </a:p>
-              </p:txBody>
-            </p:sp>
-            <p:pic>
-              <p:nvPicPr>
-                <p:cNvPr id="53" name="Picture 52">
-                  <a:extLst>
-                    <a:ext uri="{FF2B5EF4-FFF2-40B4-BE49-F238E27FC236}">
-                      <a16:creationId xmlns:a16="http://schemas.microsoft.com/office/drawing/2014/main" id="{E93CAF00-41CC-4F84-942F-801428782204}"/>
-                    </a:ext>
-                  </a:extLst>
-                </p:cNvPr>
-                <p:cNvPicPr>
-                  <a:picLocks noChangeAspect="1"/>
-                </p:cNvPicPr>
-                <p:nvPr/>
-              </p:nvPicPr>
-              <p:blipFill>
-                <a:blip r:embed="rId7" cstate="print">
-                  <a:extLst>
-                    <a:ext uri="{28A0092B-C50C-407E-A947-70E740481C1C}">
-                      <a14:useLocalDpi xmlns:a14="http://schemas.microsoft.com/office/drawing/2010/main" val="0"/>
-                    </a:ext>
-                  </a:extLst>
-                </a:blip>
-                <a:stretch>
-                  <a:fillRect/>
-                </a:stretch>
-              </p:blipFill>
-              <p:spPr>
-                <a:xfrm>
-                  <a:off x="9322911" y="2881361"/>
-                  <a:ext cx="204400" cy="204400"/>
-                </a:xfrm>
-                <a:prstGeom prst="rect">
-                  <a:avLst/>
-                </a:prstGeom>
-              </p:spPr>
-            </p:pic>
-          </p:grpSp>
-          <p:grpSp>
-            <p:nvGrpSpPr>
-              <p:cNvPr id="54" name="Group 53">
+                </a:prstTxWarp>
+                <a:noAutofit/>
+              </a:bodyPr>
+              <a:lstStyle/>
+              <a:p>
+                <a:pPr algn="ctr" defTabSz="932472" fontAlgn="base">
+                  <a:lnSpc>
+                    <a:spcPct val="90000"/>
+                  </a:lnSpc>
+                  <a:spcBef>
+                    <a:spcPct val="0"/>
+                  </a:spcBef>
+                  <a:spcAft>
+                    <a:spcPct val="0"/>
+                  </a:spcAft>
+                </a:pPr>
+                <a:r>
+                  <a:rPr lang="en-US" sz="900" dirty="0">
+                    <a:gradFill>
+                      <a:gsLst>
+                        <a:gs pos="0">
+                          <a:srgbClr val="FFFFFF"/>
+                        </a:gs>
+                        <a:gs pos="100000">
+                          <a:srgbClr val="FFFFFF"/>
+                        </a:gs>
+                      </a:gsLst>
+                      <a:lin ang="5400000" scaled="0"/>
+                    </a:gradFill>
+                    <a:latin typeface="Arial" panose="020B0604020202020204" pitchFamily="34" charset="0"/>
+                    <a:ea typeface="Segoe UI" pitchFamily="34" charset="0"/>
+                    <a:cs typeface="Arial" panose="020B0604020202020204" pitchFamily="34" charset="0"/>
+                  </a:rPr>
+                  <a:t>test</a:t>
+                </a:r>
+              </a:p>
+            </p:txBody>
+          </p:sp>
+          <p:sp>
+            <p:nvSpPr>
+              <p:cNvPr id="55" name="Rectangle 54">
                 <a:extLst>
                   <a:ext uri="{FF2B5EF4-FFF2-40B4-BE49-F238E27FC236}">
-                    <a16:creationId xmlns:a16="http://schemas.microsoft.com/office/drawing/2014/main" id="{0F40A586-9316-41ED-84A3-F336109DAD9C}"/>
+                    <a16:creationId xmlns:a16="http://schemas.microsoft.com/office/drawing/2014/main" id="{79282ECA-E157-4DEF-959C-0569137B2A82}"/>
                   </a:ext>
                 </a:extLst>
               </p:cNvPr>
-              <p:cNvGrpSpPr/>
+              <p:cNvSpPr/>
               <p:nvPr/>
-            </p:nvGrpSpPr>
-            <p:grpSpPr>
+            </p:nvSpPr>
+            <p:spPr bwMode="auto">
               <a:xfrm>
-                <a:off x="8580705" y="3561298"/>
-                <a:ext cx="1206390" cy="970705"/>
-                <a:chOff x="8577324" y="2506028"/>
-                <a:chExt cx="1206390" cy="970705"/>
+                <a:off x="8643516" y="3561298"/>
+                <a:ext cx="1076276" cy="858017"/>
               </a:xfrm>
-            </p:grpSpPr>
-            <p:sp>
-              <p:nvSpPr>
-                <p:cNvPr id="55" name="Rectangle 54">
-                  <a:extLst>
-                    <a:ext uri="{FF2B5EF4-FFF2-40B4-BE49-F238E27FC236}">
-                      <a16:creationId xmlns:a16="http://schemas.microsoft.com/office/drawing/2014/main" id="{79282ECA-E157-4DEF-959C-0569137B2A82}"/>
-                    </a:ext>
-                  </a:extLst>
-                </p:cNvPr>
-                <p:cNvSpPr/>
-                <p:nvPr/>
-              </p:nvSpPr>
-              <p:spPr bwMode="auto">
-                <a:xfrm>
-                  <a:off x="8640135" y="2506028"/>
-                  <a:ext cx="1076276" cy="858017"/>
-                </a:xfrm>
-                <a:prstGeom prst="rect">
+              <a:prstGeom prst="rect">
+                <a:avLst/>
+              </a:prstGeom>
+              <a:solidFill>
+                <a:schemeClr val="bg2">
+                  <a:lumMod val="60000"/>
+                  <a:lumOff val="40000"/>
+                </a:schemeClr>
+              </a:solidFill>
+              <a:ln>
+                <a:noFill/>
+                <a:headEnd type="none" w="med" len="med"/>
+                <a:tailEnd type="none" w="med" len="med"/>
+              </a:ln>
+              <a:effectLst/>
+            </p:spPr>
+            <p:style>
+              <a:lnRef idx="1">
+                <a:schemeClr val="accent2"/>
+              </a:lnRef>
+              <a:fillRef idx="3">
+                <a:schemeClr val="accent2"/>
+              </a:fillRef>
+              <a:effectRef idx="2">
+                <a:schemeClr val="accent2"/>
+              </a:effectRef>
+              <a:fontRef idx="minor">
+                <a:schemeClr val="lt1"/>
+              </a:fontRef>
+            </p:style>
+            <p:txBody>
+              <a:bodyPr rot="0" spcFirstLastPara="0" vertOverflow="overflow" horzOverflow="overflow" vert="horz" wrap="square" lIns="182880" tIns="146304" rIns="182880" bIns="146304" numCol="1" spcCol="0" rtlCol="0" fromWordArt="0" anchor="t" anchorCtr="0" forceAA="0" compatLnSpc="1">
+                <a:prstTxWarp prst="textNoShape">
                   <a:avLst/>
-                </a:prstGeom>
-                <a:solidFill>
-                  <a:schemeClr val="bg2">
-                    <a:lumMod val="60000"/>
-                    <a:lumOff val="40000"/>
-                  </a:schemeClr>
-                </a:solidFill>
-                <a:ln>
-                  <a:noFill/>
-                  <a:headEnd type="none" w="med" len="med"/>
-                  <a:tailEnd type="none" w="med" len="med"/>
-                </a:ln>
-                <a:effectLst/>
-              </p:spPr>
-              <p:style>
-                <a:lnRef idx="1">
-                  <a:schemeClr val="accent2"/>
-                </a:lnRef>
-                <a:fillRef idx="3">
-                  <a:schemeClr val="accent2"/>
-                </a:fillRef>
-                <a:effectRef idx="2">
-                  <a:schemeClr val="accent2"/>
-                </a:effectRef>
-                <a:fontRef idx="minor">
-                  <a:schemeClr val="lt1"/>
-                </a:fontRef>
-              </p:style>
-              <p:txBody>
-                <a:bodyPr rot="0" spcFirstLastPara="0" vertOverflow="overflow" horzOverflow="overflow" vert="horz" wrap="square" lIns="182880" tIns="146304" rIns="182880" bIns="146304" numCol="1" spcCol="0" rtlCol="0" fromWordArt="0" anchor="t" anchorCtr="0" forceAA="0" compatLnSpc="1">
-                  <a:prstTxWarp prst="textNoShape">
-                    <a:avLst/>
-                  </a:prstTxWarp>
-                  <a:noAutofit/>
-                </a:bodyPr>
-                <a:lstStyle/>
-                <a:p>
-                  <a:pPr algn="ctr" defTabSz="932472" fontAlgn="base">
-                    <a:lnSpc>
-                      <a:spcPct val="90000"/>
-                    </a:lnSpc>
-                    <a:spcBef>
-                      <a:spcPct val="0"/>
-                    </a:spcBef>
-                    <a:spcAft>
-                      <a:spcPct val="0"/>
-                    </a:spcAft>
-                  </a:pPr>
-                  <a:r>
-                    <a:rPr lang="en-US" sz="900" dirty="0">
-                      <a:gradFill>
-                        <a:gsLst>
-                          <a:gs pos="0">
-                            <a:srgbClr val="FFFFFF"/>
-                          </a:gs>
-                          <a:gs pos="100000">
-                            <a:srgbClr val="FFFFFF"/>
-                          </a:gs>
-                        </a:gsLst>
-                        <a:lin ang="5400000" scaled="0"/>
-                      </a:gradFill>
-                      <a:latin typeface="Arial" panose="020B0604020202020204" pitchFamily="34" charset="0"/>
-                      <a:ea typeface="Segoe UI" pitchFamily="34" charset="0"/>
-                      <a:cs typeface="Arial" panose="020B0604020202020204" pitchFamily="34" charset="0"/>
-                    </a:rPr>
-                    <a:t>production</a:t>
-                  </a:r>
-                </a:p>
-              </p:txBody>
-            </p:sp>
-            <p:sp>
-              <p:nvSpPr>
-                <p:cNvPr id="56" name="TextBox 55">
-                  <a:extLst>
-                    <a:ext uri="{FF2B5EF4-FFF2-40B4-BE49-F238E27FC236}">
-                      <a16:creationId xmlns:a16="http://schemas.microsoft.com/office/drawing/2014/main" id="{5E67D748-6871-4959-A18F-05FAB1F9D8BB}"/>
-                    </a:ext>
-                  </a:extLst>
-                </p:cNvPr>
-                <p:cNvSpPr txBox="1"/>
-                <p:nvPr/>
-              </p:nvSpPr>
-              <p:spPr>
-                <a:xfrm>
-                  <a:off x="8577324" y="2959668"/>
-                  <a:ext cx="739729" cy="517065"/>
-                </a:xfrm>
-                <a:prstGeom prst="rect">
-                  <a:avLst/>
-                </a:prstGeom>
-                <a:noFill/>
-              </p:spPr>
-              <p:txBody>
-                <a:bodyPr wrap="square" lIns="182880" tIns="146304" rIns="182880" bIns="146304" rtlCol="0">
-                  <a:spAutoFit/>
-                </a:bodyPr>
-                <a:lstStyle/>
-                <a:p>
-                  <a:pPr algn="ctr">
-                    <a:lnSpc>
-                      <a:spcPct val="90000"/>
-                    </a:lnSpc>
-                    <a:spcAft>
-                      <a:spcPts val="600"/>
-                    </a:spcAft>
-                  </a:pPr>
-                  <a:r>
-                    <a:rPr lang="en-US" sz="800" dirty="0">
-                      <a:solidFill>
-                        <a:schemeClr val="bg1"/>
-                      </a:solidFill>
-                      <a:latin typeface="Arial" panose="020B0604020202020204" pitchFamily="34" charset="0"/>
-                      <a:cs typeface="Arial" panose="020B0604020202020204" pitchFamily="34" charset="0"/>
-                    </a:rPr>
-                    <a:t>App Service</a:t>
-                  </a:r>
-                </a:p>
-              </p:txBody>
-            </p:sp>
-            <p:pic>
-              <p:nvPicPr>
-                <p:cNvPr id="57" name="Picture 56">
-                  <a:extLst>
-                    <a:ext uri="{FF2B5EF4-FFF2-40B4-BE49-F238E27FC236}">
-                      <a16:creationId xmlns:a16="http://schemas.microsoft.com/office/drawing/2014/main" id="{C38A4DA4-34AF-4BB3-B7EE-E22517106D23}"/>
-                    </a:ext>
-                  </a:extLst>
-                </p:cNvPr>
-                <p:cNvPicPr>
-                  <a:picLocks noChangeAspect="1"/>
-                </p:cNvPicPr>
-                <p:nvPr/>
-              </p:nvPicPr>
-              <p:blipFill>
-                <a:blip r:embed="rId6" cstate="print">
-                  <a:extLst>
-                    <a:ext uri="{28A0092B-C50C-407E-A947-70E740481C1C}">
-                      <a14:useLocalDpi xmlns:a14="http://schemas.microsoft.com/office/drawing/2010/main" val="0"/>
-                    </a:ext>
-                  </a:extLst>
-                </a:blip>
-                <a:stretch>
-                  <a:fillRect/>
-                </a:stretch>
-              </p:blipFill>
-              <p:spPr>
-                <a:xfrm>
-                  <a:off x="8850393" y="2892169"/>
-                  <a:ext cx="193592" cy="193592"/>
-                </a:xfrm>
-                <a:prstGeom prst="rect">
-                  <a:avLst/>
-                </a:prstGeom>
-              </p:spPr>
-            </p:pic>
-            <p:sp>
-              <p:nvSpPr>
-                <p:cNvPr id="58" name="TextBox 57">
-                  <a:extLst>
-                    <a:ext uri="{FF2B5EF4-FFF2-40B4-BE49-F238E27FC236}">
-                      <a16:creationId xmlns:a16="http://schemas.microsoft.com/office/drawing/2014/main" id="{8D9399A2-681E-4B4D-9373-2F2675FADE8A}"/>
-                    </a:ext>
-                  </a:extLst>
-                </p:cNvPr>
-                <p:cNvSpPr txBox="1"/>
-                <p:nvPr/>
-              </p:nvSpPr>
-              <p:spPr>
-                <a:xfrm>
-                  <a:off x="9043985" y="2953869"/>
-                  <a:ext cx="739729" cy="517065"/>
-                </a:xfrm>
-                <a:prstGeom prst="rect">
-                  <a:avLst/>
-                </a:prstGeom>
-                <a:noFill/>
-              </p:spPr>
-              <p:txBody>
-                <a:bodyPr wrap="square" lIns="182880" tIns="146304" rIns="182880" bIns="146304" rtlCol="0">
-                  <a:spAutoFit/>
-                </a:bodyPr>
-                <a:lstStyle/>
-                <a:p>
-                  <a:pPr algn="ctr">
-                    <a:lnSpc>
-                      <a:spcPct val="90000"/>
-                    </a:lnSpc>
-                    <a:spcAft>
-                      <a:spcPts val="600"/>
-                    </a:spcAft>
-                  </a:pPr>
-                  <a:r>
-                    <a:rPr lang="en-US" sz="800" dirty="0">
-                      <a:solidFill>
-                        <a:schemeClr val="bg1"/>
-                      </a:solidFill>
-                      <a:latin typeface="Arial" panose="020B0604020202020204" pitchFamily="34" charset="0"/>
-                      <a:cs typeface="Arial" panose="020B0604020202020204" pitchFamily="34" charset="0"/>
-                    </a:rPr>
-                    <a:t>Azure SQL</a:t>
-                  </a:r>
-                </a:p>
-              </p:txBody>
-            </p:sp>
-            <p:pic>
-              <p:nvPicPr>
-                <p:cNvPr id="59" name="Picture 58">
-                  <a:extLst>
-                    <a:ext uri="{FF2B5EF4-FFF2-40B4-BE49-F238E27FC236}">
-                      <a16:creationId xmlns:a16="http://schemas.microsoft.com/office/drawing/2014/main" id="{95C3DE0E-A204-41D0-B8EA-6107F481651E}"/>
-                    </a:ext>
-                  </a:extLst>
-                </p:cNvPr>
-                <p:cNvPicPr>
-                  <a:picLocks noChangeAspect="1"/>
-                </p:cNvPicPr>
-                <p:nvPr/>
-              </p:nvPicPr>
-              <p:blipFill>
-                <a:blip r:embed="rId7" cstate="print">
-                  <a:extLst>
-                    <a:ext uri="{28A0092B-C50C-407E-A947-70E740481C1C}">
-                      <a14:useLocalDpi xmlns:a14="http://schemas.microsoft.com/office/drawing/2010/main" val="0"/>
-                    </a:ext>
-                  </a:extLst>
-                </a:blip>
-                <a:stretch>
-                  <a:fillRect/>
-                </a:stretch>
-              </p:blipFill>
-              <p:spPr>
-                <a:xfrm>
-                  <a:off x="9322911" y="2881361"/>
-                  <a:ext cx="204400" cy="204400"/>
-                </a:xfrm>
-                <a:prstGeom prst="rect">
-                  <a:avLst/>
-                </a:prstGeom>
-              </p:spPr>
-            </p:pic>
-          </p:grpSp>
-          <p:grpSp>
-            <p:nvGrpSpPr>
-              <p:cNvPr id="60" name="Group 59">
-                <a:extLst>
-                  <a:ext uri="{FF2B5EF4-FFF2-40B4-BE49-F238E27FC236}">
-                    <a16:creationId xmlns:a16="http://schemas.microsoft.com/office/drawing/2014/main" id="{AD9EE178-E2FA-467D-9FF9-06D256BB3CA7}"/>
-                  </a:ext>
-                </a:extLst>
-              </p:cNvPr>
-              <p:cNvGrpSpPr/>
-              <p:nvPr/>
-            </p:nvGrpSpPr>
-            <p:grpSpPr>
-              <a:xfrm>
-                <a:off x="8821295" y="4589707"/>
-                <a:ext cx="1924498" cy="461665"/>
-                <a:chOff x="9298735" y="4498682"/>
-                <a:chExt cx="1924498" cy="461665"/>
-              </a:xfrm>
-            </p:grpSpPr>
-            <p:sp>
-              <p:nvSpPr>
-                <p:cNvPr id="32" name="TextBox 31">
-                  <a:extLst>
-                    <a:ext uri="{FF2B5EF4-FFF2-40B4-BE49-F238E27FC236}">
-                      <a16:creationId xmlns:a16="http://schemas.microsoft.com/office/drawing/2014/main" id="{5B5BBC6E-0F61-48D3-A022-812C13620B05}"/>
-                    </a:ext>
-                  </a:extLst>
-                </p:cNvPr>
-                <p:cNvSpPr txBox="1"/>
-                <p:nvPr/>
-              </p:nvSpPr>
-              <p:spPr>
-                <a:xfrm>
-                  <a:off x="9298735" y="4498682"/>
-                  <a:ext cx="1924498" cy="461665"/>
-                </a:xfrm>
-                <a:prstGeom prst="rect">
-                  <a:avLst/>
-                </a:prstGeom>
-                <a:noFill/>
-              </p:spPr>
-              <p:txBody>
-                <a:bodyPr wrap="square" lIns="182880" tIns="146304" rIns="182880" bIns="146304" rtlCol="0">
-                  <a:spAutoFit/>
-                </a:bodyPr>
-                <a:lstStyle/>
-                <a:p>
-                  <a:pPr algn="ctr">
-                    <a:lnSpc>
-                      <a:spcPct val="90000"/>
-                    </a:lnSpc>
-                    <a:spcAft>
-                      <a:spcPts val="600"/>
-                    </a:spcAft>
-                  </a:pPr>
-                  <a:r>
-                    <a:rPr lang="en-US" sz="1100" dirty="0">
-                      <a:solidFill>
-                        <a:schemeClr val="bg1"/>
-                      </a:solidFill>
-                      <a:latin typeface="Arial" panose="020B0604020202020204" pitchFamily="34" charset="0"/>
-                      <a:cs typeface="Arial" panose="020B0604020202020204" pitchFamily="34" charset="0"/>
-                    </a:rPr>
-                    <a:t>Application Insights</a:t>
-                  </a:r>
-                </a:p>
-              </p:txBody>
-            </p:sp>
-            <p:pic>
-              <p:nvPicPr>
-                <p:cNvPr id="31" name="Picture 30">
-                  <a:extLst>
-                    <a:ext uri="{FF2B5EF4-FFF2-40B4-BE49-F238E27FC236}">
-                      <a16:creationId xmlns:a16="http://schemas.microsoft.com/office/drawing/2014/main" id="{E46132AA-E846-4081-A97D-337A6958527F}"/>
-                    </a:ext>
-                  </a:extLst>
-                </p:cNvPr>
-                <p:cNvPicPr>
-                  <a:picLocks noChangeAspect="1"/>
-                </p:cNvPicPr>
-                <p:nvPr/>
-              </p:nvPicPr>
-              <p:blipFill>
-                <a:blip r:embed="rId8" cstate="print">
-                  <a:extLst>
-                    <a:ext uri="{28A0092B-C50C-407E-A947-70E740481C1C}">
-                      <a14:useLocalDpi xmlns:a14="http://schemas.microsoft.com/office/drawing/2010/main" val="0"/>
-                    </a:ext>
-                  </a:extLst>
-                </a:blip>
-                <a:stretch>
-                  <a:fillRect/>
-                </a:stretch>
-              </p:blipFill>
-              <p:spPr>
-                <a:xfrm>
-                  <a:off x="10853368" y="4603762"/>
-                  <a:ext cx="251503" cy="251503"/>
-                </a:xfrm>
-                <a:prstGeom prst="rect">
-                  <a:avLst/>
-                </a:prstGeom>
-              </p:spPr>
-            </p:pic>
-          </p:grpSp>
+                </a:prstTxWarp>
+                <a:noAutofit/>
+              </a:bodyPr>
+              <a:lstStyle/>
+              <a:p>
+                <a:pPr algn="ctr" defTabSz="932472" fontAlgn="base">
+                  <a:lnSpc>
+                    <a:spcPct val="90000"/>
+                  </a:lnSpc>
+                  <a:spcBef>
+                    <a:spcPct val="0"/>
+                  </a:spcBef>
+                  <a:spcAft>
+                    <a:spcPct val="0"/>
+                  </a:spcAft>
+                </a:pPr>
+                <a:r>
+                  <a:rPr lang="en-US" sz="900" dirty="0">
+                    <a:gradFill>
+                      <a:gsLst>
+                        <a:gs pos="0">
+                          <a:srgbClr val="FFFFFF"/>
+                        </a:gs>
+                        <a:gs pos="100000">
+                          <a:srgbClr val="FFFFFF"/>
+                        </a:gs>
+                      </a:gsLst>
+                      <a:lin ang="5400000" scaled="0"/>
+                    </a:gradFill>
+                    <a:latin typeface="Arial" panose="020B0604020202020204" pitchFamily="34" charset="0"/>
+                    <a:ea typeface="Segoe UI" pitchFamily="34" charset="0"/>
+                    <a:cs typeface="Arial" panose="020B0604020202020204" pitchFamily="34" charset="0"/>
+                  </a:rPr>
+                  <a:t>production</a:t>
+                </a:r>
+              </a:p>
+            </p:txBody>
+          </p:sp>
           <p:cxnSp>
             <p:nvCxnSpPr>
               <p:cNvPr id="62" name="Straight Arrow Connector 61">
@@ -17059,162 +16470,6 @@
               </a:fontRef>
             </p:style>
           </p:cxnSp>
-          <p:grpSp>
-            <p:nvGrpSpPr>
-              <p:cNvPr id="75" name="Group 74">
-                <a:extLst>
-                  <a:ext uri="{FF2B5EF4-FFF2-40B4-BE49-F238E27FC236}">
-                    <a16:creationId xmlns:a16="http://schemas.microsoft.com/office/drawing/2014/main" id="{1928E889-DF8F-4143-AC81-660B667C75CA}"/>
-                  </a:ext>
-                </a:extLst>
-              </p:cNvPr>
-              <p:cNvGrpSpPr/>
-              <p:nvPr/>
-            </p:nvGrpSpPr>
-            <p:grpSpPr>
-              <a:xfrm>
-                <a:off x="8587544" y="4525877"/>
-                <a:ext cx="2635689" cy="121755"/>
-                <a:chOff x="8587544" y="4373477"/>
-                <a:chExt cx="2635689" cy="121755"/>
-              </a:xfrm>
-            </p:grpSpPr>
-            <p:cxnSp>
-              <p:nvCxnSpPr>
-                <p:cNvPr id="69" name="Straight Connector 68">
-                  <a:extLst>
-                    <a:ext uri="{FF2B5EF4-FFF2-40B4-BE49-F238E27FC236}">
-                      <a16:creationId xmlns:a16="http://schemas.microsoft.com/office/drawing/2014/main" id="{1985135F-3DCB-4B86-93A7-8A16579DBA1B}"/>
-                    </a:ext>
-                  </a:extLst>
-                </p:cNvPr>
-                <p:cNvCxnSpPr>
-                  <a:cxnSpLocks/>
-                </p:cNvCxnSpPr>
-                <p:nvPr/>
-              </p:nvCxnSpPr>
-              <p:spPr>
-                <a:xfrm>
-                  <a:off x="8587544" y="4495232"/>
-                  <a:ext cx="2635689" cy="0"/>
-                </a:xfrm>
-                <a:prstGeom prst="line">
-                  <a:avLst/>
-                </a:prstGeom>
-                <a:ln w="19050">
-                  <a:solidFill>
-                    <a:schemeClr val="bg1"/>
-                  </a:solidFill>
-                  <a:headEnd type="none"/>
-                  <a:tailEnd type="none"/>
-                </a:ln>
-              </p:spPr>
-              <p:style>
-                <a:lnRef idx="1">
-                  <a:schemeClr val="accent1"/>
-                </a:lnRef>
-                <a:fillRef idx="0">
-                  <a:schemeClr val="accent1"/>
-                </a:fillRef>
-                <a:effectRef idx="0">
-                  <a:schemeClr val="accent1"/>
-                </a:effectRef>
-                <a:fontRef idx="minor">
-                  <a:schemeClr val="tx1"/>
-                </a:fontRef>
-              </p:style>
-            </p:cxnSp>
-            <p:cxnSp>
-              <p:nvCxnSpPr>
-                <p:cNvPr id="72" name="Straight Connector 71">
-                  <a:extLst>
-                    <a:ext uri="{FF2B5EF4-FFF2-40B4-BE49-F238E27FC236}">
-                      <a16:creationId xmlns:a16="http://schemas.microsoft.com/office/drawing/2014/main" id="{08943D53-8960-4522-9BA0-BC128737084E}"/>
-                    </a:ext>
-                  </a:extLst>
-                </p:cNvPr>
-                <p:cNvCxnSpPr>
-                  <a:cxnSpLocks/>
-                </p:cNvCxnSpPr>
-                <p:nvPr/>
-              </p:nvCxnSpPr>
-              <p:spPr>
-                <a:xfrm flipV="1">
-                  <a:off x="8588814" y="4373477"/>
-                  <a:ext cx="0" cy="117945"/>
-                </a:xfrm>
-                <a:prstGeom prst="line">
-                  <a:avLst/>
-                </a:prstGeom>
-                <a:ln w="19050">
-                  <a:solidFill>
-                    <a:schemeClr val="bg1"/>
-                  </a:solidFill>
-                  <a:headEnd type="none"/>
-                  <a:tailEnd type="none"/>
-                </a:ln>
-              </p:spPr>
-              <p:style>
-                <a:lnRef idx="1">
-                  <a:schemeClr val="accent1"/>
-                </a:lnRef>
-                <a:fillRef idx="0">
-                  <a:schemeClr val="accent1"/>
-                </a:fillRef>
-                <a:effectRef idx="0">
-                  <a:schemeClr val="accent1"/>
-                </a:effectRef>
-                <a:fontRef idx="minor">
-                  <a:schemeClr val="tx1"/>
-                </a:fontRef>
-              </p:style>
-            </p:cxnSp>
-            <p:cxnSp>
-              <p:nvCxnSpPr>
-                <p:cNvPr id="74" name="Straight Connector 73">
-                  <a:extLst>
-                    <a:ext uri="{FF2B5EF4-FFF2-40B4-BE49-F238E27FC236}">
-                      <a16:creationId xmlns:a16="http://schemas.microsoft.com/office/drawing/2014/main" id="{E5C80895-D361-4581-A12A-433F0B7B7370}"/>
-                    </a:ext>
-                  </a:extLst>
-                </p:cNvPr>
-                <p:cNvCxnSpPr>
-                  <a:cxnSpLocks/>
-                </p:cNvCxnSpPr>
-                <p:nvPr/>
-              </p:nvCxnSpPr>
-              <p:spPr>
-                <a:xfrm flipV="1">
-                  <a:off x="11215417" y="4377287"/>
-                  <a:ext cx="0" cy="117945"/>
-                </a:xfrm>
-                <a:prstGeom prst="line">
-                  <a:avLst/>
-                </a:prstGeom>
-                <a:ln w="19050">
-                  <a:solidFill>
-                    <a:schemeClr val="bg1"/>
-                  </a:solidFill>
-                  <a:headEnd type="none"/>
-                  <a:tailEnd type="none"/>
-                </a:ln>
-              </p:spPr>
-              <p:style>
-                <a:lnRef idx="1">
-                  <a:schemeClr val="accent1"/>
-                </a:lnRef>
-                <a:fillRef idx="0">
-                  <a:schemeClr val="accent1"/>
-                </a:fillRef>
-                <a:effectRef idx="0">
-                  <a:schemeClr val="accent1"/>
-                </a:effectRef>
-                <a:fontRef idx="minor">
-                  <a:schemeClr val="tx1"/>
-                </a:fontRef>
-              </p:style>
-            </p:cxnSp>
-          </p:grpSp>
           <p:cxnSp>
             <p:nvCxnSpPr>
               <p:cNvPr id="65" name="Straight Arrow Connector 64">
@@ -17589,7 +16844,7 @@
             <p:nvPr/>
           </p:nvPicPr>
           <p:blipFill>
-            <a:blip r:embed="rId9"/>
+            <a:blip r:embed="rId7"/>
             <a:stretch>
               <a:fillRect/>
             </a:stretch>
@@ -17605,6 +16860,391 @@
           </p:spPr>
         </p:pic>
       </p:grpSp>
+      <p:pic>
+        <p:nvPicPr>
+          <p:cNvPr id="63" name="Graphic 62">
+            <a:extLst>
+              <a:ext uri="{FF2B5EF4-FFF2-40B4-BE49-F238E27FC236}">
+                <a16:creationId xmlns:a16="http://schemas.microsoft.com/office/drawing/2014/main" id="{E3D5A002-1C80-624E-92F6-12246416BE84}"/>
+              </a:ext>
+            </a:extLst>
+          </p:cNvPr>
+          <p:cNvPicPr>
+            <a:picLocks noChangeAspect="1"/>
+          </p:cNvPicPr>
+          <p:nvPr/>
+        </p:nvPicPr>
+        <p:blipFill>
+          <a:blip r:embed="rId8">
+            <a:extLst>
+              <a:ext uri="{28A0092B-C50C-407E-A947-70E740481C1C}">
+                <a14:useLocalDpi xmlns:a14="http://schemas.microsoft.com/office/drawing/2010/main" val="0"/>
+              </a:ext>
+              <a:ext uri="{96DAC541-7B7A-43D3-8B79-37D633B846F1}">
+                <asvg:svgBlip xmlns:asvg="http://schemas.microsoft.com/office/drawing/2016/SVG/main" r:embed="rId9"/>
+              </a:ext>
+            </a:extLst>
+          </a:blip>
+          <a:stretch>
+            <a:fillRect/>
+          </a:stretch>
+        </p:blipFill>
+        <p:spPr>
+          <a:xfrm>
+            <a:off x="9350740" y="2887663"/>
+            <a:ext cx="131621" cy="177866"/>
+          </a:xfrm>
+          <a:prstGeom prst="rect">
+            <a:avLst/>
+          </a:prstGeom>
+        </p:spPr>
+      </p:pic>
+      <p:sp>
+        <p:nvSpPr>
+          <p:cNvPr id="70" name="TextBox 69">
+            <a:extLst>
+              <a:ext uri="{FF2B5EF4-FFF2-40B4-BE49-F238E27FC236}">
+                <a16:creationId xmlns:a16="http://schemas.microsoft.com/office/drawing/2014/main" id="{7B18F23A-C67B-1A46-9FA4-356BA15F70CB}"/>
+              </a:ext>
+            </a:extLst>
+          </p:cNvPr>
+          <p:cNvSpPr txBox="1"/>
+          <p:nvPr/>
+        </p:nvSpPr>
+        <p:spPr>
+          <a:xfrm>
+            <a:off x="8931273" y="4012959"/>
+            <a:ext cx="966298" cy="517065"/>
+          </a:xfrm>
+          <a:prstGeom prst="rect">
+            <a:avLst/>
+          </a:prstGeom>
+          <a:noFill/>
+        </p:spPr>
+        <p:txBody>
+          <a:bodyPr wrap="square" lIns="182880" tIns="146304" rIns="182880" bIns="146304" rtlCol="0">
+            <a:spAutoFit/>
+          </a:bodyPr>
+          <a:lstStyle/>
+          <a:p>
+            <a:pPr algn="ctr">
+              <a:lnSpc>
+                <a:spcPct val="90000"/>
+              </a:lnSpc>
+              <a:spcAft>
+                <a:spcPts val="600"/>
+              </a:spcAft>
+            </a:pPr>
+            <a:r>
+              <a:rPr lang="en-US" sz="800" dirty="0">
+                <a:solidFill>
+                  <a:schemeClr val="bg1"/>
+                </a:solidFill>
+                <a:latin typeface="Arial" panose="020B0604020202020204" pitchFamily="34" charset="0"/>
+                <a:cs typeface="Arial" panose="020B0604020202020204" pitchFamily="34" charset="0"/>
+              </a:rPr>
+              <a:t>Azure PostgreSQL</a:t>
+            </a:r>
+          </a:p>
+        </p:txBody>
+      </p:sp>
+      <p:sp>
+        <p:nvSpPr>
+          <p:cNvPr id="79" name="TextBox 78">
+            <a:extLst>
+              <a:ext uri="{FF2B5EF4-FFF2-40B4-BE49-F238E27FC236}">
+                <a16:creationId xmlns:a16="http://schemas.microsoft.com/office/drawing/2014/main" id="{03B0203C-8503-3846-BD51-D05EC7C15364}"/>
+              </a:ext>
+            </a:extLst>
+          </p:cNvPr>
+          <p:cNvSpPr txBox="1"/>
+          <p:nvPr/>
+        </p:nvSpPr>
+        <p:spPr>
+          <a:xfrm>
+            <a:off x="8529682" y="4025488"/>
+            <a:ext cx="739729" cy="517065"/>
+          </a:xfrm>
+          <a:prstGeom prst="rect">
+            <a:avLst/>
+          </a:prstGeom>
+          <a:noFill/>
+        </p:spPr>
+        <p:txBody>
+          <a:bodyPr wrap="square" lIns="182880" tIns="146304" rIns="182880" bIns="146304" rtlCol="0">
+            <a:spAutoFit/>
+          </a:bodyPr>
+          <a:lstStyle/>
+          <a:p>
+            <a:pPr algn="ctr">
+              <a:lnSpc>
+                <a:spcPct val="90000"/>
+              </a:lnSpc>
+              <a:spcAft>
+                <a:spcPts val="600"/>
+              </a:spcAft>
+            </a:pPr>
+            <a:r>
+              <a:rPr lang="en-US" sz="800" dirty="0">
+                <a:solidFill>
+                  <a:schemeClr val="bg1"/>
+                </a:solidFill>
+                <a:latin typeface="Arial" panose="020B0604020202020204" pitchFamily="34" charset="0"/>
+                <a:cs typeface="Arial" panose="020B0604020202020204" pitchFamily="34" charset="0"/>
+              </a:rPr>
+              <a:t>App Service</a:t>
+            </a:r>
+          </a:p>
+        </p:txBody>
+      </p:sp>
+      <p:pic>
+        <p:nvPicPr>
+          <p:cNvPr id="80" name="Picture 79">
+            <a:extLst>
+              <a:ext uri="{FF2B5EF4-FFF2-40B4-BE49-F238E27FC236}">
+                <a16:creationId xmlns:a16="http://schemas.microsoft.com/office/drawing/2014/main" id="{EC377141-3122-0E4E-B20D-AD116C76A09F}"/>
+              </a:ext>
+            </a:extLst>
+          </p:cNvPr>
+          <p:cNvPicPr>
+            <a:picLocks noChangeAspect="1"/>
+          </p:cNvPicPr>
+          <p:nvPr/>
+        </p:nvPicPr>
+        <p:blipFill>
+          <a:blip r:embed="rId6" cstate="print">
+            <a:extLst>
+              <a:ext uri="{28A0092B-C50C-407E-A947-70E740481C1C}">
+                <a14:useLocalDpi xmlns:a14="http://schemas.microsoft.com/office/drawing/2010/main" val="0"/>
+              </a:ext>
+            </a:extLst>
+          </a:blip>
+          <a:stretch>
+            <a:fillRect/>
+          </a:stretch>
+        </p:blipFill>
+        <p:spPr>
+          <a:xfrm>
+            <a:off x="8821295" y="3956979"/>
+            <a:ext cx="193592" cy="193592"/>
+          </a:xfrm>
+          <a:prstGeom prst="rect">
+            <a:avLst/>
+          </a:prstGeom>
+        </p:spPr>
+      </p:pic>
+      <p:pic>
+        <p:nvPicPr>
+          <p:cNvPr id="81" name="Graphic 80">
+            <a:extLst>
+              <a:ext uri="{FF2B5EF4-FFF2-40B4-BE49-F238E27FC236}">
+                <a16:creationId xmlns:a16="http://schemas.microsoft.com/office/drawing/2014/main" id="{A689A4FF-2DA7-9248-B71E-622A1F84A260}"/>
+              </a:ext>
+            </a:extLst>
+          </p:cNvPr>
+          <p:cNvPicPr>
+            <a:picLocks noChangeAspect="1"/>
+          </p:cNvPicPr>
+          <p:nvPr/>
+        </p:nvPicPr>
+        <p:blipFill>
+          <a:blip r:embed="rId8">
+            <a:extLst>
+              <a:ext uri="{28A0092B-C50C-407E-A947-70E740481C1C}">
+                <a14:useLocalDpi xmlns:a14="http://schemas.microsoft.com/office/drawing/2010/main" val="0"/>
+              </a:ext>
+              <a:ext uri="{96DAC541-7B7A-43D3-8B79-37D633B846F1}">
+                <asvg:svgBlip xmlns:asvg="http://schemas.microsoft.com/office/drawing/2016/SVG/main" r:embed="rId9"/>
+              </a:ext>
+            </a:extLst>
+          </a:blip>
+          <a:stretch>
+            <a:fillRect/>
+          </a:stretch>
+        </p:blipFill>
+        <p:spPr>
+          <a:xfrm>
+            <a:off x="9365330" y="3949315"/>
+            <a:ext cx="131621" cy="177866"/>
+          </a:xfrm>
+          <a:prstGeom prst="rect">
+            <a:avLst/>
+          </a:prstGeom>
+        </p:spPr>
+      </p:pic>
+      <p:sp>
+        <p:nvSpPr>
+          <p:cNvPr id="82" name="TextBox 81">
+            <a:extLst>
+              <a:ext uri="{FF2B5EF4-FFF2-40B4-BE49-F238E27FC236}">
+                <a16:creationId xmlns:a16="http://schemas.microsoft.com/office/drawing/2014/main" id="{76451161-C0BB-8D43-BEC4-8FC67F10A210}"/>
+              </a:ext>
+            </a:extLst>
+          </p:cNvPr>
+          <p:cNvSpPr txBox="1"/>
+          <p:nvPr/>
+        </p:nvSpPr>
+        <p:spPr>
+          <a:xfrm>
+            <a:off x="10324867" y="3464056"/>
+            <a:ext cx="1049333" cy="517065"/>
+          </a:xfrm>
+          <a:prstGeom prst="rect">
+            <a:avLst/>
+          </a:prstGeom>
+          <a:noFill/>
+        </p:spPr>
+        <p:txBody>
+          <a:bodyPr wrap="square" lIns="182880" tIns="146304" rIns="182880" bIns="146304" rtlCol="0">
+            <a:spAutoFit/>
+          </a:bodyPr>
+          <a:lstStyle/>
+          <a:p>
+            <a:pPr algn="ctr">
+              <a:lnSpc>
+                <a:spcPct val="90000"/>
+              </a:lnSpc>
+              <a:spcAft>
+                <a:spcPts val="600"/>
+              </a:spcAft>
+            </a:pPr>
+            <a:r>
+              <a:rPr lang="en-US" sz="800" dirty="0">
+                <a:solidFill>
+                  <a:schemeClr val="bg1"/>
+                </a:solidFill>
+                <a:latin typeface="Arial" panose="020B0604020202020204" pitchFamily="34" charset="0"/>
+                <a:cs typeface="Arial" panose="020B0604020202020204" pitchFamily="34" charset="0"/>
+              </a:rPr>
+              <a:t>Azure PostgreSQL</a:t>
+            </a:r>
+          </a:p>
+        </p:txBody>
+      </p:sp>
+      <p:sp>
+        <p:nvSpPr>
+          <p:cNvPr id="83" name="TextBox 82">
+            <a:extLst>
+              <a:ext uri="{FF2B5EF4-FFF2-40B4-BE49-F238E27FC236}">
+                <a16:creationId xmlns:a16="http://schemas.microsoft.com/office/drawing/2014/main" id="{3D60FD2C-0CAF-244F-A082-A19FA222250B}"/>
+              </a:ext>
+            </a:extLst>
+          </p:cNvPr>
+          <p:cNvSpPr txBox="1"/>
+          <p:nvPr/>
+        </p:nvSpPr>
+        <p:spPr>
+          <a:xfrm>
+            <a:off x="9971179" y="3470529"/>
+            <a:ext cx="739729" cy="517065"/>
+          </a:xfrm>
+          <a:prstGeom prst="rect">
+            <a:avLst/>
+          </a:prstGeom>
+          <a:noFill/>
+        </p:spPr>
+        <p:txBody>
+          <a:bodyPr wrap="square" lIns="182880" tIns="146304" rIns="182880" bIns="146304" rtlCol="0">
+            <a:spAutoFit/>
+          </a:bodyPr>
+          <a:lstStyle/>
+          <a:p>
+            <a:pPr algn="ctr">
+              <a:lnSpc>
+                <a:spcPct val="90000"/>
+              </a:lnSpc>
+              <a:spcAft>
+                <a:spcPts val="600"/>
+              </a:spcAft>
+            </a:pPr>
+            <a:r>
+              <a:rPr lang="en-US" sz="800" dirty="0">
+                <a:solidFill>
+                  <a:schemeClr val="bg1"/>
+                </a:solidFill>
+                <a:latin typeface="Arial" panose="020B0604020202020204" pitchFamily="34" charset="0"/>
+                <a:cs typeface="Arial" panose="020B0604020202020204" pitchFamily="34" charset="0"/>
+              </a:rPr>
+              <a:t>App Service</a:t>
+            </a:r>
+          </a:p>
+        </p:txBody>
+      </p:sp>
+      <p:pic>
+        <p:nvPicPr>
+          <p:cNvPr id="84" name="Picture 83">
+            <a:extLst>
+              <a:ext uri="{FF2B5EF4-FFF2-40B4-BE49-F238E27FC236}">
+                <a16:creationId xmlns:a16="http://schemas.microsoft.com/office/drawing/2014/main" id="{29BD3C19-5FB5-574A-8BCB-D2E62A11ECF3}"/>
+              </a:ext>
+            </a:extLst>
+          </p:cNvPr>
+          <p:cNvPicPr>
+            <a:picLocks noChangeAspect="1"/>
+          </p:cNvPicPr>
+          <p:nvPr/>
+        </p:nvPicPr>
+        <p:blipFill>
+          <a:blip r:embed="rId6" cstate="print">
+            <a:extLst>
+              <a:ext uri="{28A0092B-C50C-407E-A947-70E740481C1C}">
+                <a14:useLocalDpi xmlns:a14="http://schemas.microsoft.com/office/drawing/2010/main" val="0"/>
+              </a:ext>
+            </a:extLst>
+          </a:blip>
+          <a:stretch>
+            <a:fillRect/>
+          </a:stretch>
+        </p:blipFill>
+        <p:spPr>
+          <a:xfrm>
+            <a:off x="10251882" y="3400082"/>
+            <a:ext cx="193592" cy="193592"/>
+          </a:xfrm>
+          <a:prstGeom prst="rect">
+            <a:avLst/>
+          </a:prstGeom>
+        </p:spPr>
+      </p:pic>
+      <p:pic>
+        <p:nvPicPr>
+          <p:cNvPr id="85" name="Graphic 84">
+            <a:extLst>
+              <a:ext uri="{FF2B5EF4-FFF2-40B4-BE49-F238E27FC236}">
+                <a16:creationId xmlns:a16="http://schemas.microsoft.com/office/drawing/2014/main" id="{B022F6F7-9702-3C4A-B4CD-AD94514B6B80}"/>
+              </a:ext>
+            </a:extLst>
+          </p:cNvPr>
+          <p:cNvPicPr>
+            <a:picLocks noChangeAspect="1"/>
+          </p:cNvPicPr>
+          <p:nvPr/>
+        </p:nvPicPr>
+        <p:blipFill>
+          <a:blip r:embed="rId8">
+            <a:extLst>
+              <a:ext uri="{28A0092B-C50C-407E-A947-70E740481C1C}">
+                <a14:useLocalDpi xmlns:a14="http://schemas.microsoft.com/office/drawing/2010/main" val="0"/>
+              </a:ext>
+              <a:ext uri="{96DAC541-7B7A-43D3-8B79-37D633B846F1}">
+                <asvg:svgBlip xmlns:asvg="http://schemas.microsoft.com/office/drawing/2016/SVG/main" r:embed="rId9"/>
+              </a:ext>
+            </a:extLst>
+          </a:blip>
+          <a:stretch>
+            <a:fillRect/>
+          </a:stretch>
+        </p:blipFill>
+        <p:spPr>
+          <a:xfrm>
+            <a:off x="10790321" y="3410680"/>
+            <a:ext cx="131621" cy="177866"/>
+          </a:xfrm>
+          <a:prstGeom prst="rect">
+            <a:avLst/>
+          </a:prstGeom>
+        </p:spPr>
+      </p:pic>
     </p:spTree>
     <p:extLst>
       <p:ext uri="{BB962C8B-B14F-4D97-AF65-F5344CB8AC3E}">

--- a/Whiteboard design session/resources/Diagrams.pptx
+++ b/Whiteboard design session/resources/Diagrams.pptx
@@ -167,7 +167,7 @@
             </a:lvl1pPr>
           </a:lstStyle>
           <a:p>
-            <a:endParaRPr lang="en-US"/>
+            <a:endParaRPr lang="en-US" dirty="0"/>
           </a:p>
         </p:txBody>
       </p:sp>
@@ -202,7 +202,7 @@
               <a:rPr lang="en-US" smtClean="0"/>
               <a:t>8/8/19</a:t>
             </a:fld>
-            <a:endParaRPr lang="en-US"/>
+            <a:endParaRPr lang="en-US" dirty="0"/>
           </a:p>
         </p:txBody>
       </p:sp>
@@ -235,7 +235,7 @@
           <a:bodyPr vert="horz" lIns="91440" tIns="45720" rIns="91440" bIns="45720" rtlCol="0" anchor="ctr"/>
           <a:lstStyle/>
           <a:p>
-            <a:endParaRPr lang="en-US"/>
+            <a:endParaRPr lang="en-US" dirty="0"/>
           </a:p>
         </p:txBody>
       </p:sp>
@@ -325,7 +325,7 @@
             </a:lvl1pPr>
           </a:lstStyle>
           <a:p>
-            <a:endParaRPr lang="en-US"/>
+            <a:endParaRPr lang="en-US" dirty="0"/>
           </a:p>
         </p:txBody>
       </p:sp>
@@ -360,7 +360,7 @@
               <a:rPr lang="en-US" smtClean="0"/>
               <a:t>‹#›</a:t>
             </a:fld>
-            <a:endParaRPr lang="en-US"/>
+            <a:endParaRPr lang="en-US" dirty="0"/>
           </a:p>
         </p:txBody>
       </p:sp>
@@ -581,7 +581,7 @@
               </a:pPr>
               <a:t>2</a:t>
             </a:fld>
-            <a:endParaRPr kumimoji="0" lang="en-US" sz="1200" b="0" i="0" u="none" strike="noStrike" kern="1200" cap="none" spc="0" normalizeH="0" baseline="0" noProof="0">
+            <a:endParaRPr kumimoji="0" lang="en-US" sz="1200" b="0" i="0" u="none" strike="noStrike" kern="1200" cap="none" spc="0" normalizeH="0" baseline="0" noProof="0" dirty="0">
               <a:ln>
                 <a:noFill/>
               </a:ln>
@@ -678,7 +678,7 @@
               <a:rPr lang="en-US" smtClean="0"/>
               <a:t>3</a:t>
             </a:fld>
-            <a:endParaRPr lang="en-US"/>
+            <a:endParaRPr lang="en-US" dirty="0"/>
           </a:p>
         </p:txBody>
       </p:sp>
@@ -844,7 +844,7 @@
               <a:rPr lang="en-US" smtClean="0"/>
               <a:t>8/8/19</a:t>
             </a:fld>
-            <a:endParaRPr lang="en-US"/>
+            <a:endParaRPr lang="en-US" dirty="0"/>
           </a:p>
         </p:txBody>
       </p:sp>
@@ -869,7 +869,7 @@
           <a:bodyPr/>
           <a:lstStyle/>
           <a:p>
-            <a:endParaRPr lang="en-US"/>
+            <a:endParaRPr lang="en-US" dirty="0"/>
           </a:p>
         </p:txBody>
       </p:sp>
@@ -898,7 +898,7 @@
               <a:rPr lang="en-US" smtClean="0"/>
               <a:t>‹#›</a:t>
             </a:fld>
-            <a:endParaRPr lang="en-US"/>
+            <a:endParaRPr lang="en-US" dirty="0"/>
           </a:p>
         </p:txBody>
       </p:sp>
@@ -1042,7 +1042,7 @@
               <a:rPr lang="en-US" smtClean="0"/>
               <a:t>8/8/19</a:t>
             </a:fld>
-            <a:endParaRPr lang="en-US"/>
+            <a:endParaRPr lang="en-US" dirty="0"/>
           </a:p>
         </p:txBody>
       </p:sp>
@@ -1067,7 +1067,7 @@
           <a:bodyPr/>
           <a:lstStyle/>
           <a:p>
-            <a:endParaRPr lang="en-US"/>
+            <a:endParaRPr lang="en-US" dirty="0"/>
           </a:p>
         </p:txBody>
       </p:sp>
@@ -1096,7 +1096,7 @@
               <a:rPr lang="en-US" smtClean="0"/>
               <a:t>‹#›</a:t>
             </a:fld>
-            <a:endParaRPr lang="en-US"/>
+            <a:endParaRPr lang="en-US" dirty="0"/>
           </a:p>
         </p:txBody>
       </p:sp>
@@ -1250,7 +1250,7 @@
               <a:rPr lang="en-US" smtClean="0"/>
               <a:t>8/8/19</a:t>
             </a:fld>
-            <a:endParaRPr lang="en-US"/>
+            <a:endParaRPr lang="en-US" dirty="0"/>
           </a:p>
         </p:txBody>
       </p:sp>
@@ -1275,7 +1275,7 @@
           <a:bodyPr/>
           <a:lstStyle/>
           <a:p>
-            <a:endParaRPr lang="en-US"/>
+            <a:endParaRPr lang="en-US" dirty="0"/>
           </a:p>
         </p:txBody>
       </p:sp>
@@ -1304,7 +1304,7 @@
               <a:rPr lang="en-US" smtClean="0"/>
               <a:t>‹#›</a:t>
             </a:fld>
-            <a:endParaRPr lang="en-US"/>
+            <a:endParaRPr lang="en-US" dirty="0"/>
           </a:p>
         </p:txBody>
       </p:sp>
@@ -2466,7 +2466,7 @@
           </a:bodyPr>
           <a:lstStyle/>
           <a:p>
-            <a:endParaRPr lang="en-US"/>
+            <a:endParaRPr lang="en-US" dirty="0"/>
           </a:p>
         </p:txBody>
       </p:sp>
@@ -3875,7 +3875,7 @@
             </a:bodyPr>
             <a:lstStyle/>
             <a:p>
-              <a:endParaRPr lang="en-US" sz="1765"/>
+              <a:endParaRPr lang="en-US" sz="1765" dirty="0"/>
             </a:p>
           </p:txBody>
         </p:sp>
@@ -5371,7 +5371,7 @@
             </a:bodyPr>
             <a:lstStyle/>
             <a:p>
-              <a:endParaRPr lang="en-US" sz="1765"/>
+              <a:endParaRPr lang="en-US" sz="1765" dirty="0"/>
             </a:p>
           </p:txBody>
         </p:sp>
@@ -6450,7 +6450,7 @@
               <a:rPr lang="en-US" smtClean="0"/>
               <a:t>8/8/19</a:t>
             </a:fld>
-            <a:endParaRPr lang="en-US"/>
+            <a:endParaRPr lang="en-US" dirty="0"/>
           </a:p>
         </p:txBody>
       </p:sp>
@@ -6475,7 +6475,7 @@
           <a:bodyPr/>
           <a:lstStyle/>
           <a:p>
-            <a:endParaRPr lang="en-US"/>
+            <a:endParaRPr lang="en-US" dirty="0"/>
           </a:p>
         </p:txBody>
       </p:sp>
@@ -6504,7 +6504,7 @@
               <a:rPr lang="en-US" smtClean="0"/>
               <a:t>‹#›</a:t>
             </a:fld>
-            <a:endParaRPr lang="en-US"/>
+            <a:endParaRPr lang="en-US" dirty="0"/>
           </a:p>
         </p:txBody>
       </p:sp>
@@ -6907,10 +6907,9 @@
           </a:lstStyle>
           <a:p>
             <a:r>
-              <a:rPr lang="en-US"/>
+              <a:rPr lang="en-US" dirty="0"/>
               <a:t>Click icon to add picture</a:t>
             </a:r>
-            <a:endParaRPr lang="en-US" dirty="0"/>
           </a:p>
         </p:txBody>
       </p:sp>
@@ -8802,7 +8801,7 @@
             </a:bodyPr>
             <a:lstStyle/>
             <a:p>
-              <a:endParaRPr lang="en-US" sz="1765"/>
+              <a:endParaRPr lang="en-US" sz="1765" dirty="0"/>
             </a:p>
           </p:txBody>
         </p:sp>
@@ -9403,7 +9402,7 @@
               <a:rPr lang="en-US" smtClean="0"/>
               <a:t>8/8/19</a:t>
             </a:fld>
-            <a:endParaRPr lang="en-US"/>
+            <a:endParaRPr lang="en-US" dirty="0"/>
           </a:p>
         </p:txBody>
       </p:sp>
@@ -9428,7 +9427,7 @@
           <a:bodyPr/>
           <a:lstStyle/>
           <a:p>
-            <a:endParaRPr lang="en-US"/>
+            <a:endParaRPr lang="en-US" dirty="0"/>
           </a:p>
         </p:txBody>
       </p:sp>
@@ -9457,7 +9456,7 @@
               <a:rPr lang="en-US" smtClean="0"/>
               <a:t>‹#›</a:t>
             </a:fld>
-            <a:endParaRPr lang="en-US"/>
+            <a:endParaRPr lang="en-US" dirty="0"/>
           </a:p>
         </p:txBody>
       </p:sp>
@@ -9668,7 +9667,7 @@
               <a:rPr lang="en-US" smtClean="0"/>
               <a:t>8/8/19</a:t>
             </a:fld>
-            <a:endParaRPr lang="en-US"/>
+            <a:endParaRPr lang="en-US" dirty="0"/>
           </a:p>
         </p:txBody>
       </p:sp>
@@ -9693,7 +9692,7 @@
           <a:bodyPr/>
           <a:lstStyle/>
           <a:p>
-            <a:endParaRPr lang="en-US"/>
+            <a:endParaRPr lang="en-US" dirty="0"/>
           </a:p>
         </p:txBody>
       </p:sp>
@@ -9722,7 +9721,7 @@
               <a:rPr lang="en-US" smtClean="0"/>
               <a:t>‹#›</a:t>
             </a:fld>
-            <a:endParaRPr lang="en-US"/>
+            <a:endParaRPr lang="en-US" dirty="0"/>
           </a:p>
         </p:txBody>
       </p:sp>
@@ -10080,7 +10079,7 @@
               <a:rPr lang="en-US" smtClean="0"/>
               <a:t>8/8/19</a:t>
             </a:fld>
-            <a:endParaRPr lang="en-US"/>
+            <a:endParaRPr lang="en-US" dirty="0"/>
           </a:p>
         </p:txBody>
       </p:sp>
@@ -10105,7 +10104,7 @@
           <a:bodyPr/>
           <a:lstStyle/>
           <a:p>
-            <a:endParaRPr lang="en-US"/>
+            <a:endParaRPr lang="en-US" dirty="0"/>
           </a:p>
         </p:txBody>
       </p:sp>
@@ -10134,7 +10133,7 @@
               <a:rPr lang="en-US" smtClean="0"/>
               <a:t>‹#›</a:t>
             </a:fld>
-            <a:endParaRPr lang="en-US"/>
+            <a:endParaRPr lang="en-US" dirty="0"/>
           </a:p>
         </p:txBody>
       </p:sp>
@@ -10221,7 +10220,7 @@
               <a:rPr lang="en-US" smtClean="0"/>
               <a:t>8/8/19</a:t>
             </a:fld>
-            <a:endParaRPr lang="en-US"/>
+            <a:endParaRPr lang="en-US" dirty="0"/>
           </a:p>
         </p:txBody>
       </p:sp>
@@ -10246,7 +10245,7 @@
           <a:bodyPr/>
           <a:lstStyle/>
           <a:p>
-            <a:endParaRPr lang="en-US"/>
+            <a:endParaRPr lang="en-US" dirty="0"/>
           </a:p>
         </p:txBody>
       </p:sp>
@@ -10275,7 +10274,7 @@
               <a:rPr lang="en-US" smtClean="0"/>
               <a:t>‹#›</a:t>
             </a:fld>
-            <a:endParaRPr lang="en-US"/>
+            <a:endParaRPr lang="en-US" dirty="0"/>
           </a:p>
         </p:txBody>
       </p:sp>
@@ -10334,7 +10333,7 @@
               <a:rPr lang="en-US" smtClean="0"/>
               <a:t>8/8/19</a:t>
             </a:fld>
-            <a:endParaRPr lang="en-US"/>
+            <a:endParaRPr lang="en-US" dirty="0"/>
           </a:p>
         </p:txBody>
       </p:sp>
@@ -10359,7 +10358,7 @@
           <a:bodyPr/>
           <a:lstStyle/>
           <a:p>
-            <a:endParaRPr lang="en-US"/>
+            <a:endParaRPr lang="en-US" dirty="0"/>
           </a:p>
         </p:txBody>
       </p:sp>
@@ -10388,7 +10387,7 @@
               <a:rPr lang="en-US" smtClean="0"/>
               <a:t>‹#›</a:t>
             </a:fld>
-            <a:endParaRPr lang="en-US"/>
+            <a:endParaRPr lang="en-US" dirty="0"/>
           </a:p>
         </p:txBody>
       </p:sp>
@@ -10645,7 +10644,7 @@
               <a:rPr lang="en-US" smtClean="0"/>
               <a:t>8/8/19</a:t>
             </a:fld>
-            <a:endParaRPr lang="en-US"/>
+            <a:endParaRPr lang="en-US" dirty="0"/>
           </a:p>
         </p:txBody>
       </p:sp>
@@ -10670,7 +10669,7 @@
           <a:bodyPr/>
           <a:lstStyle/>
           <a:p>
-            <a:endParaRPr lang="en-US"/>
+            <a:endParaRPr lang="en-US" dirty="0"/>
           </a:p>
         </p:txBody>
       </p:sp>
@@ -10699,7 +10698,7 @@
               <a:rPr lang="en-US" smtClean="0"/>
               <a:t>‹#›</a:t>
             </a:fld>
-            <a:endParaRPr lang="en-US"/>
+            <a:endParaRPr lang="en-US" dirty="0"/>
           </a:p>
         </p:txBody>
       </p:sp>
@@ -10833,7 +10832,7 @@
             </a:lvl9pPr>
           </a:lstStyle>
           <a:p>
-            <a:endParaRPr lang="en-US"/>
+            <a:endParaRPr lang="en-US" dirty="0"/>
           </a:p>
         </p:txBody>
       </p:sp>
@@ -10933,7 +10932,7 @@
               <a:rPr lang="en-US" smtClean="0"/>
               <a:t>8/8/19</a:t>
             </a:fld>
-            <a:endParaRPr lang="en-US"/>
+            <a:endParaRPr lang="en-US" dirty="0"/>
           </a:p>
         </p:txBody>
       </p:sp>
@@ -10958,7 +10957,7 @@
           <a:bodyPr/>
           <a:lstStyle/>
           <a:p>
-            <a:endParaRPr lang="en-US"/>
+            <a:endParaRPr lang="en-US" dirty="0"/>
           </a:p>
         </p:txBody>
       </p:sp>
@@ -10987,7 +10986,7 @@
               <a:rPr lang="en-US" smtClean="0"/>
               <a:t>‹#›</a:t>
             </a:fld>
-            <a:endParaRPr lang="en-US"/>
+            <a:endParaRPr lang="en-US" dirty="0"/>
           </a:p>
         </p:txBody>
       </p:sp>
@@ -11174,7 +11173,7 @@
               <a:rPr lang="en-US" smtClean="0"/>
               <a:t>8/8/19</a:t>
             </a:fld>
-            <a:endParaRPr lang="en-US"/>
+            <a:endParaRPr lang="en-US" dirty="0"/>
           </a:p>
         </p:txBody>
       </p:sp>
@@ -11217,7 +11216,7 @@
             </a:lvl1pPr>
           </a:lstStyle>
           <a:p>
-            <a:endParaRPr lang="en-US"/>
+            <a:endParaRPr lang="en-US" dirty="0"/>
           </a:p>
         </p:txBody>
       </p:sp>
@@ -11264,7 +11263,7 @@
               <a:rPr lang="en-US" smtClean="0"/>
               <a:t>‹#›</a:t>
             </a:fld>
-            <a:endParaRPr lang="en-US"/>
+            <a:endParaRPr lang="en-US" dirty="0"/>
           </a:p>
         </p:txBody>
       </p:sp>
@@ -15160,7 +15159,7 @@
                     <a:spcPct val="0"/>
                   </a:spcAft>
                 </a:pPr>
-                <a:endParaRPr lang="en-US" sz="2400" dirty="0" err="1">
+                <a:endParaRPr lang="en-US" sz="2400" dirty="0">
                   <a:gradFill>
                     <a:gsLst>
                       <a:gs pos="0">
@@ -15246,7 +15245,7 @@
                     <a:spcPct val="0"/>
                   </a:spcAft>
                 </a:pPr>
-                <a:endParaRPr lang="en-US" sz="2400" dirty="0" err="1">
+                <a:endParaRPr lang="en-US" sz="2400" dirty="0">
                   <a:gradFill>
                     <a:gsLst>
                       <a:gs pos="0">

--- a/Whiteboard design session/resources/Diagrams.pptx
+++ b/Whiteboard design session/resources/Diagrams.pptx
@@ -200,7 +200,7 @@
           <a:p>
             <a:fld id="{877E2508-B5E2-4D40-8ED0-8E8E41B00F04}" type="datetimeFigureOut">
               <a:rPr lang="en-US" smtClean="0"/>
-              <a:t>8/8/19</a:t>
+              <a:t>8/28/19</a:t>
             </a:fld>
             <a:endParaRPr lang="en-US" dirty="0"/>
           </a:p>
@@ -842,7 +842,7 @@
           <a:p>
             <a:fld id="{6F32BA24-77A6-4699-9B9E-D0B6E743AD6F}" type="datetimeFigureOut">
               <a:rPr lang="en-US" smtClean="0"/>
-              <a:t>8/8/19</a:t>
+              <a:t>8/28/19</a:t>
             </a:fld>
             <a:endParaRPr lang="en-US" dirty="0"/>
           </a:p>
@@ -1040,7 +1040,7 @@
           <a:p>
             <a:fld id="{6F32BA24-77A6-4699-9B9E-D0B6E743AD6F}" type="datetimeFigureOut">
               <a:rPr lang="en-US" smtClean="0"/>
-              <a:t>8/8/19</a:t>
+              <a:t>8/28/19</a:t>
             </a:fld>
             <a:endParaRPr lang="en-US" dirty="0"/>
           </a:p>
@@ -1248,7 +1248,7 @@
           <a:p>
             <a:fld id="{6F32BA24-77A6-4699-9B9E-D0B6E743AD6F}" type="datetimeFigureOut">
               <a:rPr lang="en-US" smtClean="0"/>
-              <a:t>8/8/19</a:t>
+              <a:t>8/28/19</a:t>
             </a:fld>
             <a:endParaRPr lang="en-US" dirty="0"/>
           </a:p>
@@ -6448,7 +6448,7 @@
           <a:p>
             <a:fld id="{6F32BA24-77A6-4699-9B9E-D0B6E743AD6F}" type="datetimeFigureOut">
               <a:rPr lang="en-US" smtClean="0"/>
-              <a:t>8/8/19</a:t>
+              <a:t>8/28/19</a:t>
             </a:fld>
             <a:endParaRPr lang="en-US" dirty="0"/>
           </a:p>
@@ -9400,7 +9400,7 @@
           <a:p>
             <a:fld id="{6F32BA24-77A6-4699-9B9E-D0B6E743AD6F}" type="datetimeFigureOut">
               <a:rPr lang="en-US" smtClean="0"/>
-              <a:t>8/8/19</a:t>
+              <a:t>8/28/19</a:t>
             </a:fld>
             <a:endParaRPr lang="en-US" dirty="0"/>
           </a:p>
@@ -9665,7 +9665,7 @@
           <a:p>
             <a:fld id="{6F32BA24-77A6-4699-9B9E-D0B6E743AD6F}" type="datetimeFigureOut">
               <a:rPr lang="en-US" smtClean="0"/>
-              <a:t>8/8/19</a:t>
+              <a:t>8/28/19</a:t>
             </a:fld>
             <a:endParaRPr lang="en-US" dirty="0"/>
           </a:p>
@@ -10077,7 +10077,7 @@
           <a:p>
             <a:fld id="{6F32BA24-77A6-4699-9B9E-D0B6E743AD6F}" type="datetimeFigureOut">
               <a:rPr lang="en-US" smtClean="0"/>
-              <a:t>8/8/19</a:t>
+              <a:t>8/28/19</a:t>
             </a:fld>
             <a:endParaRPr lang="en-US" dirty="0"/>
           </a:p>
@@ -10218,7 +10218,7 @@
           <a:p>
             <a:fld id="{6F32BA24-77A6-4699-9B9E-D0B6E743AD6F}" type="datetimeFigureOut">
               <a:rPr lang="en-US" smtClean="0"/>
-              <a:t>8/8/19</a:t>
+              <a:t>8/28/19</a:t>
             </a:fld>
             <a:endParaRPr lang="en-US" dirty="0"/>
           </a:p>
@@ -10331,7 +10331,7 @@
           <a:p>
             <a:fld id="{6F32BA24-77A6-4699-9B9E-D0B6E743AD6F}" type="datetimeFigureOut">
               <a:rPr lang="en-US" smtClean="0"/>
-              <a:t>8/8/19</a:t>
+              <a:t>8/28/19</a:t>
             </a:fld>
             <a:endParaRPr lang="en-US" dirty="0"/>
           </a:p>
@@ -10642,7 +10642,7 @@
           <a:p>
             <a:fld id="{6F32BA24-77A6-4699-9B9E-D0B6E743AD6F}" type="datetimeFigureOut">
               <a:rPr lang="en-US" smtClean="0"/>
-              <a:t>8/8/19</a:t>
+              <a:t>8/28/19</a:t>
             </a:fld>
             <a:endParaRPr lang="en-US" dirty="0"/>
           </a:p>
@@ -10930,7 +10930,7 @@
           <a:p>
             <a:fld id="{6F32BA24-77A6-4699-9B9E-D0B6E743AD6F}" type="datetimeFigureOut">
               <a:rPr lang="en-US" smtClean="0"/>
-              <a:t>8/8/19</a:t>
+              <a:t>8/28/19</a:t>
             </a:fld>
             <a:endParaRPr lang="en-US" dirty="0"/>
           </a:p>
@@ -11171,7 +11171,7 @@
           <a:p>
             <a:fld id="{6F32BA24-77A6-4699-9B9E-D0B6E743AD6F}" type="datetimeFigureOut">
               <a:rPr lang="en-US" smtClean="0"/>
-              <a:t>8/8/19</a:t>
+              <a:t>8/28/19</a:t>
             </a:fld>
             <a:endParaRPr lang="en-US" dirty="0"/>
           </a:p>
@@ -13429,9 +13429,9 @@
         <p:grpSpPr>
           <a:xfrm>
             <a:off x="622299" y="2115254"/>
-            <a:ext cx="10932448" cy="4284400"/>
+            <a:ext cx="10932448" cy="4379040"/>
             <a:chOff x="622299" y="2115254"/>
-            <a:chExt cx="10932448" cy="4284400"/>
+            <a:chExt cx="10932448" cy="4379040"/>
           </a:xfrm>
         </p:grpSpPr>
         <p:grpSp>
@@ -13449,9 +13449,9 @@
           <p:grpSpPr>
             <a:xfrm>
               <a:off x="622299" y="2115254"/>
-              <a:ext cx="10932448" cy="4284400"/>
+              <a:ext cx="10932448" cy="4379040"/>
               <a:chOff x="831849" y="2115254"/>
-              <a:chExt cx="10932448" cy="4284400"/>
+              <a:chExt cx="10932448" cy="4379040"/>
             </a:xfrm>
           </p:grpSpPr>
           <p:sp>
@@ -13693,7 +13693,7 @@
             <p:spPr>
               <a:xfrm>
                 <a:off x="9972487" y="5235488"/>
-                <a:ext cx="1781978" cy="1037207"/>
+                <a:ext cx="1781978" cy="1258806"/>
               </a:xfrm>
               <a:prstGeom prst="rect">
                 <a:avLst/>
@@ -13738,7 +13738,7 @@
                     <a:ea typeface="+mn-ea"/>
                     <a:cs typeface="+mn-cs"/>
                   </a:rPr>
-                  <a:t>Azure SQL Database</a:t>
+                  <a:t>Azure PostgreSQL Database</a:t>
                 </a:r>
               </a:p>
               <a:p>

--- a/Whiteboard design session/resources/Diagrams.pptx
+++ b/Whiteboard design session/resources/Diagrams.pptx
@@ -200,7 +200,7 @@
           <a:p>
             <a:fld id="{877E2508-B5E2-4D40-8ED0-8E8E41B00F04}" type="datetimeFigureOut">
               <a:rPr lang="en-US" smtClean="0"/>
-              <a:t>8/28/19</a:t>
+              <a:t>12/6/2019</a:t>
             </a:fld>
             <a:endParaRPr lang="en-US" dirty="0"/>
           </a:p>
@@ -842,7 +842,7 @@
           <a:p>
             <a:fld id="{6F32BA24-77A6-4699-9B9E-D0B6E743AD6F}" type="datetimeFigureOut">
               <a:rPr lang="en-US" smtClean="0"/>
-              <a:t>8/28/19</a:t>
+              <a:t>12/6/2019</a:t>
             </a:fld>
             <a:endParaRPr lang="en-US" dirty="0"/>
           </a:p>
@@ -1040,7 +1040,7 @@
           <a:p>
             <a:fld id="{6F32BA24-77A6-4699-9B9E-D0B6E743AD6F}" type="datetimeFigureOut">
               <a:rPr lang="en-US" smtClean="0"/>
-              <a:t>8/28/19</a:t>
+              <a:t>12/6/2019</a:t>
             </a:fld>
             <a:endParaRPr lang="en-US" dirty="0"/>
           </a:p>
@@ -1248,7 +1248,7 @@
           <a:p>
             <a:fld id="{6F32BA24-77A6-4699-9B9E-D0B6E743AD6F}" type="datetimeFigureOut">
               <a:rPr lang="en-US" smtClean="0"/>
-              <a:t>8/28/19</a:t>
+              <a:t>12/6/2019</a:t>
             </a:fld>
             <a:endParaRPr lang="en-US" dirty="0"/>
           </a:p>
@@ -6448,7 +6448,7 @@
           <a:p>
             <a:fld id="{6F32BA24-77A6-4699-9B9E-D0B6E743AD6F}" type="datetimeFigureOut">
               <a:rPr lang="en-US" smtClean="0"/>
-              <a:t>8/28/19</a:t>
+              <a:t>12/6/2019</a:t>
             </a:fld>
             <a:endParaRPr lang="en-US" dirty="0"/>
           </a:p>
@@ -9400,7 +9400,7 @@
           <a:p>
             <a:fld id="{6F32BA24-77A6-4699-9B9E-D0B6E743AD6F}" type="datetimeFigureOut">
               <a:rPr lang="en-US" smtClean="0"/>
-              <a:t>8/28/19</a:t>
+              <a:t>12/6/2019</a:t>
             </a:fld>
             <a:endParaRPr lang="en-US" dirty="0"/>
           </a:p>
@@ -9665,7 +9665,7 @@
           <a:p>
             <a:fld id="{6F32BA24-77A6-4699-9B9E-D0B6E743AD6F}" type="datetimeFigureOut">
               <a:rPr lang="en-US" smtClean="0"/>
-              <a:t>8/28/19</a:t>
+              <a:t>12/6/2019</a:t>
             </a:fld>
             <a:endParaRPr lang="en-US" dirty="0"/>
           </a:p>
@@ -10077,7 +10077,7 @@
           <a:p>
             <a:fld id="{6F32BA24-77A6-4699-9B9E-D0B6E743AD6F}" type="datetimeFigureOut">
               <a:rPr lang="en-US" smtClean="0"/>
-              <a:t>8/28/19</a:t>
+              <a:t>12/6/2019</a:t>
             </a:fld>
             <a:endParaRPr lang="en-US" dirty="0"/>
           </a:p>
@@ -10218,7 +10218,7 @@
           <a:p>
             <a:fld id="{6F32BA24-77A6-4699-9B9E-D0B6E743AD6F}" type="datetimeFigureOut">
               <a:rPr lang="en-US" smtClean="0"/>
-              <a:t>8/28/19</a:t>
+              <a:t>12/6/2019</a:t>
             </a:fld>
             <a:endParaRPr lang="en-US" dirty="0"/>
           </a:p>
@@ -10331,7 +10331,7 @@
           <a:p>
             <a:fld id="{6F32BA24-77A6-4699-9B9E-D0B6E743AD6F}" type="datetimeFigureOut">
               <a:rPr lang="en-US" smtClean="0"/>
-              <a:t>8/28/19</a:t>
+              <a:t>12/6/2019</a:t>
             </a:fld>
             <a:endParaRPr lang="en-US" dirty="0"/>
           </a:p>
@@ -10642,7 +10642,7 @@
           <a:p>
             <a:fld id="{6F32BA24-77A6-4699-9B9E-D0B6E743AD6F}" type="datetimeFigureOut">
               <a:rPr lang="en-US" smtClean="0"/>
-              <a:t>8/28/19</a:t>
+              <a:t>12/6/2019</a:t>
             </a:fld>
             <a:endParaRPr lang="en-US" dirty="0"/>
           </a:p>
@@ -10930,7 +10930,7 @@
           <a:p>
             <a:fld id="{6F32BA24-77A6-4699-9B9E-D0B6E743AD6F}" type="datetimeFigureOut">
               <a:rPr lang="en-US" smtClean="0"/>
-              <a:t>8/28/19</a:t>
+              <a:t>12/6/2019</a:t>
             </a:fld>
             <a:endParaRPr lang="en-US" dirty="0"/>
           </a:p>
@@ -11171,7 +11171,7 @@
           <a:p>
             <a:fld id="{6F32BA24-77A6-4699-9B9E-D0B6E743AD6F}" type="datetimeFigureOut">
               <a:rPr lang="en-US" smtClean="0"/>
-              <a:t>8/28/19</a:t>
+              <a:t>12/6/2019</a:t>
             </a:fld>
             <a:endParaRPr lang="en-US" dirty="0"/>
           </a:p>
@@ -12225,10 +12225,10 @@
       </p:grpSpPr>
       <p:grpSp>
         <p:nvGrpSpPr>
-          <p:cNvPr id="4" name="Group 3">
+          <p:cNvPr id="59" name="Group 58">
             <a:extLst>
               <a:ext uri="{FF2B5EF4-FFF2-40B4-BE49-F238E27FC236}">
-                <a16:creationId xmlns:a16="http://schemas.microsoft.com/office/drawing/2014/main" id="{9FB07C8F-5037-034A-930B-982036C62038}"/>
+                <a16:creationId xmlns:a16="http://schemas.microsoft.com/office/drawing/2014/main" id="{1AD57D12-7BBE-4B8F-9ECD-34B0B5BF3556}"/>
               </a:ext>
             </a:extLst>
           </p:cNvPr>
@@ -12237,18 +12237,100 @@
         </p:nvGrpSpPr>
         <p:grpSpPr>
           <a:xfrm>
-            <a:off x="426262" y="1747556"/>
-            <a:ext cx="11996998" cy="3110851"/>
-            <a:chOff x="426262" y="1747556"/>
-            <a:chExt cx="11996998" cy="3110851"/>
+            <a:off x="412120" y="1500189"/>
+            <a:ext cx="12163540" cy="3671888"/>
+            <a:chOff x="412120" y="1500189"/>
+            <a:chExt cx="12163540" cy="3671888"/>
           </a:xfrm>
         </p:grpSpPr>
+        <p:sp>
+          <p:nvSpPr>
+            <p:cNvPr id="60" name="Rectangle 59">
+              <a:extLst>
+                <a:ext uri="{FF2B5EF4-FFF2-40B4-BE49-F238E27FC236}">
+                  <a16:creationId xmlns:a16="http://schemas.microsoft.com/office/drawing/2014/main" id="{E7BF3054-6BC4-4EC0-8878-429CA2EF12F0}"/>
+                </a:ext>
+              </a:extLst>
+            </p:cNvPr>
+            <p:cNvSpPr/>
+            <p:nvPr/>
+          </p:nvSpPr>
+          <p:spPr bwMode="auto">
+            <a:xfrm>
+              <a:off x="412120" y="1500189"/>
+              <a:ext cx="11346498" cy="3671888"/>
+            </a:xfrm>
+            <a:prstGeom prst="rect">
+              <a:avLst/>
+            </a:prstGeom>
+            <a:solidFill>
+              <a:srgbClr val="FFFFFF"/>
+            </a:solidFill>
+            <a:ln w="9525" cap="flat" cmpd="sng" algn="ctr">
+              <a:noFill/>
+              <a:prstDash val="solid"/>
+              <a:headEnd type="none" w="med" len="med"/>
+              <a:tailEnd type="none" w="med" len="med"/>
+            </a:ln>
+            <a:effectLst/>
+          </p:spPr>
+          <p:txBody>
+            <a:bodyPr rot="0" spcFirstLastPara="0" vertOverflow="overflow" horzOverflow="overflow" vert="horz" wrap="square" lIns="182880" tIns="146304" rIns="182880" bIns="146304" numCol="1" spcCol="0" rtlCol="0" fromWordArt="0" anchor="t" anchorCtr="0" forceAA="0" compatLnSpc="1">
+              <a:prstTxWarp prst="textNoShape">
+                <a:avLst/>
+              </a:prstTxWarp>
+              <a:noAutofit/>
+            </a:bodyPr>
+            <a:lstStyle/>
+            <a:p>
+              <a:pPr marL="0" marR="0" lvl="0" indent="0" algn="ctr" defTabSz="932472" eaLnBrk="1" fontAlgn="base" latinLnBrk="0" hangingPunct="1">
+                <a:lnSpc>
+                  <a:spcPct val="90000"/>
+                </a:lnSpc>
+                <a:spcBef>
+                  <a:spcPct val="0"/>
+                </a:spcBef>
+                <a:spcAft>
+                  <a:spcPct val="0"/>
+                </a:spcAft>
+                <a:buClrTx/>
+                <a:buSzTx/>
+                <a:buFontTx/>
+                <a:buNone/>
+                <a:tabLst/>
+                <a:defRPr/>
+              </a:pPr>
+              <a:endParaRPr kumimoji="0" lang="en-US" sz="2400" b="0" i="0" u="none" strike="noStrike" kern="0" cap="none" spc="0" normalizeH="0" baseline="0" noProof="0" dirty="0" err="1">
+                <a:ln>
+                  <a:noFill/>
+                </a:ln>
+                <a:gradFill>
+                  <a:gsLst>
+                    <a:gs pos="0">
+                      <a:srgbClr val="FFFFFF"/>
+                    </a:gs>
+                    <a:gs pos="100000">
+                      <a:srgbClr val="FFFFFF"/>
+                    </a:gs>
+                  </a:gsLst>
+                  <a:lin ang="5400000" scaled="0"/>
+                </a:gradFill>
+                <a:effectLst/>
+                <a:uLnTx/>
+                <a:uFillTx/>
+                <a:latin typeface="Segoe UI Semilight"/>
+                <a:ea typeface="Segoe UI" pitchFamily="34" charset="0"/>
+                <a:cs typeface="Segoe UI" pitchFamily="34" charset="0"/>
+              </a:endParaRPr>
+            </a:p>
+          </p:txBody>
+        </p:sp>
         <p:pic>
           <p:nvPicPr>
-            <p:cNvPr id="9" name="Picture 8">
+            <p:cNvPr id="61" name="Picture 60">
               <a:extLst>
                 <a:ext uri="{FF2B5EF4-FFF2-40B4-BE49-F238E27FC236}">
-                  <a16:creationId xmlns:a16="http://schemas.microsoft.com/office/drawing/2014/main" id="{7EC5C32A-65A5-447C-A2D9-EC63A992B055}"/>
+                  <a16:creationId xmlns:a16="http://schemas.microsoft.com/office/drawing/2014/main" id="{AACFBA0D-B1B3-4D76-93AB-1DC8E4B70DE1}"/>
                 </a:ext>
               </a:extLst>
             </p:cNvPr>
@@ -12258,7 +12340,37 @@
             <p:nvPr/>
           </p:nvPicPr>
           <p:blipFill>
-            <a:blip r:embed="rId2">
+            <a:blip r:embed="rId2"/>
+            <a:stretch>
+              <a:fillRect/>
+            </a:stretch>
+          </p:blipFill>
+          <p:spPr>
+            <a:xfrm>
+              <a:off x="6186331" y="2604806"/>
+              <a:ext cx="490204" cy="508000"/>
+            </a:xfrm>
+            <a:prstGeom prst="rect">
+              <a:avLst/>
+            </a:prstGeom>
+          </p:spPr>
+        </p:pic>
+        <p:pic>
+          <p:nvPicPr>
+            <p:cNvPr id="62" name="Picture 61">
+              <a:extLst>
+                <a:ext uri="{FF2B5EF4-FFF2-40B4-BE49-F238E27FC236}">
+                  <a16:creationId xmlns:a16="http://schemas.microsoft.com/office/drawing/2014/main" id="{106103DB-B939-4633-9E6C-47FD2A45B310}"/>
+                </a:ext>
+              </a:extLst>
+            </p:cNvPr>
+            <p:cNvPicPr>
+              <a:picLocks noChangeAspect="1"/>
+            </p:cNvPicPr>
+            <p:nvPr/>
+          </p:nvPicPr>
+          <p:blipFill>
+            <a:blip r:embed="rId3" cstate="print">
               <a:extLst>
                 <a:ext uri="{28A0092B-C50C-407E-A947-70E740481C1C}">
                   <a14:useLocalDpi xmlns:a14="http://schemas.microsoft.com/office/drawing/2010/main" val="0"/>
@@ -12271,7 +12383,7 @@
           </p:blipFill>
           <p:spPr>
             <a:xfrm>
-              <a:off x="426262" y="3067997"/>
+              <a:off x="596740" y="3269471"/>
               <a:ext cx="481585" cy="481585"/>
             </a:xfrm>
             <a:prstGeom prst="rect">
@@ -12281,10 +12393,10 @@
         </p:pic>
         <p:sp>
           <p:nvSpPr>
-            <p:cNvPr id="12" name="TextBox 11">
+            <p:cNvPr id="63" name="TextBox 62">
               <a:extLst>
                 <a:ext uri="{FF2B5EF4-FFF2-40B4-BE49-F238E27FC236}">
-                  <a16:creationId xmlns:a16="http://schemas.microsoft.com/office/drawing/2014/main" id="{48603229-FB9A-4C63-B6B7-4C61CF771A42}"/>
+                  <a16:creationId xmlns:a16="http://schemas.microsoft.com/office/drawing/2014/main" id="{5C5A8233-5418-42BE-B00D-DDC0DD15B8E8}"/>
                 </a:ext>
               </a:extLst>
             </p:cNvPr>
@@ -12293,7 +12405,7 @@
           </p:nvSpPr>
           <p:spPr>
             <a:xfrm>
-              <a:off x="1069991" y="1820401"/>
+              <a:off x="1240469" y="2021875"/>
               <a:ext cx="4363720" cy="400110"/>
             </a:xfrm>
             <a:prstGeom prst="rect">
@@ -12307,8 +12419,36 @@
             </a:bodyPr>
             <a:lstStyle/>
             <a:p>
+              <a:pPr marL="0" marR="0" lvl="0" indent="0" defTabSz="914400" eaLnBrk="1" fontAlgn="auto" latinLnBrk="0" hangingPunct="1">
+                <a:lnSpc>
+                  <a:spcPct val="100000"/>
+                </a:lnSpc>
+                <a:spcBef>
+                  <a:spcPts val="0"/>
+                </a:spcBef>
+                <a:spcAft>
+                  <a:spcPts val="0"/>
+                </a:spcAft>
+                <a:buClrTx/>
+                <a:buSzTx/>
+                <a:buFontTx/>
+                <a:buNone/>
+                <a:tabLst/>
+                <a:defRPr/>
+              </a:pPr>
               <a:r>
-                <a:rPr lang="en-US" sz="2000" dirty="0"/>
+                <a:rPr kumimoji="0" lang="en-US" sz="2000" b="0" i="0" u="none" strike="noStrike" kern="0" cap="none" spc="0" normalizeH="0" baseline="0" noProof="0" dirty="0">
+                  <a:ln>
+                    <a:noFill/>
+                  </a:ln>
+                  <a:solidFill>
+                    <a:srgbClr val="FFFFFF"/>
+                  </a:solidFill>
+                  <a:effectLst/>
+                  <a:uLnTx/>
+                  <a:uFillTx/>
+                  <a:latin typeface="Segoe UI Semilight"/>
+                </a:rPr>
                 <a:t>Azure DevOps</a:t>
               </a:r>
             </a:p>
@@ -12316,10 +12456,10 @@
         </p:sp>
         <p:sp>
           <p:nvSpPr>
-            <p:cNvPr id="13" name="TextBox 12">
+            <p:cNvPr id="64" name="TextBox 63">
               <a:extLst>
                 <a:ext uri="{FF2B5EF4-FFF2-40B4-BE49-F238E27FC236}">
-                  <a16:creationId xmlns:a16="http://schemas.microsoft.com/office/drawing/2014/main" id="{525A4DF5-84F1-476E-985D-F9F8FB2EB9E9}"/>
+                  <a16:creationId xmlns:a16="http://schemas.microsoft.com/office/drawing/2014/main" id="{37ECE98F-517F-42EF-9360-5CC1410B232C}"/>
                 </a:ext>
               </a:extLst>
             </p:cNvPr>
@@ -12328,7 +12468,70 @@
           </p:nvSpPr>
           <p:spPr>
             <a:xfrm>
-              <a:off x="1090311" y="2479299"/>
+              <a:off x="1260789" y="2680773"/>
+              <a:ext cx="4751697" cy="400110"/>
+            </a:xfrm>
+            <a:prstGeom prst="rect">
+              <a:avLst/>
+            </a:prstGeom>
+            <a:noFill/>
+          </p:spPr>
+          <p:txBody>
+            <a:bodyPr wrap="square" rtlCol="0">
+              <a:spAutoFit/>
+            </a:bodyPr>
+            <a:lstStyle/>
+            <a:p>
+              <a:pPr marL="0" marR="0" lvl="0" indent="0" defTabSz="914400" eaLnBrk="1" fontAlgn="auto" latinLnBrk="0" hangingPunct="1">
+                <a:lnSpc>
+                  <a:spcPct val="100000"/>
+                </a:lnSpc>
+                <a:spcBef>
+                  <a:spcPts val="0"/>
+                </a:spcBef>
+                <a:spcAft>
+                  <a:spcPts val="0"/>
+                </a:spcAft>
+                <a:buClrTx/>
+                <a:buSzTx/>
+                <a:buFontTx/>
+                <a:buNone/>
+                <a:tabLst/>
+                <a:defRPr/>
+              </a:pPr>
+              <a:r>
+                <a:rPr kumimoji="0" lang="en-US" sz="2000" b="0" i="0" u="none" strike="noStrike" kern="0" cap="none" spc="0" normalizeH="0" baseline="0" noProof="0" dirty="0">
+                  <a:ln>
+                    <a:noFill/>
+                  </a:ln>
+                  <a:solidFill>
+                    <a:srgbClr val="FFFFFF"/>
+                  </a:solidFill>
+                  <a:effectLst/>
+                  <a:uLnTx/>
+                  <a:uFillTx/>
+                  <a:latin typeface="Segoe UI Semilight"/>
+                </a:rPr>
+                <a:t>Azure Repos</a:t>
+              </a:r>
+            </a:p>
+          </p:txBody>
+        </p:sp>
+        <p:sp>
+          <p:nvSpPr>
+            <p:cNvPr id="65" name="TextBox 64">
+              <a:extLst>
+                <a:ext uri="{FF2B5EF4-FFF2-40B4-BE49-F238E27FC236}">
+                  <a16:creationId xmlns:a16="http://schemas.microsoft.com/office/drawing/2014/main" id="{F4E2C029-5E0C-4126-8D5D-30E6ABC70D3C}"/>
+                </a:ext>
+              </a:extLst>
+            </p:cNvPr>
+            <p:cNvSpPr txBox="1"/>
+            <p:nvPr/>
+          </p:nvSpPr>
+          <p:spPr>
+            <a:xfrm>
+              <a:off x="1260789" y="3351655"/>
               <a:ext cx="5725280" cy="400110"/>
             </a:xfrm>
             <a:prstGeom prst="rect">
@@ -12342,356 +12545,195 @@
             </a:bodyPr>
             <a:lstStyle/>
             <a:p>
+              <a:pPr marL="0" marR="0" lvl="0" indent="0" defTabSz="914400" eaLnBrk="1" fontAlgn="auto" latinLnBrk="0" hangingPunct="1">
+                <a:lnSpc>
+                  <a:spcPct val="100000"/>
+                </a:lnSpc>
+                <a:spcBef>
+                  <a:spcPts val="0"/>
+                </a:spcBef>
+                <a:spcAft>
+                  <a:spcPts val="0"/>
+                </a:spcAft>
+                <a:buClrTx/>
+                <a:buSzTx/>
+                <a:buFontTx/>
+                <a:buNone/>
+                <a:tabLst/>
+                <a:defRPr/>
+              </a:pPr>
               <a:r>
-                <a:rPr lang="en-US" sz="2000" dirty="0"/>
-                <a:t>Azure Repos</a:t>
-              </a:r>
-            </a:p>
-          </p:txBody>
-        </p:sp>
-        <p:sp>
-          <p:nvSpPr>
-            <p:cNvPr id="14" name="TextBox 13">
-              <a:extLst>
-                <a:ext uri="{FF2B5EF4-FFF2-40B4-BE49-F238E27FC236}">
-                  <a16:creationId xmlns:a16="http://schemas.microsoft.com/office/drawing/2014/main" id="{DC20782D-8845-4BA4-BC5F-303EDB1500A8}"/>
-                </a:ext>
-              </a:extLst>
-            </p:cNvPr>
-            <p:cNvSpPr txBox="1"/>
-            <p:nvPr/>
-          </p:nvSpPr>
-          <p:spPr>
-            <a:xfrm>
-              <a:off x="1090311" y="3150181"/>
-              <a:ext cx="5725280" cy="400110"/>
-            </a:xfrm>
-            <a:prstGeom prst="rect">
-              <a:avLst/>
-            </a:prstGeom>
-            <a:noFill/>
-          </p:spPr>
-          <p:txBody>
-            <a:bodyPr wrap="square" rtlCol="0">
-              <a:spAutoFit/>
-            </a:bodyPr>
-            <a:lstStyle/>
-            <a:p>
-              <a:r>
-                <a:rPr lang="en-US" sz="2000" dirty="0"/>
+                <a:rPr kumimoji="0" lang="en-US" sz="2000" b="0" i="0" u="none" strike="noStrike" kern="0" cap="none" spc="0" normalizeH="0" baseline="0" noProof="0" dirty="0">
+                  <a:ln>
+                    <a:noFill/>
+                  </a:ln>
+                  <a:solidFill>
+                    <a:srgbClr val="FFFFFF"/>
+                  </a:solidFill>
+                  <a:effectLst/>
+                  <a:uLnTx/>
+                  <a:uFillTx/>
+                  <a:latin typeface="Segoe UI Semilight"/>
+                </a:rPr>
                 <a:t>Azure DevOps with GitHub</a:t>
-              </a:r>
-            </a:p>
-          </p:txBody>
-        </p:sp>
-        <p:pic>
-          <p:nvPicPr>
-            <p:cNvPr id="38" name="Picture 37">
-              <a:extLst>
-                <a:ext uri="{FF2B5EF4-FFF2-40B4-BE49-F238E27FC236}">
-                  <a16:creationId xmlns:a16="http://schemas.microsoft.com/office/drawing/2014/main" id="{10EEF79E-301D-4D32-92A3-50AC81A2D8D9}"/>
-                </a:ext>
-              </a:extLst>
-            </p:cNvPr>
-            <p:cNvPicPr>
-              <a:picLocks noChangeAspect="1"/>
-            </p:cNvPicPr>
-            <p:nvPr/>
-          </p:nvPicPr>
-          <p:blipFill>
-            <a:blip r:embed="rId3">
-              <a:extLst>
-                <a:ext uri="{28A0092B-C50C-407E-A947-70E740481C1C}">
-                  <a14:useLocalDpi xmlns:a14="http://schemas.microsoft.com/office/drawing/2010/main" val="0"/>
-                </a:ext>
-              </a:extLst>
-            </a:blip>
-            <a:stretch>
-              <a:fillRect/>
-            </a:stretch>
-          </p:blipFill>
-          <p:spPr>
-            <a:xfrm>
-              <a:off x="6033931" y="2453363"/>
-              <a:ext cx="414427" cy="414427"/>
-            </a:xfrm>
-            <a:prstGeom prst="rect">
-              <a:avLst/>
-            </a:prstGeom>
-          </p:spPr>
-        </p:pic>
-        <p:sp>
-          <p:nvSpPr>
-            <p:cNvPr id="43" name="TextBox 42">
-              <a:extLst>
-                <a:ext uri="{FF2B5EF4-FFF2-40B4-BE49-F238E27FC236}">
-                  <a16:creationId xmlns:a16="http://schemas.microsoft.com/office/drawing/2014/main" id="{B131528D-1609-42A4-92F4-F8DD03F4F13D}"/>
-                </a:ext>
-              </a:extLst>
-            </p:cNvPr>
-            <p:cNvSpPr txBox="1"/>
-            <p:nvPr/>
-          </p:nvSpPr>
-          <p:spPr>
-            <a:xfrm>
-              <a:off x="6697980" y="2485037"/>
-              <a:ext cx="5725280" cy="400110"/>
-            </a:xfrm>
-            <a:prstGeom prst="rect">
-              <a:avLst/>
-            </a:prstGeom>
-            <a:noFill/>
-          </p:spPr>
-          <p:txBody>
-            <a:bodyPr wrap="square" rtlCol="0">
-              <a:spAutoFit/>
-            </a:bodyPr>
-            <a:lstStyle/>
-            <a:p>
-              <a:r>
-                <a:rPr lang="en-US" sz="2000" dirty="0"/>
-                <a:t>Azure Web Apps</a:t>
-              </a:r>
-            </a:p>
-          </p:txBody>
-        </p:sp>
-        <p:sp>
-          <p:nvSpPr>
-            <p:cNvPr id="44" name="TextBox 43">
-              <a:extLst>
-                <a:ext uri="{FF2B5EF4-FFF2-40B4-BE49-F238E27FC236}">
-                  <a16:creationId xmlns:a16="http://schemas.microsoft.com/office/drawing/2014/main" id="{10D6032C-1C42-4842-9EB0-F2B3C7F722AD}"/>
-                </a:ext>
-              </a:extLst>
-            </p:cNvPr>
-            <p:cNvSpPr txBox="1"/>
-            <p:nvPr/>
-          </p:nvSpPr>
-          <p:spPr>
-            <a:xfrm>
-              <a:off x="6697980" y="3150181"/>
-              <a:ext cx="5725280" cy="400110"/>
-            </a:xfrm>
-            <a:prstGeom prst="rect">
-              <a:avLst/>
-            </a:prstGeom>
-            <a:noFill/>
-          </p:spPr>
-          <p:txBody>
-            <a:bodyPr wrap="square" rtlCol="0">
-              <a:spAutoFit/>
-            </a:bodyPr>
-            <a:lstStyle/>
-            <a:p>
-              <a:r>
-                <a:rPr lang="en-US" sz="2000" dirty="0"/>
-                <a:t>Azure PostreSQL Database</a:t>
               </a:r>
             </a:p>
           </p:txBody>
         </p:sp>
         <p:cxnSp>
           <p:nvCxnSpPr>
-            <p:cNvPr id="45" name="Straight Arrow Connector 44">
+            <p:cNvPr id="66" name="Straight Arrow Connector 65">
               <a:extLst>
                 <a:ext uri="{FF2B5EF4-FFF2-40B4-BE49-F238E27FC236}">
-                  <a16:creationId xmlns:a16="http://schemas.microsoft.com/office/drawing/2014/main" id="{9BBB64F6-8E21-4297-B0B9-A728B531AE55}"/>
+                  <a16:creationId xmlns:a16="http://schemas.microsoft.com/office/drawing/2014/main" id="{5DB1F5A8-76B5-4D8B-BCC9-2F838CE0CAFD}"/>
                 </a:ext>
               </a:extLst>
             </p:cNvPr>
             <p:cNvCxnSpPr>
               <a:cxnSpLocks/>
-              <a:stCxn id="49" idx="3"/>
-              <a:endCxn id="50" idx="1"/>
+              <a:stCxn id="70" idx="3"/>
+              <a:endCxn id="71" idx="1"/>
             </p:cNvCxnSpPr>
             <p:nvPr/>
           </p:nvCxnSpPr>
           <p:spPr>
             <a:xfrm>
-              <a:off x="2825314" y="4464769"/>
+              <a:off x="2995792" y="4666243"/>
               <a:ext cx="465694" cy="0"/>
             </a:xfrm>
             <a:prstGeom prst="straightConnector1">
               <a:avLst/>
             </a:prstGeom>
+            <a:noFill/>
             <a:ln w="9525" cap="flat" cmpd="sng" algn="ctr">
               <a:solidFill>
-                <a:schemeClr val="accent6"/>
+                <a:srgbClr val="D2D2D2"/>
               </a:solidFill>
               <a:prstDash val="solid"/>
               <a:round/>
               <a:headEnd type="none" w="med" len="med"/>
               <a:tailEnd type="arrow" w="med" len="med"/>
             </a:ln>
+            <a:effectLst/>
           </p:spPr>
-          <p:style>
-            <a:lnRef idx="0">
-              <a:scrgbClr r="0" g="0" b="0"/>
-            </a:lnRef>
-            <a:fillRef idx="0">
-              <a:scrgbClr r="0" g="0" b="0"/>
-            </a:fillRef>
-            <a:effectRef idx="0">
-              <a:scrgbClr r="0" g="0" b="0"/>
-            </a:effectRef>
-            <a:fontRef idx="minor">
-              <a:schemeClr val="tx1"/>
-            </a:fontRef>
-          </p:style>
         </p:cxnSp>
         <p:cxnSp>
           <p:nvCxnSpPr>
-            <p:cNvPr id="46" name="Straight Arrow Connector 45">
+            <p:cNvPr id="67" name="Straight Arrow Connector 66">
               <a:extLst>
                 <a:ext uri="{FF2B5EF4-FFF2-40B4-BE49-F238E27FC236}">
-                  <a16:creationId xmlns:a16="http://schemas.microsoft.com/office/drawing/2014/main" id="{F597A581-BC72-49AF-B441-C3CF97B6AFCF}"/>
+                  <a16:creationId xmlns:a16="http://schemas.microsoft.com/office/drawing/2014/main" id="{D3638054-E271-40AC-BD7F-44F8D5461885}"/>
                 </a:ext>
               </a:extLst>
             </p:cNvPr>
             <p:cNvCxnSpPr>
               <a:cxnSpLocks/>
-              <a:stCxn id="50" idx="3"/>
-              <a:endCxn id="51" idx="1"/>
+              <a:stCxn id="71" idx="3"/>
+              <a:endCxn id="72" idx="1"/>
             </p:cNvCxnSpPr>
             <p:nvPr/>
           </p:nvCxnSpPr>
           <p:spPr>
             <a:xfrm>
-              <a:off x="4971969" y="4464769"/>
+              <a:off x="5142447" y="4666243"/>
               <a:ext cx="465694" cy="0"/>
             </a:xfrm>
             <a:prstGeom prst="straightConnector1">
               <a:avLst/>
             </a:prstGeom>
+            <a:noFill/>
             <a:ln w="9525" cap="flat" cmpd="sng" algn="ctr">
               <a:solidFill>
-                <a:schemeClr val="accent6"/>
+                <a:srgbClr val="D2D2D2"/>
               </a:solidFill>
               <a:prstDash val="solid"/>
               <a:round/>
               <a:headEnd type="none" w="med" len="med"/>
               <a:tailEnd type="arrow" w="med" len="med"/>
             </a:ln>
+            <a:effectLst/>
           </p:spPr>
-          <p:style>
-            <a:lnRef idx="0">
-              <a:scrgbClr r="0" g="0" b="0"/>
-            </a:lnRef>
-            <a:fillRef idx="0">
-              <a:scrgbClr r="0" g="0" b="0"/>
-            </a:fillRef>
-            <a:effectRef idx="0">
-              <a:scrgbClr r="0" g="0" b="0"/>
-            </a:effectRef>
-            <a:fontRef idx="minor">
-              <a:schemeClr val="tx1"/>
-            </a:fontRef>
-          </p:style>
         </p:cxnSp>
         <p:cxnSp>
           <p:nvCxnSpPr>
-            <p:cNvPr id="47" name="Straight Arrow Connector 46">
+            <p:cNvPr id="68" name="Straight Arrow Connector 67">
               <a:extLst>
                 <a:ext uri="{FF2B5EF4-FFF2-40B4-BE49-F238E27FC236}">
-                  <a16:creationId xmlns:a16="http://schemas.microsoft.com/office/drawing/2014/main" id="{1A511FDE-C57D-4163-9D62-658DBC94B2B0}"/>
+                  <a16:creationId xmlns:a16="http://schemas.microsoft.com/office/drawing/2014/main" id="{483FC340-0E19-472B-9ED2-B7CD6B82331A}"/>
                 </a:ext>
               </a:extLst>
             </p:cNvPr>
             <p:cNvCxnSpPr>
               <a:cxnSpLocks/>
-              <a:stCxn id="51" idx="3"/>
-              <a:endCxn id="52" idx="1"/>
+              <a:stCxn id="72" idx="3"/>
+              <a:endCxn id="73" idx="1"/>
             </p:cNvCxnSpPr>
             <p:nvPr/>
           </p:nvCxnSpPr>
           <p:spPr>
             <a:xfrm>
-              <a:off x="7118624" y="4464769"/>
+              <a:off x="7289102" y="4666243"/>
               <a:ext cx="465694" cy="0"/>
             </a:xfrm>
             <a:prstGeom prst="straightConnector1">
               <a:avLst/>
             </a:prstGeom>
+            <a:noFill/>
             <a:ln w="9525" cap="flat" cmpd="sng" algn="ctr">
               <a:solidFill>
-                <a:schemeClr val="accent6"/>
+                <a:srgbClr val="D2D2D2"/>
               </a:solidFill>
               <a:prstDash val="solid"/>
               <a:round/>
               <a:headEnd type="none" w="med" len="med"/>
               <a:tailEnd type="arrow" w="med" len="med"/>
             </a:ln>
+            <a:effectLst/>
           </p:spPr>
-          <p:style>
-            <a:lnRef idx="0">
-              <a:scrgbClr r="0" g="0" b="0"/>
-            </a:lnRef>
-            <a:fillRef idx="0">
-              <a:scrgbClr r="0" g="0" b="0"/>
-            </a:fillRef>
-            <a:effectRef idx="0">
-              <a:scrgbClr r="0" g="0" b="0"/>
-            </a:effectRef>
-            <a:fontRef idx="minor">
-              <a:schemeClr val="tx1"/>
-            </a:fontRef>
-          </p:style>
         </p:cxnSp>
         <p:cxnSp>
           <p:nvCxnSpPr>
-            <p:cNvPr id="48" name="Straight Arrow Connector 47">
+            <p:cNvPr id="69" name="Straight Arrow Connector 68">
               <a:extLst>
                 <a:ext uri="{FF2B5EF4-FFF2-40B4-BE49-F238E27FC236}">
-                  <a16:creationId xmlns:a16="http://schemas.microsoft.com/office/drawing/2014/main" id="{EB19E7A7-893B-4ABE-87F5-D10379AF3988}"/>
+                  <a16:creationId xmlns:a16="http://schemas.microsoft.com/office/drawing/2014/main" id="{A15E61F8-4086-49E1-8EA2-DB82F8CC755D}"/>
                 </a:ext>
               </a:extLst>
             </p:cNvPr>
             <p:cNvCxnSpPr>
               <a:cxnSpLocks/>
-              <a:stCxn id="52" idx="3"/>
-              <a:endCxn id="53" idx="1"/>
+              <a:stCxn id="73" idx="3"/>
+              <a:endCxn id="74" idx="1"/>
             </p:cNvCxnSpPr>
             <p:nvPr/>
           </p:nvCxnSpPr>
           <p:spPr>
             <a:xfrm>
-              <a:off x="9265279" y="4464769"/>
+              <a:off x="9435757" y="4666243"/>
               <a:ext cx="465694" cy="0"/>
             </a:xfrm>
             <a:prstGeom prst="straightConnector1">
               <a:avLst/>
             </a:prstGeom>
+            <a:noFill/>
             <a:ln w="9525" cap="flat" cmpd="sng" algn="ctr">
               <a:solidFill>
-                <a:schemeClr val="accent6"/>
+                <a:srgbClr val="D2D2D2"/>
               </a:solidFill>
               <a:prstDash val="solid"/>
               <a:round/>
               <a:headEnd type="none" w="med" len="med"/>
               <a:tailEnd type="arrow" w="med" len="med"/>
             </a:ln>
+            <a:effectLst/>
           </p:spPr>
-          <p:style>
-            <a:lnRef idx="0">
-              <a:scrgbClr r="0" g="0" b="0"/>
-            </a:lnRef>
-            <a:fillRef idx="0">
-              <a:scrgbClr r="0" g="0" b="0"/>
-            </a:fillRef>
-            <a:effectRef idx="0">
-              <a:scrgbClr r="0" g="0" b="0"/>
-            </a:effectRef>
-            <a:fontRef idx="minor">
-              <a:schemeClr val="tx1"/>
-            </a:fontRef>
-          </p:style>
         </p:cxnSp>
         <p:sp>
           <p:nvSpPr>
-            <p:cNvPr id="49" name="Rectangle 48">
+            <p:cNvPr id="70" name="Rectangle 69">
               <a:extLst>
                 <a:ext uri="{FF2B5EF4-FFF2-40B4-BE49-F238E27FC236}">
-                  <a16:creationId xmlns:a16="http://schemas.microsoft.com/office/drawing/2014/main" id="{734EE12B-E01D-4E53-941F-87B5191419CA}"/>
+                  <a16:creationId xmlns:a16="http://schemas.microsoft.com/office/drawing/2014/main" id="{52EE97E2-CC65-4A9C-83BB-5F5F40C4D0EE}"/>
                 </a:ext>
               </a:extLst>
             </p:cNvPr>
@@ -12700,7 +12742,7 @@
           </p:nvSpPr>
           <p:spPr bwMode="auto">
             <a:xfrm>
-              <a:off x="441086" y="4071130"/>
+              <a:off x="611564" y="4272604"/>
               <a:ext cx="2384228" cy="787277"/>
             </a:xfrm>
             <a:prstGeom prst="rect">
@@ -12709,27 +12751,14 @@
             <a:solidFill>
               <a:srgbClr val="002060"/>
             </a:solidFill>
-            <a:ln>
+            <a:ln w="9525" cap="flat" cmpd="sng" algn="ctr">
               <a:noFill/>
+              <a:prstDash val="solid"/>
               <a:headEnd type="none" w="med" len="med"/>
               <a:tailEnd type="none" w="med" len="med"/>
             </a:ln>
             <a:effectLst/>
           </p:spPr>
-          <p:style>
-            <a:lnRef idx="1">
-              <a:schemeClr val="accent2"/>
-            </a:lnRef>
-            <a:fillRef idx="3">
-              <a:schemeClr val="accent2"/>
-            </a:fillRef>
-            <a:effectRef idx="2">
-              <a:schemeClr val="accent2"/>
-            </a:effectRef>
-            <a:fontRef idx="minor">
-              <a:schemeClr val="lt1"/>
-            </a:fontRef>
-          </p:style>
           <p:txBody>
             <a:bodyPr rot="0" spcFirstLastPara="0" vertOverflow="overflow" horzOverflow="overflow" vert="horz" wrap="square" lIns="182857" tIns="146285" rIns="182857" bIns="146285" numCol="1" spcCol="0" rtlCol="0" fromWordArt="0" anchor="t" anchorCtr="0" forceAA="0" compatLnSpc="1">
               <a:prstTxWarp prst="textNoShape">
@@ -12739,7 +12768,7 @@
             </a:bodyPr>
             <a:lstStyle/>
             <a:p>
-              <a:pPr marL="0" marR="0" lvl="0" indent="0" algn="ctr" defTabSz="932021" rtl="0" eaLnBrk="1" fontAlgn="auto" latinLnBrk="0" hangingPunct="1">
+              <a:pPr marL="0" marR="0" lvl="0" indent="0" algn="ctr" defTabSz="932021" eaLnBrk="1" fontAlgn="auto" latinLnBrk="0" hangingPunct="1">
                 <a:lnSpc>
                   <a:spcPct val="90000"/>
                 </a:lnSpc>
@@ -12786,10 +12815,10 @@
         </p:sp>
         <p:sp>
           <p:nvSpPr>
-            <p:cNvPr id="50" name="Rectangle 49">
+            <p:cNvPr id="71" name="Rectangle 70">
               <a:extLst>
                 <a:ext uri="{FF2B5EF4-FFF2-40B4-BE49-F238E27FC236}">
-                  <a16:creationId xmlns:a16="http://schemas.microsoft.com/office/drawing/2014/main" id="{01A68D93-47C1-463B-9BB1-7B7F8A36F9B6}"/>
+                  <a16:creationId xmlns:a16="http://schemas.microsoft.com/office/drawing/2014/main" id="{97F6ACBF-9276-4AD6-AFA4-AC0EF8EBD120}"/>
                 </a:ext>
               </a:extLst>
             </p:cNvPr>
@@ -12798,7 +12827,7 @@
           </p:nvSpPr>
           <p:spPr bwMode="auto">
             <a:xfrm>
-              <a:off x="3291008" y="4071130"/>
+              <a:off x="3461486" y="4272604"/>
               <a:ext cx="1680961" cy="787277"/>
             </a:xfrm>
             <a:prstGeom prst="rect">
@@ -12807,27 +12836,14 @@
             <a:solidFill>
               <a:srgbClr val="002060"/>
             </a:solidFill>
-            <a:ln>
+            <a:ln w="9525" cap="flat" cmpd="sng" algn="ctr">
               <a:noFill/>
+              <a:prstDash val="solid"/>
               <a:headEnd type="none" w="med" len="med"/>
               <a:tailEnd type="none" w="med" len="med"/>
             </a:ln>
             <a:effectLst/>
           </p:spPr>
-          <p:style>
-            <a:lnRef idx="1">
-              <a:schemeClr val="accent2"/>
-            </a:lnRef>
-            <a:fillRef idx="3">
-              <a:schemeClr val="accent2"/>
-            </a:fillRef>
-            <a:effectRef idx="2">
-              <a:schemeClr val="accent2"/>
-            </a:effectRef>
-            <a:fontRef idx="minor">
-              <a:schemeClr val="lt1"/>
-            </a:fontRef>
-          </p:style>
           <p:txBody>
             <a:bodyPr rot="0" spcFirstLastPara="0" vertOverflow="overflow" horzOverflow="overflow" vert="horz" wrap="square" lIns="182857" tIns="146285" rIns="182857" bIns="146285" numCol="1" spcCol="0" rtlCol="0" fromWordArt="0" anchor="t" anchorCtr="0" forceAA="0" compatLnSpc="1">
               <a:prstTxWarp prst="textNoShape">
@@ -12837,7 +12853,7 @@
             </a:bodyPr>
             <a:lstStyle/>
             <a:p>
-              <a:pPr marL="0" marR="0" lvl="0" indent="0" algn="ctr" defTabSz="932021" rtl="0" eaLnBrk="1" fontAlgn="auto" latinLnBrk="0" hangingPunct="1">
+              <a:pPr marL="0" marR="0" lvl="0" indent="0" algn="ctr" defTabSz="932021" eaLnBrk="1" fontAlgn="auto" latinLnBrk="0" hangingPunct="1">
                 <a:lnSpc>
                   <a:spcPct val="90000"/>
                 </a:lnSpc>
@@ -12884,10 +12900,10 @@
         </p:sp>
         <p:sp>
           <p:nvSpPr>
-            <p:cNvPr id="51" name="Rectangle 50">
+            <p:cNvPr id="72" name="Rectangle 71">
               <a:extLst>
                 <a:ext uri="{FF2B5EF4-FFF2-40B4-BE49-F238E27FC236}">
-                  <a16:creationId xmlns:a16="http://schemas.microsoft.com/office/drawing/2014/main" id="{0EB58BF5-4578-4BC8-8AD5-7B6A0FE4FECA}"/>
+                  <a16:creationId xmlns:a16="http://schemas.microsoft.com/office/drawing/2014/main" id="{842DEAD7-2CD7-42A9-9B9F-CCFFF22F51F2}"/>
                 </a:ext>
               </a:extLst>
             </p:cNvPr>
@@ -12896,7 +12912,7 @@
           </p:nvSpPr>
           <p:spPr bwMode="auto">
             <a:xfrm>
-              <a:off x="5437663" y="4071130"/>
+              <a:off x="5608141" y="4272604"/>
               <a:ext cx="1680961" cy="787277"/>
             </a:xfrm>
             <a:prstGeom prst="rect">
@@ -12905,27 +12921,14 @@
             <a:solidFill>
               <a:srgbClr val="002060"/>
             </a:solidFill>
-            <a:ln>
+            <a:ln w="9525" cap="flat" cmpd="sng" algn="ctr">
               <a:noFill/>
+              <a:prstDash val="solid"/>
               <a:headEnd type="none" w="med" len="med"/>
               <a:tailEnd type="none" w="med" len="med"/>
             </a:ln>
             <a:effectLst/>
           </p:spPr>
-          <p:style>
-            <a:lnRef idx="1">
-              <a:schemeClr val="accent2"/>
-            </a:lnRef>
-            <a:fillRef idx="3">
-              <a:schemeClr val="accent2"/>
-            </a:fillRef>
-            <a:effectRef idx="2">
-              <a:schemeClr val="accent2"/>
-            </a:effectRef>
-            <a:fontRef idx="minor">
-              <a:schemeClr val="lt1"/>
-            </a:fontRef>
-          </p:style>
           <p:txBody>
             <a:bodyPr rot="0" spcFirstLastPara="0" vertOverflow="overflow" horzOverflow="overflow" vert="horz" wrap="square" lIns="182857" tIns="146285" rIns="182857" bIns="146285" numCol="1" spcCol="0" rtlCol="0" fromWordArt="0" anchor="t" anchorCtr="0" forceAA="0" compatLnSpc="1">
               <a:prstTxWarp prst="textNoShape">
@@ -12935,7 +12938,7 @@
             </a:bodyPr>
             <a:lstStyle/>
             <a:p>
-              <a:pPr marL="0" marR="0" lvl="0" indent="0" algn="ctr" defTabSz="932021" rtl="0" eaLnBrk="1" fontAlgn="auto" latinLnBrk="0" hangingPunct="1">
+              <a:pPr marL="0" marR="0" lvl="0" indent="0" algn="ctr" defTabSz="932021" eaLnBrk="1" fontAlgn="auto" latinLnBrk="0" hangingPunct="1">
                 <a:lnSpc>
                   <a:spcPct val="90000"/>
                 </a:lnSpc>
@@ -12982,10 +12985,10 @@
         </p:sp>
         <p:sp>
           <p:nvSpPr>
-            <p:cNvPr id="52" name="Rectangle 51">
+            <p:cNvPr id="73" name="Rectangle 72">
               <a:extLst>
                 <a:ext uri="{FF2B5EF4-FFF2-40B4-BE49-F238E27FC236}">
-                  <a16:creationId xmlns:a16="http://schemas.microsoft.com/office/drawing/2014/main" id="{6CBE2C76-352E-4DCC-AAD6-61A50A4FEA11}"/>
+                  <a16:creationId xmlns:a16="http://schemas.microsoft.com/office/drawing/2014/main" id="{D640DD94-FF98-4888-88E9-CA61D2971B3C}"/>
                 </a:ext>
               </a:extLst>
             </p:cNvPr>
@@ -12994,7 +12997,7 @@
           </p:nvSpPr>
           <p:spPr bwMode="auto">
             <a:xfrm>
-              <a:off x="7584318" y="4071130"/>
+              <a:off x="7754796" y="4272604"/>
               <a:ext cx="1680961" cy="787277"/>
             </a:xfrm>
             <a:prstGeom prst="rect">
@@ -13003,27 +13006,14 @@
             <a:solidFill>
               <a:srgbClr val="002060"/>
             </a:solidFill>
-            <a:ln>
+            <a:ln w="9525" cap="flat" cmpd="sng" algn="ctr">
               <a:noFill/>
+              <a:prstDash val="solid"/>
               <a:headEnd type="none" w="med" len="med"/>
               <a:tailEnd type="none" w="med" len="med"/>
             </a:ln>
             <a:effectLst/>
           </p:spPr>
-          <p:style>
-            <a:lnRef idx="1">
-              <a:schemeClr val="accent2"/>
-            </a:lnRef>
-            <a:fillRef idx="3">
-              <a:schemeClr val="accent2"/>
-            </a:fillRef>
-            <a:effectRef idx="2">
-              <a:schemeClr val="accent2"/>
-            </a:effectRef>
-            <a:fontRef idx="minor">
-              <a:schemeClr val="lt1"/>
-            </a:fontRef>
-          </p:style>
           <p:txBody>
             <a:bodyPr rot="0" spcFirstLastPara="0" vertOverflow="overflow" horzOverflow="overflow" vert="horz" wrap="square" lIns="182857" tIns="146285" rIns="182857" bIns="146285" numCol="1" spcCol="0" rtlCol="0" fromWordArt="0" anchor="t" anchorCtr="0" forceAA="0" compatLnSpc="1">
               <a:prstTxWarp prst="textNoShape">
@@ -13033,7 +13023,7 @@
             </a:bodyPr>
             <a:lstStyle/>
             <a:p>
-              <a:pPr marL="0" marR="0" lvl="0" indent="0" algn="ctr" defTabSz="932021" rtl="0" eaLnBrk="1" fontAlgn="auto" latinLnBrk="0" hangingPunct="1">
+              <a:pPr marL="0" marR="0" lvl="0" indent="0" algn="ctr" defTabSz="932021" eaLnBrk="1" fontAlgn="auto" latinLnBrk="0" hangingPunct="1">
                 <a:lnSpc>
                   <a:spcPct val="90000"/>
                 </a:lnSpc>
@@ -13080,10 +13070,10 @@
         </p:sp>
         <p:sp>
           <p:nvSpPr>
-            <p:cNvPr id="53" name="Rectangle 52">
+            <p:cNvPr id="74" name="Rectangle 73">
               <a:extLst>
                 <a:ext uri="{FF2B5EF4-FFF2-40B4-BE49-F238E27FC236}">
-                  <a16:creationId xmlns:a16="http://schemas.microsoft.com/office/drawing/2014/main" id="{66783C26-9086-4B46-A184-7759A765F98D}"/>
+                  <a16:creationId xmlns:a16="http://schemas.microsoft.com/office/drawing/2014/main" id="{59AA7B57-F76E-4BC9-8B97-A0761809B58D}"/>
                 </a:ext>
               </a:extLst>
             </p:cNvPr>
@@ -13092,7 +13082,7 @@
           </p:nvSpPr>
           <p:spPr bwMode="auto">
             <a:xfrm>
-              <a:off x="9730973" y="4071130"/>
+              <a:off x="9901451" y="4272604"/>
               <a:ext cx="1680961" cy="787277"/>
             </a:xfrm>
             <a:prstGeom prst="rect">
@@ -13101,27 +13091,14 @@
             <a:solidFill>
               <a:srgbClr val="002060"/>
             </a:solidFill>
-            <a:ln>
+            <a:ln w="9525" cap="flat" cmpd="sng" algn="ctr">
               <a:noFill/>
+              <a:prstDash val="solid"/>
               <a:headEnd type="none" w="med" len="med"/>
               <a:tailEnd type="none" w="med" len="med"/>
             </a:ln>
             <a:effectLst/>
           </p:spPr>
-          <p:style>
-            <a:lnRef idx="1">
-              <a:schemeClr val="accent2"/>
-            </a:lnRef>
-            <a:fillRef idx="3">
-              <a:schemeClr val="accent2"/>
-            </a:fillRef>
-            <a:effectRef idx="2">
-              <a:schemeClr val="accent2"/>
-            </a:effectRef>
-            <a:fontRef idx="minor">
-              <a:schemeClr val="lt1"/>
-            </a:fontRef>
-          </p:style>
           <p:txBody>
             <a:bodyPr rot="0" spcFirstLastPara="0" vertOverflow="overflow" horzOverflow="overflow" vert="horz" wrap="square" lIns="182857" tIns="146285" rIns="182857" bIns="146285" numCol="1" spcCol="0" rtlCol="0" fromWordArt="0" anchor="t" anchorCtr="0" forceAA="0" compatLnSpc="1">
               <a:prstTxWarp prst="textNoShape">
@@ -13131,7 +13108,7 @@
             </a:bodyPr>
             <a:lstStyle/>
             <a:p>
-              <a:pPr marL="0" marR="0" lvl="0" indent="0" algn="ctr" defTabSz="932021" rtl="0" eaLnBrk="1" fontAlgn="auto" latinLnBrk="0" hangingPunct="1">
+              <a:pPr marL="0" marR="0" lvl="0" indent="0" algn="ctr" defTabSz="932021" eaLnBrk="1" fontAlgn="auto" latinLnBrk="0" hangingPunct="1">
                 <a:lnSpc>
                   <a:spcPct val="90000"/>
                 </a:lnSpc>
@@ -13178,10 +13155,10 @@
         </p:sp>
         <p:pic>
           <p:nvPicPr>
-            <p:cNvPr id="2" name="Picture 1">
+            <p:cNvPr id="75" name="Picture 74">
               <a:extLst>
                 <a:ext uri="{FF2B5EF4-FFF2-40B4-BE49-F238E27FC236}">
-                  <a16:creationId xmlns:a16="http://schemas.microsoft.com/office/drawing/2014/main" id="{881EE785-0D74-424E-95FD-6BA44CFF4F5F}"/>
+                  <a16:creationId xmlns:a16="http://schemas.microsoft.com/office/drawing/2014/main" id="{47A149C0-7B74-48D0-999B-98E3249DBCFD}"/>
                 </a:ext>
               </a:extLst>
             </p:cNvPr>
@@ -13198,7 +13175,7 @@
           </p:blipFill>
           <p:spPr>
             <a:xfrm>
-              <a:off x="427878" y="2403332"/>
+              <a:off x="598356" y="2604806"/>
               <a:ext cx="508000" cy="508000"/>
             </a:xfrm>
             <a:prstGeom prst="rect">
@@ -13208,10 +13185,10 @@
         </p:pic>
         <p:pic>
           <p:nvPicPr>
-            <p:cNvPr id="3" name="Picture 2">
+            <p:cNvPr id="76" name="Graphic 75">
               <a:extLst>
                 <a:ext uri="{FF2B5EF4-FFF2-40B4-BE49-F238E27FC236}">
-                  <a16:creationId xmlns:a16="http://schemas.microsoft.com/office/drawing/2014/main" id="{0836D8F2-43BE-294A-9FB2-10AB35232D29}"/>
+                  <a16:creationId xmlns:a16="http://schemas.microsoft.com/office/drawing/2014/main" id="{C811CE3A-69C6-4E91-A635-C782B3995079}"/>
                 </a:ext>
               </a:extLst>
             </p:cNvPr>
@@ -13221,15 +13198,408 @@
             <p:nvPr/>
           </p:nvPicPr>
           <p:blipFill>
-            <a:blip r:embed="rId5"/>
+            <a:blip r:embed="rId5">
+              <a:extLst>
+                <a:ext uri="{28A0092B-C50C-407E-A947-70E740481C1C}">
+                  <a14:useLocalDpi xmlns:a14="http://schemas.microsoft.com/office/drawing/2010/main" val="0"/>
+                </a:ext>
+                <a:ext uri="{96DAC541-7B7A-43D3-8B79-37D633B846F1}">
+                  <asvg:svgBlip xmlns:asvg="http://schemas.microsoft.com/office/drawing/2016/SVG/main" r:embed="rId6"/>
+                </a:ext>
+              </a:extLst>
+            </a:blip>
             <a:stretch>
               <a:fillRect/>
             </a:stretch>
           </p:blipFill>
           <p:spPr>
             <a:xfrm>
-              <a:off x="426262" y="1747556"/>
-              <a:ext cx="508000" cy="508000"/>
+              <a:off x="6219910" y="3212940"/>
+              <a:ext cx="414427" cy="560036"/>
+            </a:xfrm>
+            <a:prstGeom prst="rect">
+              <a:avLst/>
+            </a:prstGeom>
+          </p:spPr>
+        </p:pic>
+        <p:sp>
+          <p:nvSpPr>
+            <p:cNvPr id="77" name="TextBox 76">
+              <a:extLst>
+                <a:ext uri="{FF2B5EF4-FFF2-40B4-BE49-F238E27FC236}">
+                  <a16:creationId xmlns:a16="http://schemas.microsoft.com/office/drawing/2014/main" id="{83344AAE-2A45-4335-8753-D13A443466B0}"/>
+                </a:ext>
+              </a:extLst>
+            </p:cNvPr>
+            <p:cNvSpPr txBox="1"/>
+            <p:nvPr/>
+          </p:nvSpPr>
+          <p:spPr>
+            <a:xfrm>
+              <a:off x="1222391" y="1972801"/>
+              <a:ext cx="4363720" cy="400110"/>
+            </a:xfrm>
+            <a:prstGeom prst="rect">
+              <a:avLst/>
+            </a:prstGeom>
+            <a:noFill/>
+          </p:spPr>
+          <p:txBody>
+            <a:bodyPr wrap="square" rtlCol="0">
+              <a:spAutoFit/>
+            </a:bodyPr>
+            <a:lstStyle/>
+            <a:p>
+              <a:pPr marL="0" marR="0" lvl="0" indent="0" defTabSz="914400" eaLnBrk="1" fontAlgn="auto" latinLnBrk="0" hangingPunct="1">
+                <a:lnSpc>
+                  <a:spcPct val="100000"/>
+                </a:lnSpc>
+                <a:spcBef>
+                  <a:spcPts val="0"/>
+                </a:spcBef>
+                <a:spcAft>
+                  <a:spcPts val="0"/>
+                </a:spcAft>
+                <a:buClrTx/>
+                <a:buSzTx/>
+                <a:buFontTx/>
+                <a:buNone/>
+                <a:tabLst/>
+                <a:defRPr/>
+              </a:pPr>
+              <a:r>
+                <a:rPr kumimoji="0" lang="en-US" sz="2000" b="0" i="0" u="none" strike="noStrike" kern="0" cap="none" spc="0" normalizeH="0" baseline="0" noProof="0" dirty="0">
+                  <a:ln>
+                    <a:noFill/>
+                  </a:ln>
+                  <a:solidFill>
+                    <a:srgbClr val="353535"/>
+                  </a:solidFill>
+                  <a:effectLst/>
+                  <a:uLnTx/>
+                  <a:uFillTx/>
+                  <a:latin typeface="Segoe UI Semilight"/>
+                </a:rPr>
+                <a:t>Azure DevOps</a:t>
+              </a:r>
+            </a:p>
+          </p:txBody>
+        </p:sp>
+        <p:sp>
+          <p:nvSpPr>
+            <p:cNvPr id="78" name="TextBox 77">
+              <a:extLst>
+                <a:ext uri="{FF2B5EF4-FFF2-40B4-BE49-F238E27FC236}">
+                  <a16:creationId xmlns:a16="http://schemas.microsoft.com/office/drawing/2014/main" id="{BE3FC0E7-EECE-4F2F-839A-C42FC167BAB7}"/>
+                </a:ext>
+              </a:extLst>
+            </p:cNvPr>
+            <p:cNvSpPr txBox="1"/>
+            <p:nvPr/>
+          </p:nvSpPr>
+          <p:spPr>
+            <a:xfrm>
+              <a:off x="1242711" y="2631699"/>
+              <a:ext cx="4807265" cy="400110"/>
+            </a:xfrm>
+            <a:prstGeom prst="rect">
+              <a:avLst/>
+            </a:prstGeom>
+            <a:noFill/>
+          </p:spPr>
+          <p:txBody>
+            <a:bodyPr wrap="square" rtlCol="0">
+              <a:spAutoFit/>
+            </a:bodyPr>
+            <a:lstStyle/>
+            <a:p>
+              <a:pPr marL="0" marR="0" lvl="0" indent="0" defTabSz="914400" eaLnBrk="1" fontAlgn="auto" latinLnBrk="0" hangingPunct="1">
+                <a:lnSpc>
+                  <a:spcPct val="100000"/>
+                </a:lnSpc>
+                <a:spcBef>
+                  <a:spcPts val="0"/>
+                </a:spcBef>
+                <a:spcAft>
+                  <a:spcPts val="0"/>
+                </a:spcAft>
+                <a:buClrTx/>
+                <a:buSzTx/>
+                <a:buFontTx/>
+                <a:buNone/>
+                <a:tabLst/>
+                <a:defRPr/>
+              </a:pPr>
+              <a:r>
+                <a:rPr kumimoji="0" lang="en-US" sz="2000" b="0" i="0" u="none" strike="noStrike" kern="0" cap="none" spc="0" normalizeH="0" baseline="0" noProof="0" dirty="0">
+                  <a:ln>
+                    <a:noFill/>
+                  </a:ln>
+                  <a:solidFill>
+                    <a:srgbClr val="353535"/>
+                  </a:solidFill>
+                  <a:effectLst/>
+                  <a:uLnTx/>
+                  <a:uFillTx/>
+                  <a:latin typeface="Segoe UI Semilight"/>
+                </a:rPr>
+                <a:t>Azure Repos</a:t>
+              </a:r>
+            </a:p>
+          </p:txBody>
+        </p:sp>
+        <p:sp>
+          <p:nvSpPr>
+            <p:cNvPr id="79" name="TextBox 78">
+              <a:extLst>
+                <a:ext uri="{FF2B5EF4-FFF2-40B4-BE49-F238E27FC236}">
+                  <a16:creationId xmlns:a16="http://schemas.microsoft.com/office/drawing/2014/main" id="{56B8C014-7812-4CBF-BAB8-FB13CA46FED3}"/>
+                </a:ext>
+              </a:extLst>
+            </p:cNvPr>
+            <p:cNvSpPr txBox="1"/>
+            <p:nvPr/>
+          </p:nvSpPr>
+          <p:spPr>
+            <a:xfrm>
+              <a:off x="1242711" y="3302581"/>
+              <a:ext cx="5725280" cy="400110"/>
+            </a:xfrm>
+            <a:prstGeom prst="rect">
+              <a:avLst/>
+            </a:prstGeom>
+            <a:noFill/>
+          </p:spPr>
+          <p:txBody>
+            <a:bodyPr wrap="square" rtlCol="0">
+              <a:spAutoFit/>
+            </a:bodyPr>
+            <a:lstStyle/>
+            <a:p>
+              <a:pPr marL="0" marR="0" lvl="0" indent="0" defTabSz="914400" eaLnBrk="1" fontAlgn="auto" latinLnBrk="0" hangingPunct="1">
+                <a:lnSpc>
+                  <a:spcPct val="100000"/>
+                </a:lnSpc>
+                <a:spcBef>
+                  <a:spcPts val="0"/>
+                </a:spcBef>
+                <a:spcAft>
+                  <a:spcPts val="0"/>
+                </a:spcAft>
+                <a:buClrTx/>
+                <a:buSzTx/>
+                <a:buFontTx/>
+                <a:buNone/>
+                <a:tabLst/>
+                <a:defRPr/>
+              </a:pPr>
+              <a:r>
+                <a:rPr kumimoji="0" lang="en-US" sz="2000" b="0" i="0" u="none" strike="noStrike" kern="0" cap="none" spc="0" normalizeH="0" baseline="0" noProof="0" dirty="0">
+                  <a:ln>
+                    <a:noFill/>
+                  </a:ln>
+                  <a:solidFill>
+                    <a:srgbClr val="353535"/>
+                  </a:solidFill>
+                  <a:effectLst/>
+                  <a:uLnTx/>
+                  <a:uFillTx/>
+                  <a:latin typeface="Segoe UI Semilight"/>
+                </a:rPr>
+                <a:t>Azure DevOps with GitHub</a:t>
+              </a:r>
+            </a:p>
+          </p:txBody>
+        </p:sp>
+        <p:sp>
+          <p:nvSpPr>
+            <p:cNvPr id="80" name="TextBox 79">
+              <a:extLst>
+                <a:ext uri="{FF2B5EF4-FFF2-40B4-BE49-F238E27FC236}">
+                  <a16:creationId xmlns:a16="http://schemas.microsoft.com/office/drawing/2014/main" id="{BB1D0E63-3F62-43FF-9971-C10DB551FE27}"/>
+                </a:ext>
+              </a:extLst>
+            </p:cNvPr>
+            <p:cNvSpPr txBox="1"/>
+            <p:nvPr/>
+          </p:nvSpPr>
+          <p:spPr>
+            <a:xfrm>
+              <a:off x="6850380" y="2637437"/>
+              <a:ext cx="5725280" cy="400110"/>
+            </a:xfrm>
+            <a:prstGeom prst="rect">
+              <a:avLst/>
+            </a:prstGeom>
+            <a:noFill/>
+          </p:spPr>
+          <p:txBody>
+            <a:bodyPr wrap="square" rtlCol="0">
+              <a:spAutoFit/>
+            </a:bodyPr>
+            <a:lstStyle/>
+            <a:p>
+              <a:pPr marL="0" marR="0" lvl="0" indent="0" defTabSz="914400" eaLnBrk="1" fontAlgn="auto" latinLnBrk="0" hangingPunct="1">
+                <a:lnSpc>
+                  <a:spcPct val="100000"/>
+                </a:lnSpc>
+                <a:spcBef>
+                  <a:spcPts val="0"/>
+                </a:spcBef>
+                <a:spcAft>
+                  <a:spcPts val="0"/>
+                </a:spcAft>
+                <a:buClrTx/>
+                <a:buSzTx/>
+                <a:buFontTx/>
+                <a:buNone/>
+                <a:tabLst/>
+                <a:defRPr/>
+              </a:pPr>
+              <a:r>
+                <a:rPr kumimoji="0" lang="en-US" sz="2000" b="0" i="0" u="none" strike="noStrike" kern="0" cap="none" spc="0" normalizeH="0" baseline="0" noProof="0" dirty="0">
+                  <a:ln>
+                    <a:noFill/>
+                  </a:ln>
+                  <a:solidFill>
+                    <a:srgbClr val="353535"/>
+                  </a:solidFill>
+                  <a:effectLst/>
+                  <a:uLnTx/>
+                  <a:uFillTx/>
+                  <a:latin typeface="Segoe UI Semilight"/>
+                </a:rPr>
+                <a:t>Azure Web Apps</a:t>
+              </a:r>
+            </a:p>
+          </p:txBody>
+        </p:sp>
+        <p:sp>
+          <p:nvSpPr>
+            <p:cNvPr id="81" name="TextBox 80">
+              <a:extLst>
+                <a:ext uri="{FF2B5EF4-FFF2-40B4-BE49-F238E27FC236}">
+                  <a16:creationId xmlns:a16="http://schemas.microsoft.com/office/drawing/2014/main" id="{1FBAB87C-005B-49E4-AD8B-63EAA7E65659}"/>
+                </a:ext>
+              </a:extLst>
+            </p:cNvPr>
+            <p:cNvSpPr txBox="1"/>
+            <p:nvPr/>
+          </p:nvSpPr>
+          <p:spPr>
+            <a:xfrm>
+              <a:off x="6850380" y="3302581"/>
+              <a:ext cx="5725280" cy="400110"/>
+            </a:xfrm>
+            <a:prstGeom prst="rect">
+              <a:avLst/>
+            </a:prstGeom>
+            <a:noFill/>
+          </p:spPr>
+          <p:txBody>
+            <a:bodyPr wrap="square" rtlCol="0">
+              <a:spAutoFit/>
+            </a:bodyPr>
+            <a:lstStyle/>
+            <a:p>
+              <a:pPr marL="0" marR="0" lvl="0" indent="0" defTabSz="914400" eaLnBrk="1" fontAlgn="auto" latinLnBrk="0" hangingPunct="1">
+                <a:lnSpc>
+                  <a:spcPct val="100000"/>
+                </a:lnSpc>
+                <a:spcBef>
+                  <a:spcPts val="0"/>
+                </a:spcBef>
+                <a:spcAft>
+                  <a:spcPts val="0"/>
+                </a:spcAft>
+                <a:buClrTx/>
+                <a:buSzTx/>
+                <a:buFontTx/>
+                <a:buNone/>
+                <a:tabLst/>
+                <a:defRPr/>
+              </a:pPr>
+              <a:r>
+                <a:rPr kumimoji="0" lang="en-US" sz="2000" b="0" i="0" u="none" strike="noStrike" kern="0" cap="none" spc="0" normalizeH="0" baseline="0" noProof="0" dirty="0">
+                  <a:ln>
+                    <a:noFill/>
+                  </a:ln>
+                  <a:solidFill>
+                    <a:srgbClr val="353535"/>
+                  </a:solidFill>
+                  <a:effectLst/>
+                  <a:uLnTx/>
+                  <a:uFillTx/>
+                  <a:latin typeface="Segoe UI Semilight"/>
+                </a:rPr>
+                <a:t>Azure PostreSQL Database</a:t>
+              </a:r>
+            </a:p>
+          </p:txBody>
+        </p:sp>
+        <p:pic>
+          <p:nvPicPr>
+            <p:cNvPr id="82" name="Picture 81">
+              <a:extLst>
+                <a:ext uri="{FF2B5EF4-FFF2-40B4-BE49-F238E27FC236}">
+                  <a16:creationId xmlns:a16="http://schemas.microsoft.com/office/drawing/2014/main" id="{2DD364E4-C0E9-44F2-9685-A5303B9F9172}"/>
+                </a:ext>
+              </a:extLst>
+            </p:cNvPr>
+            <p:cNvPicPr>
+              <a:picLocks noChangeAspect="1"/>
+            </p:cNvPicPr>
+            <p:nvPr/>
+          </p:nvPicPr>
+          <p:blipFill>
+            <a:blip r:embed="rId7"/>
+            <a:stretch>
+              <a:fillRect/>
+            </a:stretch>
+          </p:blipFill>
+          <p:spPr>
+            <a:xfrm>
+              <a:off x="6184618" y="3212940"/>
+              <a:ext cx="482855" cy="616327"/>
+            </a:xfrm>
+            <a:prstGeom prst="rect">
+              <a:avLst/>
+            </a:prstGeom>
+          </p:spPr>
+        </p:pic>
+        <p:pic>
+          <p:nvPicPr>
+            <p:cNvPr id="83" name="Graphic 82">
+              <a:extLst>
+                <a:ext uri="{FF2B5EF4-FFF2-40B4-BE49-F238E27FC236}">
+                  <a16:creationId xmlns:a16="http://schemas.microsoft.com/office/drawing/2014/main" id="{8A12A755-8254-4706-8CCF-4229C904A75A}"/>
+                </a:ext>
+              </a:extLst>
+            </p:cNvPr>
+            <p:cNvPicPr>
+              <a:picLocks noChangeAspect="1"/>
+            </p:cNvPicPr>
+            <p:nvPr/>
+          </p:nvPicPr>
+          <p:blipFill>
+            <a:blip r:embed="rId8">
+              <a:extLst>
+                <a:ext uri="{28A0092B-C50C-407E-A947-70E740481C1C}">
+                  <a14:useLocalDpi xmlns:a14="http://schemas.microsoft.com/office/drawing/2010/main" val="0"/>
+                </a:ext>
+                <a:ext uri="{96DAC541-7B7A-43D3-8B79-37D633B846F1}">
+                  <asvg:svgBlip xmlns:asvg="http://schemas.microsoft.com/office/drawing/2016/SVG/main" r:embed="rId9"/>
+                </a:ext>
+              </a:extLst>
+            </a:blip>
+            <a:stretch>
+              <a:fillRect/>
+            </a:stretch>
+          </p:blipFill>
+          <p:spPr>
+            <a:xfrm>
+              <a:off x="527029" y="1830601"/>
+              <a:ext cx="662009" cy="662009"/>
             </a:xfrm>
             <a:prstGeom prst="rect">
               <a:avLst/>
@@ -13237,45 +13607,6 @@
           </p:spPr>
         </p:pic>
       </p:grpSp>
-      <p:pic>
-        <p:nvPicPr>
-          <p:cNvPr id="6" name="Graphic 5">
-            <a:extLst>
-              <a:ext uri="{FF2B5EF4-FFF2-40B4-BE49-F238E27FC236}">
-                <a16:creationId xmlns:a16="http://schemas.microsoft.com/office/drawing/2014/main" id="{7D2342AE-A794-0748-B674-4787574B7FC0}"/>
-              </a:ext>
-            </a:extLst>
-          </p:cNvPr>
-          <p:cNvPicPr>
-            <a:picLocks noChangeAspect="1"/>
-          </p:cNvPicPr>
-          <p:nvPr/>
-        </p:nvPicPr>
-        <p:blipFill>
-          <a:blip r:embed="rId6">
-            <a:extLst>
-              <a:ext uri="{28A0092B-C50C-407E-A947-70E740481C1C}">
-                <a14:useLocalDpi xmlns:a14="http://schemas.microsoft.com/office/drawing/2010/main" val="0"/>
-              </a:ext>
-              <a:ext uri="{96DAC541-7B7A-43D3-8B79-37D633B846F1}">
-                <asvg:svgBlip xmlns:asvg="http://schemas.microsoft.com/office/drawing/2016/SVG/main" r:embed="rId7"/>
-              </a:ext>
-            </a:extLst>
-          </a:blip>
-          <a:stretch>
-            <a:fillRect/>
-          </a:stretch>
-        </p:blipFill>
-        <p:spPr>
-          <a:xfrm>
-            <a:off x="6033931" y="3011465"/>
-            <a:ext cx="414427" cy="560036"/>
-          </a:xfrm>
-          <a:prstGeom prst="rect">
-            <a:avLst/>
-          </a:prstGeom>
-        </p:spPr>
-      </p:pic>
     </p:spTree>
     <p:extLst>
       <p:ext uri="{BB962C8B-B14F-4D97-AF65-F5344CB8AC3E}">
@@ -13416,10 +13747,10 @@
       </p:sp>
       <p:grpSp>
         <p:nvGrpSpPr>
-          <p:cNvPr id="3" name="Group 2">
+          <p:cNvPr id="86" name="Alt text group" descr="This is a diagram of Tailspin Toys' existing solution architecture. On the left is a Visual Studio icon and the words “development,” “test,” and “master,” which represents the development team hosting its source control in Visual Studio Team Services with branches set up for development, test, and master environments.&#10;&#10;Three arrows point from these environments to a server and monitor icon on the right labeled Manual internal code review &amp; QA on local developer machines.&#10;&#10;An arrow points from this icon to another Visual Studio icon on the right labeled Visual Studio/FTP, which represents developers manually deploying updates through Visual Studio or FTP.&#10;&#10;Two arrows point from this icon to two icons on the right: on the top, Azure App Service with Web App (S3 Instance), and on the bottom, Azure SQL Database (S1 Instance)." title="Existing solution architecture diagram">
             <a:extLst>
               <a:ext uri="{FF2B5EF4-FFF2-40B4-BE49-F238E27FC236}">
-                <a16:creationId xmlns:a16="http://schemas.microsoft.com/office/drawing/2014/main" id="{8C99E4B3-CA1D-4B4E-B526-E6E8E985D963}"/>
+                <a16:creationId xmlns:a16="http://schemas.microsoft.com/office/drawing/2014/main" id="{F0BD0ABB-B204-4FC4-A180-37B2408AD405}"/>
               </a:ext>
             </a:extLst>
           </p:cNvPr>
@@ -13430,16 +13761,348 @@
           <a:xfrm>
             <a:off x="622299" y="2115254"/>
             <a:ext cx="10932448" cy="4379040"/>
-            <a:chOff x="622299" y="2115254"/>
+            <a:chOff x="831849" y="2115254"/>
             <a:chExt cx="10932448" cy="4379040"/>
           </a:xfrm>
         </p:grpSpPr>
+        <p:sp>
+          <p:nvSpPr>
+            <p:cNvPr id="91" name="Rectangle 90">
+              <a:extLst>
+                <a:ext uri="{FF2B5EF4-FFF2-40B4-BE49-F238E27FC236}">
+                  <a16:creationId xmlns:a16="http://schemas.microsoft.com/office/drawing/2014/main" id="{FCF0DAAF-9B17-4A2F-8FD1-118B1DD053DC}"/>
+                </a:ext>
+              </a:extLst>
+            </p:cNvPr>
+            <p:cNvSpPr/>
+            <p:nvPr/>
+          </p:nvSpPr>
+          <p:spPr bwMode="auto">
+            <a:xfrm>
+              <a:off x="831849" y="2115254"/>
+              <a:ext cx="10932447" cy="4284400"/>
+            </a:xfrm>
+            <a:prstGeom prst="rect">
+              <a:avLst/>
+            </a:prstGeom>
+            <a:solidFill>
+              <a:schemeClr val="tx1"/>
+            </a:solidFill>
+            <a:ln>
+              <a:noFill/>
+              <a:headEnd type="none" w="med" len="med"/>
+              <a:tailEnd type="none" w="med" len="med"/>
+            </a:ln>
+            <a:effectLst/>
+          </p:spPr>
+          <p:style>
+            <a:lnRef idx="1">
+              <a:schemeClr val="accent2"/>
+            </a:lnRef>
+            <a:fillRef idx="3">
+              <a:schemeClr val="accent2"/>
+            </a:fillRef>
+            <a:effectRef idx="2">
+              <a:schemeClr val="accent2"/>
+            </a:effectRef>
+            <a:fontRef idx="minor">
+              <a:schemeClr val="lt1"/>
+            </a:fontRef>
+          </p:style>
+          <p:txBody>
+            <a:bodyPr rot="0" spcFirstLastPara="0" vertOverflow="overflow" horzOverflow="overflow" vert="horz" wrap="square" lIns="182880" tIns="146304" rIns="182880" bIns="146304" numCol="1" spcCol="0" rtlCol="0" fromWordArt="0" anchor="t" anchorCtr="0" forceAA="0" compatLnSpc="1">
+              <a:prstTxWarp prst="textNoShape">
+                <a:avLst/>
+              </a:prstTxWarp>
+              <a:noAutofit/>
+            </a:bodyPr>
+            <a:lstStyle/>
+            <a:p>
+              <a:pPr marL="0" marR="0" lvl="0" indent="0" algn="ctr" defTabSz="932472" rtl="0" eaLnBrk="1" fontAlgn="base" latinLnBrk="0" hangingPunct="1">
+                <a:lnSpc>
+                  <a:spcPct val="90000"/>
+                </a:lnSpc>
+                <a:spcBef>
+                  <a:spcPct val="0"/>
+                </a:spcBef>
+                <a:spcAft>
+                  <a:spcPct val="0"/>
+                </a:spcAft>
+                <a:buClrTx/>
+                <a:buSzTx/>
+                <a:buFontTx/>
+                <a:buNone/>
+                <a:tabLst/>
+                <a:defRPr/>
+              </a:pPr>
+              <a:endParaRPr kumimoji="0" lang="en-US" sz="2400" b="0" i="0" u="sng" strike="noStrike" kern="1200" cap="none" spc="0" normalizeH="0" baseline="0" noProof="0" dirty="0">
+                <a:ln>
+                  <a:noFill/>
+                </a:ln>
+                <a:solidFill>
+                  <a:srgbClr val="FFFFFF"/>
+                </a:solidFill>
+                <a:effectLst/>
+                <a:uLnTx/>
+                <a:uFillTx/>
+                <a:latin typeface="Segoe UI Semilight"/>
+                <a:ea typeface="Segoe UI" pitchFamily="34" charset="0"/>
+                <a:cs typeface="Segoe UI" pitchFamily="34" charset="0"/>
+              </a:endParaRPr>
+            </a:p>
+          </p:txBody>
+        </p:sp>
+        <p:sp>
+          <p:nvSpPr>
+            <p:cNvPr id="92" name="TextBox 91">
+              <a:extLst>
+                <a:ext uri="{FF2B5EF4-FFF2-40B4-BE49-F238E27FC236}">
+                  <a16:creationId xmlns:a16="http://schemas.microsoft.com/office/drawing/2014/main" id="{8D684467-262B-4048-8474-188DF768C621}"/>
+                </a:ext>
+              </a:extLst>
+            </p:cNvPr>
+            <p:cNvSpPr txBox="1"/>
+            <p:nvPr/>
+          </p:nvSpPr>
+          <p:spPr>
+            <a:xfrm>
+              <a:off x="9982319" y="2967667"/>
+              <a:ext cx="1781978" cy="1258806"/>
+            </a:xfrm>
+            <a:prstGeom prst="rect">
+              <a:avLst/>
+            </a:prstGeom>
+            <a:noFill/>
+          </p:spPr>
+          <p:txBody>
+            <a:bodyPr wrap="square" lIns="182880" tIns="146304" rIns="182880" bIns="146304" rtlCol="0">
+              <a:spAutoFit/>
+            </a:bodyPr>
+            <a:lstStyle/>
+            <a:p>
+              <a:pPr marL="0" marR="0" lvl="0" indent="0" algn="ctr" defTabSz="914400" rtl="0" eaLnBrk="1" fontAlgn="auto" latinLnBrk="0" hangingPunct="1">
+                <a:lnSpc>
+                  <a:spcPct val="90000"/>
+                </a:lnSpc>
+                <a:spcBef>
+                  <a:spcPts val="0"/>
+                </a:spcBef>
+                <a:spcAft>
+                  <a:spcPts val="600"/>
+                </a:spcAft>
+                <a:buClrTx/>
+                <a:buSzTx/>
+                <a:buFontTx/>
+                <a:buNone/>
+                <a:tabLst/>
+                <a:defRPr/>
+              </a:pPr>
+              <a:r>
+                <a:rPr kumimoji="0" lang="en-US" sz="1600" b="1" i="0" u="sng" strike="noStrike" kern="1200" cap="none" spc="0" normalizeH="0" baseline="0" noProof="0" dirty="0">
+                  <a:ln>
+                    <a:noFill/>
+                  </a:ln>
+                  <a:solidFill>
+                    <a:srgbClr val="353535"/>
+                  </a:solidFill>
+                  <a:effectLst/>
+                  <a:uLnTx/>
+                  <a:uFillTx/>
+                  <a:latin typeface="Segoe UI Semilight"/>
+                  <a:ea typeface="+mn-ea"/>
+                  <a:cs typeface="+mn-cs"/>
+                </a:rPr>
+                <a:t>Azure App Service with Web App</a:t>
+              </a:r>
+            </a:p>
+            <a:p>
+              <a:pPr marL="0" marR="0" lvl="0" indent="0" algn="ctr" defTabSz="914400" rtl="0" eaLnBrk="1" fontAlgn="auto" latinLnBrk="0" hangingPunct="1">
+                <a:lnSpc>
+                  <a:spcPct val="90000"/>
+                </a:lnSpc>
+                <a:spcBef>
+                  <a:spcPts val="0"/>
+                </a:spcBef>
+                <a:spcAft>
+                  <a:spcPts val="600"/>
+                </a:spcAft>
+                <a:buClrTx/>
+                <a:buSzTx/>
+                <a:buFontTx/>
+                <a:buNone/>
+                <a:tabLst/>
+                <a:defRPr/>
+              </a:pPr>
+              <a:r>
+                <a:rPr kumimoji="0" lang="en-US" sz="1600" b="1" i="0" u="sng" strike="noStrike" kern="1200" cap="none" spc="0" normalizeH="0" baseline="0" noProof="0" dirty="0">
+                  <a:ln>
+                    <a:noFill/>
+                  </a:ln>
+                  <a:solidFill>
+                    <a:srgbClr val="353535"/>
+                  </a:solidFill>
+                  <a:effectLst/>
+                  <a:uLnTx/>
+                  <a:uFillTx/>
+                  <a:latin typeface="Segoe UI Semilight"/>
+                  <a:ea typeface="+mn-ea"/>
+                  <a:cs typeface="+mn-cs"/>
+                </a:rPr>
+                <a:t>(S3 Instance)</a:t>
+              </a:r>
+            </a:p>
+          </p:txBody>
+        </p:sp>
+        <p:sp>
+          <p:nvSpPr>
+            <p:cNvPr id="93" name="TextBox 92">
+              <a:extLst>
+                <a:ext uri="{FF2B5EF4-FFF2-40B4-BE49-F238E27FC236}">
+                  <a16:creationId xmlns:a16="http://schemas.microsoft.com/office/drawing/2014/main" id="{5DF889DE-5C8D-4DCF-AF68-5F30DC3CE49B}"/>
+                </a:ext>
+              </a:extLst>
+            </p:cNvPr>
+            <p:cNvSpPr txBox="1"/>
+            <p:nvPr/>
+          </p:nvSpPr>
+          <p:spPr>
+            <a:xfrm>
+              <a:off x="9972487" y="5235488"/>
+              <a:ext cx="1781978" cy="1258806"/>
+            </a:xfrm>
+            <a:prstGeom prst="rect">
+              <a:avLst/>
+            </a:prstGeom>
+            <a:noFill/>
+          </p:spPr>
+          <p:txBody>
+            <a:bodyPr wrap="square" lIns="182880" tIns="146304" rIns="182880" bIns="146304" rtlCol="0">
+              <a:spAutoFit/>
+            </a:bodyPr>
+            <a:lstStyle/>
+            <a:p>
+              <a:pPr marL="0" marR="0" lvl="0" indent="0" algn="ctr" defTabSz="914400" rtl="0" eaLnBrk="1" fontAlgn="auto" latinLnBrk="0" hangingPunct="1">
+                <a:lnSpc>
+                  <a:spcPct val="90000"/>
+                </a:lnSpc>
+                <a:spcBef>
+                  <a:spcPts val="0"/>
+                </a:spcBef>
+                <a:spcAft>
+                  <a:spcPts val="600"/>
+                </a:spcAft>
+                <a:buClrTx/>
+                <a:buSzTx/>
+                <a:buFontTx/>
+                <a:buNone/>
+                <a:tabLst/>
+                <a:defRPr/>
+              </a:pPr>
+              <a:r>
+                <a:rPr kumimoji="0" lang="en-US" sz="1600" b="1" i="0" u="sng" strike="noStrike" kern="1200" cap="none" spc="0" normalizeH="0" baseline="0" noProof="0" dirty="0">
+                  <a:ln>
+                    <a:noFill/>
+                  </a:ln>
+                  <a:solidFill>
+                    <a:srgbClr val="353535"/>
+                  </a:solidFill>
+                  <a:effectLst/>
+                  <a:uLnTx/>
+                  <a:uFillTx/>
+                  <a:latin typeface="Segoe UI Semilight"/>
+                  <a:ea typeface="+mn-ea"/>
+                  <a:cs typeface="+mn-cs"/>
+                </a:rPr>
+                <a:t>Azure PostgreSQL Database</a:t>
+              </a:r>
+            </a:p>
+            <a:p>
+              <a:pPr marL="0" marR="0" lvl="0" indent="0" algn="ctr" defTabSz="914400" rtl="0" eaLnBrk="1" fontAlgn="auto" latinLnBrk="0" hangingPunct="1">
+                <a:lnSpc>
+                  <a:spcPct val="90000"/>
+                </a:lnSpc>
+                <a:spcBef>
+                  <a:spcPts val="0"/>
+                </a:spcBef>
+                <a:spcAft>
+                  <a:spcPts val="600"/>
+                </a:spcAft>
+                <a:buClrTx/>
+                <a:buSzTx/>
+                <a:buFontTx/>
+                <a:buNone/>
+                <a:tabLst/>
+                <a:defRPr/>
+              </a:pPr>
+              <a:r>
+                <a:rPr kumimoji="0" lang="en-US" sz="1600" b="1" i="0" u="sng" strike="noStrike" kern="1200" cap="none" spc="0" normalizeH="0" baseline="0" noProof="0" dirty="0">
+                  <a:ln>
+                    <a:noFill/>
+                  </a:ln>
+                  <a:solidFill>
+                    <a:srgbClr val="353535"/>
+                  </a:solidFill>
+                  <a:effectLst/>
+                  <a:uLnTx/>
+                  <a:uFillTx/>
+                  <a:latin typeface="Segoe UI Semilight"/>
+                  <a:ea typeface="+mn-ea"/>
+                  <a:cs typeface="+mn-cs"/>
+                </a:rPr>
+                <a:t>(S1 Instance)</a:t>
+              </a:r>
+            </a:p>
+          </p:txBody>
+        </p:sp>
+        <p:cxnSp>
+          <p:nvCxnSpPr>
+            <p:cNvPr id="94" name="Straight Connector 93">
+              <a:extLst>
+                <a:ext uri="{FF2B5EF4-FFF2-40B4-BE49-F238E27FC236}">
+                  <a16:creationId xmlns:a16="http://schemas.microsoft.com/office/drawing/2014/main" id="{548E07B0-AC4E-4D15-94C1-D952B83C5757}"/>
+                </a:ext>
+              </a:extLst>
+            </p:cNvPr>
+            <p:cNvCxnSpPr/>
+            <p:nvPr/>
+          </p:nvCxnSpPr>
+          <p:spPr>
+            <a:xfrm>
+              <a:off x="4814866" y="3200400"/>
+              <a:ext cx="914400" cy="914400"/>
+            </a:xfrm>
+            <a:prstGeom prst="line">
+              <a:avLst/>
+            </a:prstGeom>
+            <a:ln>
+              <a:solidFill>
+                <a:schemeClr val="tx1"/>
+              </a:solidFill>
+              <a:headEnd type="none"/>
+              <a:tailEnd type="none"/>
+            </a:ln>
+          </p:spPr>
+          <p:style>
+            <a:lnRef idx="1">
+              <a:schemeClr val="accent1"/>
+            </a:lnRef>
+            <a:fillRef idx="0">
+              <a:schemeClr val="accent1"/>
+            </a:fillRef>
+            <a:effectRef idx="0">
+              <a:schemeClr val="accent1"/>
+            </a:effectRef>
+            <a:fontRef idx="minor">
+              <a:schemeClr val="tx1"/>
+            </a:fontRef>
+          </p:style>
+        </p:cxnSp>
         <p:grpSp>
           <p:nvGrpSpPr>
-            <p:cNvPr id="62" name="Alt text group" descr="This is a diagram of Tailspin Toys' existing solution architecture. On the left is a Visual Studio icon and the words “development,” “test,” and “master,” which represents the development team hosting its source control in Visual Studio Team Services with branches set up for development, test, and master environments.&#10;&#10;Three arrows point from these environments to a server and monitor icon on the right labeled Manual internal code review &amp; QA on local developer machines.&#10;&#10;An arrow points from this icon to another Visual Studio icon on the right labeled Visual Studio/FTP, which represents developers manually deploying updates through Visual Studio or FTP.&#10;&#10;Two arrows point from this icon to two icons on the right: on the top, Azure App Service with Web App (S3 Instance), and on the bottom, Azure SQL Database (S1 Instance)." title="Existing solution architecture diagram">
+            <p:cNvPr id="95" name="Group 94">
               <a:extLst>
                 <a:ext uri="{FF2B5EF4-FFF2-40B4-BE49-F238E27FC236}">
-                  <a16:creationId xmlns:a16="http://schemas.microsoft.com/office/drawing/2014/main" id="{9FF7B1F0-4816-4E25-AF53-4F383551D663}"/>
+                  <a16:creationId xmlns:a16="http://schemas.microsoft.com/office/drawing/2014/main" id="{D4B23B5A-BB80-4FCE-ADC4-DA9FB374352B}"/>
                 </a:ext>
               </a:extLst>
             </p:cNvPr>
@@ -13448,105 +14111,18 @@
           </p:nvGrpSpPr>
           <p:grpSpPr>
             <a:xfrm>
-              <a:off x="622299" y="2115254"/>
-              <a:ext cx="10932448" cy="4379040"/>
-              <a:chOff x="831849" y="2115254"/>
-              <a:chExt cx="10932448" cy="4379040"/>
+              <a:off x="4099570" y="3551214"/>
+              <a:ext cx="2020528" cy="1888102"/>
+              <a:chOff x="4719002" y="3304326"/>
+              <a:chExt cx="2020528" cy="1888102"/>
             </a:xfrm>
           </p:grpSpPr>
-          <p:sp>
-            <p:nvSpPr>
-              <p:cNvPr id="4" name="Rectangle 3">
+          <p:pic>
+            <p:nvPicPr>
+              <p:cNvPr id="118" name="Picture 117">
                 <a:extLst>
                   <a:ext uri="{FF2B5EF4-FFF2-40B4-BE49-F238E27FC236}">
-                    <a16:creationId xmlns:a16="http://schemas.microsoft.com/office/drawing/2014/main" id="{FBE81C97-60DA-43A9-9E36-E3BB513C08BE}"/>
-                  </a:ext>
-                </a:extLst>
-              </p:cNvPr>
-              <p:cNvSpPr/>
-              <p:nvPr/>
-            </p:nvSpPr>
-            <p:spPr bwMode="auto">
-              <a:xfrm>
-                <a:off x="831849" y="2115254"/>
-                <a:ext cx="10932447" cy="4284400"/>
-              </a:xfrm>
-              <a:prstGeom prst="rect">
-                <a:avLst/>
-              </a:prstGeom>
-              <a:solidFill>
-                <a:schemeClr val="tx1"/>
-              </a:solidFill>
-              <a:ln>
-                <a:noFill/>
-                <a:headEnd type="none" w="med" len="med"/>
-                <a:tailEnd type="none" w="med" len="med"/>
-              </a:ln>
-              <a:effectLst/>
-            </p:spPr>
-            <p:style>
-              <a:lnRef idx="1">
-                <a:schemeClr val="accent2"/>
-              </a:lnRef>
-              <a:fillRef idx="3">
-                <a:schemeClr val="accent2"/>
-              </a:fillRef>
-              <a:effectRef idx="2">
-                <a:schemeClr val="accent2"/>
-              </a:effectRef>
-              <a:fontRef idx="minor">
-                <a:schemeClr val="lt1"/>
-              </a:fontRef>
-            </p:style>
-            <p:txBody>
-              <a:bodyPr rot="0" spcFirstLastPara="0" vertOverflow="overflow" horzOverflow="overflow" vert="horz" wrap="square" lIns="182880" tIns="146304" rIns="182880" bIns="146304" numCol="1" spcCol="0" rtlCol="0" fromWordArt="0" anchor="t" anchorCtr="0" forceAA="0" compatLnSpc="1">
-                <a:prstTxWarp prst="textNoShape">
-                  <a:avLst/>
-                </a:prstTxWarp>
-                <a:noAutofit/>
-              </a:bodyPr>
-              <a:lstStyle/>
-              <a:p>
-                <a:pPr marL="0" marR="0" lvl="0" indent="0" algn="ctr" defTabSz="932472" rtl="0" eaLnBrk="1" fontAlgn="base" latinLnBrk="0" hangingPunct="1">
-                  <a:lnSpc>
-                    <a:spcPct val="90000"/>
-                  </a:lnSpc>
-                  <a:spcBef>
-                    <a:spcPct val="0"/>
-                  </a:spcBef>
-                  <a:spcAft>
-                    <a:spcPct val="0"/>
-                  </a:spcAft>
-                  <a:buClrTx/>
-                  <a:buSzTx/>
-                  <a:buFontTx/>
-                  <a:buNone/>
-                  <a:tabLst/>
-                  <a:defRPr/>
-                </a:pPr>
-                <a:endParaRPr kumimoji="0" lang="en-US" sz="2400" b="0" i="0" u="sng" strike="noStrike" kern="1200" cap="none" spc="0" normalizeH="0" baseline="0" noProof="0" dirty="0">
-                  <a:ln>
-                    <a:noFill/>
-                  </a:ln>
-                  <a:solidFill>
-                    <a:srgbClr val="FFFFFF"/>
-                  </a:solidFill>
-                  <a:effectLst/>
-                  <a:uLnTx/>
-                  <a:uFillTx/>
-                  <a:latin typeface="Segoe UI Semilight"/>
-                  <a:ea typeface="Segoe UI" pitchFamily="34" charset="0"/>
-                  <a:cs typeface="Segoe UI" pitchFamily="34" charset="0"/>
-                </a:endParaRPr>
-              </a:p>
-            </p:txBody>
-          </p:sp>
-          <p:pic>
-            <p:nvPicPr>
-              <p:cNvPr id="5" name="Picture 4">
-                <a:extLst>
-                  <a:ext uri="{FF2B5EF4-FFF2-40B4-BE49-F238E27FC236}">
-                    <a16:creationId xmlns:a16="http://schemas.microsoft.com/office/drawing/2014/main" id="{99C9F7AE-362B-4DD4-9004-223EA1DDD41E}"/>
+                    <a16:creationId xmlns:a16="http://schemas.microsoft.com/office/drawing/2014/main" id="{7854D5B3-258C-4D2C-A984-6FD0C2A3D843}"/>
                   </a:ext>
                 </a:extLst>
               </p:cNvPr>
@@ -13569,8 +14145,8 @@
             </p:blipFill>
             <p:spPr>
               <a:xfrm>
-                <a:off x="10666811" y="2592643"/>
-                <a:ext cx="412994" cy="412994"/>
+                <a:off x="5396139" y="3304326"/>
+                <a:ext cx="780290" cy="780290"/>
               </a:xfrm>
               <a:prstGeom prst="rect">
                 <a:avLst/>
@@ -13579,10 +14155,10 @@
           </p:pic>
           <p:sp>
             <p:nvSpPr>
-              <p:cNvPr id="12" name="TextBox 11">
+              <p:cNvPr id="119" name="TextBox 118">
                 <a:extLst>
                   <a:ext uri="{FF2B5EF4-FFF2-40B4-BE49-F238E27FC236}">
-                    <a16:creationId xmlns:a16="http://schemas.microsoft.com/office/drawing/2014/main" id="{379928B8-4527-4D9E-9EE7-0A4028F33FFC}"/>
+                    <a16:creationId xmlns:a16="http://schemas.microsoft.com/office/drawing/2014/main" id="{B2ED2154-C5AD-480E-959B-70DC20DEDF80}"/>
                   </a:ext>
                 </a:extLst>
               </p:cNvPr>
@@ -13591,8 +14167,8 @@
             </p:nvSpPr>
             <p:spPr>
               <a:xfrm>
-                <a:off x="9982319" y="2967667"/>
-                <a:ext cx="1781978" cy="1258806"/>
+                <a:off x="4719002" y="4010566"/>
+                <a:ext cx="2020528" cy="1181862"/>
               </a:xfrm>
               <a:prstGeom prst="rect">
                 <a:avLst/>
@@ -13637,53 +14213,74 @@
                     <a:ea typeface="+mn-ea"/>
                     <a:cs typeface="+mn-cs"/>
                   </a:rPr>
-                  <a:t>Azure App Service with Web App</a:t>
-                </a:r>
-              </a:p>
-              <a:p>
-                <a:pPr marL="0" marR="0" lvl="0" indent="0" algn="ctr" defTabSz="914400" rtl="0" eaLnBrk="1" fontAlgn="auto" latinLnBrk="0" hangingPunct="1">
-                  <a:lnSpc>
-                    <a:spcPct val="90000"/>
-                  </a:lnSpc>
-                  <a:spcBef>
-                    <a:spcPts val="0"/>
-                  </a:spcBef>
-                  <a:spcAft>
-                    <a:spcPts val="600"/>
-                  </a:spcAft>
-                  <a:buClrTx/>
-                  <a:buSzTx/>
-                  <a:buFontTx/>
-                  <a:buNone/>
-                  <a:tabLst/>
-                  <a:defRPr/>
-                </a:pPr>
-                <a:r>
-                  <a:rPr kumimoji="0" lang="en-US" sz="1600" b="1" i="0" u="sng" strike="noStrike" kern="1200" cap="none" spc="0" normalizeH="0" baseline="0" noProof="0" dirty="0">
-                    <a:ln>
-                      <a:noFill/>
-                    </a:ln>
-                    <a:solidFill>
-                      <a:srgbClr val="353535"/>
-                    </a:solidFill>
-                    <a:effectLst/>
-                    <a:uLnTx/>
-                    <a:uFillTx/>
-                    <a:latin typeface="Segoe UI Semilight"/>
-                    <a:ea typeface="+mn-ea"/>
-                    <a:cs typeface="+mn-cs"/>
-                  </a:rPr>
-                  <a:t>(S3 Instance)</a:t>
+                  <a:t>Manual internal code review &amp; QA on local developer machines</a:t>
                 </a:r>
               </a:p>
             </p:txBody>
           </p:sp>
+        </p:grpSp>
+        <p:grpSp>
+          <p:nvGrpSpPr>
+            <p:cNvPr id="96" name="Group 95">
+              <a:extLst>
+                <a:ext uri="{FF2B5EF4-FFF2-40B4-BE49-F238E27FC236}">
+                  <a16:creationId xmlns:a16="http://schemas.microsoft.com/office/drawing/2014/main" id="{A85758C8-6BCD-4B37-8D66-8A008F8BEF80}"/>
+                </a:ext>
+              </a:extLst>
+            </p:cNvPr>
+            <p:cNvGrpSpPr/>
+            <p:nvPr/>
+          </p:nvGrpSpPr>
+          <p:grpSpPr>
+            <a:xfrm>
+              <a:off x="7163811" y="3408936"/>
+              <a:ext cx="1781978" cy="1347493"/>
+              <a:chOff x="7607550" y="3432153"/>
+              <a:chExt cx="1781978" cy="1347493"/>
+            </a:xfrm>
+          </p:grpSpPr>
+          <p:pic>
+            <p:nvPicPr>
+              <p:cNvPr id="116" name="Picture 115">
+                <a:extLst>
+                  <a:ext uri="{FF2B5EF4-FFF2-40B4-BE49-F238E27FC236}">
+                    <a16:creationId xmlns:a16="http://schemas.microsoft.com/office/drawing/2014/main" id="{8F0DE86B-05F6-4020-AF14-25A88CEDE489}"/>
+                  </a:ext>
+                </a:extLst>
+              </p:cNvPr>
+              <p:cNvPicPr>
+                <a:picLocks noChangeAspect="1"/>
+              </p:cNvPicPr>
+              <p:nvPr/>
+            </p:nvPicPr>
+            <p:blipFill>
+              <a:blip r:embed="rId4" cstate="print">
+                <a:extLst>
+                  <a:ext uri="{28A0092B-C50C-407E-A947-70E740481C1C}">
+                    <a14:useLocalDpi xmlns:a14="http://schemas.microsoft.com/office/drawing/2010/main" val="0"/>
+                  </a:ext>
+                </a:extLst>
+              </a:blip>
+              <a:stretch>
+                <a:fillRect/>
+              </a:stretch>
+            </p:blipFill>
+            <p:spPr>
+              <a:xfrm>
+                <a:off x="8108394" y="3999356"/>
+                <a:ext cx="780290" cy="780290"/>
+              </a:xfrm>
+              <a:prstGeom prst="rect">
+                <a:avLst/>
+              </a:prstGeom>
+            </p:spPr>
+          </p:pic>
           <p:sp>
             <p:nvSpPr>
-              <p:cNvPr id="13" name="TextBox 12">
+              <p:cNvPr id="117" name="TextBox 116">
                 <a:extLst>
                   <a:ext uri="{FF2B5EF4-FFF2-40B4-BE49-F238E27FC236}">
-                    <a16:creationId xmlns:a16="http://schemas.microsoft.com/office/drawing/2014/main" id="{818BDF10-2FC3-4BE3-961A-4094F58844C2}"/>
+                    <a16:creationId xmlns:a16="http://schemas.microsoft.com/office/drawing/2014/main" id="{1E4278B6-1353-4000-B2C2-477D1E51C89D}"/>
                   </a:ext>
                 </a:extLst>
               </p:cNvPr>
@@ -13692,8 +14289,8 @@
             </p:nvSpPr>
             <p:spPr>
               <a:xfrm>
-                <a:off x="9972487" y="5235488"/>
-                <a:ext cx="1781978" cy="1258806"/>
+                <a:off x="7607550" y="3432153"/>
+                <a:ext cx="1781978" cy="738664"/>
               </a:xfrm>
               <a:prstGeom prst="rect">
                 <a:avLst/>
@@ -13738,96 +14335,150 @@
                     <a:ea typeface="+mn-ea"/>
                     <a:cs typeface="+mn-cs"/>
                   </a:rPr>
-                  <a:t>Azure PostgreSQL Database</a:t>
-                </a:r>
-              </a:p>
-              <a:p>
-                <a:pPr marL="0" marR="0" lvl="0" indent="0" algn="ctr" defTabSz="914400" rtl="0" eaLnBrk="1" fontAlgn="auto" latinLnBrk="0" hangingPunct="1">
-                  <a:lnSpc>
-                    <a:spcPct val="90000"/>
-                  </a:lnSpc>
-                  <a:spcBef>
-                    <a:spcPts val="0"/>
-                  </a:spcBef>
-                  <a:spcAft>
-                    <a:spcPts val="600"/>
-                  </a:spcAft>
-                  <a:buClrTx/>
-                  <a:buSzTx/>
-                  <a:buFontTx/>
-                  <a:buNone/>
-                  <a:tabLst/>
-                  <a:defRPr/>
-                </a:pPr>
-                <a:r>
-                  <a:rPr kumimoji="0" lang="en-US" sz="1600" b="1" i="0" u="sng" strike="noStrike" kern="1200" cap="none" spc="0" normalizeH="0" baseline="0" noProof="0" dirty="0">
-                    <a:ln>
-                      <a:noFill/>
-                    </a:ln>
-                    <a:solidFill>
-                      <a:srgbClr val="353535"/>
-                    </a:solidFill>
-                    <a:effectLst/>
-                    <a:uLnTx/>
-                    <a:uFillTx/>
-                    <a:latin typeface="Segoe UI Semilight"/>
-                    <a:ea typeface="+mn-ea"/>
-                    <a:cs typeface="+mn-cs"/>
-                  </a:rPr>
-                  <a:t>(S1 Instance)</a:t>
+                  <a:t>Visual Studio / FTP</a:t>
                 </a:r>
               </a:p>
             </p:txBody>
           </p:sp>
-          <p:cxnSp>
-            <p:nvCxnSpPr>
-              <p:cNvPr id="19" name="Straight Connector 18">
+        </p:grpSp>
+        <p:cxnSp>
+          <p:nvCxnSpPr>
+            <p:cNvPr id="97" name="Straight Connector 96">
+              <a:extLst>
+                <a:ext uri="{FF2B5EF4-FFF2-40B4-BE49-F238E27FC236}">
+                  <a16:creationId xmlns:a16="http://schemas.microsoft.com/office/drawing/2014/main" id="{F83606BE-650D-428F-B363-1D5B2CD4CAFD}"/>
+                </a:ext>
+              </a:extLst>
+            </p:cNvPr>
+            <p:cNvCxnSpPr>
+              <a:cxnSpLocks/>
+            </p:cNvCxnSpPr>
+            <p:nvPr/>
+          </p:nvCxnSpPr>
+          <p:spPr>
+            <a:xfrm>
+              <a:off x="1516847" y="4644743"/>
+              <a:ext cx="0" cy="553807"/>
+            </a:xfrm>
+            <a:prstGeom prst="line">
+              <a:avLst/>
+            </a:prstGeom>
+            <a:ln>
+              <a:solidFill>
+                <a:schemeClr val="bg1">
+                  <a:lumMod val="50000"/>
+                </a:schemeClr>
+              </a:solidFill>
+              <a:headEnd type="none"/>
+              <a:tailEnd type="none"/>
+            </a:ln>
+          </p:spPr>
+          <p:style>
+            <a:lnRef idx="1">
+              <a:schemeClr val="accent1"/>
+            </a:lnRef>
+            <a:fillRef idx="0">
+              <a:schemeClr val="accent1"/>
+            </a:fillRef>
+            <a:effectRef idx="0">
+              <a:schemeClr val="accent1"/>
+            </a:effectRef>
+            <a:fontRef idx="minor">
+              <a:schemeClr val="tx1"/>
+            </a:fontRef>
+          </p:style>
+        </p:cxnSp>
+        <p:sp>
+          <p:nvSpPr>
+            <p:cNvPr id="98" name="TextBox 97">
+              <a:extLst>
+                <a:ext uri="{FF2B5EF4-FFF2-40B4-BE49-F238E27FC236}">
+                  <a16:creationId xmlns:a16="http://schemas.microsoft.com/office/drawing/2014/main" id="{95F80F11-6D79-497C-9F61-74FB977E53EF}"/>
+                </a:ext>
+              </a:extLst>
+            </p:cNvPr>
+            <p:cNvSpPr txBox="1"/>
+            <p:nvPr/>
+          </p:nvSpPr>
+          <p:spPr>
+            <a:xfrm>
+              <a:off x="1539336" y="4922251"/>
+              <a:ext cx="1582208" cy="517065"/>
+            </a:xfrm>
+            <a:prstGeom prst="rect">
+              <a:avLst/>
+            </a:prstGeom>
+            <a:noFill/>
+          </p:spPr>
+          <p:txBody>
+            <a:bodyPr wrap="square" lIns="182880" tIns="146304" rIns="182880" bIns="146304" rtlCol="0">
+              <a:spAutoFit/>
+            </a:bodyPr>
+            <a:lstStyle/>
+            <a:p>
+              <a:pPr marL="0" marR="0" lvl="0" indent="0" algn="l" defTabSz="914400" rtl="0" eaLnBrk="1" fontAlgn="auto" latinLnBrk="0" hangingPunct="1">
+                <a:lnSpc>
+                  <a:spcPct val="90000"/>
+                </a:lnSpc>
+                <a:spcBef>
+                  <a:spcPts val="0"/>
+                </a:spcBef>
+                <a:spcAft>
+                  <a:spcPts val="600"/>
+                </a:spcAft>
+                <a:buClrTx/>
+                <a:buSzTx/>
+                <a:buFontTx/>
+                <a:buNone/>
+                <a:tabLst/>
+                <a:defRPr/>
+              </a:pPr>
+              <a:r>
+                <a:rPr kumimoji="0" lang="en-US" sz="1600" b="1" i="0" u="sng" strike="noStrike" kern="1200" cap="none" spc="0" normalizeH="0" baseline="0" noProof="0" dirty="0">
+                  <a:ln>
+                    <a:noFill/>
+                  </a:ln>
+                  <a:solidFill>
+                    <a:srgbClr val="353535"/>
+                  </a:solidFill>
+                  <a:effectLst/>
+                  <a:uLnTx/>
+                  <a:uFillTx/>
+                  <a:latin typeface="Segoe UI Semilight"/>
+                  <a:ea typeface="+mn-ea"/>
+                  <a:cs typeface="+mn-cs"/>
+                </a:rPr>
+                <a:t>master</a:t>
+              </a:r>
+            </a:p>
+          </p:txBody>
+        </p:sp>
+        <p:grpSp>
+          <p:nvGrpSpPr>
+            <p:cNvPr id="99" name="Group 98">
+              <a:extLst>
+                <a:ext uri="{FF2B5EF4-FFF2-40B4-BE49-F238E27FC236}">
+                  <a16:creationId xmlns:a16="http://schemas.microsoft.com/office/drawing/2014/main" id="{52AF792E-4C35-40F3-8C00-4E9B1E7167F0}"/>
+                </a:ext>
+              </a:extLst>
+            </p:cNvPr>
+            <p:cNvGrpSpPr/>
+            <p:nvPr/>
+          </p:nvGrpSpPr>
+          <p:grpSpPr>
+            <a:xfrm>
+              <a:off x="883734" y="3296240"/>
+              <a:ext cx="2256543" cy="1912012"/>
+              <a:chOff x="883734" y="3752050"/>
+              <a:chExt cx="2256543" cy="1912012"/>
+            </a:xfrm>
+          </p:grpSpPr>
+          <p:grpSp>
+            <p:nvGrpSpPr>
+              <p:cNvPr id="106" name="Group 105">
                 <a:extLst>
                   <a:ext uri="{FF2B5EF4-FFF2-40B4-BE49-F238E27FC236}">
-                    <a16:creationId xmlns:a16="http://schemas.microsoft.com/office/drawing/2014/main" id="{CE79BFD8-A1AF-41C1-8025-2BC4EDDA18BB}"/>
-                  </a:ext>
-                </a:extLst>
-              </p:cNvPr>
-              <p:cNvCxnSpPr/>
-              <p:nvPr/>
-            </p:nvCxnSpPr>
-            <p:spPr>
-              <a:xfrm>
-                <a:off x="4814866" y="3200400"/>
-                <a:ext cx="914400" cy="914400"/>
-              </a:xfrm>
-              <a:prstGeom prst="line">
-                <a:avLst/>
-              </a:prstGeom>
-              <a:ln>
-                <a:solidFill>
-                  <a:schemeClr val="tx1"/>
-                </a:solidFill>
-                <a:headEnd type="none"/>
-                <a:tailEnd type="none"/>
-              </a:ln>
-            </p:spPr>
-            <p:style>
-              <a:lnRef idx="1">
-                <a:schemeClr val="accent1"/>
-              </a:lnRef>
-              <a:fillRef idx="0">
-                <a:schemeClr val="accent1"/>
-              </a:fillRef>
-              <a:effectRef idx="0">
-                <a:schemeClr val="accent1"/>
-              </a:effectRef>
-              <a:fontRef idx="minor">
-                <a:schemeClr val="tx1"/>
-              </a:fontRef>
-            </p:style>
-          </p:cxnSp>
-          <p:grpSp>
-            <p:nvGrpSpPr>
-              <p:cNvPr id="22" name="Group 21">
-                <a:extLst>
-                  <a:ext uri="{FF2B5EF4-FFF2-40B4-BE49-F238E27FC236}">
-                    <a16:creationId xmlns:a16="http://schemas.microsoft.com/office/drawing/2014/main" id="{FAB42331-B0AE-4792-9EFA-8058224B6627}"/>
+                    <a16:creationId xmlns:a16="http://schemas.microsoft.com/office/drawing/2014/main" id="{A94F26B6-1CA0-412B-9424-CEAAD3C67B3C}"/>
                   </a:ext>
                 </a:extLst>
               </p:cNvPr>
@@ -13836,363 +14487,7 @@
             </p:nvGrpSpPr>
             <p:grpSpPr>
               <a:xfrm>
-                <a:off x="4099570" y="3551214"/>
-                <a:ext cx="2020528" cy="1888102"/>
-                <a:chOff x="4719002" y="3304326"/>
-                <a:chExt cx="2020528" cy="1888102"/>
-              </a:xfrm>
-            </p:grpSpPr>
-            <p:pic>
-              <p:nvPicPr>
-                <p:cNvPr id="16" name="Picture 15">
-                  <a:extLst>
-                    <a:ext uri="{FF2B5EF4-FFF2-40B4-BE49-F238E27FC236}">
-                      <a16:creationId xmlns:a16="http://schemas.microsoft.com/office/drawing/2014/main" id="{EFFA7D4E-2361-4D0E-8CC5-F8D2FC8A84BC}"/>
-                    </a:ext>
-                  </a:extLst>
-                </p:cNvPr>
-                <p:cNvPicPr>
-                  <a:picLocks noChangeAspect="1"/>
-                </p:cNvPicPr>
-                <p:nvPr/>
-              </p:nvPicPr>
-              <p:blipFill>
-                <a:blip r:embed="rId4" cstate="print">
-                  <a:extLst>
-                    <a:ext uri="{28A0092B-C50C-407E-A947-70E740481C1C}">
-                      <a14:useLocalDpi xmlns:a14="http://schemas.microsoft.com/office/drawing/2010/main" val="0"/>
-                    </a:ext>
-                  </a:extLst>
-                </a:blip>
-                <a:stretch>
-                  <a:fillRect/>
-                </a:stretch>
-              </p:blipFill>
-              <p:spPr>
-                <a:xfrm>
-                  <a:off x="5396139" y="3304326"/>
-                  <a:ext cx="780290" cy="780290"/>
-                </a:xfrm>
-                <a:prstGeom prst="rect">
-                  <a:avLst/>
-                </a:prstGeom>
-              </p:spPr>
-            </p:pic>
-            <p:sp>
-              <p:nvSpPr>
-                <p:cNvPr id="21" name="TextBox 20">
-                  <a:extLst>
-                    <a:ext uri="{FF2B5EF4-FFF2-40B4-BE49-F238E27FC236}">
-                      <a16:creationId xmlns:a16="http://schemas.microsoft.com/office/drawing/2014/main" id="{2D79299A-4464-4FE2-A565-639FA864E695}"/>
-                    </a:ext>
-                  </a:extLst>
-                </p:cNvPr>
-                <p:cNvSpPr txBox="1"/>
-                <p:nvPr/>
-              </p:nvSpPr>
-              <p:spPr>
-                <a:xfrm>
-                  <a:off x="4719002" y="4010566"/>
-                  <a:ext cx="2020528" cy="1181862"/>
-                </a:xfrm>
-                <a:prstGeom prst="rect">
-                  <a:avLst/>
-                </a:prstGeom>
-                <a:noFill/>
-              </p:spPr>
-              <p:txBody>
-                <a:bodyPr wrap="square" lIns="182880" tIns="146304" rIns="182880" bIns="146304" rtlCol="0">
-                  <a:spAutoFit/>
-                </a:bodyPr>
-                <a:lstStyle/>
-                <a:p>
-                  <a:pPr marL="0" marR="0" lvl="0" indent="0" algn="ctr" defTabSz="914400" rtl="0" eaLnBrk="1" fontAlgn="auto" latinLnBrk="0" hangingPunct="1">
-                    <a:lnSpc>
-                      <a:spcPct val="90000"/>
-                    </a:lnSpc>
-                    <a:spcBef>
-                      <a:spcPts val="0"/>
-                    </a:spcBef>
-                    <a:spcAft>
-                      <a:spcPts val="600"/>
-                    </a:spcAft>
-                    <a:buClrTx/>
-                    <a:buSzTx/>
-                    <a:buFontTx/>
-                    <a:buNone/>
-                    <a:tabLst/>
-                    <a:defRPr/>
-                  </a:pPr>
-                  <a:r>
-                    <a:rPr kumimoji="0" lang="en-US" sz="1600" b="1" i="0" u="sng" strike="noStrike" kern="1200" cap="none" spc="0" normalizeH="0" baseline="0" noProof="0" dirty="0">
-                      <a:ln>
-                        <a:noFill/>
-                      </a:ln>
-                      <a:solidFill>
-                        <a:srgbClr val="353535"/>
-                      </a:solidFill>
-                      <a:effectLst/>
-                      <a:uLnTx/>
-                      <a:uFillTx/>
-                      <a:latin typeface="Segoe UI Semilight"/>
-                      <a:ea typeface="+mn-ea"/>
-                      <a:cs typeface="+mn-cs"/>
-                    </a:rPr>
-                    <a:t>Manual internal code review &amp; QA on local developer machines</a:t>
-                  </a:r>
-                </a:p>
-              </p:txBody>
-            </p:sp>
-          </p:grpSp>
-          <p:grpSp>
-            <p:nvGrpSpPr>
-              <p:cNvPr id="26" name="Group 25">
-                <a:extLst>
-                  <a:ext uri="{FF2B5EF4-FFF2-40B4-BE49-F238E27FC236}">
-                    <a16:creationId xmlns:a16="http://schemas.microsoft.com/office/drawing/2014/main" id="{6A155122-75A7-47B6-98DD-B3414DC9BEBB}"/>
-                  </a:ext>
-                </a:extLst>
-              </p:cNvPr>
-              <p:cNvGrpSpPr/>
-              <p:nvPr/>
-            </p:nvGrpSpPr>
-            <p:grpSpPr>
-              <a:xfrm>
-                <a:off x="7163811" y="3408936"/>
-                <a:ext cx="1781978" cy="1347493"/>
-                <a:chOff x="7607550" y="3432153"/>
-                <a:chExt cx="1781978" cy="1347493"/>
-              </a:xfrm>
-            </p:grpSpPr>
-            <p:pic>
-              <p:nvPicPr>
-                <p:cNvPr id="24" name="Picture 23">
-                  <a:extLst>
-                    <a:ext uri="{FF2B5EF4-FFF2-40B4-BE49-F238E27FC236}">
-                      <a16:creationId xmlns:a16="http://schemas.microsoft.com/office/drawing/2014/main" id="{A981FA67-EAF7-492E-BE74-06F67D281616}"/>
-                    </a:ext>
-                  </a:extLst>
-                </p:cNvPr>
-                <p:cNvPicPr>
-                  <a:picLocks noChangeAspect="1"/>
-                </p:cNvPicPr>
-                <p:nvPr/>
-              </p:nvPicPr>
-              <p:blipFill>
-                <a:blip r:embed="rId5" cstate="print">
-                  <a:extLst>
-                    <a:ext uri="{28A0092B-C50C-407E-A947-70E740481C1C}">
-                      <a14:useLocalDpi xmlns:a14="http://schemas.microsoft.com/office/drawing/2010/main" val="0"/>
-                    </a:ext>
-                  </a:extLst>
-                </a:blip>
-                <a:stretch>
-                  <a:fillRect/>
-                </a:stretch>
-              </p:blipFill>
-              <p:spPr>
-                <a:xfrm>
-                  <a:off x="8108394" y="3999356"/>
-                  <a:ext cx="780290" cy="780290"/>
-                </a:xfrm>
-                <a:prstGeom prst="rect">
-                  <a:avLst/>
-                </a:prstGeom>
-              </p:spPr>
-            </p:pic>
-            <p:sp>
-              <p:nvSpPr>
-                <p:cNvPr id="25" name="TextBox 24">
-                  <a:extLst>
-                    <a:ext uri="{FF2B5EF4-FFF2-40B4-BE49-F238E27FC236}">
-                      <a16:creationId xmlns:a16="http://schemas.microsoft.com/office/drawing/2014/main" id="{B7C0A930-D207-41F2-8BC4-EB1A2B6950EC}"/>
-                    </a:ext>
-                  </a:extLst>
-                </p:cNvPr>
-                <p:cNvSpPr txBox="1"/>
-                <p:nvPr/>
-              </p:nvSpPr>
-              <p:spPr>
-                <a:xfrm>
-                  <a:off x="7607550" y="3432153"/>
-                  <a:ext cx="1781978" cy="738664"/>
-                </a:xfrm>
-                <a:prstGeom prst="rect">
-                  <a:avLst/>
-                </a:prstGeom>
-                <a:noFill/>
-              </p:spPr>
-              <p:txBody>
-                <a:bodyPr wrap="square" lIns="182880" tIns="146304" rIns="182880" bIns="146304" rtlCol="0">
-                  <a:spAutoFit/>
-                </a:bodyPr>
-                <a:lstStyle/>
-                <a:p>
-                  <a:pPr marL="0" marR="0" lvl="0" indent="0" algn="ctr" defTabSz="914400" rtl="0" eaLnBrk="1" fontAlgn="auto" latinLnBrk="0" hangingPunct="1">
-                    <a:lnSpc>
-                      <a:spcPct val="90000"/>
-                    </a:lnSpc>
-                    <a:spcBef>
-                      <a:spcPts val="0"/>
-                    </a:spcBef>
-                    <a:spcAft>
-                      <a:spcPts val="600"/>
-                    </a:spcAft>
-                    <a:buClrTx/>
-                    <a:buSzTx/>
-                    <a:buFontTx/>
-                    <a:buNone/>
-                    <a:tabLst/>
-                    <a:defRPr/>
-                  </a:pPr>
-                  <a:r>
-                    <a:rPr kumimoji="0" lang="en-US" sz="1600" b="1" i="0" u="sng" strike="noStrike" kern="1200" cap="none" spc="0" normalizeH="0" baseline="0" noProof="0" dirty="0">
-                      <a:ln>
-                        <a:noFill/>
-                      </a:ln>
-                      <a:solidFill>
-                        <a:srgbClr val="353535"/>
-                      </a:solidFill>
-                      <a:effectLst/>
-                      <a:uLnTx/>
-                      <a:uFillTx/>
-                      <a:latin typeface="Segoe UI Semilight"/>
-                      <a:ea typeface="+mn-ea"/>
-                      <a:cs typeface="+mn-cs"/>
-                    </a:rPr>
-                    <a:t>Visual Studio / FTP</a:t>
-                  </a:r>
-                </a:p>
-              </p:txBody>
-            </p:sp>
-          </p:grpSp>
-          <p:cxnSp>
-            <p:nvCxnSpPr>
-              <p:cNvPr id="28" name="Straight Connector 27">
-                <a:extLst>
-                  <a:ext uri="{FF2B5EF4-FFF2-40B4-BE49-F238E27FC236}">
-                    <a16:creationId xmlns:a16="http://schemas.microsoft.com/office/drawing/2014/main" id="{3E1AB382-BC5E-4EC8-9564-66DBCA755598}"/>
-                  </a:ext>
-                </a:extLst>
-              </p:cNvPr>
-              <p:cNvCxnSpPr>
-                <a:cxnSpLocks/>
-              </p:cNvCxnSpPr>
-              <p:nvPr/>
-            </p:nvCxnSpPr>
-            <p:spPr>
-              <a:xfrm>
-                <a:off x="1516847" y="4644743"/>
-                <a:ext cx="0" cy="553807"/>
-              </a:xfrm>
-              <a:prstGeom prst="line">
-                <a:avLst/>
-              </a:prstGeom>
-              <a:ln>
-                <a:solidFill>
-                  <a:schemeClr val="bg1">
-                    <a:lumMod val="50000"/>
-                  </a:schemeClr>
-                </a:solidFill>
-                <a:headEnd type="none"/>
-                <a:tailEnd type="none"/>
-              </a:ln>
-            </p:spPr>
-            <p:style>
-              <a:lnRef idx="1">
-                <a:schemeClr val="accent1"/>
-              </a:lnRef>
-              <a:fillRef idx="0">
-                <a:schemeClr val="accent1"/>
-              </a:fillRef>
-              <a:effectRef idx="0">
-                <a:schemeClr val="accent1"/>
-              </a:effectRef>
-              <a:fontRef idx="minor">
-                <a:schemeClr val="tx1"/>
-              </a:fontRef>
-            </p:style>
-          </p:cxnSp>
-          <p:sp>
-            <p:nvSpPr>
-              <p:cNvPr id="29" name="TextBox 28">
-                <a:extLst>
-                  <a:ext uri="{FF2B5EF4-FFF2-40B4-BE49-F238E27FC236}">
-                    <a16:creationId xmlns:a16="http://schemas.microsoft.com/office/drawing/2014/main" id="{2DE7C23F-41EF-4BBB-B466-8C52A4ED067C}"/>
-                  </a:ext>
-                </a:extLst>
-              </p:cNvPr>
-              <p:cNvSpPr txBox="1"/>
-              <p:nvPr/>
-            </p:nvSpPr>
-            <p:spPr>
-              <a:xfrm>
-                <a:off x="1539336" y="4922251"/>
-                <a:ext cx="1582208" cy="517065"/>
-              </a:xfrm>
-              <a:prstGeom prst="rect">
-                <a:avLst/>
-              </a:prstGeom>
-              <a:noFill/>
-            </p:spPr>
-            <p:txBody>
-              <a:bodyPr wrap="square" lIns="182880" tIns="146304" rIns="182880" bIns="146304" rtlCol="0">
-                <a:spAutoFit/>
-              </a:bodyPr>
-              <a:lstStyle/>
-              <a:p>
-                <a:pPr marL="0" marR="0" lvl="0" indent="0" algn="l" defTabSz="914400" rtl="0" eaLnBrk="1" fontAlgn="auto" latinLnBrk="0" hangingPunct="1">
-                  <a:lnSpc>
-                    <a:spcPct val="90000"/>
-                  </a:lnSpc>
-                  <a:spcBef>
-                    <a:spcPts val="0"/>
-                  </a:spcBef>
-                  <a:spcAft>
-                    <a:spcPts val="600"/>
-                  </a:spcAft>
-                  <a:buClrTx/>
-                  <a:buSzTx/>
-                  <a:buFontTx/>
-                  <a:buNone/>
-                  <a:tabLst/>
-                  <a:defRPr/>
-                </a:pPr>
-                <a:r>
-                  <a:rPr kumimoji="0" lang="en-US" sz="1600" b="1" i="0" u="sng" strike="noStrike" kern="1200" cap="none" spc="0" normalizeH="0" baseline="0" noProof="0" dirty="0">
-                    <a:ln>
-                      <a:noFill/>
-                    </a:ln>
-                    <a:solidFill>
-                      <a:srgbClr val="353535"/>
-                    </a:solidFill>
-                    <a:effectLst/>
-                    <a:uLnTx/>
-                    <a:uFillTx/>
-                    <a:latin typeface="Segoe UI Semilight"/>
-                    <a:ea typeface="+mn-ea"/>
-                    <a:cs typeface="+mn-cs"/>
-                  </a:rPr>
-                  <a:t>master</a:t>
-                </a:r>
-              </a:p>
-            </p:txBody>
-          </p:sp>
-          <p:grpSp>
-            <p:nvGrpSpPr>
-              <p:cNvPr id="41" name="Group 40">
-                <a:extLst>
-                  <a:ext uri="{FF2B5EF4-FFF2-40B4-BE49-F238E27FC236}">
-                    <a16:creationId xmlns:a16="http://schemas.microsoft.com/office/drawing/2014/main" id="{BB7E9F7B-005E-4F38-99C4-5C402BE4DFBC}"/>
-                  </a:ext>
-                </a:extLst>
-              </p:cNvPr>
-              <p:cNvGrpSpPr/>
-              <p:nvPr/>
-            </p:nvGrpSpPr>
-            <p:grpSpPr>
-              <a:xfrm>
-                <a:off x="883734" y="3296240"/>
+                <a:off x="883734" y="3752050"/>
                 <a:ext cx="2256543" cy="1912012"/>
                 <a:chOff x="883734" y="3752050"/>
                 <a:chExt cx="2256543" cy="1912012"/>
@@ -14200,10 +14495,10 @@
             </p:grpSpPr>
             <p:grpSp>
               <p:nvGrpSpPr>
-                <p:cNvPr id="40" name="Group 39">
+                <p:cNvPr id="110" name="Group 109">
                   <a:extLst>
                     <a:ext uri="{FF2B5EF4-FFF2-40B4-BE49-F238E27FC236}">
-                      <a16:creationId xmlns:a16="http://schemas.microsoft.com/office/drawing/2014/main" id="{3A1E0ACC-CDE7-4889-9C66-ED5D901F01F1}"/>
+                      <a16:creationId xmlns:a16="http://schemas.microsoft.com/office/drawing/2014/main" id="{9F3A1FEB-702F-447C-986D-A2DF424B6AFF}"/>
                     </a:ext>
                   </a:extLst>
                 </p:cNvPr>
@@ -14220,10 +14515,10 @@
               </p:grpSpPr>
               <p:grpSp>
                 <p:nvGrpSpPr>
-                  <p:cNvPr id="39" name="Group 38">
+                  <p:cNvPr id="112" name="Group 111">
                     <a:extLst>
                       <a:ext uri="{FF2B5EF4-FFF2-40B4-BE49-F238E27FC236}">
-                        <a16:creationId xmlns:a16="http://schemas.microsoft.com/office/drawing/2014/main" id="{0FABD9B0-022A-4A6F-9AFE-EE3E9D7E6706}"/>
+                        <a16:creationId xmlns:a16="http://schemas.microsoft.com/office/drawing/2014/main" id="{81D952AA-DC8B-4795-8C63-F79E8BCD534E}"/>
                       </a:ext>
                     </a:extLst>
                   </p:cNvPr>
@@ -14233,139 +14528,53 @@
                 <p:grpSpPr>
                   <a:xfrm>
                     <a:off x="883734" y="3752050"/>
-                    <a:ext cx="2256543" cy="1912012"/>
-                    <a:chOff x="883734" y="3752050"/>
-                    <a:chExt cx="2256543" cy="1912012"/>
+                    <a:ext cx="1781978" cy="1344968"/>
+                    <a:chOff x="2653540" y="2380373"/>
+                    <a:chExt cx="1781978" cy="1344968"/>
                   </a:xfrm>
                 </p:grpSpPr>
-                <p:grpSp>
-                  <p:nvGrpSpPr>
-                    <p:cNvPr id="10" name="Group 9">
+                <p:pic>
+                  <p:nvPicPr>
+                    <p:cNvPr id="114" name="Picture 113">
                       <a:extLst>
                         <a:ext uri="{FF2B5EF4-FFF2-40B4-BE49-F238E27FC236}">
-                          <a16:creationId xmlns:a16="http://schemas.microsoft.com/office/drawing/2014/main" id="{93A13F4C-93BF-4E9C-8D8C-8DD2C1E4A984}"/>
+                          <a16:creationId xmlns:a16="http://schemas.microsoft.com/office/drawing/2014/main" id="{85C10024-223D-44CB-9390-31FD081C687C}"/>
                         </a:ext>
                       </a:extLst>
                     </p:cNvPr>
-                    <p:cNvGrpSpPr/>
+                    <p:cNvPicPr>
+                      <a:picLocks noChangeAspect="1"/>
+                    </p:cNvPicPr>
                     <p:nvPr/>
-                  </p:nvGrpSpPr>
-                  <p:grpSpPr>
+                  </p:nvPicPr>
+                  <p:blipFill>
+                    <a:blip r:embed="rId5" cstate="print">
+                      <a:extLst>
+                        <a:ext uri="{28A0092B-C50C-407E-A947-70E740481C1C}">
+                          <a14:useLocalDpi xmlns:a14="http://schemas.microsoft.com/office/drawing/2010/main" val="0"/>
+                        </a:ext>
+                      </a:extLst>
+                    </a:blip>
+                    <a:stretch>
+                      <a:fillRect/>
+                    </a:stretch>
+                  </p:blipFill>
+                  <p:spPr>
                     <a:xfrm>
-                      <a:off x="883734" y="3752050"/>
-                      <a:ext cx="1781978" cy="1344968"/>
-                      <a:chOff x="2653540" y="2380373"/>
-                      <a:chExt cx="1781978" cy="1344968"/>
+                      <a:off x="3144552" y="3433519"/>
+                      <a:ext cx="291822" cy="291822"/>
                     </a:xfrm>
-                  </p:grpSpPr>
-                  <p:pic>
-                    <p:nvPicPr>
-                      <p:cNvPr id="8" name="Picture 7">
-                        <a:extLst>
-                          <a:ext uri="{FF2B5EF4-FFF2-40B4-BE49-F238E27FC236}">
-                            <a16:creationId xmlns:a16="http://schemas.microsoft.com/office/drawing/2014/main" id="{887DEB18-E89F-47AF-91AF-685B1A8499C7}"/>
-                          </a:ext>
-                        </a:extLst>
-                      </p:cNvPr>
-                      <p:cNvPicPr>
-                        <a:picLocks noChangeAspect="1"/>
-                      </p:cNvPicPr>
-                      <p:nvPr/>
-                    </p:nvPicPr>
-                    <p:blipFill>
-                      <a:blip r:embed="rId6" cstate="print">
-                        <a:extLst>
-                          <a:ext uri="{28A0092B-C50C-407E-A947-70E740481C1C}">
-                            <a14:useLocalDpi xmlns:a14="http://schemas.microsoft.com/office/drawing/2010/main" val="0"/>
-                          </a:ext>
-                        </a:extLst>
-                      </a:blip>
-                      <a:stretch>
-                        <a:fillRect/>
-                      </a:stretch>
-                    </p:blipFill>
-                    <p:spPr>
-                      <a:xfrm>
-                        <a:off x="3144552" y="3433519"/>
-                        <a:ext cx="291822" cy="291822"/>
-                      </a:xfrm>
-                      <a:prstGeom prst="rect">
-                        <a:avLst/>
-                      </a:prstGeom>
-                    </p:spPr>
-                  </p:pic>
-                  <p:sp>
-                    <p:nvSpPr>
-                      <p:cNvPr id="15" name="TextBox 14">
-                        <a:extLst>
-                          <a:ext uri="{FF2B5EF4-FFF2-40B4-BE49-F238E27FC236}">
-                            <a16:creationId xmlns:a16="http://schemas.microsoft.com/office/drawing/2014/main" id="{9E33BAC1-87FE-47D1-9ED8-35A9BEE25DD9}"/>
-                          </a:ext>
-                        </a:extLst>
-                      </p:cNvPr>
-                      <p:cNvSpPr txBox="1"/>
-                      <p:nvPr/>
-                    </p:nvSpPr>
-                    <p:spPr>
-                      <a:xfrm>
-                        <a:off x="2653540" y="2380373"/>
-                        <a:ext cx="1781978" cy="517065"/>
-                      </a:xfrm>
-                      <a:prstGeom prst="rect">
-                        <a:avLst/>
-                      </a:prstGeom>
-                      <a:noFill/>
-                    </p:spPr>
-                    <p:txBody>
-                      <a:bodyPr wrap="square" lIns="182880" tIns="146304" rIns="182880" bIns="146304" rtlCol="0">
-                        <a:spAutoFit/>
-                      </a:bodyPr>
-                      <a:lstStyle/>
-                      <a:p>
-                        <a:pPr marL="0" marR="0" lvl="0" indent="0" algn="ctr" defTabSz="914400" rtl="0" eaLnBrk="1" fontAlgn="auto" latinLnBrk="0" hangingPunct="1">
-                          <a:lnSpc>
-                            <a:spcPct val="90000"/>
-                          </a:lnSpc>
-                          <a:spcBef>
-                            <a:spcPts val="0"/>
-                          </a:spcBef>
-                          <a:spcAft>
-                            <a:spcPts val="600"/>
-                          </a:spcAft>
-                          <a:buClrTx/>
-                          <a:buSzTx/>
-                          <a:buFontTx/>
-                          <a:buNone/>
-                          <a:tabLst/>
-                          <a:defRPr/>
-                        </a:pPr>
-                        <a:r>
-                          <a:rPr kumimoji="0" lang="en-US" sz="1600" b="1" i="0" u="sng" strike="noStrike" kern="1200" cap="none" spc="0" normalizeH="0" baseline="0" noProof="0" dirty="0">
-                            <a:ln>
-                              <a:noFill/>
-                            </a:ln>
-                            <a:solidFill>
-                              <a:srgbClr val="353535"/>
-                            </a:solidFill>
-                            <a:effectLst/>
-                            <a:uLnTx/>
-                            <a:uFillTx/>
-                            <a:latin typeface="Segoe UI Semilight"/>
-                            <a:ea typeface="+mn-ea"/>
-                            <a:cs typeface="+mn-cs"/>
-                          </a:rPr>
-                          <a:t>Azure DevOps</a:t>
-                        </a:r>
-                      </a:p>
-                    </p:txBody>
-                  </p:sp>
-                </p:grpSp>
+                    <a:prstGeom prst="rect">
+                      <a:avLst/>
+                    </a:prstGeom>
+                  </p:spPr>
+                </p:pic>
                 <p:sp>
                   <p:nvSpPr>
-                    <p:cNvPr id="30" name="TextBox 29">
+                    <p:cNvPr id="115" name="TextBox 114">
                       <a:extLst>
                         <a:ext uri="{FF2B5EF4-FFF2-40B4-BE49-F238E27FC236}">
-                          <a16:creationId xmlns:a16="http://schemas.microsoft.com/office/drawing/2014/main" id="{1FDF7D5F-A9D0-4918-BB2A-9F7923E25D61}"/>
+                          <a16:creationId xmlns:a16="http://schemas.microsoft.com/office/drawing/2014/main" id="{D273B959-0523-4B72-835C-31FF29518F95}"/>
                         </a:ext>
                       </a:extLst>
                     </p:cNvPr>
@@ -14374,8 +14583,8 @@
                   </p:nvSpPr>
                   <p:spPr>
                     <a:xfrm>
-                      <a:off x="1549168" y="5146997"/>
-                      <a:ext cx="1591109" cy="517065"/>
+                      <a:off x="2653540" y="2380373"/>
+                      <a:ext cx="1781978" cy="517065"/>
                     </a:xfrm>
                     <a:prstGeom prst="rect">
                       <a:avLst/>
@@ -14388,7 +14597,7 @@
                     </a:bodyPr>
                     <a:lstStyle/>
                     <a:p>
-                      <a:pPr marL="0" marR="0" lvl="0" indent="0" algn="l" defTabSz="914400" rtl="0" eaLnBrk="1" fontAlgn="auto" latinLnBrk="0" hangingPunct="1">
+                      <a:pPr marL="0" marR="0" lvl="0" indent="0" algn="ctr" defTabSz="914400" rtl="0" eaLnBrk="1" fontAlgn="auto" latinLnBrk="0" hangingPunct="1">
                         <a:lnSpc>
                           <a:spcPct val="90000"/>
                         </a:lnSpc>
@@ -14420,7 +14629,7 @@
                           <a:ea typeface="+mn-ea"/>
                           <a:cs typeface="+mn-cs"/>
                         </a:rPr>
-                        <a:t>test</a:t>
+                        <a:t>Azure DevOps</a:t>
                       </a:r>
                     </a:p>
                   </p:txBody>
@@ -14428,10 +14637,10 @@
               </p:grpSp>
               <p:sp>
                 <p:nvSpPr>
-                  <p:cNvPr id="31" name="TextBox 30">
+                  <p:cNvPr id="113" name="TextBox 112">
                     <a:extLst>
                       <a:ext uri="{FF2B5EF4-FFF2-40B4-BE49-F238E27FC236}">
-                        <a16:creationId xmlns:a16="http://schemas.microsoft.com/office/drawing/2014/main" id="{97C325C1-3411-417C-A0EA-CDE647C38898}"/>
+                        <a16:creationId xmlns:a16="http://schemas.microsoft.com/office/drawing/2014/main" id="{3FE0F355-982A-4624-9F91-C9F56629E506}"/>
                       </a:ext>
                     </a:extLst>
                   </p:cNvPr>
@@ -14440,7 +14649,7 @@
                 </p:nvSpPr>
                 <p:spPr>
                   <a:xfrm>
-                    <a:off x="1541929" y="4909489"/>
+                    <a:off x="1549168" y="5146997"/>
                     <a:ext cx="1591109" cy="517065"/>
                   </a:xfrm>
                   <a:prstGeom prst="rect">
@@ -14486,160 +14695,84 @@
                         <a:ea typeface="+mn-ea"/>
                         <a:cs typeface="+mn-cs"/>
                       </a:rPr>
-                      <a:t>development</a:t>
+                      <a:t>test</a:t>
                     </a:r>
                   </a:p>
                 </p:txBody>
               </p:sp>
             </p:grpSp>
-            <p:cxnSp>
-              <p:nvCxnSpPr>
-                <p:cNvPr id="33" name="Straight Connector 32">
+            <p:sp>
+              <p:nvSpPr>
+                <p:cNvPr id="111" name="TextBox 110">
                   <a:extLst>
                     <a:ext uri="{FF2B5EF4-FFF2-40B4-BE49-F238E27FC236}">
-                      <a16:creationId xmlns:a16="http://schemas.microsoft.com/office/drawing/2014/main" id="{44A222D9-3361-4F50-9008-80E517E62892}"/>
+                      <a16:creationId xmlns:a16="http://schemas.microsoft.com/office/drawing/2014/main" id="{8F73BE20-6EF7-4984-A8D0-F3336C80A583}"/>
                     </a:ext>
                   </a:extLst>
                 </p:cNvPr>
-                <p:cNvCxnSpPr>
-                  <a:cxnSpLocks/>
-                </p:cNvCxnSpPr>
+                <p:cNvSpPr txBox="1"/>
                 <p:nvPr/>
-              </p:nvCxnSpPr>
+              </p:nvSpPr>
               <p:spPr>
                 <a:xfrm>
-                  <a:off x="1512075" y="5180784"/>
-                  <a:ext cx="161216" cy="214"/>
+                  <a:off x="1541929" y="4909489"/>
+                  <a:ext cx="1591109" cy="517065"/>
                 </a:xfrm>
-                <a:prstGeom prst="line">
+                <a:prstGeom prst="rect">
                   <a:avLst/>
                 </a:prstGeom>
-                <a:ln>
-                  <a:solidFill>
-                    <a:schemeClr val="bg1">
-                      <a:lumMod val="50000"/>
-                    </a:schemeClr>
-                  </a:solidFill>
-                  <a:headEnd type="none"/>
-                  <a:tailEnd type="none"/>
-                </a:ln>
+                <a:noFill/>
               </p:spPr>
-              <p:style>
-                <a:lnRef idx="1">
-                  <a:schemeClr val="accent1"/>
-                </a:lnRef>
-                <a:fillRef idx="0">
-                  <a:schemeClr val="accent1"/>
-                </a:fillRef>
-                <a:effectRef idx="0">
-                  <a:schemeClr val="accent1"/>
-                </a:effectRef>
-                <a:fontRef idx="minor">
-                  <a:schemeClr val="tx1"/>
-                </a:fontRef>
-              </p:style>
-            </p:cxnSp>
-            <p:cxnSp>
-              <p:nvCxnSpPr>
-                <p:cNvPr id="35" name="Straight Connector 34">
-                  <a:extLst>
-                    <a:ext uri="{FF2B5EF4-FFF2-40B4-BE49-F238E27FC236}">
-                      <a16:creationId xmlns:a16="http://schemas.microsoft.com/office/drawing/2014/main" id="{C8E346AC-B8A7-402F-8F08-57E5685F01D3}"/>
-                    </a:ext>
-                  </a:extLst>
-                </p:cNvPr>
-                <p:cNvCxnSpPr>
-                  <a:cxnSpLocks/>
-                </p:cNvCxnSpPr>
-                <p:nvPr/>
-              </p:nvCxnSpPr>
-              <p:spPr>
-                <a:xfrm>
-                  <a:off x="1512075" y="5414082"/>
-                  <a:ext cx="161216" cy="214"/>
-                </a:xfrm>
-                <a:prstGeom prst="line">
-                  <a:avLst/>
-                </a:prstGeom>
-                <a:ln>
-                  <a:solidFill>
-                    <a:schemeClr val="bg1">
-                      <a:lumMod val="50000"/>
-                    </a:schemeClr>
-                  </a:solidFill>
-                  <a:headEnd type="none"/>
-                  <a:tailEnd type="none"/>
-                </a:ln>
-              </p:spPr>
-              <p:style>
-                <a:lnRef idx="1">
-                  <a:schemeClr val="accent1"/>
-                </a:lnRef>
-                <a:fillRef idx="0">
-                  <a:schemeClr val="accent1"/>
-                </a:fillRef>
-                <a:effectRef idx="0">
-                  <a:schemeClr val="accent1"/>
-                </a:effectRef>
-                <a:fontRef idx="minor">
-                  <a:schemeClr val="tx1"/>
-                </a:fontRef>
-              </p:style>
-            </p:cxnSp>
-            <p:cxnSp>
-              <p:nvCxnSpPr>
-                <p:cNvPr id="36" name="Straight Connector 35">
-                  <a:extLst>
-                    <a:ext uri="{FF2B5EF4-FFF2-40B4-BE49-F238E27FC236}">
-                      <a16:creationId xmlns:a16="http://schemas.microsoft.com/office/drawing/2014/main" id="{9539FA49-B62F-47F8-BAB9-AE4DA6B56DE2}"/>
-                    </a:ext>
-                  </a:extLst>
-                </p:cNvPr>
-                <p:cNvCxnSpPr>
-                  <a:cxnSpLocks/>
-                </p:cNvCxnSpPr>
-                <p:nvPr/>
-              </p:nvCxnSpPr>
-              <p:spPr>
-                <a:xfrm>
-                  <a:off x="1520657" y="5650825"/>
-                  <a:ext cx="161216" cy="214"/>
-                </a:xfrm>
-                <a:prstGeom prst="line">
-                  <a:avLst/>
-                </a:prstGeom>
-                <a:ln>
-                  <a:solidFill>
-                    <a:schemeClr val="bg1">
-                      <a:lumMod val="50000"/>
-                    </a:schemeClr>
-                  </a:solidFill>
-                  <a:headEnd type="none"/>
-                  <a:tailEnd type="none"/>
-                </a:ln>
-              </p:spPr>
-              <p:style>
-                <a:lnRef idx="1">
-                  <a:schemeClr val="accent1"/>
-                </a:lnRef>
-                <a:fillRef idx="0">
-                  <a:schemeClr val="accent1"/>
-                </a:fillRef>
-                <a:effectRef idx="0">
-                  <a:schemeClr val="accent1"/>
-                </a:effectRef>
-                <a:fontRef idx="minor">
-                  <a:schemeClr val="tx1"/>
-                </a:fontRef>
-              </p:style>
-            </p:cxnSp>
+              <p:txBody>
+                <a:bodyPr wrap="square" lIns="182880" tIns="146304" rIns="182880" bIns="146304" rtlCol="0">
+                  <a:spAutoFit/>
+                </a:bodyPr>
+                <a:lstStyle/>
+                <a:p>
+                  <a:pPr marL="0" marR="0" lvl="0" indent="0" algn="l" defTabSz="914400" rtl="0" eaLnBrk="1" fontAlgn="auto" latinLnBrk="0" hangingPunct="1">
+                    <a:lnSpc>
+                      <a:spcPct val="90000"/>
+                    </a:lnSpc>
+                    <a:spcBef>
+                      <a:spcPts val="0"/>
+                    </a:spcBef>
+                    <a:spcAft>
+                      <a:spcPts val="600"/>
+                    </a:spcAft>
+                    <a:buClrTx/>
+                    <a:buSzTx/>
+                    <a:buFontTx/>
+                    <a:buNone/>
+                    <a:tabLst/>
+                    <a:defRPr/>
+                  </a:pPr>
+                  <a:r>
+                    <a:rPr kumimoji="0" lang="en-US" sz="1600" b="1" i="0" u="sng" strike="noStrike" kern="1200" cap="none" spc="0" normalizeH="0" baseline="0" noProof="0" dirty="0">
+                      <a:ln>
+                        <a:noFill/>
+                      </a:ln>
+                      <a:solidFill>
+                        <a:srgbClr val="353535"/>
+                      </a:solidFill>
+                      <a:effectLst/>
+                      <a:uLnTx/>
+                      <a:uFillTx/>
+                      <a:latin typeface="Segoe UI Semilight"/>
+                      <a:ea typeface="+mn-ea"/>
+                      <a:cs typeface="+mn-cs"/>
+                    </a:rPr>
+                    <a:t>development</a:t>
+                  </a:r>
+                </a:p>
+              </p:txBody>
+            </p:sp>
           </p:grpSp>
           <p:cxnSp>
             <p:nvCxnSpPr>
-              <p:cNvPr id="51" name="Straight Arrow Connector 50">
+              <p:cNvPr id="107" name="Straight Connector 106">
                 <a:extLst>
                   <a:ext uri="{FF2B5EF4-FFF2-40B4-BE49-F238E27FC236}">
-                    <a16:creationId xmlns:a16="http://schemas.microsoft.com/office/drawing/2014/main" id="{77CD2061-C432-4FE7-BAD8-D73D69FC6E9B}"/>
+                    <a16:creationId xmlns:a16="http://schemas.microsoft.com/office/drawing/2014/main" id="{03A6151B-3DDA-4370-952E-E2EBB799EA41}"/>
                   </a:ext>
                 </a:extLst>
               </p:cNvPr>
@@ -14650,10 +14783,10 @@
             </p:nvCxnSpPr>
             <p:spPr>
               <a:xfrm>
-                <a:off x="3067065" y="4724974"/>
-                <a:ext cx="948891" cy="0"/>
+                <a:off x="1512075" y="5180784"/>
+                <a:ext cx="161216" cy="214"/>
               </a:xfrm>
-              <a:prstGeom prst="straightConnector1">
+              <a:prstGeom prst="line">
                 <a:avLst/>
               </a:prstGeom>
               <a:ln>
@@ -14663,7 +14796,7 @@
                   </a:schemeClr>
                 </a:solidFill>
                 <a:headEnd type="none"/>
-                <a:tailEnd type="triangle"/>
+                <a:tailEnd type="none"/>
               </a:ln>
             </p:spPr>
             <p:style>
@@ -14683,10 +14816,10 @@
           </p:cxnSp>
           <p:cxnSp>
             <p:nvCxnSpPr>
-              <p:cNvPr id="55" name="Straight Arrow Connector 54">
+              <p:cNvPr id="108" name="Straight Connector 107">
                 <a:extLst>
                   <a:ext uri="{FF2B5EF4-FFF2-40B4-BE49-F238E27FC236}">
-                    <a16:creationId xmlns:a16="http://schemas.microsoft.com/office/drawing/2014/main" id="{B75395E3-E527-4B6F-B920-9C2E2A3133FF}"/>
+                    <a16:creationId xmlns:a16="http://schemas.microsoft.com/office/drawing/2014/main" id="{044AAA1B-AD14-4867-A8CF-2BBBF0E16A30}"/>
                   </a:ext>
                 </a:extLst>
               </p:cNvPr>
@@ -14697,10 +14830,10 @@
             </p:nvCxnSpPr>
             <p:spPr>
               <a:xfrm>
-                <a:off x="6222984" y="4615873"/>
-                <a:ext cx="948891" cy="0"/>
+                <a:off x="1512075" y="5414082"/>
+                <a:ext cx="161216" cy="214"/>
               </a:xfrm>
-              <a:prstGeom prst="straightConnector1">
+              <a:prstGeom prst="line">
                 <a:avLst/>
               </a:prstGeom>
               <a:ln>
@@ -14710,7 +14843,7 @@
                   </a:schemeClr>
                 </a:solidFill>
                 <a:headEnd type="none"/>
-                <a:tailEnd type="triangle"/>
+                <a:tailEnd type="none"/>
               </a:ln>
             </p:spPr>
             <p:style>
@@ -14730,57 +14863,10 @@
           </p:cxnSp>
           <p:cxnSp>
             <p:nvCxnSpPr>
-              <p:cNvPr id="56" name="Straight Arrow Connector 55">
+              <p:cNvPr id="109" name="Straight Connector 108">
                 <a:extLst>
                   <a:ext uri="{FF2B5EF4-FFF2-40B4-BE49-F238E27FC236}">
-                    <a16:creationId xmlns:a16="http://schemas.microsoft.com/office/drawing/2014/main" id="{1212FB9E-3633-4C68-BC3B-C30A1BA53799}"/>
-                  </a:ext>
-                </a:extLst>
-              </p:cNvPr>
-              <p:cNvCxnSpPr>
-                <a:cxnSpLocks/>
-              </p:cNvCxnSpPr>
-              <p:nvPr/>
-            </p:nvCxnSpPr>
-            <p:spPr>
-              <a:xfrm flipV="1">
-                <a:off x="8809567" y="3966402"/>
-                <a:ext cx="1007533" cy="296825"/>
-              </a:xfrm>
-              <a:prstGeom prst="straightConnector1">
-                <a:avLst/>
-              </a:prstGeom>
-              <a:ln>
-                <a:solidFill>
-                  <a:schemeClr val="bg1">
-                    <a:lumMod val="50000"/>
-                  </a:schemeClr>
-                </a:solidFill>
-                <a:headEnd type="none"/>
-                <a:tailEnd type="triangle"/>
-              </a:ln>
-            </p:spPr>
-            <p:style>
-              <a:lnRef idx="1">
-                <a:schemeClr val="accent1"/>
-              </a:lnRef>
-              <a:fillRef idx="0">
-                <a:schemeClr val="accent1"/>
-              </a:fillRef>
-              <a:effectRef idx="0">
-                <a:schemeClr val="accent1"/>
-              </a:effectRef>
-              <a:fontRef idx="minor">
-                <a:schemeClr val="tx1"/>
-              </a:fontRef>
-            </p:style>
-          </p:cxnSp>
-          <p:cxnSp>
-            <p:nvCxnSpPr>
-              <p:cNvPr id="57" name="Straight Arrow Connector 56">
-                <a:extLst>
-                  <a:ext uri="{FF2B5EF4-FFF2-40B4-BE49-F238E27FC236}">
-                    <a16:creationId xmlns:a16="http://schemas.microsoft.com/office/drawing/2014/main" id="{0664FB98-8381-4BA7-8425-5FBDE7C3D48F}"/>
+                    <a16:creationId xmlns:a16="http://schemas.microsoft.com/office/drawing/2014/main" id="{F2B60998-ABF0-4D2E-9A91-B09391BBE423}"/>
                   </a:ext>
                 </a:extLst>
               </p:cNvPr>
@@ -14791,10 +14877,10 @@
             </p:nvCxnSpPr>
             <p:spPr>
               <a:xfrm>
-                <a:off x="8809566" y="4590337"/>
-                <a:ext cx="1007534" cy="426163"/>
+                <a:off x="1520657" y="5650825"/>
+                <a:ext cx="161216" cy="214"/>
               </a:xfrm>
-              <a:prstGeom prst="straightConnector1">
+              <a:prstGeom prst="line">
                 <a:avLst/>
               </a:prstGeom>
               <a:ln>
@@ -14804,101 +14890,7 @@
                   </a:schemeClr>
                 </a:solidFill>
                 <a:headEnd type="none"/>
-                <a:tailEnd type="triangle"/>
-              </a:ln>
-            </p:spPr>
-            <p:style>
-              <a:lnRef idx="1">
-                <a:schemeClr val="accent1"/>
-              </a:lnRef>
-              <a:fillRef idx="0">
-                <a:schemeClr val="accent1"/>
-              </a:fillRef>
-              <a:effectRef idx="0">
-                <a:schemeClr val="accent1"/>
-              </a:effectRef>
-              <a:fontRef idx="minor">
-                <a:schemeClr val="tx1"/>
-              </a:fontRef>
-            </p:style>
-          </p:cxnSp>
-          <p:cxnSp>
-            <p:nvCxnSpPr>
-              <p:cNvPr id="60" name="Straight Arrow Connector 59">
-                <a:extLst>
-                  <a:ext uri="{FF2B5EF4-FFF2-40B4-BE49-F238E27FC236}">
-                    <a16:creationId xmlns:a16="http://schemas.microsoft.com/office/drawing/2014/main" id="{C049AD7A-F2F9-4389-9F66-F527BB91EBC1}"/>
-                  </a:ext>
-                </a:extLst>
-              </p:cNvPr>
-              <p:cNvCxnSpPr>
-                <a:cxnSpLocks/>
-              </p:cNvCxnSpPr>
-              <p:nvPr/>
-            </p:nvCxnSpPr>
-            <p:spPr>
-              <a:xfrm>
-                <a:off x="3061625" y="4958272"/>
-                <a:ext cx="948891" cy="0"/>
-              </a:xfrm>
-              <a:prstGeom prst="straightConnector1">
-                <a:avLst/>
-              </a:prstGeom>
-              <a:ln>
-                <a:solidFill>
-                  <a:schemeClr val="bg1">
-                    <a:lumMod val="50000"/>
-                  </a:schemeClr>
-                </a:solidFill>
-                <a:headEnd type="none"/>
-                <a:tailEnd type="triangle"/>
-              </a:ln>
-            </p:spPr>
-            <p:style>
-              <a:lnRef idx="1">
-                <a:schemeClr val="accent1"/>
-              </a:lnRef>
-              <a:fillRef idx="0">
-                <a:schemeClr val="accent1"/>
-              </a:fillRef>
-              <a:effectRef idx="0">
-                <a:schemeClr val="accent1"/>
-              </a:effectRef>
-              <a:fontRef idx="minor">
-                <a:schemeClr val="tx1"/>
-              </a:fontRef>
-            </p:style>
-          </p:cxnSp>
-          <p:cxnSp>
-            <p:nvCxnSpPr>
-              <p:cNvPr id="61" name="Straight Arrow Connector 60">
-                <a:extLst>
-                  <a:ext uri="{FF2B5EF4-FFF2-40B4-BE49-F238E27FC236}">
-                    <a16:creationId xmlns:a16="http://schemas.microsoft.com/office/drawing/2014/main" id="{385C4E28-8977-4B1F-AA9D-64A196A2E1C2}"/>
-                  </a:ext>
-                </a:extLst>
-              </p:cNvPr>
-              <p:cNvCxnSpPr>
-                <a:cxnSpLocks/>
-              </p:cNvCxnSpPr>
-              <p:nvPr/>
-            </p:nvCxnSpPr>
-            <p:spPr>
-              <a:xfrm>
-                <a:off x="3067453" y="5195015"/>
-                <a:ext cx="948891" cy="0"/>
-              </a:xfrm>
-              <a:prstGeom prst="straightConnector1">
-                <a:avLst/>
-              </a:prstGeom>
-              <a:ln>
-                <a:solidFill>
-                  <a:schemeClr val="bg1">
-                    <a:lumMod val="50000"/>
-                  </a:schemeClr>
-                </a:solidFill>
-                <a:headEnd type="none"/>
-                <a:tailEnd type="triangle"/>
+                <a:tailEnd type="none"/>
               </a:ln>
             </p:spPr>
             <p:style>
@@ -14917,43 +14909,333 @@
             </p:style>
           </p:cxnSp>
         </p:grpSp>
-        <p:pic>
-          <p:nvPicPr>
-            <p:cNvPr id="38" name="Picture 37">
+        <p:cxnSp>
+          <p:nvCxnSpPr>
+            <p:cNvPr id="100" name="Straight Arrow Connector 99">
               <a:extLst>
                 <a:ext uri="{FF2B5EF4-FFF2-40B4-BE49-F238E27FC236}">
-                  <a16:creationId xmlns:a16="http://schemas.microsoft.com/office/drawing/2014/main" id="{C6DA6E5A-6E33-C541-BA30-EE98EB86F5A4}"/>
+                  <a16:creationId xmlns:a16="http://schemas.microsoft.com/office/drawing/2014/main" id="{E6DC6C65-1F8B-4D58-9B25-0FDD5F78B001}"/>
                 </a:ext>
               </a:extLst>
             </p:cNvPr>
-            <p:cNvPicPr>
-              <a:picLocks noChangeAspect="1"/>
-            </p:cNvPicPr>
+            <p:cNvCxnSpPr>
+              <a:cxnSpLocks/>
+            </p:cNvCxnSpPr>
             <p:nvPr/>
-          </p:nvPicPr>
-          <p:blipFill>
-            <a:blip r:embed="rId7"/>
-            <a:stretch>
-              <a:fillRect/>
-            </a:stretch>
-          </p:blipFill>
+          </p:nvCxnSpPr>
           <p:spPr>
             <a:xfrm>
-              <a:off x="1247806" y="3702759"/>
-              <a:ext cx="615218" cy="615218"/>
+              <a:off x="3067065" y="4724974"/>
+              <a:ext cx="948891" cy="0"/>
             </a:xfrm>
-            <a:prstGeom prst="rect">
+            <a:prstGeom prst="straightConnector1">
               <a:avLst/>
             </a:prstGeom>
+            <a:ln>
+              <a:solidFill>
+                <a:schemeClr val="bg1">
+                  <a:lumMod val="50000"/>
+                </a:schemeClr>
+              </a:solidFill>
+              <a:headEnd type="none"/>
+              <a:tailEnd type="triangle"/>
+            </a:ln>
           </p:spPr>
-        </p:pic>
+          <p:style>
+            <a:lnRef idx="1">
+              <a:schemeClr val="accent1"/>
+            </a:lnRef>
+            <a:fillRef idx="0">
+              <a:schemeClr val="accent1"/>
+            </a:fillRef>
+            <a:effectRef idx="0">
+              <a:schemeClr val="accent1"/>
+            </a:effectRef>
+            <a:fontRef idx="minor">
+              <a:schemeClr val="tx1"/>
+            </a:fontRef>
+          </p:style>
+        </p:cxnSp>
+        <p:cxnSp>
+          <p:nvCxnSpPr>
+            <p:cNvPr id="101" name="Straight Arrow Connector 100">
+              <a:extLst>
+                <a:ext uri="{FF2B5EF4-FFF2-40B4-BE49-F238E27FC236}">
+                  <a16:creationId xmlns:a16="http://schemas.microsoft.com/office/drawing/2014/main" id="{3EBC4747-DCBF-46A8-AEB0-9F032337A7AB}"/>
+                </a:ext>
+              </a:extLst>
+            </p:cNvPr>
+            <p:cNvCxnSpPr>
+              <a:cxnSpLocks/>
+            </p:cNvCxnSpPr>
+            <p:nvPr/>
+          </p:nvCxnSpPr>
+          <p:spPr>
+            <a:xfrm>
+              <a:off x="6222984" y="4615873"/>
+              <a:ext cx="948891" cy="0"/>
+            </a:xfrm>
+            <a:prstGeom prst="straightConnector1">
+              <a:avLst/>
+            </a:prstGeom>
+            <a:ln>
+              <a:solidFill>
+                <a:schemeClr val="bg1">
+                  <a:lumMod val="50000"/>
+                </a:schemeClr>
+              </a:solidFill>
+              <a:headEnd type="none"/>
+              <a:tailEnd type="triangle"/>
+            </a:ln>
+          </p:spPr>
+          <p:style>
+            <a:lnRef idx="1">
+              <a:schemeClr val="accent1"/>
+            </a:lnRef>
+            <a:fillRef idx="0">
+              <a:schemeClr val="accent1"/>
+            </a:fillRef>
+            <a:effectRef idx="0">
+              <a:schemeClr val="accent1"/>
+            </a:effectRef>
+            <a:fontRef idx="minor">
+              <a:schemeClr val="tx1"/>
+            </a:fontRef>
+          </p:style>
+        </p:cxnSp>
+        <p:cxnSp>
+          <p:nvCxnSpPr>
+            <p:cNvPr id="102" name="Straight Arrow Connector 101">
+              <a:extLst>
+                <a:ext uri="{FF2B5EF4-FFF2-40B4-BE49-F238E27FC236}">
+                  <a16:creationId xmlns:a16="http://schemas.microsoft.com/office/drawing/2014/main" id="{9B4CF899-CFAD-4F4D-AEA0-DF8C73818272}"/>
+                </a:ext>
+              </a:extLst>
+            </p:cNvPr>
+            <p:cNvCxnSpPr>
+              <a:cxnSpLocks/>
+            </p:cNvCxnSpPr>
+            <p:nvPr/>
+          </p:nvCxnSpPr>
+          <p:spPr>
+            <a:xfrm flipV="1">
+              <a:off x="8809567" y="3966402"/>
+              <a:ext cx="1007533" cy="296825"/>
+            </a:xfrm>
+            <a:prstGeom prst="straightConnector1">
+              <a:avLst/>
+            </a:prstGeom>
+            <a:ln>
+              <a:solidFill>
+                <a:schemeClr val="bg1">
+                  <a:lumMod val="50000"/>
+                </a:schemeClr>
+              </a:solidFill>
+              <a:headEnd type="none"/>
+              <a:tailEnd type="triangle"/>
+            </a:ln>
+          </p:spPr>
+          <p:style>
+            <a:lnRef idx="1">
+              <a:schemeClr val="accent1"/>
+            </a:lnRef>
+            <a:fillRef idx="0">
+              <a:schemeClr val="accent1"/>
+            </a:fillRef>
+            <a:effectRef idx="0">
+              <a:schemeClr val="accent1"/>
+            </a:effectRef>
+            <a:fontRef idx="minor">
+              <a:schemeClr val="tx1"/>
+            </a:fontRef>
+          </p:style>
+        </p:cxnSp>
+        <p:cxnSp>
+          <p:nvCxnSpPr>
+            <p:cNvPr id="103" name="Straight Arrow Connector 102">
+              <a:extLst>
+                <a:ext uri="{FF2B5EF4-FFF2-40B4-BE49-F238E27FC236}">
+                  <a16:creationId xmlns:a16="http://schemas.microsoft.com/office/drawing/2014/main" id="{810532BD-D360-4AB5-B387-113D3671C973}"/>
+                </a:ext>
+              </a:extLst>
+            </p:cNvPr>
+            <p:cNvCxnSpPr>
+              <a:cxnSpLocks/>
+            </p:cNvCxnSpPr>
+            <p:nvPr/>
+          </p:nvCxnSpPr>
+          <p:spPr>
+            <a:xfrm>
+              <a:off x="8809566" y="4590337"/>
+              <a:ext cx="1007534" cy="426163"/>
+            </a:xfrm>
+            <a:prstGeom prst="straightConnector1">
+              <a:avLst/>
+            </a:prstGeom>
+            <a:ln>
+              <a:solidFill>
+                <a:schemeClr val="bg1">
+                  <a:lumMod val="50000"/>
+                </a:schemeClr>
+              </a:solidFill>
+              <a:headEnd type="none"/>
+              <a:tailEnd type="triangle"/>
+            </a:ln>
+          </p:spPr>
+          <p:style>
+            <a:lnRef idx="1">
+              <a:schemeClr val="accent1"/>
+            </a:lnRef>
+            <a:fillRef idx="0">
+              <a:schemeClr val="accent1"/>
+            </a:fillRef>
+            <a:effectRef idx="0">
+              <a:schemeClr val="accent1"/>
+            </a:effectRef>
+            <a:fontRef idx="minor">
+              <a:schemeClr val="tx1"/>
+            </a:fontRef>
+          </p:style>
+        </p:cxnSp>
+        <p:cxnSp>
+          <p:nvCxnSpPr>
+            <p:cNvPr id="104" name="Straight Arrow Connector 103">
+              <a:extLst>
+                <a:ext uri="{FF2B5EF4-FFF2-40B4-BE49-F238E27FC236}">
+                  <a16:creationId xmlns:a16="http://schemas.microsoft.com/office/drawing/2014/main" id="{AE4B98D8-17AC-49EA-B2B0-3557DFD945C6}"/>
+                </a:ext>
+              </a:extLst>
+            </p:cNvPr>
+            <p:cNvCxnSpPr>
+              <a:cxnSpLocks/>
+            </p:cNvCxnSpPr>
+            <p:nvPr/>
+          </p:nvCxnSpPr>
+          <p:spPr>
+            <a:xfrm>
+              <a:off x="3061625" y="4958272"/>
+              <a:ext cx="948891" cy="0"/>
+            </a:xfrm>
+            <a:prstGeom prst="straightConnector1">
+              <a:avLst/>
+            </a:prstGeom>
+            <a:ln>
+              <a:solidFill>
+                <a:schemeClr val="bg1">
+                  <a:lumMod val="50000"/>
+                </a:schemeClr>
+              </a:solidFill>
+              <a:headEnd type="none"/>
+              <a:tailEnd type="triangle"/>
+            </a:ln>
+          </p:spPr>
+          <p:style>
+            <a:lnRef idx="1">
+              <a:schemeClr val="accent1"/>
+            </a:lnRef>
+            <a:fillRef idx="0">
+              <a:schemeClr val="accent1"/>
+            </a:fillRef>
+            <a:effectRef idx="0">
+              <a:schemeClr val="accent1"/>
+            </a:effectRef>
+            <a:fontRef idx="minor">
+              <a:schemeClr val="tx1"/>
+            </a:fontRef>
+          </p:style>
+        </p:cxnSp>
+        <p:cxnSp>
+          <p:nvCxnSpPr>
+            <p:cNvPr id="105" name="Straight Arrow Connector 104">
+              <a:extLst>
+                <a:ext uri="{FF2B5EF4-FFF2-40B4-BE49-F238E27FC236}">
+                  <a16:creationId xmlns:a16="http://schemas.microsoft.com/office/drawing/2014/main" id="{641EA2A8-BBB6-4104-AABA-79E17A62ABD1}"/>
+                </a:ext>
+              </a:extLst>
+            </p:cNvPr>
+            <p:cNvCxnSpPr>
+              <a:cxnSpLocks/>
+            </p:cNvCxnSpPr>
+            <p:nvPr/>
+          </p:nvCxnSpPr>
+          <p:spPr>
+            <a:xfrm>
+              <a:off x="3067453" y="5195015"/>
+              <a:ext cx="948891" cy="0"/>
+            </a:xfrm>
+            <a:prstGeom prst="straightConnector1">
+              <a:avLst/>
+            </a:prstGeom>
+            <a:ln>
+              <a:solidFill>
+                <a:schemeClr val="bg1">
+                  <a:lumMod val="50000"/>
+                </a:schemeClr>
+              </a:solidFill>
+              <a:headEnd type="none"/>
+              <a:tailEnd type="triangle"/>
+            </a:ln>
+          </p:spPr>
+          <p:style>
+            <a:lnRef idx="1">
+              <a:schemeClr val="accent1"/>
+            </a:lnRef>
+            <a:fillRef idx="0">
+              <a:schemeClr val="accent1"/>
+            </a:fillRef>
+            <a:effectRef idx="0">
+              <a:schemeClr val="accent1"/>
+            </a:effectRef>
+            <a:fontRef idx="minor">
+              <a:schemeClr val="tx1"/>
+            </a:fontRef>
+          </p:style>
+        </p:cxnSp>
       </p:grpSp>
       <p:pic>
         <p:nvPicPr>
-          <p:cNvPr id="42" name="Graphic 41">
+          <p:cNvPr id="87" name="Picture 86" descr="A picture containing airplane, fence&#10;&#10;Description automatically generated">
             <a:extLst>
               <a:ext uri="{FF2B5EF4-FFF2-40B4-BE49-F238E27FC236}">
-                <a16:creationId xmlns:a16="http://schemas.microsoft.com/office/drawing/2014/main" id="{5AD105B8-7589-5445-9FBB-D4E80C14DC01}"/>
+                <a16:creationId xmlns:a16="http://schemas.microsoft.com/office/drawing/2014/main" id="{C247AAAD-6C30-42EC-AF73-7A346D058742}"/>
+              </a:ext>
+            </a:extLst>
+          </p:cNvPr>
+          <p:cNvPicPr>
+            <a:picLocks noChangeAspect="1"/>
+          </p:cNvPicPr>
+          <p:nvPr/>
+        </p:nvPicPr>
+        <p:blipFill rotWithShape="1">
+          <a:blip r:embed="rId6" cstate="print">
+            <a:extLst>
+              <a:ext uri="{28A0092B-C50C-407E-A947-70E740481C1C}">
+                <a14:useLocalDpi xmlns:a14="http://schemas.microsoft.com/office/drawing/2010/main" val="0"/>
+              </a:ext>
+            </a:extLst>
+          </a:blip>
+          <a:srcRect t="17195" r="18366"/>
+          <a:stretch/>
+        </p:blipFill>
+        <p:spPr>
+          <a:xfrm>
+            <a:off x="7076341" y="3966401"/>
+            <a:ext cx="1262013" cy="1000085"/>
+          </a:xfrm>
+          <a:prstGeom prst="rect">
+            <a:avLst/>
+          </a:prstGeom>
+          <a:solidFill>
+            <a:schemeClr val="tx1"/>
+          </a:solidFill>
+        </p:spPr>
+      </p:pic>
+      <p:pic>
+        <p:nvPicPr>
+          <p:cNvPr id="88" name="Graphic 87">
+            <a:extLst>
+              <a:ext uri="{FF2B5EF4-FFF2-40B4-BE49-F238E27FC236}">
+                <a16:creationId xmlns:a16="http://schemas.microsoft.com/office/drawing/2014/main" id="{547AF08E-2023-4ADF-8EA0-317640160B81}"/>
               </a:ext>
             </a:extLst>
           </p:cNvPr>
@@ -14963,13 +15245,13 @@
           <p:nvPr/>
         </p:nvPicPr>
         <p:blipFill>
-          <a:blip r:embed="rId8">
+          <a:blip r:embed="rId7">
             <a:extLst>
               <a:ext uri="{28A0092B-C50C-407E-A947-70E740481C1C}">
                 <a14:useLocalDpi xmlns:a14="http://schemas.microsoft.com/office/drawing/2010/main" val="0"/>
               </a:ext>
               <a:ext uri="{96DAC541-7B7A-43D3-8B79-37D633B846F1}">
-                <asvg:svgBlip xmlns:asvg="http://schemas.microsoft.com/office/drawing/2016/SVG/main" r:embed="rId9"/>
+                <asvg:svgBlip xmlns:asvg="http://schemas.microsoft.com/office/drawing/2016/SVG/main" r:embed="rId8"/>
               </a:ext>
             </a:extLst>
           </a:blip>
@@ -14979,8 +15261,68 @@
         </p:blipFill>
         <p:spPr>
           <a:xfrm>
-            <a:off x="10447936" y="4675452"/>
-            <a:ext cx="414427" cy="560036"/>
+            <a:off x="1234168" y="3675594"/>
+            <a:ext cx="662009" cy="662009"/>
+          </a:xfrm>
+          <a:prstGeom prst="rect">
+            <a:avLst/>
+          </a:prstGeom>
+        </p:spPr>
+      </p:pic>
+      <p:pic>
+        <p:nvPicPr>
+          <p:cNvPr id="89" name="Picture 88">
+            <a:extLst>
+              <a:ext uri="{FF2B5EF4-FFF2-40B4-BE49-F238E27FC236}">
+                <a16:creationId xmlns:a16="http://schemas.microsoft.com/office/drawing/2014/main" id="{0942245F-434E-4DA5-863C-3415A56AA9BC}"/>
+              </a:ext>
+            </a:extLst>
+          </p:cNvPr>
+          <p:cNvPicPr>
+            <a:picLocks noChangeAspect="1"/>
+          </p:cNvPicPr>
+          <p:nvPr/>
+        </p:nvPicPr>
+        <p:blipFill>
+          <a:blip r:embed="rId9"/>
+          <a:stretch>
+            <a:fillRect/>
+          </a:stretch>
+        </p:blipFill>
+        <p:spPr>
+          <a:xfrm>
+            <a:off x="10417681" y="2459667"/>
+            <a:ext cx="490204" cy="508000"/>
+          </a:xfrm>
+          <a:prstGeom prst="rect">
+            <a:avLst/>
+          </a:prstGeom>
+        </p:spPr>
+      </p:pic>
+      <p:pic>
+        <p:nvPicPr>
+          <p:cNvPr id="90" name="Picture 89">
+            <a:extLst>
+              <a:ext uri="{FF2B5EF4-FFF2-40B4-BE49-F238E27FC236}">
+                <a16:creationId xmlns:a16="http://schemas.microsoft.com/office/drawing/2014/main" id="{7C16F16D-5E8F-4492-BFF7-C7652A58631B}"/>
+              </a:ext>
+            </a:extLst>
+          </p:cNvPr>
+          <p:cNvPicPr>
+            <a:picLocks noChangeAspect="1"/>
+          </p:cNvPicPr>
+          <p:nvPr/>
+        </p:nvPicPr>
+        <p:blipFill>
+          <a:blip r:embed="rId10"/>
+          <a:stretch>
+            <a:fillRect/>
+          </a:stretch>
+        </p:blipFill>
+        <p:spPr>
+          <a:xfrm>
+            <a:off x="10422330" y="4691187"/>
+            <a:ext cx="482855" cy="616327"/>
           </a:xfrm>
           <a:prstGeom prst="rect">
             <a:avLst/>
@@ -15057,10 +15399,10 @@
       </p:sp>
       <p:grpSp>
         <p:nvGrpSpPr>
-          <p:cNvPr id="7" name="Group 6">
+          <p:cNvPr id="5" name="Group 4">
             <a:extLst>
               <a:ext uri="{FF2B5EF4-FFF2-40B4-BE49-F238E27FC236}">
-                <a16:creationId xmlns:a16="http://schemas.microsoft.com/office/drawing/2014/main" id="{96991C71-90DB-224B-B63B-67B1994FD601}"/>
+                <a16:creationId xmlns:a16="http://schemas.microsoft.com/office/drawing/2014/main" id="{AE142C5A-1234-4438-97D3-FF6C6D59B0A9}"/>
               </a:ext>
             </a:extLst>
           </p:cNvPr>
@@ -15077,10 +15419,10 @@
         </p:grpSpPr>
         <p:grpSp>
           <p:nvGrpSpPr>
-            <p:cNvPr id="3" name="Alt text group" descr="This diagram moves from left to right with arrows between icons that point in a straight line until the lines fork off to three icons in the Azure group at the far right.&#10;&#10;The Edit code (Visual Studio) icon points to an icon labeled Commit and push local branch to VSTS. This points to four icons that are collectively labeled Visual Studio Team Services. From left to right, they are Create a Pull Request for peer review, Merge to master, Continuous Integration (Build (+tests)), and Continuous Deployment (Release Management). &#10;&#10;The Continuous Deployment icon points at three groups of icons that are collectively labeled Azure and Application Insights. The three groups are development, test, and production, and each group includes App Service icons and Azure SQL icons." title="Preferred solution diagram">
+            <p:cNvPr id="123" name="Alt text group" descr="This diagram moves from left to right with arrows between icons that point in a straight line until the lines fork off to three icons in the Azure group at the far right.&#10;&#10;The Edit code (Visual Studio) icon points to an icon labeled Commit and push local branch to VSTS. This points to four icons that are collectively labeled Visual Studio Team Services. From left to right, they are Create a Pull Request for peer review, Merge to master, Continuous Integration (Build (+tests)), and Continuous Deployment (Release Management). &#10;&#10;The Continuous Deployment icon points at three groups of icons that are collectively labeled Azure and Application Insights. The three groups are development, test, and production, and each group includes App Service icons and Azure SQL icons." title="Preferred solution diagram">
               <a:extLst>
                 <a:ext uri="{FF2B5EF4-FFF2-40B4-BE49-F238E27FC236}">
-                  <a16:creationId xmlns:a16="http://schemas.microsoft.com/office/drawing/2014/main" id="{27F73796-7B26-4213-AA0C-FBB8216B6598}"/>
+                  <a16:creationId xmlns:a16="http://schemas.microsoft.com/office/drawing/2014/main" id="{BF1F0ADB-F350-4D6B-83BD-D2BF0E6B46CF}"/>
                 </a:ext>
               </a:extLst>
             </p:cNvPr>
@@ -15097,10 +15439,10 @@
           </p:grpSpPr>
           <p:sp>
             <p:nvSpPr>
-              <p:cNvPr id="4" name="Rectangle 3">
+              <p:cNvPr id="141" name="Rectangle 140">
                 <a:extLst>
                   <a:ext uri="{FF2B5EF4-FFF2-40B4-BE49-F238E27FC236}">
-                    <a16:creationId xmlns:a16="http://schemas.microsoft.com/office/drawing/2014/main" id="{4B7FA1B5-482B-4AA2-AFEB-A5548A018FBC}"/>
+                    <a16:creationId xmlns:a16="http://schemas.microsoft.com/office/drawing/2014/main" id="{1445D8F5-8346-4A71-B30A-115C6F66A892}"/>
                   </a:ext>
                 </a:extLst>
               </p:cNvPr>
@@ -15180,10 +15522,10 @@
           </p:sp>
           <p:sp>
             <p:nvSpPr>
-              <p:cNvPr id="6" name="Rectangle 5">
+              <p:cNvPr id="142" name="Rectangle 141">
                 <a:extLst>
                   <a:ext uri="{FF2B5EF4-FFF2-40B4-BE49-F238E27FC236}">
-                    <a16:creationId xmlns:a16="http://schemas.microsoft.com/office/drawing/2014/main" id="{F9730417-F1C8-4E98-B9E9-E307CF41CD77}"/>
+                    <a16:creationId xmlns:a16="http://schemas.microsoft.com/office/drawing/2014/main" id="{74756C44-5FB3-4027-A920-9834E90B24D9}"/>
                   </a:ext>
                 </a:extLst>
               </p:cNvPr>
@@ -15266,10 +15608,10 @@
           </p:sp>
           <p:sp>
             <p:nvSpPr>
-              <p:cNvPr id="26" name="TextBox 25">
+              <p:cNvPr id="143" name="TextBox 142">
                 <a:extLst>
                   <a:ext uri="{FF2B5EF4-FFF2-40B4-BE49-F238E27FC236}">
-                    <a16:creationId xmlns:a16="http://schemas.microsoft.com/office/drawing/2014/main" id="{725567A8-F563-4F2B-9AD7-225D0B2329A4}"/>
+                    <a16:creationId xmlns:a16="http://schemas.microsoft.com/office/drawing/2014/main" id="{25DA7BCB-5772-46BA-BF3E-76A4A44EB7F0}"/>
                   </a:ext>
                 </a:extLst>
               </p:cNvPr>
@@ -15315,10 +15657,10 @@
           </p:sp>
           <p:sp>
             <p:nvSpPr>
-              <p:cNvPr id="10" name="TextBox 9">
+              <p:cNvPr id="144" name="TextBox 143">
                 <a:extLst>
                   <a:ext uri="{FF2B5EF4-FFF2-40B4-BE49-F238E27FC236}">
-                    <a16:creationId xmlns:a16="http://schemas.microsoft.com/office/drawing/2014/main" id="{07685012-BA67-4977-9F35-0BE1B447315C}"/>
+                    <a16:creationId xmlns:a16="http://schemas.microsoft.com/office/drawing/2014/main" id="{D4DC4E52-D1D7-4361-8D65-4ADEAB7A3655}"/>
                   </a:ext>
                 </a:extLst>
               </p:cNvPr>
@@ -15364,10 +15706,10 @@
           </p:sp>
           <p:pic>
             <p:nvPicPr>
-              <p:cNvPr id="11" name="Picture 10">
+              <p:cNvPr id="145" name="Picture 144">
                 <a:extLst>
                   <a:ext uri="{FF2B5EF4-FFF2-40B4-BE49-F238E27FC236}">
-                    <a16:creationId xmlns:a16="http://schemas.microsoft.com/office/drawing/2014/main" id="{98B8BAFB-0995-400A-9405-49B401FFEBA8}"/>
+                    <a16:creationId xmlns:a16="http://schemas.microsoft.com/office/drawing/2014/main" id="{8049AA57-893B-42A4-958F-1D13EB800152}"/>
                   </a:ext>
                 </a:extLst>
               </p:cNvPr>
@@ -15400,10 +15742,10 @@
           </p:pic>
           <p:pic>
             <p:nvPicPr>
-              <p:cNvPr id="23" name="Picture 22">
+              <p:cNvPr id="146" name="Picture 145">
                 <a:extLst>
                   <a:ext uri="{FF2B5EF4-FFF2-40B4-BE49-F238E27FC236}">
-                    <a16:creationId xmlns:a16="http://schemas.microsoft.com/office/drawing/2014/main" id="{E561831D-28E6-49CD-AFC3-7355DDBEC484}"/>
+                    <a16:creationId xmlns:a16="http://schemas.microsoft.com/office/drawing/2014/main" id="{230C2B0C-B068-432B-AB90-9900A35BBDD3}"/>
                   </a:ext>
                 </a:extLst>
               </p:cNvPr>
@@ -15436,10 +15778,10 @@
           </p:pic>
           <p:sp>
             <p:nvSpPr>
-              <p:cNvPr id="24" name="TextBox 23">
+              <p:cNvPr id="147" name="TextBox 146">
                 <a:extLst>
                   <a:ext uri="{FF2B5EF4-FFF2-40B4-BE49-F238E27FC236}">
-                    <a16:creationId xmlns:a16="http://schemas.microsoft.com/office/drawing/2014/main" id="{AD765E71-002C-4E8D-99D6-D2E6B0639F01}"/>
+                    <a16:creationId xmlns:a16="http://schemas.microsoft.com/office/drawing/2014/main" id="{AF38E2B6-F2B5-41BC-8803-C0A44D27870F}"/>
                   </a:ext>
                 </a:extLst>
               </p:cNvPr>
@@ -15485,10 +15827,10 @@
           </p:sp>
           <p:sp>
             <p:nvSpPr>
-              <p:cNvPr id="14" name="Rectangle 13">
+              <p:cNvPr id="148" name="Rectangle 147">
                 <a:extLst>
                   <a:ext uri="{FF2B5EF4-FFF2-40B4-BE49-F238E27FC236}">
-                    <a16:creationId xmlns:a16="http://schemas.microsoft.com/office/drawing/2014/main" id="{9A5C76BA-E1B4-48EC-9AC0-7397AA9E27D6}"/>
+                    <a16:creationId xmlns:a16="http://schemas.microsoft.com/office/drawing/2014/main" id="{07D7A44F-494A-433C-843F-8ABD926A180D}"/>
                   </a:ext>
                 </a:extLst>
               </p:cNvPr>
@@ -15571,10 +15913,10 @@
           </p:sp>
           <p:sp>
             <p:nvSpPr>
-              <p:cNvPr id="15" name="Rectangle 14">
+              <p:cNvPr id="149" name="Rectangle 148">
                 <a:extLst>
                   <a:ext uri="{FF2B5EF4-FFF2-40B4-BE49-F238E27FC236}">
-                    <a16:creationId xmlns:a16="http://schemas.microsoft.com/office/drawing/2014/main" id="{FE49BECC-4E76-4951-A9E0-45FE83FBF47F}"/>
+                    <a16:creationId xmlns:a16="http://schemas.microsoft.com/office/drawing/2014/main" id="{38D4EFAB-C0B5-4BE5-9114-33D981B83925}"/>
                   </a:ext>
                 </a:extLst>
               </p:cNvPr>
@@ -15657,10 +15999,10 @@
           </p:sp>
           <p:sp>
             <p:nvSpPr>
-              <p:cNvPr id="16" name="TextBox 15">
+              <p:cNvPr id="150" name="TextBox 149">
                 <a:extLst>
                   <a:ext uri="{FF2B5EF4-FFF2-40B4-BE49-F238E27FC236}">
-                    <a16:creationId xmlns:a16="http://schemas.microsoft.com/office/drawing/2014/main" id="{476C3060-630D-4444-82F6-B2AC00B824B8}"/>
+                    <a16:creationId xmlns:a16="http://schemas.microsoft.com/office/drawing/2014/main" id="{93A7BF76-1659-4622-AF50-992A61D0F25D}"/>
                   </a:ext>
                 </a:extLst>
               </p:cNvPr>
@@ -15706,10 +16048,10 @@
           </p:sp>
           <p:sp>
             <p:nvSpPr>
-              <p:cNvPr id="17" name="TextBox 16">
+              <p:cNvPr id="151" name="TextBox 150">
                 <a:extLst>
                   <a:ext uri="{FF2B5EF4-FFF2-40B4-BE49-F238E27FC236}">
-                    <a16:creationId xmlns:a16="http://schemas.microsoft.com/office/drawing/2014/main" id="{F8F31F79-B846-4F92-8DAE-C22A5E8B59E0}"/>
+                    <a16:creationId xmlns:a16="http://schemas.microsoft.com/office/drawing/2014/main" id="{E00CC1C3-F918-4C4A-9BC3-B0983C971DF5}"/>
                   </a:ext>
                 </a:extLst>
               </p:cNvPr>
@@ -15755,10 +16097,10 @@
           </p:sp>
           <p:cxnSp>
             <p:nvCxnSpPr>
-              <p:cNvPr id="19" name="Straight Arrow Connector 18">
+              <p:cNvPr id="152" name="Straight Arrow Connector 151">
                 <a:extLst>
                   <a:ext uri="{FF2B5EF4-FFF2-40B4-BE49-F238E27FC236}">
-                    <a16:creationId xmlns:a16="http://schemas.microsoft.com/office/drawing/2014/main" id="{05DD6E2E-FEAF-48AC-9159-1126C6F352B9}"/>
+                    <a16:creationId xmlns:a16="http://schemas.microsoft.com/office/drawing/2014/main" id="{543F0FEF-48E0-4812-90E9-6321F8C26458}"/>
                   </a:ext>
                 </a:extLst>
               </p:cNvPr>
@@ -15802,10 +16144,10 @@
           </p:cxnSp>
           <p:cxnSp>
             <p:nvCxnSpPr>
-              <p:cNvPr id="20" name="Straight Arrow Connector 19">
+              <p:cNvPr id="153" name="Straight Arrow Connector 152">
                 <a:extLst>
                   <a:ext uri="{FF2B5EF4-FFF2-40B4-BE49-F238E27FC236}">
-                    <a16:creationId xmlns:a16="http://schemas.microsoft.com/office/drawing/2014/main" id="{1DA91AF7-C2BC-4A20-BA07-2DB20D9318A2}"/>
+                    <a16:creationId xmlns:a16="http://schemas.microsoft.com/office/drawing/2014/main" id="{ECA3D07E-1DB8-4619-87DC-E4C4448E9EE2}"/>
                   </a:ext>
                 </a:extLst>
               </p:cNvPr>
@@ -15849,10 +16191,10 @@
           </p:cxnSp>
           <p:grpSp>
             <p:nvGrpSpPr>
-              <p:cNvPr id="34" name="Group 33">
+              <p:cNvPr id="154" name="Group 153">
                 <a:extLst>
                   <a:ext uri="{FF2B5EF4-FFF2-40B4-BE49-F238E27FC236}">
-                    <a16:creationId xmlns:a16="http://schemas.microsoft.com/office/drawing/2014/main" id="{815B6739-AFB4-469B-B065-6A8CE0FBC121}"/>
+                    <a16:creationId xmlns:a16="http://schemas.microsoft.com/office/drawing/2014/main" id="{06F20469-888E-48DE-B8B8-4EB038A737B0}"/>
                   </a:ext>
                 </a:extLst>
               </p:cNvPr>
@@ -15869,10 +16211,10 @@
             </p:grpSpPr>
             <p:sp>
               <p:nvSpPr>
-                <p:cNvPr id="22" name="TextBox 21">
+                <p:cNvPr id="172" name="TextBox 171">
                   <a:extLst>
                     <a:ext uri="{FF2B5EF4-FFF2-40B4-BE49-F238E27FC236}">
-                      <a16:creationId xmlns:a16="http://schemas.microsoft.com/office/drawing/2014/main" id="{C07EB4B1-90AC-46E7-BF9C-24520B28C8D2}"/>
+                      <a16:creationId xmlns:a16="http://schemas.microsoft.com/office/drawing/2014/main" id="{102C1700-069B-47F4-B957-EFF3480529E6}"/>
                     </a:ext>
                   </a:extLst>
                 </p:cNvPr>
@@ -15918,10 +16260,10 @@
             </p:sp>
             <p:pic>
               <p:nvPicPr>
-                <p:cNvPr id="21" name="Picture 20">
+                <p:cNvPr id="173" name="Picture 172">
                   <a:extLst>
                     <a:ext uri="{FF2B5EF4-FFF2-40B4-BE49-F238E27FC236}">
-                      <a16:creationId xmlns:a16="http://schemas.microsoft.com/office/drawing/2014/main" id="{63862F9B-C237-4E51-8F84-B7CEB3B08B80}"/>
+                      <a16:creationId xmlns:a16="http://schemas.microsoft.com/office/drawing/2014/main" id="{A2C611DB-0130-4991-8954-F136C2E53C33}"/>
                     </a:ext>
                   </a:extLst>
                 </p:cNvPr>
@@ -15955,10 +16297,10 @@
           </p:grpSp>
           <p:grpSp>
             <p:nvGrpSpPr>
-              <p:cNvPr id="47" name="Group 46">
+              <p:cNvPr id="155" name="Group 154">
                 <a:extLst>
                   <a:ext uri="{FF2B5EF4-FFF2-40B4-BE49-F238E27FC236}">
-                    <a16:creationId xmlns:a16="http://schemas.microsoft.com/office/drawing/2014/main" id="{00895157-05E9-4E8B-90D7-1EA910665D90}"/>
+                    <a16:creationId xmlns:a16="http://schemas.microsoft.com/office/drawing/2014/main" id="{A64B816F-8582-4981-B766-149F0B92E313}"/>
                   </a:ext>
                 </a:extLst>
               </p:cNvPr>
@@ -15975,10 +16317,10 @@
             </p:grpSpPr>
             <p:sp>
               <p:nvSpPr>
-                <p:cNvPr id="35" name="Rectangle 34">
+                <p:cNvPr id="168" name="Rectangle 167">
                   <a:extLst>
                     <a:ext uri="{FF2B5EF4-FFF2-40B4-BE49-F238E27FC236}">
-                      <a16:creationId xmlns:a16="http://schemas.microsoft.com/office/drawing/2014/main" id="{FBA9D8B8-5971-44A5-81C2-DE4192A49A19}"/>
+                      <a16:creationId xmlns:a16="http://schemas.microsoft.com/office/drawing/2014/main" id="{0BF1F62E-0ED0-431D-A040-9EBD6152EFD0}"/>
                     </a:ext>
                   </a:extLst>
                 </p:cNvPr>
@@ -15994,13 +16336,12 @@
                   <a:avLst/>
                 </a:prstGeom>
                 <a:solidFill>
-                  <a:schemeClr val="bg2">
-                    <a:lumMod val="60000"/>
-                    <a:lumOff val="40000"/>
-                  </a:schemeClr>
+                  <a:schemeClr val="tx1"/>
                 </a:solidFill>
                 <a:ln>
-                  <a:noFill/>
+                  <a:solidFill>
+                    <a:schemeClr val="accent1"/>
+                  </a:solidFill>
                   <a:headEnd type="none" w="med" len="med"/>
                   <a:tailEnd type="none" w="med" len="med"/>
                 </a:ln>
@@ -16042,17 +16383,9 @@
                   </a:pPr>
                   <a:r>
                     <a:rPr lang="en-US" sz="900" dirty="0">
-                      <a:gradFill>
-                        <a:gsLst>
-                          <a:gs pos="0">
-                            <a:srgbClr val="FFFFFF"/>
-                          </a:gs>
-                          <a:gs pos="100000">
-                            <a:srgbClr val="FFFFFF"/>
-                          </a:gs>
-                        </a:gsLst>
-                        <a:lin ang="5400000" scaled="0"/>
-                      </a:gradFill>
+                      <a:solidFill>
+                        <a:schemeClr val="bg1"/>
+                      </a:solidFill>
                       <a:latin typeface="Arial" panose="020B0604020202020204" pitchFamily="34" charset="0"/>
                       <a:ea typeface="Segoe UI" pitchFamily="34" charset="0"/>
                       <a:cs typeface="Arial" panose="020B0604020202020204" pitchFamily="34" charset="0"/>
@@ -16064,10 +16397,10 @@
             </p:sp>
             <p:sp>
               <p:nvSpPr>
-                <p:cNvPr id="43" name="TextBox 42">
+                <p:cNvPr id="169" name="TextBox 168">
                   <a:extLst>
                     <a:ext uri="{FF2B5EF4-FFF2-40B4-BE49-F238E27FC236}">
-                      <a16:creationId xmlns:a16="http://schemas.microsoft.com/office/drawing/2014/main" id="{C6A64E70-6ADC-4293-A24E-238A877A01F1}"/>
+                      <a16:creationId xmlns:a16="http://schemas.microsoft.com/office/drawing/2014/main" id="{69F6CF3C-0735-4A1E-9F49-8D914475E0A3}"/>
                     </a:ext>
                   </a:extLst>
                 </p:cNvPr>
@@ -16113,10 +16446,10 @@
             </p:sp>
             <p:pic>
               <p:nvPicPr>
-                <p:cNvPr id="42" name="Picture 41">
+                <p:cNvPr id="170" name="Picture 169">
                   <a:extLst>
                     <a:ext uri="{FF2B5EF4-FFF2-40B4-BE49-F238E27FC236}">
-                      <a16:creationId xmlns:a16="http://schemas.microsoft.com/office/drawing/2014/main" id="{600FB7AC-575F-484D-9CEB-2613731043DA}"/>
+                      <a16:creationId xmlns:a16="http://schemas.microsoft.com/office/drawing/2014/main" id="{11D19535-74BA-40E6-907E-212E39EDF408}"/>
                     </a:ext>
                   </a:extLst>
                 </p:cNvPr>
@@ -16149,10 +16482,10 @@
             </p:pic>
             <p:sp>
               <p:nvSpPr>
-                <p:cNvPr id="46" name="TextBox 45">
+                <p:cNvPr id="171" name="TextBox 170">
                   <a:extLst>
                     <a:ext uri="{FF2B5EF4-FFF2-40B4-BE49-F238E27FC236}">
-                      <a16:creationId xmlns:a16="http://schemas.microsoft.com/office/drawing/2014/main" id="{B642C9D8-B998-488D-AD57-219D2041E304}"/>
+                      <a16:creationId xmlns:a16="http://schemas.microsoft.com/office/drawing/2014/main" id="{4CE89BB7-B68C-4F84-9F41-D05FEFC934B6}"/>
                     </a:ext>
                   </a:extLst>
                 </p:cNvPr>
@@ -16199,10 +16532,10 @@
           </p:grpSp>
           <p:sp>
             <p:nvSpPr>
-              <p:cNvPr id="49" name="Rectangle 48">
+              <p:cNvPr id="156" name="Rectangle 155">
                 <a:extLst>
                   <a:ext uri="{FF2B5EF4-FFF2-40B4-BE49-F238E27FC236}">
-                    <a16:creationId xmlns:a16="http://schemas.microsoft.com/office/drawing/2014/main" id="{52175594-3261-47D1-958F-4083807501AD}"/>
+                    <a16:creationId xmlns:a16="http://schemas.microsoft.com/office/drawing/2014/main" id="{AB3E3537-A650-4D90-8976-E5F30784650F}"/>
                   </a:ext>
                 </a:extLst>
               </p:cNvPr>
@@ -16218,13 +16551,12 @@
                 <a:avLst/>
               </a:prstGeom>
               <a:solidFill>
-                <a:schemeClr val="bg2">
-                  <a:lumMod val="60000"/>
-                  <a:lumOff val="40000"/>
-                </a:schemeClr>
+                <a:schemeClr val="tx1"/>
               </a:solidFill>
               <a:ln>
-                <a:noFill/>
+                <a:solidFill>
+                  <a:schemeClr val="accent1"/>
+                </a:solidFill>
                 <a:headEnd type="none" w="med" len="med"/>
                 <a:tailEnd type="none" w="med" len="med"/>
               </a:ln>
@@ -16266,17 +16598,9 @@
                 </a:pPr>
                 <a:r>
                   <a:rPr lang="en-US" sz="900" dirty="0">
-                    <a:gradFill>
-                      <a:gsLst>
-                        <a:gs pos="0">
-                          <a:srgbClr val="FFFFFF"/>
-                        </a:gs>
-                        <a:gs pos="100000">
-                          <a:srgbClr val="FFFFFF"/>
-                        </a:gs>
-                      </a:gsLst>
-                      <a:lin ang="5400000" scaled="0"/>
-                    </a:gradFill>
+                    <a:solidFill>
+                      <a:schemeClr val="bg1"/>
+                    </a:solidFill>
                     <a:latin typeface="Arial" panose="020B0604020202020204" pitchFamily="34" charset="0"/>
                     <a:ea typeface="Segoe UI" pitchFamily="34" charset="0"/>
                     <a:cs typeface="Arial" panose="020B0604020202020204" pitchFamily="34" charset="0"/>
@@ -16288,10 +16612,10 @@
           </p:sp>
           <p:sp>
             <p:nvSpPr>
-              <p:cNvPr id="55" name="Rectangle 54">
+              <p:cNvPr id="157" name="Rectangle 156">
                 <a:extLst>
                   <a:ext uri="{FF2B5EF4-FFF2-40B4-BE49-F238E27FC236}">
-                    <a16:creationId xmlns:a16="http://schemas.microsoft.com/office/drawing/2014/main" id="{79282ECA-E157-4DEF-959C-0569137B2A82}"/>
+                    <a16:creationId xmlns:a16="http://schemas.microsoft.com/office/drawing/2014/main" id="{952E74E8-321F-42CB-BF95-A111ADA75E76}"/>
                   </a:ext>
                 </a:extLst>
               </p:cNvPr>
@@ -16307,13 +16631,12 @@
                 <a:avLst/>
               </a:prstGeom>
               <a:solidFill>
-                <a:schemeClr val="bg2">
-                  <a:lumMod val="60000"/>
-                  <a:lumOff val="40000"/>
-                </a:schemeClr>
+                <a:schemeClr val="tx1"/>
               </a:solidFill>
               <a:ln>
-                <a:noFill/>
+                <a:solidFill>
+                  <a:schemeClr val="accent1"/>
+                </a:solidFill>
                 <a:headEnd type="none" w="med" len="med"/>
                 <a:tailEnd type="none" w="med" len="med"/>
               </a:ln>
@@ -16355,17 +16678,9 @@
                 </a:pPr>
                 <a:r>
                   <a:rPr lang="en-US" sz="900" dirty="0">
-                    <a:gradFill>
-                      <a:gsLst>
-                        <a:gs pos="0">
-                          <a:srgbClr val="FFFFFF"/>
-                        </a:gs>
-                        <a:gs pos="100000">
-                          <a:srgbClr val="FFFFFF"/>
-                        </a:gs>
-                      </a:gsLst>
-                      <a:lin ang="5400000" scaled="0"/>
-                    </a:gradFill>
+                    <a:solidFill>
+                      <a:schemeClr val="bg1"/>
+                    </a:solidFill>
                     <a:latin typeface="Arial" panose="020B0604020202020204" pitchFamily="34" charset="0"/>
                     <a:ea typeface="Segoe UI" pitchFamily="34" charset="0"/>
                     <a:cs typeface="Arial" panose="020B0604020202020204" pitchFamily="34" charset="0"/>
@@ -16377,10 +16692,10 @@
           </p:sp>
           <p:cxnSp>
             <p:nvCxnSpPr>
-              <p:cNvPr id="62" name="Straight Arrow Connector 61">
+              <p:cNvPr id="158" name="Straight Arrow Connector 157">
                 <a:extLst>
                   <a:ext uri="{FF2B5EF4-FFF2-40B4-BE49-F238E27FC236}">
-                    <a16:creationId xmlns:a16="http://schemas.microsoft.com/office/drawing/2014/main" id="{387A355A-79E9-4C9D-8259-99B3648BA00F}"/>
+                    <a16:creationId xmlns:a16="http://schemas.microsoft.com/office/drawing/2014/main" id="{0FB19FD3-C678-4DC9-9BC4-7636EF223929}"/>
                   </a:ext>
                 </a:extLst>
               </p:cNvPr>
@@ -16424,10 +16739,10 @@
           </p:cxnSp>
           <p:cxnSp>
             <p:nvCxnSpPr>
-              <p:cNvPr id="64" name="Straight Arrow Connector 63">
+              <p:cNvPr id="159" name="Straight Arrow Connector 158">
                 <a:extLst>
                   <a:ext uri="{FF2B5EF4-FFF2-40B4-BE49-F238E27FC236}">
-                    <a16:creationId xmlns:a16="http://schemas.microsoft.com/office/drawing/2014/main" id="{03E8E8C4-01F8-478A-95E8-F8AFF54E6383}"/>
+                    <a16:creationId xmlns:a16="http://schemas.microsoft.com/office/drawing/2014/main" id="{B9B214A2-ECC7-4FAF-8CB1-0763C27782D6}"/>
                   </a:ext>
                 </a:extLst>
               </p:cNvPr>
@@ -16471,10 +16786,10 @@
           </p:cxnSp>
           <p:cxnSp>
             <p:nvCxnSpPr>
-              <p:cNvPr id="65" name="Straight Arrow Connector 64">
+              <p:cNvPr id="160" name="Straight Arrow Connector 159">
                 <a:extLst>
                   <a:ext uri="{FF2B5EF4-FFF2-40B4-BE49-F238E27FC236}">
-                    <a16:creationId xmlns:a16="http://schemas.microsoft.com/office/drawing/2014/main" id="{F9A19C74-9579-4F0F-BC11-9C66B9EB2835}"/>
+                    <a16:creationId xmlns:a16="http://schemas.microsoft.com/office/drawing/2014/main" id="{2C92F3D2-89D6-462B-AC85-FBE6B0A4170F}"/>
                   </a:ext>
                 </a:extLst>
               </p:cNvPr>
@@ -16518,10 +16833,10 @@
           </p:cxnSp>
           <p:sp>
             <p:nvSpPr>
-              <p:cNvPr id="66" name="TextBox 65">
+              <p:cNvPr id="161" name="TextBox 160">
                 <a:extLst>
                   <a:ext uri="{FF2B5EF4-FFF2-40B4-BE49-F238E27FC236}">
-                    <a16:creationId xmlns:a16="http://schemas.microsoft.com/office/drawing/2014/main" id="{A067B8A3-B08D-4C0B-964E-F3D174D62722}"/>
+                    <a16:creationId xmlns:a16="http://schemas.microsoft.com/office/drawing/2014/main" id="{C315E191-977A-478C-9666-21EF94B13A18}"/>
                   </a:ext>
                 </a:extLst>
               </p:cNvPr>
@@ -16567,10 +16882,10 @@
           </p:sp>
           <p:pic>
             <p:nvPicPr>
-              <p:cNvPr id="67" name="Picture 66">
+              <p:cNvPr id="162" name="Picture 161">
                 <a:extLst>
                   <a:ext uri="{FF2B5EF4-FFF2-40B4-BE49-F238E27FC236}">
-                    <a16:creationId xmlns:a16="http://schemas.microsoft.com/office/drawing/2014/main" id="{A697DEE4-4FBB-4759-A227-BCAAC11CAC99}"/>
+                    <a16:creationId xmlns:a16="http://schemas.microsoft.com/office/drawing/2014/main" id="{FF10CF5A-8ECB-4B55-829F-1205231819F4}"/>
                   </a:ext>
                 </a:extLst>
               </p:cNvPr>
@@ -16603,10 +16918,10 @@
           </p:pic>
           <p:sp>
             <p:nvSpPr>
-              <p:cNvPr id="71" name="TextBox 70">
+              <p:cNvPr id="163" name="TextBox 162">
                 <a:extLst>
                   <a:ext uri="{FF2B5EF4-FFF2-40B4-BE49-F238E27FC236}">
-                    <a16:creationId xmlns:a16="http://schemas.microsoft.com/office/drawing/2014/main" id="{83D51CA5-FD4F-4DC9-97C3-8FB44C349CD2}"/>
+                    <a16:creationId xmlns:a16="http://schemas.microsoft.com/office/drawing/2014/main" id="{B5ECF44A-FA32-47EA-857F-E3B763DF434A}"/>
                   </a:ext>
                 </a:extLst>
               </p:cNvPr>
@@ -16652,10 +16967,10 @@
           </p:sp>
           <p:pic>
             <p:nvPicPr>
-              <p:cNvPr id="73" name="Picture 72">
+              <p:cNvPr id="164" name="Picture 163">
                 <a:extLst>
                   <a:ext uri="{FF2B5EF4-FFF2-40B4-BE49-F238E27FC236}">
-                    <a16:creationId xmlns:a16="http://schemas.microsoft.com/office/drawing/2014/main" id="{B8D97F0B-468D-4104-8724-FEB134D4F5A1}"/>
+                    <a16:creationId xmlns:a16="http://schemas.microsoft.com/office/drawing/2014/main" id="{853D042A-EEE0-40CB-9C58-334ED7B5B44B}"/>
                   </a:ext>
                 </a:extLst>
               </p:cNvPr>
@@ -16688,10 +17003,10 @@
           </p:pic>
           <p:cxnSp>
             <p:nvCxnSpPr>
-              <p:cNvPr id="76" name="Straight Arrow Connector 75">
+              <p:cNvPr id="165" name="Straight Arrow Connector 164">
                 <a:extLst>
                   <a:ext uri="{FF2B5EF4-FFF2-40B4-BE49-F238E27FC236}">
-                    <a16:creationId xmlns:a16="http://schemas.microsoft.com/office/drawing/2014/main" id="{A3EAD52A-A358-48F8-9ECD-DE98470B2BCC}"/>
+                    <a16:creationId xmlns:a16="http://schemas.microsoft.com/office/drawing/2014/main" id="{D702DDF8-04BD-45FE-A844-DA891551D593}"/>
                   </a:ext>
                 </a:extLst>
               </p:cNvPr>
@@ -16735,10 +17050,10 @@
           </p:cxnSp>
           <p:cxnSp>
             <p:nvCxnSpPr>
-              <p:cNvPr id="77" name="Straight Arrow Connector 76">
+              <p:cNvPr id="166" name="Straight Arrow Connector 165">
                 <a:extLst>
                   <a:ext uri="{FF2B5EF4-FFF2-40B4-BE49-F238E27FC236}">
-                    <a16:creationId xmlns:a16="http://schemas.microsoft.com/office/drawing/2014/main" id="{B5686A60-6BF8-421A-9BE1-A9AC299E4EF9}"/>
+                    <a16:creationId xmlns:a16="http://schemas.microsoft.com/office/drawing/2014/main" id="{FD4EFF07-F5A6-45D2-A47D-60934ED1E94D}"/>
                   </a:ext>
                 </a:extLst>
               </p:cNvPr>
@@ -16782,10 +17097,10 @@
           </p:cxnSp>
           <p:cxnSp>
             <p:nvCxnSpPr>
-              <p:cNvPr id="78" name="Straight Arrow Connector 77">
+              <p:cNvPr id="167" name="Straight Arrow Connector 166">
                 <a:extLst>
                   <a:ext uri="{FF2B5EF4-FFF2-40B4-BE49-F238E27FC236}">
-                    <a16:creationId xmlns:a16="http://schemas.microsoft.com/office/drawing/2014/main" id="{8B2CF5C8-9349-495B-824E-DA85466383E0}"/>
+                    <a16:creationId xmlns:a16="http://schemas.microsoft.com/office/drawing/2014/main" id="{7632EEBD-A8CC-48CC-8D40-8F56DC1B95BB}"/>
                   </a:ext>
                 </a:extLst>
               </p:cNvPr>
@@ -16830,10 +17145,10 @@
         </p:grpSp>
         <p:pic>
           <p:nvPicPr>
-            <p:cNvPr id="61" name="Picture 60">
+            <p:cNvPr id="125" name="Graphic 124">
               <a:extLst>
                 <a:ext uri="{FF2B5EF4-FFF2-40B4-BE49-F238E27FC236}">
-                  <a16:creationId xmlns:a16="http://schemas.microsoft.com/office/drawing/2014/main" id="{24ABE202-2FA8-B749-BF95-6CD7979E1BA3}"/>
+                  <a16:creationId xmlns:a16="http://schemas.microsoft.com/office/drawing/2014/main" id="{AC104A23-83C0-4CBE-A1E6-8D29399E2177}"/>
                 </a:ext>
               </a:extLst>
             </p:cNvPr>
@@ -16843,15 +17158,661 @@
             <p:nvPr/>
           </p:nvPicPr>
           <p:blipFill>
-            <a:blip r:embed="rId7"/>
+            <a:blip r:embed="rId7" cstate="print">
+              <a:extLst>
+                <a:ext uri="{28A0092B-C50C-407E-A947-70E740481C1C}">
+                  <a14:useLocalDpi xmlns:a14="http://schemas.microsoft.com/office/drawing/2010/main" val="0"/>
+                </a:ext>
+                <a:ext uri="{96DAC541-7B7A-43D3-8B79-37D633B846F1}">
+                  <asvg:svgBlip xmlns:asvg="http://schemas.microsoft.com/office/drawing/2016/SVG/main" r:embed="rId8"/>
+                </a:ext>
+              </a:extLst>
+            </a:blip>
             <a:stretch>
               <a:fillRect/>
             </a:stretch>
           </p:blipFill>
           <p:spPr>
             <a:xfrm>
-              <a:off x="5413287" y="2449522"/>
-              <a:ext cx="318430" cy="318430"/>
+              <a:off x="9350740" y="2887663"/>
+              <a:ext cx="131621" cy="177866"/>
+            </a:xfrm>
+            <a:prstGeom prst="rect">
+              <a:avLst/>
+            </a:prstGeom>
+          </p:spPr>
+        </p:pic>
+        <p:sp>
+          <p:nvSpPr>
+            <p:cNvPr id="126" name="TextBox 125">
+              <a:extLst>
+                <a:ext uri="{FF2B5EF4-FFF2-40B4-BE49-F238E27FC236}">
+                  <a16:creationId xmlns:a16="http://schemas.microsoft.com/office/drawing/2014/main" id="{6540F5E0-2342-4820-B07C-EEABF43DF378}"/>
+                </a:ext>
+              </a:extLst>
+            </p:cNvPr>
+            <p:cNvSpPr txBox="1"/>
+            <p:nvPr/>
+          </p:nvSpPr>
+          <p:spPr>
+            <a:xfrm>
+              <a:off x="8931273" y="4012959"/>
+              <a:ext cx="966298" cy="517065"/>
+            </a:xfrm>
+            <a:prstGeom prst="rect">
+              <a:avLst/>
+            </a:prstGeom>
+            <a:noFill/>
+          </p:spPr>
+          <p:txBody>
+            <a:bodyPr wrap="square" lIns="182880" tIns="146304" rIns="182880" bIns="146304" rtlCol="0">
+              <a:spAutoFit/>
+            </a:bodyPr>
+            <a:lstStyle/>
+            <a:p>
+              <a:pPr algn="ctr">
+                <a:lnSpc>
+                  <a:spcPct val="90000"/>
+                </a:lnSpc>
+                <a:spcAft>
+                  <a:spcPts val="600"/>
+                </a:spcAft>
+              </a:pPr>
+              <a:r>
+                <a:rPr lang="en-US" sz="800" dirty="0">
+                  <a:solidFill>
+                    <a:schemeClr val="bg1"/>
+                  </a:solidFill>
+                  <a:latin typeface="Arial" panose="020B0604020202020204" pitchFamily="34" charset="0"/>
+                  <a:cs typeface="Arial" panose="020B0604020202020204" pitchFamily="34" charset="0"/>
+                </a:rPr>
+                <a:t>Azure PostgreSQL</a:t>
+              </a:r>
+            </a:p>
+          </p:txBody>
+        </p:sp>
+        <p:sp>
+          <p:nvSpPr>
+            <p:cNvPr id="127" name="TextBox 126">
+              <a:extLst>
+                <a:ext uri="{FF2B5EF4-FFF2-40B4-BE49-F238E27FC236}">
+                  <a16:creationId xmlns:a16="http://schemas.microsoft.com/office/drawing/2014/main" id="{723E11E3-FABE-4A45-A57E-3B68E8584F5F}"/>
+                </a:ext>
+              </a:extLst>
+            </p:cNvPr>
+            <p:cNvSpPr txBox="1"/>
+            <p:nvPr/>
+          </p:nvSpPr>
+          <p:spPr>
+            <a:xfrm>
+              <a:off x="8529682" y="4025488"/>
+              <a:ext cx="739729" cy="517065"/>
+            </a:xfrm>
+            <a:prstGeom prst="rect">
+              <a:avLst/>
+            </a:prstGeom>
+            <a:noFill/>
+          </p:spPr>
+          <p:txBody>
+            <a:bodyPr wrap="square" lIns="182880" tIns="146304" rIns="182880" bIns="146304" rtlCol="0">
+              <a:spAutoFit/>
+            </a:bodyPr>
+            <a:lstStyle/>
+            <a:p>
+              <a:pPr algn="ctr">
+                <a:lnSpc>
+                  <a:spcPct val="90000"/>
+                </a:lnSpc>
+                <a:spcAft>
+                  <a:spcPts val="600"/>
+                </a:spcAft>
+              </a:pPr>
+              <a:r>
+                <a:rPr lang="en-US" sz="800" dirty="0">
+                  <a:solidFill>
+                    <a:schemeClr val="bg1"/>
+                  </a:solidFill>
+                  <a:latin typeface="Arial" panose="020B0604020202020204" pitchFamily="34" charset="0"/>
+                  <a:cs typeface="Arial" panose="020B0604020202020204" pitchFamily="34" charset="0"/>
+                </a:rPr>
+                <a:t>App Service</a:t>
+              </a:r>
+            </a:p>
+          </p:txBody>
+        </p:sp>
+        <p:pic>
+          <p:nvPicPr>
+            <p:cNvPr id="128" name="Picture 127">
+              <a:extLst>
+                <a:ext uri="{FF2B5EF4-FFF2-40B4-BE49-F238E27FC236}">
+                  <a16:creationId xmlns:a16="http://schemas.microsoft.com/office/drawing/2014/main" id="{5608F898-51BE-444A-B583-6844B402C513}"/>
+                </a:ext>
+              </a:extLst>
+            </p:cNvPr>
+            <p:cNvPicPr>
+              <a:picLocks noChangeAspect="1"/>
+            </p:cNvPicPr>
+            <p:nvPr/>
+          </p:nvPicPr>
+          <p:blipFill>
+            <a:blip r:embed="rId6" cstate="print">
+              <a:extLst>
+                <a:ext uri="{28A0092B-C50C-407E-A947-70E740481C1C}">
+                  <a14:useLocalDpi xmlns:a14="http://schemas.microsoft.com/office/drawing/2010/main" val="0"/>
+                </a:ext>
+              </a:extLst>
+            </a:blip>
+            <a:stretch>
+              <a:fillRect/>
+            </a:stretch>
+          </p:blipFill>
+          <p:spPr>
+            <a:xfrm>
+              <a:off x="8821295" y="3956979"/>
+              <a:ext cx="193592" cy="193592"/>
+            </a:xfrm>
+            <a:prstGeom prst="rect">
+              <a:avLst/>
+            </a:prstGeom>
+          </p:spPr>
+        </p:pic>
+        <p:pic>
+          <p:nvPicPr>
+            <p:cNvPr id="129" name="Graphic 128">
+              <a:extLst>
+                <a:ext uri="{FF2B5EF4-FFF2-40B4-BE49-F238E27FC236}">
+                  <a16:creationId xmlns:a16="http://schemas.microsoft.com/office/drawing/2014/main" id="{735652A7-2A81-4C17-AC90-8F049DF63CAB}"/>
+                </a:ext>
+              </a:extLst>
+            </p:cNvPr>
+            <p:cNvPicPr>
+              <a:picLocks noChangeAspect="1"/>
+            </p:cNvPicPr>
+            <p:nvPr/>
+          </p:nvPicPr>
+          <p:blipFill>
+            <a:blip r:embed="rId7" cstate="print">
+              <a:extLst>
+                <a:ext uri="{28A0092B-C50C-407E-A947-70E740481C1C}">
+                  <a14:useLocalDpi xmlns:a14="http://schemas.microsoft.com/office/drawing/2010/main" val="0"/>
+                </a:ext>
+                <a:ext uri="{96DAC541-7B7A-43D3-8B79-37D633B846F1}">
+                  <asvg:svgBlip xmlns:asvg="http://schemas.microsoft.com/office/drawing/2016/SVG/main" r:embed="rId8"/>
+                </a:ext>
+              </a:extLst>
+            </a:blip>
+            <a:stretch>
+              <a:fillRect/>
+            </a:stretch>
+          </p:blipFill>
+          <p:spPr>
+            <a:xfrm>
+              <a:off x="9365330" y="3949315"/>
+              <a:ext cx="131621" cy="177866"/>
+            </a:xfrm>
+            <a:prstGeom prst="rect">
+              <a:avLst/>
+            </a:prstGeom>
+          </p:spPr>
+        </p:pic>
+        <p:sp>
+          <p:nvSpPr>
+            <p:cNvPr id="130" name="TextBox 129">
+              <a:extLst>
+                <a:ext uri="{FF2B5EF4-FFF2-40B4-BE49-F238E27FC236}">
+                  <a16:creationId xmlns:a16="http://schemas.microsoft.com/office/drawing/2014/main" id="{106F93F7-4B7B-460D-BB84-EFAE55820550}"/>
+                </a:ext>
+              </a:extLst>
+            </p:cNvPr>
+            <p:cNvSpPr txBox="1"/>
+            <p:nvPr/>
+          </p:nvSpPr>
+          <p:spPr>
+            <a:xfrm>
+              <a:off x="10324867" y="3464056"/>
+              <a:ext cx="1049333" cy="517065"/>
+            </a:xfrm>
+            <a:prstGeom prst="rect">
+              <a:avLst/>
+            </a:prstGeom>
+            <a:noFill/>
+          </p:spPr>
+          <p:txBody>
+            <a:bodyPr wrap="square" lIns="182880" tIns="146304" rIns="182880" bIns="146304" rtlCol="0">
+              <a:spAutoFit/>
+            </a:bodyPr>
+            <a:lstStyle/>
+            <a:p>
+              <a:pPr algn="ctr">
+                <a:lnSpc>
+                  <a:spcPct val="90000"/>
+                </a:lnSpc>
+                <a:spcAft>
+                  <a:spcPts val="600"/>
+                </a:spcAft>
+              </a:pPr>
+              <a:r>
+                <a:rPr lang="en-US" sz="800" dirty="0">
+                  <a:solidFill>
+                    <a:schemeClr val="bg1"/>
+                  </a:solidFill>
+                  <a:latin typeface="Arial" panose="020B0604020202020204" pitchFamily="34" charset="0"/>
+                  <a:cs typeface="Arial" panose="020B0604020202020204" pitchFamily="34" charset="0"/>
+                </a:rPr>
+                <a:t>Azure PostgreSQL</a:t>
+              </a:r>
+            </a:p>
+          </p:txBody>
+        </p:sp>
+        <p:sp>
+          <p:nvSpPr>
+            <p:cNvPr id="131" name="TextBox 130">
+              <a:extLst>
+                <a:ext uri="{FF2B5EF4-FFF2-40B4-BE49-F238E27FC236}">
+                  <a16:creationId xmlns:a16="http://schemas.microsoft.com/office/drawing/2014/main" id="{5CDA4FC9-4D4D-4CF9-8BFF-5AFA9FC3E0B4}"/>
+                </a:ext>
+              </a:extLst>
+            </p:cNvPr>
+            <p:cNvSpPr txBox="1"/>
+            <p:nvPr/>
+          </p:nvSpPr>
+          <p:spPr>
+            <a:xfrm>
+              <a:off x="9971179" y="3470529"/>
+              <a:ext cx="739729" cy="517065"/>
+            </a:xfrm>
+            <a:prstGeom prst="rect">
+              <a:avLst/>
+            </a:prstGeom>
+            <a:noFill/>
+          </p:spPr>
+          <p:txBody>
+            <a:bodyPr wrap="square" lIns="182880" tIns="146304" rIns="182880" bIns="146304" rtlCol="0">
+              <a:spAutoFit/>
+            </a:bodyPr>
+            <a:lstStyle/>
+            <a:p>
+              <a:pPr algn="ctr">
+                <a:lnSpc>
+                  <a:spcPct val="90000"/>
+                </a:lnSpc>
+                <a:spcAft>
+                  <a:spcPts val="600"/>
+                </a:spcAft>
+              </a:pPr>
+              <a:r>
+                <a:rPr lang="en-US" sz="800" dirty="0">
+                  <a:solidFill>
+                    <a:schemeClr val="bg1"/>
+                  </a:solidFill>
+                  <a:latin typeface="Arial" panose="020B0604020202020204" pitchFamily="34" charset="0"/>
+                  <a:cs typeface="Arial" panose="020B0604020202020204" pitchFamily="34" charset="0"/>
+                </a:rPr>
+                <a:t>App Service</a:t>
+              </a:r>
+            </a:p>
+          </p:txBody>
+        </p:sp>
+        <p:pic>
+          <p:nvPicPr>
+            <p:cNvPr id="132" name="Picture 131">
+              <a:extLst>
+                <a:ext uri="{FF2B5EF4-FFF2-40B4-BE49-F238E27FC236}">
+                  <a16:creationId xmlns:a16="http://schemas.microsoft.com/office/drawing/2014/main" id="{692B5C5E-BD6E-4E32-A864-3E3D490EC248}"/>
+                </a:ext>
+              </a:extLst>
+            </p:cNvPr>
+            <p:cNvPicPr>
+              <a:picLocks noChangeAspect="1"/>
+            </p:cNvPicPr>
+            <p:nvPr/>
+          </p:nvPicPr>
+          <p:blipFill>
+            <a:blip r:embed="rId6" cstate="print">
+              <a:extLst>
+                <a:ext uri="{28A0092B-C50C-407E-A947-70E740481C1C}">
+                  <a14:useLocalDpi xmlns:a14="http://schemas.microsoft.com/office/drawing/2010/main" val="0"/>
+                </a:ext>
+              </a:extLst>
+            </a:blip>
+            <a:stretch>
+              <a:fillRect/>
+            </a:stretch>
+          </p:blipFill>
+          <p:spPr>
+            <a:xfrm>
+              <a:off x="10251882" y="3400082"/>
+              <a:ext cx="193592" cy="193592"/>
+            </a:xfrm>
+            <a:prstGeom prst="rect">
+              <a:avLst/>
+            </a:prstGeom>
+          </p:spPr>
+        </p:pic>
+        <p:pic>
+          <p:nvPicPr>
+            <p:cNvPr id="133" name="Graphic 132">
+              <a:extLst>
+                <a:ext uri="{FF2B5EF4-FFF2-40B4-BE49-F238E27FC236}">
+                  <a16:creationId xmlns:a16="http://schemas.microsoft.com/office/drawing/2014/main" id="{A8399A58-CD13-47B0-A1D3-E7DB2FEBD206}"/>
+                </a:ext>
+              </a:extLst>
+            </p:cNvPr>
+            <p:cNvPicPr>
+              <a:picLocks noChangeAspect="1"/>
+            </p:cNvPicPr>
+            <p:nvPr/>
+          </p:nvPicPr>
+          <p:blipFill>
+            <a:blip r:embed="rId7" cstate="print">
+              <a:extLst>
+                <a:ext uri="{28A0092B-C50C-407E-A947-70E740481C1C}">
+                  <a14:useLocalDpi xmlns:a14="http://schemas.microsoft.com/office/drawing/2010/main" val="0"/>
+                </a:ext>
+                <a:ext uri="{96DAC541-7B7A-43D3-8B79-37D633B846F1}">
+                  <asvg:svgBlip xmlns:asvg="http://schemas.microsoft.com/office/drawing/2016/SVG/main" r:embed="rId8"/>
+                </a:ext>
+              </a:extLst>
+            </a:blip>
+            <a:stretch>
+              <a:fillRect/>
+            </a:stretch>
+          </p:blipFill>
+          <p:spPr>
+            <a:xfrm>
+              <a:off x="10790321" y="3410680"/>
+              <a:ext cx="131621" cy="177866"/>
+            </a:xfrm>
+            <a:prstGeom prst="rect">
+              <a:avLst/>
+            </a:prstGeom>
+          </p:spPr>
+        </p:pic>
+        <p:pic>
+          <p:nvPicPr>
+            <p:cNvPr id="134" name="Picture 133">
+              <a:extLst>
+                <a:ext uri="{FF2B5EF4-FFF2-40B4-BE49-F238E27FC236}">
+                  <a16:creationId xmlns:a16="http://schemas.microsoft.com/office/drawing/2014/main" id="{99AC29E2-6E72-4116-8B0A-FB1B79D47EDF}"/>
+                </a:ext>
+              </a:extLst>
+            </p:cNvPr>
+            <p:cNvPicPr>
+              <a:picLocks noChangeAspect="1"/>
+            </p:cNvPicPr>
+            <p:nvPr/>
+          </p:nvPicPr>
+          <p:blipFill rotWithShape="1">
+            <a:blip r:embed="rId9"/>
+            <a:srcRect l="3302" t="6466" r="5732" b="6346"/>
+            <a:stretch/>
+          </p:blipFill>
+          <p:spPr>
+            <a:xfrm>
+              <a:off x="8786711" y="2875298"/>
+              <a:ext cx="191958" cy="190661"/>
+            </a:xfrm>
+            <a:prstGeom prst="rect">
+              <a:avLst/>
+            </a:prstGeom>
+          </p:spPr>
+        </p:pic>
+        <p:pic>
+          <p:nvPicPr>
+            <p:cNvPr id="135" name="Picture 134">
+              <a:extLst>
+                <a:ext uri="{FF2B5EF4-FFF2-40B4-BE49-F238E27FC236}">
+                  <a16:creationId xmlns:a16="http://schemas.microsoft.com/office/drawing/2014/main" id="{451F288C-7A66-431B-A2FB-395E4340720B}"/>
+                </a:ext>
+              </a:extLst>
+            </p:cNvPr>
+            <p:cNvPicPr>
+              <a:picLocks noChangeAspect="1"/>
+            </p:cNvPicPr>
+            <p:nvPr/>
+          </p:nvPicPr>
+          <p:blipFill rotWithShape="1">
+            <a:blip r:embed="rId10"/>
+            <a:srcRect l="8063" t="5692" r="7576" b="4929"/>
+            <a:stretch/>
+          </p:blipFill>
+          <p:spPr>
+            <a:xfrm>
+              <a:off x="9350740" y="2887663"/>
+              <a:ext cx="131524" cy="177866"/>
+            </a:xfrm>
+            <a:prstGeom prst="rect">
+              <a:avLst/>
+            </a:prstGeom>
+          </p:spPr>
+        </p:pic>
+        <p:pic>
+          <p:nvPicPr>
+            <p:cNvPr id="136" name="Picture 135">
+              <a:extLst>
+                <a:ext uri="{FF2B5EF4-FFF2-40B4-BE49-F238E27FC236}">
+                  <a16:creationId xmlns:a16="http://schemas.microsoft.com/office/drawing/2014/main" id="{12A46A36-F29B-468B-9180-FBE373025E5D}"/>
+                </a:ext>
+              </a:extLst>
+            </p:cNvPr>
+            <p:cNvPicPr>
+              <a:picLocks noChangeAspect="1"/>
+            </p:cNvPicPr>
+            <p:nvPr/>
+          </p:nvPicPr>
+          <p:blipFill rotWithShape="1">
+            <a:blip r:embed="rId9"/>
+            <a:srcRect l="3302" t="6466" r="5732" b="6346"/>
+            <a:stretch/>
+          </p:blipFill>
+          <p:spPr>
+            <a:xfrm>
+              <a:off x="8821198" y="3956686"/>
+              <a:ext cx="191958" cy="190661"/>
+            </a:xfrm>
+            <a:prstGeom prst="rect">
+              <a:avLst/>
+            </a:prstGeom>
+          </p:spPr>
+        </p:pic>
+        <p:pic>
+          <p:nvPicPr>
+            <p:cNvPr id="137" name="Picture 136">
+              <a:extLst>
+                <a:ext uri="{FF2B5EF4-FFF2-40B4-BE49-F238E27FC236}">
+                  <a16:creationId xmlns:a16="http://schemas.microsoft.com/office/drawing/2014/main" id="{999261F8-E39D-4B03-9185-6D33C16D0812}"/>
+                </a:ext>
+              </a:extLst>
+            </p:cNvPr>
+            <p:cNvPicPr>
+              <a:picLocks noChangeAspect="1"/>
+            </p:cNvPicPr>
+            <p:nvPr/>
+          </p:nvPicPr>
+          <p:blipFill rotWithShape="1">
+            <a:blip r:embed="rId10"/>
+            <a:srcRect l="8063" t="5692" r="7576" b="4929"/>
+            <a:stretch/>
+          </p:blipFill>
+          <p:spPr>
+            <a:xfrm>
+              <a:off x="9365330" y="3956979"/>
+              <a:ext cx="131524" cy="177866"/>
+            </a:xfrm>
+            <a:prstGeom prst="rect">
+              <a:avLst/>
+            </a:prstGeom>
+          </p:spPr>
+        </p:pic>
+        <p:pic>
+          <p:nvPicPr>
+            <p:cNvPr id="138" name="Picture 137">
+              <a:extLst>
+                <a:ext uri="{FF2B5EF4-FFF2-40B4-BE49-F238E27FC236}">
+                  <a16:creationId xmlns:a16="http://schemas.microsoft.com/office/drawing/2014/main" id="{2CCF6604-BFA4-45C9-BBF8-EF1B5B8E485E}"/>
+                </a:ext>
+              </a:extLst>
+            </p:cNvPr>
+            <p:cNvPicPr>
+              <a:picLocks noChangeAspect="1"/>
+            </p:cNvPicPr>
+            <p:nvPr/>
+          </p:nvPicPr>
+          <p:blipFill rotWithShape="1">
+            <a:blip r:embed="rId9"/>
+            <a:srcRect l="3302" t="6466" r="5732" b="6346"/>
+            <a:stretch/>
+          </p:blipFill>
+          <p:spPr>
+            <a:xfrm>
+              <a:off x="10254430" y="3401547"/>
+              <a:ext cx="191958" cy="190661"/>
+            </a:xfrm>
+            <a:prstGeom prst="rect">
+              <a:avLst/>
+            </a:prstGeom>
+          </p:spPr>
+        </p:pic>
+        <p:pic>
+          <p:nvPicPr>
+            <p:cNvPr id="139" name="Picture 138">
+              <a:extLst>
+                <a:ext uri="{FF2B5EF4-FFF2-40B4-BE49-F238E27FC236}">
+                  <a16:creationId xmlns:a16="http://schemas.microsoft.com/office/drawing/2014/main" id="{E6DACE36-27D9-4228-8BD8-7DEEEA592956}"/>
+                </a:ext>
+              </a:extLst>
+            </p:cNvPr>
+            <p:cNvPicPr>
+              <a:picLocks noChangeAspect="1"/>
+            </p:cNvPicPr>
+            <p:nvPr/>
+          </p:nvPicPr>
+          <p:blipFill rotWithShape="1">
+            <a:blip r:embed="rId10"/>
+            <a:srcRect l="8063" t="5692" r="7576" b="4929"/>
+            <a:stretch/>
+          </p:blipFill>
+          <p:spPr>
+            <a:xfrm>
+              <a:off x="10791081" y="3411868"/>
+              <a:ext cx="131524" cy="177866"/>
+            </a:xfrm>
+            <a:prstGeom prst="rect">
+              <a:avLst/>
+            </a:prstGeom>
+          </p:spPr>
+        </p:pic>
+        <p:pic>
+          <p:nvPicPr>
+            <p:cNvPr id="140" name="Picture 2" descr="See the source image">
+              <a:extLst>
+                <a:ext uri="{FF2B5EF4-FFF2-40B4-BE49-F238E27FC236}">
+                  <a16:creationId xmlns:a16="http://schemas.microsoft.com/office/drawing/2014/main" id="{7538A676-2CC4-441E-8E5B-A470FAA96E52}"/>
+                </a:ext>
+              </a:extLst>
+            </p:cNvPr>
+            <p:cNvPicPr>
+              <a:picLocks noChangeAspect="1" noChangeArrowheads="1"/>
+            </p:cNvPicPr>
+            <p:nvPr/>
+          </p:nvPicPr>
+          <p:blipFill>
+            <a:blip r:embed="rId11" cstate="print">
+              <a:extLst>
+                <a:ext uri="{28A0092B-C50C-407E-A947-70E740481C1C}">
+                  <a14:useLocalDpi xmlns:a14="http://schemas.microsoft.com/office/drawing/2010/main" val="0"/>
+                </a:ext>
+              </a:extLst>
+            </a:blip>
+            <a:srcRect/>
+            <a:stretch>
+              <a:fillRect/>
+            </a:stretch>
+          </p:blipFill>
+          <p:spPr bwMode="auto">
+            <a:xfrm>
+              <a:off x="9291041" y="2015732"/>
+              <a:ext cx="1292270" cy="373547"/>
+            </a:xfrm>
+            <a:prstGeom prst="rect">
+              <a:avLst/>
+            </a:prstGeom>
+            <a:solidFill>
+              <a:schemeClr val="tx1"/>
+            </a:solidFill>
+          </p:spPr>
+        </p:pic>
+        <p:pic>
+          <p:nvPicPr>
+            <p:cNvPr id="174" name="Picture 173" descr="A picture containing airplane, fence&#10;&#10;Description automatically generated">
+              <a:extLst>
+                <a:ext uri="{FF2B5EF4-FFF2-40B4-BE49-F238E27FC236}">
+                  <a16:creationId xmlns:a16="http://schemas.microsoft.com/office/drawing/2014/main" id="{D87C0527-C0F4-4B67-87BD-8E4D1712026B}"/>
+                </a:ext>
+              </a:extLst>
+            </p:cNvPr>
+            <p:cNvPicPr>
+              <a:picLocks noChangeAspect="1"/>
+            </p:cNvPicPr>
+            <p:nvPr/>
+          </p:nvPicPr>
+          <p:blipFill rotWithShape="1">
+            <a:blip r:embed="rId12" cstate="print">
+              <a:extLst>
+                <a:ext uri="{28A0092B-C50C-407E-A947-70E740481C1C}">
+                  <a14:useLocalDpi xmlns:a14="http://schemas.microsoft.com/office/drawing/2010/main" val="0"/>
+                </a:ext>
+              </a:extLst>
+            </a:blip>
+            <a:srcRect l="17926" t="17195" r="18365"/>
+            <a:stretch/>
+          </p:blipFill>
+          <p:spPr>
+            <a:xfrm>
+              <a:off x="500040" y="3118401"/>
+              <a:ext cx="529421" cy="537583"/>
+            </a:xfrm>
+            <a:prstGeom prst="rect">
+              <a:avLst/>
+            </a:prstGeom>
+            <a:solidFill>
+              <a:schemeClr val="tx1"/>
+            </a:solidFill>
+          </p:spPr>
+        </p:pic>
+        <p:pic>
+          <p:nvPicPr>
+            <p:cNvPr id="176" name="Graphic 175">
+              <a:extLst>
+                <a:ext uri="{FF2B5EF4-FFF2-40B4-BE49-F238E27FC236}">
+                  <a16:creationId xmlns:a16="http://schemas.microsoft.com/office/drawing/2014/main" id="{ED4F4F26-3331-4545-9438-F2FED6D9497D}"/>
+                </a:ext>
+              </a:extLst>
+            </p:cNvPr>
+            <p:cNvPicPr>
+              <a:picLocks noChangeAspect="1"/>
+            </p:cNvPicPr>
+            <p:nvPr/>
+          </p:nvPicPr>
+          <p:blipFill>
+            <a:blip r:embed="rId13">
+              <a:extLst>
+                <a:ext uri="{28A0092B-C50C-407E-A947-70E740481C1C}">
+                  <a14:useLocalDpi xmlns:a14="http://schemas.microsoft.com/office/drawing/2010/main" val="0"/>
+                </a:ext>
+                <a:ext uri="{96DAC541-7B7A-43D3-8B79-37D633B846F1}">
+                  <asvg:svgBlip xmlns:asvg="http://schemas.microsoft.com/office/drawing/2016/SVG/main" r:embed="rId14"/>
+                </a:ext>
+              </a:extLst>
+            </a:blip>
+            <a:stretch>
+              <a:fillRect/>
+            </a:stretch>
+          </p:blipFill>
+          <p:spPr>
+            <a:xfrm>
+              <a:off x="5387928" y="2424163"/>
+              <a:ext cx="369148" cy="369148"/>
             </a:xfrm>
             <a:prstGeom prst="rect">
               <a:avLst/>
@@ -16859,391 +17820,6 @@
           </p:spPr>
         </p:pic>
       </p:grpSp>
-      <p:pic>
-        <p:nvPicPr>
-          <p:cNvPr id="63" name="Graphic 62">
-            <a:extLst>
-              <a:ext uri="{FF2B5EF4-FFF2-40B4-BE49-F238E27FC236}">
-                <a16:creationId xmlns:a16="http://schemas.microsoft.com/office/drawing/2014/main" id="{E3D5A002-1C80-624E-92F6-12246416BE84}"/>
-              </a:ext>
-            </a:extLst>
-          </p:cNvPr>
-          <p:cNvPicPr>
-            <a:picLocks noChangeAspect="1"/>
-          </p:cNvPicPr>
-          <p:nvPr/>
-        </p:nvPicPr>
-        <p:blipFill>
-          <a:blip r:embed="rId8">
-            <a:extLst>
-              <a:ext uri="{28A0092B-C50C-407E-A947-70E740481C1C}">
-                <a14:useLocalDpi xmlns:a14="http://schemas.microsoft.com/office/drawing/2010/main" val="0"/>
-              </a:ext>
-              <a:ext uri="{96DAC541-7B7A-43D3-8B79-37D633B846F1}">
-                <asvg:svgBlip xmlns:asvg="http://schemas.microsoft.com/office/drawing/2016/SVG/main" r:embed="rId9"/>
-              </a:ext>
-            </a:extLst>
-          </a:blip>
-          <a:stretch>
-            <a:fillRect/>
-          </a:stretch>
-        </p:blipFill>
-        <p:spPr>
-          <a:xfrm>
-            <a:off x="9350740" y="2887663"/>
-            <a:ext cx="131621" cy="177866"/>
-          </a:xfrm>
-          <a:prstGeom prst="rect">
-            <a:avLst/>
-          </a:prstGeom>
-        </p:spPr>
-      </p:pic>
-      <p:sp>
-        <p:nvSpPr>
-          <p:cNvPr id="70" name="TextBox 69">
-            <a:extLst>
-              <a:ext uri="{FF2B5EF4-FFF2-40B4-BE49-F238E27FC236}">
-                <a16:creationId xmlns:a16="http://schemas.microsoft.com/office/drawing/2014/main" id="{7B18F23A-C67B-1A46-9FA4-356BA15F70CB}"/>
-              </a:ext>
-            </a:extLst>
-          </p:cNvPr>
-          <p:cNvSpPr txBox="1"/>
-          <p:nvPr/>
-        </p:nvSpPr>
-        <p:spPr>
-          <a:xfrm>
-            <a:off x="8931273" y="4012959"/>
-            <a:ext cx="966298" cy="517065"/>
-          </a:xfrm>
-          <a:prstGeom prst="rect">
-            <a:avLst/>
-          </a:prstGeom>
-          <a:noFill/>
-        </p:spPr>
-        <p:txBody>
-          <a:bodyPr wrap="square" lIns="182880" tIns="146304" rIns="182880" bIns="146304" rtlCol="0">
-            <a:spAutoFit/>
-          </a:bodyPr>
-          <a:lstStyle/>
-          <a:p>
-            <a:pPr algn="ctr">
-              <a:lnSpc>
-                <a:spcPct val="90000"/>
-              </a:lnSpc>
-              <a:spcAft>
-                <a:spcPts val="600"/>
-              </a:spcAft>
-            </a:pPr>
-            <a:r>
-              <a:rPr lang="en-US" sz="800" dirty="0">
-                <a:solidFill>
-                  <a:schemeClr val="bg1"/>
-                </a:solidFill>
-                <a:latin typeface="Arial" panose="020B0604020202020204" pitchFamily="34" charset="0"/>
-                <a:cs typeface="Arial" panose="020B0604020202020204" pitchFamily="34" charset="0"/>
-              </a:rPr>
-              <a:t>Azure PostgreSQL</a:t>
-            </a:r>
-          </a:p>
-        </p:txBody>
-      </p:sp>
-      <p:sp>
-        <p:nvSpPr>
-          <p:cNvPr id="79" name="TextBox 78">
-            <a:extLst>
-              <a:ext uri="{FF2B5EF4-FFF2-40B4-BE49-F238E27FC236}">
-                <a16:creationId xmlns:a16="http://schemas.microsoft.com/office/drawing/2014/main" id="{03B0203C-8503-3846-BD51-D05EC7C15364}"/>
-              </a:ext>
-            </a:extLst>
-          </p:cNvPr>
-          <p:cNvSpPr txBox="1"/>
-          <p:nvPr/>
-        </p:nvSpPr>
-        <p:spPr>
-          <a:xfrm>
-            <a:off x="8529682" y="4025488"/>
-            <a:ext cx="739729" cy="517065"/>
-          </a:xfrm>
-          <a:prstGeom prst="rect">
-            <a:avLst/>
-          </a:prstGeom>
-          <a:noFill/>
-        </p:spPr>
-        <p:txBody>
-          <a:bodyPr wrap="square" lIns="182880" tIns="146304" rIns="182880" bIns="146304" rtlCol="0">
-            <a:spAutoFit/>
-          </a:bodyPr>
-          <a:lstStyle/>
-          <a:p>
-            <a:pPr algn="ctr">
-              <a:lnSpc>
-                <a:spcPct val="90000"/>
-              </a:lnSpc>
-              <a:spcAft>
-                <a:spcPts val="600"/>
-              </a:spcAft>
-            </a:pPr>
-            <a:r>
-              <a:rPr lang="en-US" sz="800" dirty="0">
-                <a:solidFill>
-                  <a:schemeClr val="bg1"/>
-                </a:solidFill>
-                <a:latin typeface="Arial" panose="020B0604020202020204" pitchFamily="34" charset="0"/>
-                <a:cs typeface="Arial" panose="020B0604020202020204" pitchFamily="34" charset="0"/>
-              </a:rPr>
-              <a:t>App Service</a:t>
-            </a:r>
-          </a:p>
-        </p:txBody>
-      </p:sp>
-      <p:pic>
-        <p:nvPicPr>
-          <p:cNvPr id="80" name="Picture 79">
-            <a:extLst>
-              <a:ext uri="{FF2B5EF4-FFF2-40B4-BE49-F238E27FC236}">
-                <a16:creationId xmlns:a16="http://schemas.microsoft.com/office/drawing/2014/main" id="{EC377141-3122-0E4E-B20D-AD116C76A09F}"/>
-              </a:ext>
-            </a:extLst>
-          </p:cNvPr>
-          <p:cNvPicPr>
-            <a:picLocks noChangeAspect="1"/>
-          </p:cNvPicPr>
-          <p:nvPr/>
-        </p:nvPicPr>
-        <p:blipFill>
-          <a:blip r:embed="rId6" cstate="print">
-            <a:extLst>
-              <a:ext uri="{28A0092B-C50C-407E-A947-70E740481C1C}">
-                <a14:useLocalDpi xmlns:a14="http://schemas.microsoft.com/office/drawing/2010/main" val="0"/>
-              </a:ext>
-            </a:extLst>
-          </a:blip>
-          <a:stretch>
-            <a:fillRect/>
-          </a:stretch>
-        </p:blipFill>
-        <p:spPr>
-          <a:xfrm>
-            <a:off x="8821295" y="3956979"/>
-            <a:ext cx="193592" cy="193592"/>
-          </a:xfrm>
-          <a:prstGeom prst="rect">
-            <a:avLst/>
-          </a:prstGeom>
-        </p:spPr>
-      </p:pic>
-      <p:pic>
-        <p:nvPicPr>
-          <p:cNvPr id="81" name="Graphic 80">
-            <a:extLst>
-              <a:ext uri="{FF2B5EF4-FFF2-40B4-BE49-F238E27FC236}">
-                <a16:creationId xmlns:a16="http://schemas.microsoft.com/office/drawing/2014/main" id="{A689A4FF-2DA7-9248-B71E-622A1F84A260}"/>
-              </a:ext>
-            </a:extLst>
-          </p:cNvPr>
-          <p:cNvPicPr>
-            <a:picLocks noChangeAspect="1"/>
-          </p:cNvPicPr>
-          <p:nvPr/>
-        </p:nvPicPr>
-        <p:blipFill>
-          <a:blip r:embed="rId8">
-            <a:extLst>
-              <a:ext uri="{28A0092B-C50C-407E-A947-70E740481C1C}">
-                <a14:useLocalDpi xmlns:a14="http://schemas.microsoft.com/office/drawing/2010/main" val="0"/>
-              </a:ext>
-              <a:ext uri="{96DAC541-7B7A-43D3-8B79-37D633B846F1}">
-                <asvg:svgBlip xmlns:asvg="http://schemas.microsoft.com/office/drawing/2016/SVG/main" r:embed="rId9"/>
-              </a:ext>
-            </a:extLst>
-          </a:blip>
-          <a:stretch>
-            <a:fillRect/>
-          </a:stretch>
-        </p:blipFill>
-        <p:spPr>
-          <a:xfrm>
-            <a:off x="9365330" y="3949315"/>
-            <a:ext cx="131621" cy="177866"/>
-          </a:xfrm>
-          <a:prstGeom prst="rect">
-            <a:avLst/>
-          </a:prstGeom>
-        </p:spPr>
-      </p:pic>
-      <p:sp>
-        <p:nvSpPr>
-          <p:cNvPr id="82" name="TextBox 81">
-            <a:extLst>
-              <a:ext uri="{FF2B5EF4-FFF2-40B4-BE49-F238E27FC236}">
-                <a16:creationId xmlns:a16="http://schemas.microsoft.com/office/drawing/2014/main" id="{76451161-C0BB-8D43-BEC4-8FC67F10A210}"/>
-              </a:ext>
-            </a:extLst>
-          </p:cNvPr>
-          <p:cNvSpPr txBox="1"/>
-          <p:nvPr/>
-        </p:nvSpPr>
-        <p:spPr>
-          <a:xfrm>
-            <a:off x="10324867" y="3464056"/>
-            <a:ext cx="1049333" cy="517065"/>
-          </a:xfrm>
-          <a:prstGeom prst="rect">
-            <a:avLst/>
-          </a:prstGeom>
-          <a:noFill/>
-        </p:spPr>
-        <p:txBody>
-          <a:bodyPr wrap="square" lIns="182880" tIns="146304" rIns="182880" bIns="146304" rtlCol="0">
-            <a:spAutoFit/>
-          </a:bodyPr>
-          <a:lstStyle/>
-          <a:p>
-            <a:pPr algn="ctr">
-              <a:lnSpc>
-                <a:spcPct val="90000"/>
-              </a:lnSpc>
-              <a:spcAft>
-                <a:spcPts val="600"/>
-              </a:spcAft>
-            </a:pPr>
-            <a:r>
-              <a:rPr lang="en-US" sz="800" dirty="0">
-                <a:solidFill>
-                  <a:schemeClr val="bg1"/>
-                </a:solidFill>
-                <a:latin typeface="Arial" panose="020B0604020202020204" pitchFamily="34" charset="0"/>
-                <a:cs typeface="Arial" panose="020B0604020202020204" pitchFamily="34" charset="0"/>
-              </a:rPr>
-              <a:t>Azure PostgreSQL</a:t>
-            </a:r>
-          </a:p>
-        </p:txBody>
-      </p:sp>
-      <p:sp>
-        <p:nvSpPr>
-          <p:cNvPr id="83" name="TextBox 82">
-            <a:extLst>
-              <a:ext uri="{FF2B5EF4-FFF2-40B4-BE49-F238E27FC236}">
-                <a16:creationId xmlns:a16="http://schemas.microsoft.com/office/drawing/2014/main" id="{3D60FD2C-0CAF-244F-A082-A19FA222250B}"/>
-              </a:ext>
-            </a:extLst>
-          </p:cNvPr>
-          <p:cNvSpPr txBox="1"/>
-          <p:nvPr/>
-        </p:nvSpPr>
-        <p:spPr>
-          <a:xfrm>
-            <a:off x="9971179" y="3470529"/>
-            <a:ext cx="739729" cy="517065"/>
-          </a:xfrm>
-          <a:prstGeom prst="rect">
-            <a:avLst/>
-          </a:prstGeom>
-          <a:noFill/>
-        </p:spPr>
-        <p:txBody>
-          <a:bodyPr wrap="square" lIns="182880" tIns="146304" rIns="182880" bIns="146304" rtlCol="0">
-            <a:spAutoFit/>
-          </a:bodyPr>
-          <a:lstStyle/>
-          <a:p>
-            <a:pPr algn="ctr">
-              <a:lnSpc>
-                <a:spcPct val="90000"/>
-              </a:lnSpc>
-              <a:spcAft>
-                <a:spcPts val="600"/>
-              </a:spcAft>
-            </a:pPr>
-            <a:r>
-              <a:rPr lang="en-US" sz="800" dirty="0">
-                <a:solidFill>
-                  <a:schemeClr val="bg1"/>
-                </a:solidFill>
-                <a:latin typeface="Arial" panose="020B0604020202020204" pitchFamily="34" charset="0"/>
-                <a:cs typeface="Arial" panose="020B0604020202020204" pitchFamily="34" charset="0"/>
-              </a:rPr>
-              <a:t>App Service</a:t>
-            </a:r>
-          </a:p>
-        </p:txBody>
-      </p:sp>
-      <p:pic>
-        <p:nvPicPr>
-          <p:cNvPr id="84" name="Picture 83">
-            <a:extLst>
-              <a:ext uri="{FF2B5EF4-FFF2-40B4-BE49-F238E27FC236}">
-                <a16:creationId xmlns:a16="http://schemas.microsoft.com/office/drawing/2014/main" id="{29BD3C19-5FB5-574A-8BCB-D2E62A11ECF3}"/>
-              </a:ext>
-            </a:extLst>
-          </p:cNvPr>
-          <p:cNvPicPr>
-            <a:picLocks noChangeAspect="1"/>
-          </p:cNvPicPr>
-          <p:nvPr/>
-        </p:nvPicPr>
-        <p:blipFill>
-          <a:blip r:embed="rId6" cstate="print">
-            <a:extLst>
-              <a:ext uri="{28A0092B-C50C-407E-A947-70E740481C1C}">
-                <a14:useLocalDpi xmlns:a14="http://schemas.microsoft.com/office/drawing/2010/main" val="0"/>
-              </a:ext>
-            </a:extLst>
-          </a:blip>
-          <a:stretch>
-            <a:fillRect/>
-          </a:stretch>
-        </p:blipFill>
-        <p:spPr>
-          <a:xfrm>
-            <a:off x="10251882" y="3400082"/>
-            <a:ext cx="193592" cy="193592"/>
-          </a:xfrm>
-          <a:prstGeom prst="rect">
-            <a:avLst/>
-          </a:prstGeom>
-        </p:spPr>
-      </p:pic>
-      <p:pic>
-        <p:nvPicPr>
-          <p:cNvPr id="85" name="Graphic 84">
-            <a:extLst>
-              <a:ext uri="{FF2B5EF4-FFF2-40B4-BE49-F238E27FC236}">
-                <a16:creationId xmlns:a16="http://schemas.microsoft.com/office/drawing/2014/main" id="{B022F6F7-9702-3C4A-B4CD-AD94514B6B80}"/>
-              </a:ext>
-            </a:extLst>
-          </p:cNvPr>
-          <p:cNvPicPr>
-            <a:picLocks noChangeAspect="1"/>
-          </p:cNvPicPr>
-          <p:nvPr/>
-        </p:nvPicPr>
-        <p:blipFill>
-          <a:blip r:embed="rId8">
-            <a:extLst>
-              <a:ext uri="{28A0092B-C50C-407E-A947-70E740481C1C}">
-                <a14:useLocalDpi xmlns:a14="http://schemas.microsoft.com/office/drawing/2010/main" val="0"/>
-              </a:ext>
-              <a:ext uri="{96DAC541-7B7A-43D3-8B79-37D633B846F1}">
-                <asvg:svgBlip xmlns:asvg="http://schemas.microsoft.com/office/drawing/2016/SVG/main" r:embed="rId9"/>
-              </a:ext>
-            </a:extLst>
-          </a:blip>
-          <a:stretch>
-            <a:fillRect/>
-          </a:stretch>
-        </p:blipFill>
-        <p:spPr>
-          <a:xfrm>
-            <a:off x="10790321" y="3410680"/>
-            <a:ext cx="131621" cy="177866"/>
-          </a:xfrm>
-          <a:prstGeom prst="rect">
-            <a:avLst/>
-          </a:prstGeom>
-        </p:spPr>
-      </p:pic>
     </p:spTree>
     <p:extLst>
       <p:ext uri="{BB962C8B-B14F-4D97-AF65-F5344CB8AC3E}">

--- a/Whiteboard design session/resources/Diagrams.pptx
+++ b/Whiteboard design session/resources/Diagrams.pptx
@@ -200,7 +200,7 @@
           <a:p>
             <a:fld id="{877E2508-B5E2-4D40-8ED0-8E8E41B00F04}" type="datetimeFigureOut">
               <a:rPr lang="en-US" smtClean="0"/>
-              <a:t>12/6/2019</a:t>
+              <a:t>12/13/2019</a:t>
             </a:fld>
             <a:endParaRPr lang="en-US" dirty="0"/>
           </a:p>
@@ -842,7 +842,7 @@
           <a:p>
             <a:fld id="{6F32BA24-77A6-4699-9B9E-D0B6E743AD6F}" type="datetimeFigureOut">
               <a:rPr lang="en-US" smtClean="0"/>
-              <a:t>12/6/2019</a:t>
+              <a:t>12/13/2019</a:t>
             </a:fld>
             <a:endParaRPr lang="en-US" dirty="0"/>
           </a:p>
@@ -1040,7 +1040,7 @@
           <a:p>
             <a:fld id="{6F32BA24-77A6-4699-9B9E-D0B6E743AD6F}" type="datetimeFigureOut">
               <a:rPr lang="en-US" smtClean="0"/>
-              <a:t>12/6/2019</a:t>
+              <a:t>12/13/2019</a:t>
             </a:fld>
             <a:endParaRPr lang="en-US" dirty="0"/>
           </a:p>
@@ -1248,7 +1248,7 @@
           <a:p>
             <a:fld id="{6F32BA24-77A6-4699-9B9E-D0B6E743AD6F}" type="datetimeFigureOut">
               <a:rPr lang="en-US" smtClean="0"/>
-              <a:t>12/6/2019</a:t>
+              <a:t>12/13/2019</a:t>
             </a:fld>
             <a:endParaRPr lang="en-US" dirty="0"/>
           </a:p>
@@ -6448,7 +6448,7 @@
           <a:p>
             <a:fld id="{6F32BA24-77A6-4699-9B9E-D0B6E743AD6F}" type="datetimeFigureOut">
               <a:rPr lang="en-US" smtClean="0"/>
-              <a:t>12/6/2019</a:t>
+              <a:t>12/13/2019</a:t>
             </a:fld>
             <a:endParaRPr lang="en-US" dirty="0"/>
           </a:p>
@@ -9400,7 +9400,7 @@
           <a:p>
             <a:fld id="{6F32BA24-77A6-4699-9B9E-D0B6E743AD6F}" type="datetimeFigureOut">
               <a:rPr lang="en-US" smtClean="0"/>
-              <a:t>12/6/2019</a:t>
+              <a:t>12/13/2019</a:t>
             </a:fld>
             <a:endParaRPr lang="en-US" dirty="0"/>
           </a:p>
@@ -9665,7 +9665,7 @@
           <a:p>
             <a:fld id="{6F32BA24-77A6-4699-9B9E-D0B6E743AD6F}" type="datetimeFigureOut">
               <a:rPr lang="en-US" smtClean="0"/>
-              <a:t>12/6/2019</a:t>
+              <a:t>12/13/2019</a:t>
             </a:fld>
             <a:endParaRPr lang="en-US" dirty="0"/>
           </a:p>
@@ -10077,7 +10077,7 @@
           <a:p>
             <a:fld id="{6F32BA24-77A6-4699-9B9E-D0B6E743AD6F}" type="datetimeFigureOut">
               <a:rPr lang="en-US" smtClean="0"/>
-              <a:t>12/6/2019</a:t>
+              <a:t>12/13/2019</a:t>
             </a:fld>
             <a:endParaRPr lang="en-US" dirty="0"/>
           </a:p>
@@ -10218,7 +10218,7 @@
           <a:p>
             <a:fld id="{6F32BA24-77A6-4699-9B9E-D0B6E743AD6F}" type="datetimeFigureOut">
               <a:rPr lang="en-US" smtClean="0"/>
-              <a:t>12/6/2019</a:t>
+              <a:t>12/13/2019</a:t>
             </a:fld>
             <a:endParaRPr lang="en-US" dirty="0"/>
           </a:p>
@@ -10331,7 +10331,7 @@
           <a:p>
             <a:fld id="{6F32BA24-77A6-4699-9B9E-D0B6E743AD6F}" type="datetimeFigureOut">
               <a:rPr lang="en-US" smtClean="0"/>
-              <a:t>12/6/2019</a:t>
+              <a:t>12/13/2019</a:t>
             </a:fld>
             <a:endParaRPr lang="en-US" dirty="0"/>
           </a:p>
@@ -10642,7 +10642,7 @@
           <a:p>
             <a:fld id="{6F32BA24-77A6-4699-9B9E-D0B6E743AD6F}" type="datetimeFigureOut">
               <a:rPr lang="en-US" smtClean="0"/>
-              <a:t>12/6/2019</a:t>
+              <a:t>12/13/2019</a:t>
             </a:fld>
             <a:endParaRPr lang="en-US" dirty="0"/>
           </a:p>
@@ -10930,7 +10930,7 @@
           <a:p>
             <a:fld id="{6F32BA24-77A6-4699-9B9E-D0B6E743AD6F}" type="datetimeFigureOut">
               <a:rPr lang="en-US" smtClean="0"/>
-              <a:t>12/6/2019</a:t>
+              <a:t>12/13/2019</a:t>
             </a:fld>
             <a:endParaRPr lang="en-US" dirty="0"/>
           </a:p>
@@ -11171,7 +11171,7 @@
           <a:p>
             <a:fld id="{6F32BA24-77A6-4699-9B9E-D0B6E743AD6F}" type="datetimeFigureOut">
               <a:rPr lang="en-US" smtClean="0"/>
-              <a:t>12/6/2019</a:t>
+              <a:t>12/13/2019</a:t>
             </a:fld>
             <a:endParaRPr lang="en-US" dirty="0"/>
           </a:p>
@@ -15412,9 +15412,9 @@
         <p:grpSpPr>
           <a:xfrm>
             <a:off x="340550" y="1958796"/>
-            <a:ext cx="11128289" cy="3164850"/>
+            <a:ext cx="11207386" cy="3164850"/>
             <a:chOff x="340550" y="1958796"/>
-            <a:chExt cx="11128289" cy="3164850"/>
+            <a:chExt cx="11207386" cy="3164850"/>
           </a:xfrm>
         </p:grpSpPr>
         <p:grpSp>
@@ -15432,9 +15432,9 @@
           <p:grpSpPr>
             <a:xfrm>
               <a:off x="340550" y="1958796"/>
-              <a:ext cx="11128289" cy="3164850"/>
+              <a:ext cx="11197651" cy="3164850"/>
               <a:chOff x="340550" y="1958796"/>
-              <a:chExt cx="11128289" cy="3164850"/>
+              <a:chExt cx="11197651" cy="3164850"/>
             </a:xfrm>
           </p:grpSpPr>
           <p:sp>
@@ -15452,7 +15452,7 @@
             <p:spPr bwMode="auto">
               <a:xfrm>
                 <a:off x="458786" y="1958796"/>
-                <a:ext cx="11010053" cy="3164850"/>
+                <a:ext cx="11079415" cy="3164850"/>
               </a:xfrm>
               <a:prstGeom prst="rect">
                 <a:avLst/>
@@ -16309,10 +16309,10 @@
             </p:nvGrpSpPr>
             <p:grpSpPr>
               <a:xfrm>
-                <a:off x="8512008" y="2486976"/>
-                <a:ext cx="1387384" cy="970705"/>
-                <a:chOff x="8512008" y="2506028"/>
-                <a:chExt cx="1387384" cy="970705"/>
+                <a:off x="8580588" y="2486976"/>
+                <a:ext cx="1492540" cy="970705"/>
+                <a:chOff x="8580588" y="2506028"/>
+                <a:chExt cx="1492540" cy="970705"/>
               </a:xfrm>
             </p:grpSpPr>
             <p:sp>
@@ -16329,8 +16329,8 @@
               </p:nvSpPr>
               <p:spPr bwMode="auto">
                 <a:xfrm>
-                  <a:off x="8640135" y="2506028"/>
-                  <a:ext cx="1076276" cy="858017"/>
+                  <a:off x="8640133" y="2506028"/>
+                  <a:ext cx="1331045" cy="858017"/>
                 </a:xfrm>
                 <a:prstGeom prst="rect">
                   <a:avLst/>
@@ -16390,7 +16390,7 @@
                       <a:ea typeface="Segoe UI" pitchFamily="34" charset="0"/>
                       <a:cs typeface="Arial" panose="020B0604020202020204" pitchFamily="34" charset="0"/>
                     </a:rPr>
-                    <a:t>development</a:t>
+                    <a:t>DEVELOPMENT</a:t>
                   </a:r>
                 </a:p>
               </p:txBody>
@@ -16409,7 +16409,7 @@
               </p:nvSpPr>
               <p:spPr>
                 <a:xfrm>
-                  <a:off x="8512008" y="2959668"/>
+                  <a:off x="8580588" y="2959668"/>
                   <a:ext cx="739729" cy="517065"/>
                 </a:xfrm>
                 <a:prstGeom prst="rect">
@@ -16444,42 +16444,6 @@
                 </a:p>
               </p:txBody>
             </p:sp>
-            <p:pic>
-              <p:nvPicPr>
-                <p:cNvPr id="170" name="Picture 169">
-                  <a:extLst>
-                    <a:ext uri="{FF2B5EF4-FFF2-40B4-BE49-F238E27FC236}">
-                      <a16:creationId xmlns:a16="http://schemas.microsoft.com/office/drawing/2014/main" id="{11D19535-74BA-40E6-907E-212E39EDF408}"/>
-                    </a:ext>
-                  </a:extLst>
-                </p:cNvPr>
-                <p:cNvPicPr>
-                  <a:picLocks noChangeAspect="1"/>
-                </p:cNvPicPr>
-                <p:nvPr/>
-              </p:nvPicPr>
-              <p:blipFill>
-                <a:blip r:embed="rId6" cstate="print">
-                  <a:extLst>
-                    <a:ext uri="{28A0092B-C50C-407E-A947-70E740481C1C}">
-                      <a14:useLocalDpi xmlns:a14="http://schemas.microsoft.com/office/drawing/2010/main" val="0"/>
-                    </a:ext>
-                  </a:extLst>
-                </a:blip>
-                <a:stretch>
-                  <a:fillRect/>
-                </a:stretch>
-              </p:blipFill>
-              <p:spPr>
-                <a:xfrm>
-                  <a:off x="8785077" y="2892169"/>
-                  <a:ext cx="193592" cy="193592"/>
-                </a:xfrm>
-                <a:prstGeom prst="rect">
-                  <a:avLst/>
-                </a:prstGeom>
-              </p:spPr>
-            </p:pic>
             <p:sp>
               <p:nvSpPr>
                 <p:cNvPr id="171" name="TextBox 170">
@@ -16494,7 +16458,7 @@
               </p:nvSpPr>
               <p:spPr>
                 <a:xfrm>
-                  <a:off x="8931273" y="2953869"/>
+                  <a:off x="9105009" y="2953869"/>
                   <a:ext cx="968119" cy="517065"/>
                 </a:xfrm>
                 <a:prstGeom prst="rect">
@@ -16544,8 +16508,8 @@
             </p:nvSpPr>
             <p:spPr bwMode="auto">
               <a:xfrm>
-                <a:off x="10079654" y="3013941"/>
-                <a:ext cx="1076276" cy="858017"/>
+                <a:off x="10079653" y="3013941"/>
+                <a:ext cx="1331045" cy="858017"/>
               </a:xfrm>
               <a:prstGeom prst="rect">
                 <a:avLst/>
@@ -16605,7 +16569,7 @@
                     <a:ea typeface="Segoe UI" pitchFamily="34" charset="0"/>
                     <a:cs typeface="Arial" panose="020B0604020202020204" pitchFamily="34" charset="0"/>
                   </a:rPr>
-                  <a:t>test</a:t>
+                  <a:t>TEST</a:t>
                 </a:r>
               </a:p>
             </p:txBody>
@@ -16624,8 +16588,8 @@
             </p:nvSpPr>
             <p:spPr bwMode="auto">
               <a:xfrm>
-                <a:off x="8643516" y="3561298"/>
-                <a:ext cx="1076276" cy="858017"/>
+                <a:off x="8643514" y="3561298"/>
+                <a:ext cx="1331045" cy="858017"/>
               </a:xfrm>
               <a:prstGeom prst="rect">
                 <a:avLst/>
@@ -16685,7 +16649,7 @@
                     <a:ea typeface="Segoe UI" pitchFamily="34" charset="0"/>
                     <a:cs typeface="Arial" panose="020B0604020202020204" pitchFamily="34" charset="0"/>
                   </a:rPr>
-                  <a:t>production</a:t>
+                  <a:t>PRODUCTION</a:t>
                 </a:r>
               </a:p>
             </p:txBody>
@@ -17143,45 +17107,6 @@
             </p:style>
           </p:cxnSp>
         </p:grpSp>
-        <p:pic>
-          <p:nvPicPr>
-            <p:cNvPr id="125" name="Graphic 124">
-              <a:extLst>
-                <a:ext uri="{FF2B5EF4-FFF2-40B4-BE49-F238E27FC236}">
-                  <a16:creationId xmlns:a16="http://schemas.microsoft.com/office/drawing/2014/main" id="{AC104A23-83C0-4CBE-A1E6-8D29399E2177}"/>
-                </a:ext>
-              </a:extLst>
-            </p:cNvPr>
-            <p:cNvPicPr>
-              <a:picLocks noChangeAspect="1"/>
-            </p:cNvPicPr>
-            <p:nvPr/>
-          </p:nvPicPr>
-          <p:blipFill>
-            <a:blip r:embed="rId7" cstate="print">
-              <a:extLst>
-                <a:ext uri="{28A0092B-C50C-407E-A947-70E740481C1C}">
-                  <a14:useLocalDpi xmlns:a14="http://schemas.microsoft.com/office/drawing/2010/main" val="0"/>
-                </a:ext>
-                <a:ext uri="{96DAC541-7B7A-43D3-8B79-37D633B846F1}">
-                  <asvg:svgBlip xmlns:asvg="http://schemas.microsoft.com/office/drawing/2016/SVG/main" r:embed="rId8"/>
-                </a:ext>
-              </a:extLst>
-            </a:blip>
-            <a:stretch>
-              <a:fillRect/>
-            </a:stretch>
-          </p:blipFill>
-          <p:spPr>
-            <a:xfrm>
-              <a:off x="9350740" y="2887663"/>
-              <a:ext cx="131621" cy="177866"/>
-            </a:xfrm>
-            <a:prstGeom prst="rect">
-              <a:avLst/>
-            </a:prstGeom>
-          </p:spPr>
-        </p:pic>
         <p:sp>
           <p:nvSpPr>
             <p:cNvPr id="126" name="TextBox 125">
@@ -17196,7 +17121,7 @@
           </p:nvSpPr>
           <p:spPr>
             <a:xfrm>
-              <a:off x="8931273" y="4012959"/>
+              <a:off x="9105009" y="4012959"/>
               <a:ext cx="966298" cy="517065"/>
             </a:xfrm>
             <a:prstGeom prst="rect">
@@ -17245,7 +17170,7 @@
           </p:nvSpPr>
           <p:spPr>
             <a:xfrm>
-              <a:off x="8529682" y="4025488"/>
+              <a:off x="8598262" y="4025488"/>
               <a:ext cx="739729" cy="517065"/>
             </a:xfrm>
             <a:prstGeom prst="rect">
@@ -17280,81 +17205,6 @@
             </a:p>
           </p:txBody>
         </p:sp>
-        <p:pic>
-          <p:nvPicPr>
-            <p:cNvPr id="128" name="Picture 127">
-              <a:extLst>
-                <a:ext uri="{FF2B5EF4-FFF2-40B4-BE49-F238E27FC236}">
-                  <a16:creationId xmlns:a16="http://schemas.microsoft.com/office/drawing/2014/main" id="{5608F898-51BE-444A-B583-6844B402C513}"/>
-                </a:ext>
-              </a:extLst>
-            </p:cNvPr>
-            <p:cNvPicPr>
-              <a:picLocks noChangeAspect="1"/>
-            </p:cNvPicPr>
-            <p:nvPr/>
-          </p:nvPicPr>
-          <p:blipFill>
-            <a:blip r:embed="rId6" cstate="print">
-              <a:extLst>
-                <a:ext uri="{28A0092B-C50C-407E-A947-70E740481C1C}">
-                  <a14:useLocalDpi xmlns:a14="http://schemas.microsoft.com/office/drawing/2010/main" val="0"/>
-                </a:ext>
-              </a:extLst>
-            </a:blip>
-            <a:stretch>
-              <a:fillRect/>
-            </a:stretch>
-          </p:blipFill>
-          <p:spPr>
-            <a:xfrm>
-              <a:off x="8821295" y="3956979"/>
-              <a:ext cx="193592" cy="193592"/>
-            </a:xfrm>
-            <a:prstGeom prst="rect">
-              <a:avLst/>
-            </a:prstGeom>
-          </p:spPr>
-        </p:pic>
-        <p:pic>
-          <p:nvPicPr>
-            <p:cNvPr id="129" name="Graphic 128">
-              <a:extLst>
-                <a:ext uri="{FF2B5EF4-FFF2-40B4-BE49-F238E27FC236}">
-                  <a16:creationId xmlns:a16="http://schemas.microsoft.com/office/drawing/2014/main" id="{735652A7-2A81-4C17-AC90-8F049DF63CAB}"/>
-                </a:ext>
-              </a:extLst>
-            </p:cNvPr>
-            <p:cNvPicPr>
-              <a:picLocks noChangeAspect="1"/>
-            </p:cNvPicPr>
-            <p:nvPr/>
-          </p:nvPicPr>
-          <p:blipFill>
-            <a:blip r:embed="rId7" cstate="print">
-              <a:extLst>
-                <a:ext uri="{28A0092B-C50C-407E-A947-70E740481C1C}">
-                  <a14:useLocalDpi xmlns:a14="http://schemas.microsoft.com/office/drawing/2010/main" val="0"/>
-                </a:ext>
-                <a:ext uri="{96DAC541-7B7A-43D3-8B79-37D633B846F1}">
-                  <asvg:svgBlip xmlns:asvg="http://schemas.microsoft.com/office/drawing/2016/SVG/main" r:embed="rId8"/>
-                </a:ext>
-              </a:extLst>
-            </a:blip>
-            <a:stretch>
-              <a:fillRect/>
-            </a:stretch>
-          </p:blipFill>
-          <p:spPr>
-            <a:xfrm>
-              <a:off x="9365330" y="3949315"/>
-              <a:ext cx="131621" cy="177866"/>
-            </a:xfrm>
-            <a:prstGeom prst="rect">
-              <a:avLst/>
-            </a:prstGeom>
-          </p:spPr>
-        </p:pic>
         <p:sp>
           <p:nvSpPr>
             <p:cNvPr id="130" name="TextBox 129">
@@ -17369,7 +17219,7 @@
           </p:nvSpPr>
           <p:spPr>
             <a:xfrm>
-              <a:off x="10324867" y="3464056"/>
+              <a:off x="10498603" y="3464056"/>
               <a:ext cx="1049333" cy="517065"/>
             </a:xfrm>
             <a:prstGeom prst="rect">
@@ -17418,7 +17268,7 @@
           </p:nvSpPr>
           <p:spPr>
             <a:xfrm>
-              <a:off x="9971179" y="3470529"/>
+              <a:off x="10039759" y="3470529"/>
               <a:ext cx="739729" cy="517065"/>
             </a:xfrm>
             <a:prstGeom prst="rect">
@@ -17455,81 +17305,6 @@
         </p:sp>
         <p:pic>
           <p:nvPicPr>
-            <p:cNvPr id="132" name="Picture 131">
-              <a:extLst>
-                <a:ext uri="{FF2B5EF4-FFF2-40B4-BE49-F238E27FC236}">
-                  <a16:creationId xmlns:a16="http://schemas.microsoft.com/office/drawing/2014/main" id="{692B5C5E-BD6E-4E32-A864-3E3D490EC248}"/>
-                </a:ext>
-              </a:extLst>
-            </p:cNvPr>
-            <p:cNvPicPr>
-              <a:picLocks noChangeAspect="1"/>
-            </p:cNvPicPr>
-            <p:nvPr/>
-          </p:nvPicPr>
-          <p:blipFill>
-            <a:blip r:embed="rId6" cstate="print">
-              <a:extLst>
-                <a:ext uri="{28A0092B-C50C-407E-A947-70E740481C1C}">
-                  <a14:useLocalDpi xmlns:a14="http://schemas.microsoft.com/office/drawing/2010/main" val="0"/>
-                </a:ext>
-              </a:extLst>
-            </a:blip>
-            <a:stretch>
-              <a:fillRect/>
-            </a:stretch>
-          </p:blipFill>
-          <p:spPr>
-            <a:xfrm>
-              <a:off x="10251882" y="3400082"/>
-              <a:ext cx="193592" cy="193592"/>
-            </a:xfrm>
-            <a:prstGeom prst="rect">
-              <a:avLst/>
-            </a:prstGeom>
-          </p:spPr>
-        </p:pic>
-        <p:pic>
-          <p:nvPicPr>
-            <p:cNvPr id="133" name="Graphic 132">
-              <a:extLst>
-                <a:ext uri="{FF2B5EF4-FFF2-40B4-BE49-F238E27FC236}">
-                  <a16:creationId xmlns:a16="http://schemas.microsoft.com/office/drawing/2014/main" id="{A8399A58-CD13-47B0-A1D3-E7DB2FEBD206}"/>
-                </a:ext>
-              </a:extLst>
-            </p:cNvPr>
-            <p:cNvPicPr>
-              <a:picLocks noChangeAspect="1"/>
-            </p:cNvPicPr>
-            <p:nvPr/>
-          </p:nvPicPr>
-          <p:blipFill>
-            <a:blip r:embed="rId7" cstate="print">
-              <a:extLst>
-                <a:ext uri="{28A0092B-C50C-407E-A947-70E740481C1C}">
-                  <a14:useLocalDpi xmlns:a14="http://schemas.microsoft.com/office/drawing/2010/main" val="0"/>
-                </a:ext>
-                <a:ext uri="{96DAC541-7B7A-43D3-8B79-37D633B846F1}">
-                  <asvg:svgBlip xmlns:asvg="http://schemas.microsoft.com/office/drawing/2016/SVG/main" r:embed="rId8"/>
-                </a:ext>
-              </a:extLst>
-            </a:blip>
-            <a:stretch>
-              <a:fillRect/>
-            </a:stretch>
-          </p:blipFill>
-          <p:spPr>
-            <a:xfrm>
-              <a:off x="10790321" y="3410680"/>
-              <a:ext cx="131621" cy="177866"/>
-            </a:xfrm>
-            <a:prstGeom prst="rect">
-              <a:avLst/>
-            </a:prstGeom>
-          </p:spPr>
-        </p:pic>
-        <p:pic>
-          <p:nvPicPr>
             <p:cNvPr id="134" name="Picture 133">
               <a:extLst>
                 <a:ext uri="{FF2B5EF4-FFF2-40B4-BE49-F238E27FC236}">
@@ -17543,13 +17318,13 @@
             <p:nvPr/>
           </p:nvPicPr>
           <p:blipFill rotWithShape="1">
-            <a:blip r:embed="rId9"/>
+            <a:blip r:embed="rId6"/>
             <a:srcRect l="3302" t="6466" r="5732" b="6346"/>
             <a:stretch/>
           </p:blipFill>
           <p:spPr>
             <a:xfrm>
-              <a:off x="8786711" y="2875298"/>
+              <a:off x="8855291" y="2875298"/>
               <a:ext cx="191958" cy="190661"/>
             </a:xfrm>
             <a:prstGeom prst="rect">
@@ -17572,13 +17347,13 @@
             <p:nvPr/>
           </p:nvPicPr>
           <p:blipFill rotWithShape="1">
-            <a:blip r:embed="rId10"/>
+            <a:blip r:embed="rId7"/>
             <a:srcRect l="8063" t="5692" r="7576" b="4929"/>
             <a:stretch/>
           </p:blipFill>
           <p:spPr>
             <a:xfrm>
-              <a:off x="9350740" y="2887663"/>
+              <a:off x="9524476" y="2887663"/>
               <a:ext cx="131524" cy="177866"/>
             </a:xfrm>
             <a:prstGeom prst="rect">
@@ -17601,13 +17376,13 @@
             <p:nvPr/>
           </p:nvPicPr>
           <p:blipFill rotWithShape="1">
-            <a:blip r:embed="rId9"/>
+            <a:blip r:embed="rId6"/>
             <a:srcRect l="3302" t="6466" r="5732" b="6346"/>
             <a:stretch/>
           </p:blipFill>
           <p:spPr>
             <a:xfrm>
-              <a:off x="8821198" y="3956686"/>
+              <a:off x="8889778" y="3956686"/>
               <a:ext cx="191958" cy="190661"/>
             </a:xfrm>
             <a:prstGeom prst="rect">
@@ -17630,13 +17405,13 @@
             <p:nvPr/>
           </p:nvPicPr>
           <p:blipFill rotWithShape="1">
-            <a:blip r:embed="rId10"/>
+            <a:blip r:embed="rId7"/>
             <a:srcRect l="8063" t="5692" r="7576" b="4929"/>
             <a:stretch/>
           </p:blipFill>
           <p:spPr>
             <a:xfrm>
-              <a:off x="9365330" y="3956979"/>
+              <a:off x="9539066" y="3956979"/>
               <a:ext cx="131524" cy="177866"/>
             </a:xfrm>
             <a:prstGeom prst="rect">
@@ -17659,13 +17434,13 @@
             <p:nvPr/>
           </p:nvPicPr>
           <p:blipFill rotWithShape="1">
-            <a:blip r:embed="rId9"/>
+            <a:blip r:embed="rId6"/>
             <a:srcRect l="3302" t="6466" r="5732" b="6346"/>
             <a:stretch/>
           </p:blipFill>
           <p:spPr>
             <a:xfrm>
-              <a:off x="10254430" y="3401547"/>
+              <a:off x="10323010" y="3401547"/>
               <a:ext cx="191958" cy="190661"/>
             </a:xfrm>
             <a:prstGeom prst="rect">
@@ -17688,13 +17463,13 @@
             <p:nvPr/>
           </p:nvPicPr>
           <p:blipFill rotWithShape="1">
-            <a:blip r:embed="rId10"/>
+            <a:blip r:embed="rId7"/>
             <a:srcRect l="8063" t="5692" r="7576" b="4929"/>
             <a:stretch/>
           </p:blipFill>
           <p:spPr>
             <a:xfrm>
-              <a:off x="10791081" y="3411868"/>
+              <a:off x="10964817" y="3411868"/>
               <a:ext cx="131524" cy="177866"/>
             </a:xfrm>
             <a:prstGeom prst="rect">
@@ -17717,7 +17492,7 @@
             <p:nvPr/>
           </p:nvPicPr>
           <p:blipFill>
-            <a:blip r:embed="rId11" cstate="print">
+            <a:blip r:embed="rId8" cstate="print">
               <a:extLst>
                 <a:ext uri="{28A0092B-C50C-407E-A947-70E740481C1C}">
                   <a14:useLocalDpi xmlns:a14="http://schemas.microsoft.com/office/drawing/2010/main" val="0"/>
@@ -17757,7 +17532,7 @@
             <p:nvPr/>
           </p:nvPicPr>
           <p:blipFill rotWithShape="1">
-            <a:blip r:embed="rId12" cstate="print">
+            <a:blip r:embed="rId9" cstate="print">
               <a:extLst>
                 <a:ext uri="{28A0092B-C50C-407E-A947-70E740481C1C}">
                   <a14:useLocalDpi xmlns:a14="http://schemas.microsoft.com/office/drawing/2010/main" val="0"/>
@@ -17795,13 +17570,13 @@
             <p:nvPr/>
           </p:nvPicPr>
           <p:blipFill>
-            <a:blip r:embed="rId13">
+            <a:blip r:embed="rId10">
               <a:extLst>
                 <a:ext uri="{28A0092B-C50C-407E-A947-70E740481C1C}">
                   <a14:useLocalDpi xmlns:a14="http://schemas.microsoft.com/office/drawing/2010/main" val="0"/>
                 </a:ext>
                 <a:ext uri="{96DAC541-7B7A-43D3-8B79-37D633B846F1}">
-                  <asvg:svgBlip xmlns:asvg="http://schemas.microsoft.com/office/drawing/2016/SVG/main" r:embed="rId14"/>
+                  <asvg:svgBlip xmlns:asvg="http://schemas.microsoft.com/office/drawing/2016/SVG/main" r:embed="rId11"/>
                 </a:ext>
               </a:extLst>
             </a:blip>
